--- a/Documentation/Documentation Frontend/предзащита.pptx
+++ b/Documentation/Documentation Frontend/предзащита.pptx
@@ -8,24 +8,26 @@
     <p:notesMasterId r:id="rId4"/>
   </p:notesMasterIdLst>
   <p:handoutMasterIdLst>
-    <p:handoutMasterId r:id="rId19"/>
+    <p:handoutMasterId r:id="rId21"/>
   </p:handoutMasterIdLst>
   <p:sldIdLst>
     <p:sldId id="256" r:id="rId3"/>
-    <p:sldId id="257" r:id="rId5"/>
-    <p:sldId id="258" r:id="rId6"/>
-    <p:sldId id="259" r:id="rId7"/>
-    <p:sldId id="260" r:id="rId8"/>
-    <p:sldId id="261" r:id="rId9"/>
-    <p:sldId id="262" r:id="rId10"/>
-    <p:sldId id="263" r:id="rId11"/>
-    <p:sldId id="265" r:id="rId12"/>
-    <p:sldId id="266" r:id="rId13"/>
-    <p:sldId id="264" r:id="rId14"/>
-    <p:sldId id="267" r:id="rId15"/>
-    <p:sldId id="268" r:id="rId16"/>
-    <p:sldId id="269" r:id="rId17"/>
-    <p:sldId id="270" r:id="rId18"/>
+    <p:sldId id="272" r:id="rId5"/>
+    <p:sldId id="273" r:id="rId6"/>
+    <p:sldId id="257" r:id="rId7"/>
+    <p:sldId id="276" r:id="rId8"/>
+    <p:sldId id="274" r:id="rId9"/>
+    <p:sldId id="275" r:id="rId10"/>
+    <p:sldId id="260" r:id="rId11"/>
+    <p:sldId id="277" r:id="rId12"/>
+    <p:sldId id="265" r:id="rId13"/>
+    <p:sldId id="266" r:id="rId14"/>
+    <p:sldId id="263" r:id="rId15"/>
+    <p:sldId id="264" r:id="rId16"/>
+    <p:sldId id="267" r:id="rId17"/>
+    <p:sldId id="268" r:id="rId18"/>
+    <p:sldId id="269" r:id="rId19"/>
+    <p:sldId id="270" r:id="rId20"/>
   </p:sldIdLst>
   <p:sldSz cx="12192000" cy="6858000"/>
   <p:notesSz cx="7103745" cy="10234295"/>
@@ -789,282 +791,6 @@
 </file>
 
 <file path=ppt/notesSlides/notesSlide11.xml><?xml version="1.0" encoding="utf-8"?>
-<p:notes xmlns:a="http://schemas.openxmlformats.org/drawingml/2006/main" xmlns:r="http://schemas.openxmlformats.org/officeDocument/2006/relationships" xmlns:p="http://schemas.openxmlformats.org/presentationml/2006/main">
-  <p:cSld>
-    <p:spTree>
-      <p:nvGrpSpPr>
-        <p:cNvPr id="1" name=""/>
-        <p:cNvGrpSpPr/>
-        <p:nvPr/>
-      </p:nvGrpSpPr>
-      <p:grpSpPr/>
-      <p:sp>
-        <p:nvSpPr>
-          <p:cNvPr id="2" name="Замещающий образ слайда 1"/>
-          <p:cNvSpPr>
-            <a:spLocks noGrp="1"/>
-          </p:cNvSpPr>
-          <p:nvPr>
-            <p:ph type="sldImg" idx="2"/>
-          </p:nvPr>
-        </p:nvSpPr>
-        <p:spPr/>
-      </p:sp>
-      <p:sp>
-        <p:nvSpPr>
-          <p:cNvPr id="3" name="Замещающий текст 2"/>
-          <p:cNvSpPr>
-            <a:spLocks noGrp="1"/>
-          </p:cNvSpPr>
-          <p:nvPr>
-            <p:ph type="body" idx="3"/>
-          </p:nvPr>
-        </p:nvSpPr>
-        <p:spPr/>
-        <p:txBody>
-          <a:bodyPr/>
-          <a:p>
-            <a:endParaRPr lang="ru-RU" altLang="en-US"/>
-          </a:p>
-        </p:txBody>
-      </p:sp>
-      <p:sp>
-        <p:nvSpPr>
-          <p:cNvPr id="4" name="Замещающий номер слайда 3"/>
-          <p:cNvSpPr>
-            <a:spLocks noGrp="1"/>
-          </p:cNvSpPr>
-          <p:nvPr>
-            <p:ph type="sldNum" sz="quarter" idx="5"/>
-          </p:nvPr>
-        </p:nvSpPr>
-        <p:spPr/>
-        <p:txBody>
-          <a:bodyPr/>
-          <a:p>
-            <a:fld id="{85D0DACE-38E0-42D2-9336-2B707D34BC6D}" type="slidenum">
-              <a:rPr lang="en-US" smtClean="0"/>
-            </a:fld>
-            <a:endParaRPr lang="en-US"/>
-          </a:p>
-        </p:txBody>
-      </p:sp>
-    </p:spTree>
-  </p:cSld>
-  <p:clrMapOvr>
-    <a:masterClrMapping/>
-  </p:clrMapOvr>
-</p:notes>
-</file>
-
-<file path=ppt/notesSlides/notesSlide12.xml><?xml version="1.0" encoding="utf-8"?>
-<p:notes xmlns:a="http://schemas.openxmlformats.org/drawingml/2006/main" xmlns:r="http://schemas.openxmlformats.org/officeDocument/2006/relationships" xmlns:p="http://schemas.openxmlformats.org/presentationml/2006/main">
-  <p:cSld>
-    <p:spTree>
-      <p:nvGrpSpPr>
-        <p:cNvPr id="1" name=""/>
-        <p:cNvGrpSpPr/>
-        <p:nvPr/>
-      </p:nvGrpSpPr>
-      <p:grpSpPr/>
-      <p:sp>
-        <p:nvSpPr>
-          <p:cNvPr id="2" name="Замещающий образ слайда 1"/>
-          <p:cNvSpPr>
-            <a:spLocks noGrp="1"/>
-          </p:cNvSpPr>
-          <p:nvPr>
-            <p:ph type="sldImg" idx="2"/>
-          </p:nvPr>
-        </p:nvSpPr>
-        <p:spPr/>
-      </p:sp>
-      <p:sp>
-        <p:nvSpPr>
-          <p:cNvPr id="3" name="Замещающий текст 2"/>
-          <p:cNvSpPr>
-            <a:spLocks noGrp="1"/>
-          </p:cNvSpPr>
-          <p:nvPr>
-            <p:ph type="body" idx="3"/>
-          </p:nvPr>
-        </p:nvSpPr>
-        <p:spPr/>
-        <p:txBody>
-          <a:bodyPr/>
-          <a:p>
-            <a:endParaRPr lang="ru-RU" altLang="en-US"/>
-          </a:p>
-        </p:txBody>
-      </p:sp>
-      <p:sp>
-        <p:nvSpPr>
-          <p:cNvPr id="4" name="Замещающий номер слайда 3"/>
-          <p:cNvSpPr>
-            <a:spLocks noGrp="1"/>
-          </p:cNvSpPr>
-          <p:nvPr>
-            <p:ph type="sldNum" sz="quarter" idx="5"/>
-          </p:nvPr>
-        </p:nvSpPr>
-        <p:spPr/>
-        <p:txBody>
-          <a:bodyPr/>
-          <a:p>
-            <a:fld id="{85D0DACE-38E0-42D2-9336-2B707D34BC6D}" type="slidenum">
-              <a:rPr lang="en-US" smtClean="0"/>
-            </a:fld>
-            <a:endParaRPr lang="en-US"/>
-          </a:p>
-        </p:txBody>
-      </p:sp>
-    </p:spTree>
-  </p:cSld>
-  <p:clrMapOvr>
-    <a:masterClrMapping/>
-  </p:clrMapOvr>
-</p:notes>
-</file>
-
-<file path=ppt/notesSlides/notesSlide13.xml><?xml version="1.0" encoding="utf-8"?>
-<p:notes xmlns:a="http://schemas.openxmlformats.org/drawingml/2006/main" xmlns:r="http://schemas.openxmlformats.org/officeDocument/2006/relationships" xmlns:p="http://schemas.openxmlformats.org/presentationml/2006/main">
-  <p:cSld>
-    <p:spTree>
-      <p:nvGrpSpPr>
-        <p:cNvPr id="1" name=""/>
-        <p:cNvGrpSpPr/>
-        <p:nvPr/>
-      </p:nvGrpSpPr>
-      <p:grpSpPr/>
-      <p:sp>
-        <p:nvSpPr>
-          <p:cNvPr id="2" name="Замещающий образ слайда 1"/>
-          <p:cNvSpPr>
-            <a:spLocks noGrp="1"/>
-          </p:cNvSpPr>
-          <p:nvPr>
-            <p:ph type="sldImg" idx="2"/>
-          </p:nvPr>
-        </p:nvSpPr>
-        <p:spPr/>
-      </p:sp>
-      <p:sp>
-        <p:nvSpPr>
-          <p:cNvPr id="3" name="Замещающий текст 2"/>
-          <p:cNvSpPr>
-            <a:spLocks noGrp="1"/>
-          </p:cNvSpPr>
-          <p:nvPr>
-            <p:ph type="body" idx="3"/>
-          </p:nvPr>
-        </p:nvSpPr>
-        <p:spPr/>
-        <p:txBody>
-          <a:bodyPr/>
-          <a:p>
-            <a:endParaRPr lang="ru-RU" altLang="en-US"/>
-          </a:p>
-        </p:txBody>
-      </p:sp>
-      <p:sp>
-        <p:nvSpPr>
-          <p:cNvPr id="4" name="Замещающий номер слайда 3"/>
-          <p:cNvSpPr>
-            <a:spLocks noGrp="1"/>
-          </p:cNvSpPr>
-          <p:nvPr>
-            <p:ph type="sldNum" sz="quarter" idx="5"/>
-          </p:nvPr>
-        </p:nvSpPr>
-        <p:spPr/>
-        <p:txBody>
-          <a:bodyPr/>
-          <a:p>
-            <a:fld id="{85D0DACE-38E0-42D2-9336-2B707D34BC6D}" type="slidenum">
-              <a:rPr lang="en-US" smtClean="0"/>
-            </a:fld>
-            <a:endParaRPr lang="en-US"/>
-          </a:p>
-        </p:txBody>
-      </p:sp>
-    </p:spTree>
-  </p:cSld>
-  <p:clrMapOvr>
-    <a:masterClrMapping/>
-  </p:clrMapOvr>
-</p:notes>
-</file>
-
-<file path=ppt/notesSlides/notesSlide14.xml><?xml version="1.0" encoding="utf-8"?>
-<p:notes xmlns:a="http://schemas.openxmlformats.org/drawingml/2006/main" xmlns:r="http://schemas.openxmlformats.org/officeDocument/2006/relationships" xmlns:p="http://schemas.openxmlformats.org/presentationml/2006/main">
-  <p:cSld>
-    <p:spTree>
-      <p:nvGrpSpPr>
-        <p:cNvPr id="1" name=""/>
-        <p:cNvGrpSpPr/>
-        <p:nvPr/>
-      </p:nvGrpSpPr>
-      <p:grpSpPr/>
-      <p:sp>
-        <p:nvSpPr>
-          <p:cNvPr id="2" name="Замещающий образ слайда 1"/>
-          <p:cNvSpPr>
-            <a:spLocks noGrp="1"/>
-          </p:cNvSpPr>
-          <p:nvPr>
-            <p:ph type="sldImg" idx="2"/>
-          </p:nvPr>
-        </p:nvSpPr>
-        <p:spPr/>
-      </p:sp>
-      <p:sp>
-        <p:nvSpPr>
-          <p:cNvPr id="3" name="Замещающий текст 2"/>
-          <p:cNvSpPr>
-            <a:spLocks noGrp="1"/>
-          </p:cNvSpPr>
-          <p:nvPr>
-            <p:ph type="body" idx="3"/>
-          </p:nvPr>
-        </p:nvSpPr>
-        <p:spPr/>
-        <p:txBody>
-          <a:bodyPr/>
-          <a:p>
-            <a:endParaRPr lang="ru-RU" altLang="en-US"/>
-          </a:p>
-        </p:txBody>
-      </p:sp>
-      <p:sp>
-        <p:nvSpPr>
-          <p:cNvPr id="4" name="Замещающий номер слайда 3"/>
-          <p:cNvSpPr>
-            <a:spLocks noGrp="1"/>
-          </p:cNvSpPr>
-          <p:nvPr>
-            <p:ph type="sldNum" sz="quarter" idx="5"/>
-          </p:nvPr>
-        </p:nvSpPr>
-        <p:spPr/>
-        <p:txBody>
-          <a:bodyPr/>
-          <a:p>
-            <a:fld id="{85D0DACE-38E0-42D2-9336-2B707D34BC6D}" type="slidenum">
-              <a:rPr lang="en-US" smtClean="0"/>
-            </a:fld>
-            <a:endParaRPr lang="en-US"/>
-          </a:p>
-        </p:txBody>
-      </p:sp>
-    </p:spTree>
-  </p:cSld>
-  <p:clrMapOvr>
-    <a:masterClrMapping/>
-  </p:clrMapOvr>
-</p:notes>
-</file>
-
-<file path=ppt/notesSlides/notesSlide15.xml><?xml version="1.0" encoding="utf-8"?>
 <p:notes xmlns:a="http://schemas.openxmlformats.org/drawingml/2006/main" xmlns:r="http://schemas.openxmlformats.org/officeDocument/2006/relationships" xmlns:p="http://schemas.openxmlformats.org/presentationml/2006/main">
   <p:cSld>
     <p:spTree>
@@ -5044,3673 +4770,6 @@
       <p:grpSpPr/>
       <p:sp>
         <p:nvSpPr>
-          <p:cNvPr id="2" name="Заголовок 1"/>
-          <p:cNvSpPr>
-            <a:spLocks noGrp="1"/>
-          </p:cNvSpPr>
-          <p:nvPr>
-            <p:ph type="title"/>
-          </p:nvPr>
-        </p:nvSpPr>
-        <p:spPr/>
-        <p:txBody>
-          <a:bodyPr>
-            <a:normAutofit/>
-          </a:bodyPr>
-          <a:p>
-            <a:r>
-              <a:rPr lang="ru-RU" altLang="en-US" sz="3600" b="0">
-                <a:latin typeface="Times New Roman" panose="02020603050405020304" charset="0"/>
-                <a:cs typeface="Times New Roman" panose="02020603050405020304" charset="0"/>
-                <a:sym typeface="+mn-ea"/>
-              </a:rPr>
-              <a:t>Предлагаемое решение</a:t>
-            </a:r>
-            <a:endParaRPr lang="ru-RU" altLang="en-US" sz="3600" b="0">
-              <a:latin typeface="Times New Roman" panose="02020603050405020304" charset="0"/>
-              <a:cs typeface="Times New Roman" panose="02020603050405020304" charset="0"/>
-            </a:endParaRPr>
-          </a:p>
-        </p:txBody>
-      </p:sp>
-      <p:pic>
-        <p:nvPicPr>
-          <p:cNvPr id="5" name="Замещающее содержимое 4"/>
-          <p:cNvPicPr>
-            <a:picLocks noChangeAspect="1"/>
-          </p:cNvPicPr>
-          <p:nvPr>
-            <p:ph idx="1"/>
-          </p:nvPr>
-        </p:nvPicPr>
-        <p:blipFill>
-          <a:blip r:embed="rId1"/>
-          <a:stretch>
-            <a:fillRect/>
-          </a:stretch>
-        </p:blipFill>
-        <p:spPr>
-          <a:xfrm>
-            <a:off x="133985" y="1717040"/>
-            <a:ext cx="11787505" cy="2617470"/>
-          </a:xfrm>
-          <a:prstGeom prst="rect">
-            <a:avLst/>
-          </a:prstGeom>
-        </p:spPr>
-      </p:pic>
-      <p:sp>
-        <p:nvSpPr>
-          <p:cNvPr id="6" name="Замещающий номер слайда 5"/>
-          <p:cNvSpPr>
-            <a:spLocks noGrp="1"/>
-          </p:cNvSpPr>
-          <p:nvPr>
-            <p:ph type="sldNum" sz="quarter" idx="12"/>
-          </p:nvPr>
-        </p:nvSpPr>
-        <p:spPr/>
-        <p:txBody>
-          <a:bodyPr>
-            <a:noAutofit/>
-          </a:bodyPr>
-          <a:p>
-            <a:fld id="{49AE70B2-8BF9-45C0-BB95-33D1B9D3A854}" type="slidenum">
-              <a:rPr lang="en-US" sz="3200" smtClean="0"/>
-            </a:fld>
-            <a:endParaRPr lang="en-US" sz="3200" smtClean="0"/>
-          </a:p>
-        </p:txBody>
-      </p:sp>
-      <p:sp>
-        <p:nvSpPr>
-          <p:cNvPr id="4" name="Текстовое поле 3"/>
-          <p:cNvSpPr txBox="1"/>
-          <p:nvPr/>
-        </p:nvSpPr>
-        <p:spPr>
-          <a:xfrm>
-            <a:off x="1894205" y="4768215"/>
-            <a:ext cx="7359015" cy="368300"/>
-          </a:xfrm>
-          <a:prstGeom prst="rect">
-            <a:avLst/>
-          </a:prstGeom>
-          <a:noFill/>
-        </p:spPr>
-        <p:txBody>
-          <a:bodyPr wrap="square" rtlCol="0" anchor="t">
-            <a:spAutoFit/>
-          </a:bodyPr>
-          <a:p>
-            <a:r>
-              <a:rPr lang="ru-RU" altLang="en-US">
-                <a:latin typeface="Times New Roman" panose="02020603050405020304" charset="0"/>
-                <a:cs typeface="Times New Roman" panose="02020603050405020304" charset="0"/>
-              </a:rPr>
-              <a:t>Схема 2. </a:t>
-            </a:r>
-            <a:r>
-              <a:rPr lang="en-US" altLang="en-US">
-                <a:latin typeface="Times New Roman" panose="02020603050405020304" charset="0"/>
-                <a:cs typeface="Times New Roman" panose="02020603050405020304" charset="0"/>
-              </a:rPr>
-              <a:t>idef0 </a:t>
-            </a:r>
-            <a:r>
-              <a:rPr lang="ru-RU" altLang="en-US">
-                <a:latin typeface="Times New Roman" panose="02020603050405020304" charset="0"/>
-                <a:cs typeface="Times New Roman" panose="02020603050405020304" charset="0"/>
-              </a:rPr>
-              <a:t>для решения поставленной задачи (продолжение)</a:t>
-            </a:r>
-            <a:endParaRPr lang="ru-RU" altLang="en-US">
-              <a:latin typeface="Times New Roman" panose="02020603050405020304" charset="0"/>
-              <a:cs typeface="Times New Roman" panose="02020603050405020304" charset="0"/>
-            </a:endParaRPr>
-          </a:p>
-        </p:txBody>
-      </p:sp>
-    </p:spTree>
-  </p:cSld>
-  <p:clrMapOvr>
-    <a:masterClrMapping/>
-  </p:clrMapOvr>
-</p:sld>
-</file>
-
-<file path=ppt/slides/slide11.xml><?xml version="1.0" encoding="utf-8"?>
-<p:sld xmlns:a="http://schemas.openxmlformats.org/drawingml/2006/main" xmlns:r="http://schemas.openxmlformats.org/officeDocument/2006/relationships" xmlns:p="http://schemas.openxmlformats.org/presentationml/2006/main">
-  <p:cSld>
-    <p:spTree>
-      <p:nvGrpSpPr>
-        <p:cNvPr id="1" name=""/>
-        <p:cNvGrpSpPr/>
-        <p:nvPr/>
-      </p:nvGrpSpPr>
-      <p:grpSpPr/>
-      <p:sp>
-        <p:nvSpPr>
-          <p:cNvPr id="2" name="Замещающее содержимое 1"/>
-          <p:cNvSpPr>
-            <a:spLocks noGrp="1"/>
-          </p:cNvSpPr>
-          <p:nvPr>
-            <p:ph sz="quarter" idx="13"/>
-          </p:nvPr>
-        </p:nvSpPr>
-        <p:spPr/>
-        <p:txBody>
-          <a:bodyPr>
-            <a:normAutofit lnSpcReduction="10000"/>
-          </a:bodyPr>
-          <a:p>
-            <a:pPr>
-              <a:buFont typeface="Arial" panose="020B0604020202020204" pitchFamily="34" charset="0"/>
-            </a:pPr>
-            <a:r>
-              <a:rPr lang="ru-RU" altLang="en-US" sz="3600">
-                <a:latin typeface="Times New Roman" panose="02020603050405020304" charset="0"/>
-                <a:cs typeface="Times New Roman" panose="02020603050405020304" charset="0"/>
-              </a:rPr>
-              <a:t>Входные данные</a:t>
-            </a:r>
-            <a:r>
-              <a:rPr lang="en-US" altLang="en-US" sz="3600">
-                <a:latin typeface="Times New Roman" panose="02020603050405020304" charset="0"/>
-                <a:cs typeface="Times New Roman" panose="02020603050405020304" charset="0"/>
-              </a:rPr>
-              <a:t>:</a:t>
-            </a:r>
-            <a:br>
-              <a:rPr lang="en-US" altLang="en-US"/>
-            </a:br>
-            <a:endParaRPr lang="en-US" altLang="en-US"/>
-          </a:p>
-          <a:p>
-            <a:pPr marL="457200" indent="-457200">
-              <a:buFont typeface="Arial" panose="020B0604020202020204" pitchFamily="34" charset="0"/>
-              <a:buChar char="•"/>
-            </a:pPr>
-            <a:r>
-              <a:rPr lang="en-US" altLang="en-US" sz="2400">
-                <a:latin typeface="Times New Roman" panose="02020603050405020304" charset="0"/>
-                <a:cs typeface="Times New Roman" panose="02020603050405020304" charset="0"/>
-              </a:rPr>
-              <a:t>Информация о тренировках: тип упражнений, длительность тренировки, интенсивность упражнений</a:t>
-            </a:r>
-            <a:r>
-              <a:rPr lang="ru-RU" altLang="en-US" sz="2400">
-                <a:latin typeface="Times New Roman" panose="02020603050405020304" charset="0"/>
-                <a:cs typeface="Times New Roman" panose="02020603050405020304" charset="0"/>
-              </a:rPr>
-              <a:t>, тип комплекса, данные о созданных упражнениях</a:t>
-            </a:r>
-            <a:r>
-              <a:rPr lang="en-US" altLang="en-US" sz="2400">
-                <a:latin typeface="Times New Roman" panose="02020603050405020304" charset="0"/>
-                <a:cs typeface="Times New Roman" panose="02020603050405020304" charset="0"/>
-              </a:rPr>
-              <a:t>.</a:t>
-            </a:r>
-            <a:endParaRPr lang="en-US" altLang="en-US" sz="2400">
-              <a:latin typeface="Times New Roman" panose="02020603050405020304" charset="0"/>
-              <a:cs typeface="Times New Roman" panose="02020603050405020304" charset="0"/>
-            </a:endParaRPr>
-          </a:p>
-          <a:p>
-            <a:pPr marL="457200" indent="-457200">
-              <a:buFont typeface="Arial" panose="020B0604020202020204" pitchFamily="34" charset="0"/>
-              <a:buChar char="•"/>
-            </a:pPr>
-            <a:r>
-              <a:rPr lang="ru-RU" altLang="en-US" sz="2400">
-                <a:latin typeface="Times New Roman" panose="02020603050405020304" charset="0"/>
-                <a:cs typeface="Times New Roman" panose="02020603050405020304" charset="0"/>
-              </a:rPr>
-              <a:t>Персональные данные пользователя (имя, </a:t>
-            </a:r>
-            <a:r>
-              <a:rPr lang="en-US" altLang="en-US" sz="2400">
-                <a:latin typeface="Times New Roman" panose="02020603050405020304" charset="0"/>
-                <a:cs typeface="Times New Roman" panose="02020603050405020304" charset="0"/>
-              </a:rPr>
-              <a:t>email, </a:t>
-            </a:r>
-            <a:r>
-              <a:rPr lang="ru-RU" altLang="en-US" sz="2400">
-                <a:latin typeface="Times New Roman" panose="02020603050405020304" charset="0"/>
-                <a:cs typeface="Times New Roman" panose="02020603050405020304" charset="0"/>
-              </a:rPr>
-              <a:t>пароль)</a:t>
-            </a:r>
-            <a:endParaRPr lang="ru-RU" altLang="en-US" sz="2400">
-              <a:latin typeface="Times New Roman" panose="02020603050405020304" charset="0"/>
-              <a:cs typeface="Times New Roman" panose="02020603050405020304" charset="0"/>
-            </a:endParaRPr>
-          </a:p>
-          <a:p>
-            <a:pPr>
-              <a:buFont typeface="Arial" panose="020B0604020202020204" pitchFamily="34" charset="0"/>
-            </a:pPr>
-            <a:r>
-              <a:rPr lang="ru-RU" altLang="en-US" sz="2400">
-                <a:latin typeface="Times New Roman" panose="02020603050405020304" charset="0"/>
-                <a:cs typeface="Times New Roman" panose="02020603050405020304" charset="0"/>
-              </a:rPr>
-              <a:t>Выходные данные</a:t>
-            </a:r>
-            <a:r>
-              <a:rPr lang="en-US" altLang="en-US" sz="2400">
-                <a:latin typeface="Times New Roman" panose="02020603050405020304" charset="0"/>
-                <a:cs typeface="Times New Roman" panose="02020603050405020304" charset="0"/>
-              </a:rPr>
-              <a:t>:</a:t>
-            </a:r>
-            <a:endParaRPr lang="en-US" altLang="en-US" sz="2400">
-              <a:latin typeface="Times New Roman" panose="02020603050405020304" charset="0"/>
-              <a:cs typeface="Times New Roman" panose="02020603050405020304" charset="0"/>
-            </a:endParaRPr>
-          </a:p>
-          <a:p>
-            <a:pPr marL="457200" indent="-457200">
-              <a:buFont typeface="Arial" panose="020B0604020202020204" pitchFamily="34" charset="0"/>
-              <a:buChar char="•"/>
-            </a:pPr>
-            <a:r>
-              <a:rPr lang="en-US" altLang="en-US" sz="2400">
-                <a:latin typeface="Times New Roman" panose="02020603050405020304" charset="0"/>
-                <a:cs typeface="Times New Roman" panose="02020603050405020304" charset="0"/>
-              </a:rPr>
-              <a:t>Персонализированный тренировочный план: упражнения, количество повторений и подходов, длительность тренировок.</a:t>
-            </a:r>
-            <a:endParaRPr lang="en-US" altLang="en-US" sz="2400">
-              <a:latin typeface="Times New Roman" panose="02020603050405020304" charset="0"/>
-              <a:cs typeface="Times New Roman" panose="02020603050405020304" charset="0"/>
-            </a:endParaRPr>
-          </a:p>
-          <a:p>
-            <a:pPr marL="457200" indent="-457200">
-              <a:buFont typeface="Arial" panose="020B0604020202020204" pitchFamily="34" charset="0"/>
-              <a:buChar char="•"/>
-            </a:pPr>
-            <a:r>
-              <a:rPr lang="en-US" altLang="en-US" sz="2400">
-                <a:latin typeface="Times New Roman" panose="02020603050405020304" charset="0"/>
-                <a:cs typeface="Times New Roman" panose="02020603050405020304" charset="0"/>
-              </a:rPr>
-              <a:t>Статистика прогресса: изменения веса, </a:t>
-            </a:r>
-            <a:r>
-              <a:rPr lang="ru-RU" altLang="en-US" sz="2400">
-                <a:latin typeface="Times New Roman" panose="02020603050405020304" charset="0"/>
-                <a:cs typeface="Times New Roman" panose="02020603050405020304" charset="0"/>
-              </a:rPr>
-              <a:t>6</a:t>
-            </a:r>
-            <a:r>
-              <a:rPr lang="en-US" altLang="en-US" sz="2400">
-                <a:latin typeface="Times New Roman" panose="02020603050405020304" charset="0"/>
-                <a:cs typeface="Times New Roman" panose="02020603050405020304" charset="0"/>
-              </a:rPr>
-              <a:t> мышц, уровня физической активности.</a:t>
-            </a:r>
-            <a:endParaRPr lang="en-US" altLang="en-US" sz="2400">
-              <a:latin typeface="Times New Roman" panose="02020603050405020304" charset="0"/>
-              <a:cs typeface="Times New Roman" panose="02020603050405020304" charset="0"/>
-            </a:endParaRPr>
-          </a:p>
-          <a:p>
-            <a:pPr marL="457200" indent="-457200">
-              <a:buFont typeface="Arial" panose="020B0604020202020204" pitchFamily="34" charset="0"/>
-              <a:buChar char="•"/>
-            </a:pPr>
-            <a:r>
-              <a:rPr lang="ru-RU" altLang="en-US" sz="2400">
-                <a:latin typeface="Times New Roman" panose="02020603050405020304" charset="0"/>
-                <a:cs typeface="Times New Roman" panose="02020603050405020304" charset="0"/>
-              </a:rPr>
-              <a:t>История занятий, данные по выполненным подходам, комплексам упражнений и типам упражнений</a:t>
-            </a:r>
-            <a:endParaRPr lang="ru-RU" altLang="en-US" sz="2400">
-              <a:latin typeface="Times New Roman" panose="02020603050405020304" charset="0"/>
-              <a:cs typeface="Times New Roman" panose="02020603050405020304" charset="0"/>
-            </a:endParaRPr>
-          </a:p>
-        </p:txBody>
-      </p:sp>
-      <p:sp>
-        <p:nvSpPr>
-          <p:cNvPr id="3" name="Замещающий номер слайда 2"/>
-          <p:cNvSpPr>
-            <a:spLocks noGrp="1"/>
-          </p:cNvSpPr>
-          <p:nvPr>
-            <p:ph type="sldNum" sz="quarter" idx="12"/>
-          </p:nvPr>
-        </p:nvSpPr>
-        <p:spPr/>
-        <p:txBody>
-          <a:bodyPr>
-            <a:noAutofit/>
-          </a:bodyPr>
-          <a:p>
-            <a:fld id="{49AE70B2-8BF9-45C0-BB95-33D1B9D3A854}" type="slidenum">
-              <a:rPr lang="en-US" sz="3200" smtClean="0"/>
-            </a:fld>
-            <a:endParaRPr lang="en-US" sz="3200" smtClean="0"/>
-          </a:p>
-        </p:txBody>
-      </p:sp>
-    </p:spTree>
-  </p:cSld>
-  <p:clrMapOvr>
-    <a:masterClrMapping/>
-  </p:clrMapOvr>
-</p:sld>
-</file>
-
-<file path=ppt/slides/slide12.xml><?xml version="1.0" encoding="utf-8"?>
-<p:sld xmlns:a="http://schemas.openxmlformats.org/drawingml/2006/main" xmlns:r="http://schemas.openxmlformats.org/officeDocument/2006/relationships" xmlns:p="http://schemas.openxmlformats.org/presentationml/2006/main">
-  <p:cSld>
-    <p:spTree>
-      <p:nvGrpSpPr>
-        <p:cNvPr id="1" name=""/>
-        <p:cNvGrpSpPr/>
-        <p:nvPr/>
-      </p:nvGrpSpPr>
-      <p:grpSpPr/>
-      <p:sp>
-        <p:nvSpPr>
-          <p:cNvPr id="2" name="Замещающее содержимое 1"/>
-          <p:cNvSpPr>
-            <a:spLocks noGrp="1"/>
-          </p:cNvSpPr>
-          <p:nvPr>
-            <p:ph sz="quarter" idx="13"/>
-          </p:nvPr>
-        </p:nvSpPr>
-        <p:spPr/>
-        <p:txBody>
-          <a:bodyPr/>
-          <a:p>
-            <a:r>
-              <a:rPr lang="ru-RU" altLang="en-US" sz="3600">
-                <a:latin typeface="Times New Roman" panose="02020603050405020304" charset="0"/>
-                <a:cs typeface="Times New Roman" panose="02020603050405020304" charset="0"/>
-              </a:rPr>
-              <a:t>Инструментальные средства</a:t>
-            </a:r>
-            <a:endParaRPr lang="ru-RU" altLang="en-US" sz="3600">
-              <a:latin typeface="Times New Roman" panose="02020603050405020304" charset="0"/>
-              <a:cs typeface="Times New Roman" panose="02020603050405020304" charset="0"/>
-            </a:endParaRPr>
-          </a:p>
-          <a:p>
-            <a:pPr marL="457200" indent="-457200">
-              <a:buFont typeface="Arial" panose="020B0604020202020204" pitchFamily="34" charset="0"/>
-              <a:buChar char="•"/>
-            </a:pPr>
-            <a:r>
-              <a:rPr lang="en-US" altLang="en-US" sz="2400">
-                <a:latin typeface="Times New Roman" panose="02020603050405020304" charset="0"/>
-                <a:cs typeface="Times New Roman" panose="02020603050405020304" charset="0"/>
-              </a:rPr>
-              <a:t>Android Studio</a:t>
-            </a:r>
-            <a:endParaRPr lang="en-US" altLang="en-US" sz="2400">
-              <a:latin typeface="Times New Roman" panose="02020603050405020304" charset="0"/>
-              <a:cs typeface="Times New Roman" panose="02020603050405020304" charset="0"/>
-            </a:endParaRPr>
-          </a:p>
-          <a:p>
-            <a:pPr marL="457200" indent="-457200">
-              <a:buFont typeface="Arial" panose="020B0604020202020204" pitchFamily="34" charset="0"/>
-              <a:buChar char="•"/>
-            </a:pPr>
-            <a:r>
-              <a:rPr lang="en-US" altLang="en-US" sz="2400">
-                <a:latin typeface="Times New Roman" panose="02020603050405020304" charset="0"/>
-                <a:cs typeface="Times New Roman" panose="02020603050405020304" charset="0"/>
-              </a:rPr>
-              <a:t>Jetpack Compose</a:t>
-            </a:r>
-            <a:endParaRPr lang="en-US" altLang="en-US" sz="2400">
-              <a:latin typeface="Times New Roman" panose="02020603050405020304" charset="0"/>
-              <a:cs typeface="Times New Roman" panose="02020603050405020304" charset="0"/>
-            </a:endParaRPr>
-          </a:p>
-          <a:p>
-            <a:pPr marL="457200" indent="-457200">
-              <a:buFont typeface="Arial" panose="020B0604020202020204" pitchFamily="34" charset="0"/>
-              <a:buChar char="•"/>
-            </a:pPr>
-            <a:r>
-              <a:rPr lang="en-US" altLang="en-US" sz="2400">
-                <a:latin typeface="Times New Roman" panose="02020603050405020304" charset="0"/>
-                <a:cs typeface="Times New Roman" panose="02020603050405020304" charset="0"/>
-              </a:rPr>
-              <a:t>Kotlin</a:t>
-            </a:r>
-            <a:endParaRPr lang="en-US" altLang="en-US" sz="2400">
-              <a:latin typeface="Times New Roman" panose="02020603050405020304" charset="0"/>
-              <a:cs typeface="Times New Roman" panose="02020603050405020304" charset="0"/>
-            </a:endParaRPr>
-          </a:p>
-          <a:p>
-            <a:pPr marL="457200" indent="-457200">
-              <a:buFont typeface="Arial" panose="020B0604020202020204" pitchFamily="34" charset="0"/>
-              <a:buChar char="•"/>
-            </a:pPr>
-            <a:r>
-              <a:rPr lang="en-US" altLang="en-US" sz="2400">
-                <a:latin typeface="Times New Roman" panose="02020603050405020304" charset="0"/>
-                <a:cs typeface="Times New Roman" panose="02020603050405020304" charset="0"/>
-              </a:rPr>
-              <a:t>Retrofit</a:t>
-            </a:r>
-            <a:endParaRPr lang="en-US" altLang="en-US" sz="2400">
-              <a:latin typeface="Times New Roman" panose="02020603050405020304" charset="0"/>
-              <a:cs typeface="Times New Roman" panose="02020603050405020304" charset="0"/>
-            </a:endParaRPr>
-          </a:p>
-          <a:p>
-            <a:pPr marL="457200" indent="-457200">
-              <a:buFont typeface="Arial" panose="020B0604020202020204" pitchFamily="34" charset="0"/>
-              <a:buChar char="•"/>
-            </a:pPr>
-            <a:r>
-              <a:rPr lang="en-US" altLang="en-US" sz="2400">
-                <a:latin typeface="Times New Roman" panose="02020603050405020304" charset="0"/>
-                <a:cs typeface="Times New Roman" panose="02020603050405020304" charset="0"/>
-              </a:rPr>
-              <a:t>MVVC</a:t>
-            </a:r>
-            <a:endParaRPr lang="en-US" altLang="en-US" sz="2400">
-              <a:latin typeface="Times New Roman" panose="02020603050405020304" charset="0"/>
-              <a:cs typeface="Times New Roman" panose="02020603050405020304" charset="0"/>
-            </a:endParaRPr>
-          </a:p>
-        </p:txBody>
-      </p:sp>
-      <p:sp>
-        <p:nvSpPr>
-          <p:cNvPr id="3" name="Замещающий номер слайда 2"/>
-          <p:cNvSpPr>
-            <a:spLocks noGrp="1"/>
-          </p:cNvSpPr>
-          <p:nvPr>
-            <p:ph type="sldNum" sz="quarter" idx="12"/>
-          </p:nvPr>
-        </p:nvSpPr>
-        <p:spPr/>
-        <p:txBody>
-          <a:bodyPr>
-            <a:noAutofit/>
-          </a:bodyPr>
-          <a:p>
-            <a:fld id="{49AE70B2-8BF9-45C0-BB95-33D1B9D3A854}" type="slidenum">
-              <a:rPr lang="en-US" sz="3200" smtClean="0"/>
-            </a:fld>
-            <a:endParaRPr lang="en-US" sz="3200" smtClean="0"/>
-          </a:p>
-        </p:txBody>
-      </p:sp>
-    </p:spTree>
-  </p:cSld>
-  <p:clrMapOvr>
-    <a:masterClrMapping/>
-  </p:clrMapOvr>
-</p:sld>
-</file>
-
-<file path=ppt/slides/slide13.xml><?xml version="1.0" encoding="utf-8"?>
-<p:sld xmlns:a="http://schemas.openxmlformats.org/drawingml/2006/main" xmlns:r="http://schemas.openxmlformats.org/officeDocument/2006/relationships" xmlns:p="http://schemas.openxmlformats.org/presentationml/2006/main">
-  <p:cSld>
-    <p:spTree>
-      <p:nvGrpSpPr>
-        <p:cNvPr id="1" name=""/>
-        <p:cNvGrpSpPr/>
-        <p:nvPr/>
-      </p:nvGrpSpPr>
-      <p:grpSpPr/>
-      <p:sp>
-        <p:nvSpPr>
-          <p:cNvPr id="4" name="Заголовок 3"/>
-          <p:cNvSpPr>
-            <a:spLocks noGrp="1"/>
-          </p:cNvSpPr>
-          <p:nvPr>
-            <p:ph type="title"/>
-          </p:nvPr>
-        </p:nvSpPr>
-        <p:spPr/>
-        <p:txBody>
-          <a:bodyPr/>
-          <a:p>
-            <a:r>
-              <a:rPr lang="ru-RU" altLang="en-US" sz="3600">
-                <a:latin typeface="Times New Roman" panose="02020603050405020304" charset="0"/>
-                <a:cs typeface="Times New Roman" panose="02020603050405020304" charset="0"/>
-                <a:sym typeface="+mn-ea"/>
-              </a:rPr>
-              <a:t>Абстрактная структура классов</a:t>
-            </a:r>
-            <a:endParaRPr lang="ru-RU" altLang="en-US" sz="3600">
-              <a:latin typeface="Times New Roman" panose="02020603050405020304" charset="0"/>
-              <a:cs typeface="Times New Roman" panose="02020603050405020304" charset="0"/>
-            </a:endParaRPr>
-          </a:p>
-        </p:txBody>
-      </p:sp>
-      <p:pic>
-        <p:nvPicPr>
-          <p:cNvPr id="6" name="Замещающее содержимое 5"/>
-          <p:cNvPicPr>
-            <a:picLocks noChangeAspect="1"/>
-          </p:cNvPicPr>
-          <p:nvPr>
-            <p:ph sz="half" idx="2"/>
-          </p:nvPr>
-        </p:nvPicPr>
-        <p:blipFill>
-          <a:blip r:embed="rId1"/>
-          <a:stretch>
-            <a:fillRect/>
-          </a:stretch>
-        </p:blipFill>
-        <p:spPr>
-          <a:xfrm>
-            <a:off x="1972310" y="1584325"/>
-            <a:ext cx="7124700" cy="4123690"/>
-          </a:xfrm>
-          <a:prstGeom prst="rect">
-            <a:avLst/>
-          </a:prstGeom>
-        </p:spPr>
-      </p:pic>
-      <p:sp>
-        <p:nvSpPr>
-          <p:cNvPr id="7" name="Замещающий номер слайда 6"/>
-          <p:cNvSpPr>
-            <a:spLocks noGrp="1"/>
-          </p:cNvSpPr>
-          <p:nvPr>
-            <p:ph type="sldNum" sz="quarter" idx="12"/>
-          </p:nvPr>
-        </p:nvSpPr>
-        <p:spPr/>
-        <p:txBody>
-          <a:bodyPr>
-            <a:noAutofit/>
-          </a:bodyPr>
-          <a:p>
-            <a:fld id="{49AE70B2-8BF9-45C0-BB95-33D1B9D3A854}" type="slidenum">
-              <a:rPr lang="en-US" sz="3200" smtClean="0"/>
-            </a:fld>
-            <a:endParaRPr lang="en-US" sz="3200" smtClean="0"/>
-          </a:p>
-        </p:txBody>
-      </p:sp>
-      <p:sp>
-        <p:nvSpPr>
-          <p:cNvPr id="2" name="Текстовое поле 1"/>
-          <p:cNvSpPr txBox="1"/>
-          <p:nvPr/>
-        </p:nvSpPr>
-        <p:spPr>
-          <a:xfrm>
-            <a:off x="1824355" y="5915025"/>
-            <a:ext cx="7359015" cy="368300"/>
-          </a:xfrm>
-          <a:prstGeom prst="rect">
-            <a:avLst/>
-          </a:prstGeom>
-          <a:noFill/>
-        </p:spPr>
-        <p:txBody>
-          <a:bodyPr wrap="square" rtlCol="0" anchor="t">
-            <a:spAutoFit/>
-          </a:bodyPr>
-          <a:p>
-            <a:r>
-              <a:rPr lang="ru-RU" altLang="en-US">
-                <a:latin typeface="Times New Roman" panose="02020603050405020304" charset="0"/>
-                <a:cs typeface="Times New Roman" panose="02020603050405020304" charset="0"/>
-              </a:rPr>
-              <a:t>Схема 3. Абстрактная структура программы на уровне классов</a:t>
-            </a:r>
-            <a:endParaRPr lang="ru-RU" altLang="en-US">
-              <a:latin typeface="Times New Roman" panose="02020603050405020304" charset="0"/>
-              <a:cs typeface="Times New Roman" panose="02020603050405020304" charset="0"/>
-            </a:endParaRPr>
-          </a:p>
-        </p:txBody>
-      </p:sp>
-    </p:spTree>
-  </p:cSld>
-  <p:clrMapOvr>
-    <a:masterClrMapping/>
-  </p:clrMapOvr>
-</p:sld>
-</file>
-
-<file path=ppt/slides/slide14.xml><?xml version="1.0" encoding="utf-8"?>
-<p:sld xmlns:a="http://schemas.openxmlformats.org/drawingml/2006/main" xmlns:r="http://schemas.openxmlformats.org/officeDocument/2006/relationships" xmlns:p="http://schemas.openxmlformats.org/presentationml/2006/main">
-  <p:cSld>
-    <p:spTree>
-      <p:nvGrpSpPr>
-        <p:cNvPr id="1" name=""/>
-        <p:cNvGrpSpPr/>
-        <p:nvPr/>
-      </p:nvGrpSpPr>
-      <p:grpSpPr/>
-      <p:sp>
-        <p:nvSpPr>
-          <p:cNvPr id="2" name="Заголовок 1"/>
-          <p:cNvSpPr>
-            <a:spLocks noGrp="1"/>
-          </p:cNvSpPr>
-          <p:nvPr>
-            <p:ph type="title"/>
-          </p:nvPr>
-        </p:nvSpPr>
-        <p:spPr/>
-        <p:txBody>
-          <a:bodyPr/>
-          <a:p>
-            <a:r>
-              <a:rPr lang="ru-RU" altLang="en-US" sz="3600"/>
-              <a:t>Степень выполнения работ</a:t>
-            </a:r>
-            <a:endParaRPr lang="ru-RU" altLang="en-US" sz="3600"/>
-          </a:p>
-        </p:txBody>
-      </p:sp>
-      <p:sp>
-        <p:nvSpPr>
-          <p:cNvPr id="3" name="Замещающее содержимое 2"/>
-          <p:cNvSpPr>
-            <a:spLocks noGrp="1"/>
-          </p:cNvSpPr>
-          <p:nvPr>
-            <p:ph sz="half" idx="1"/>
-          </p:nvPr>
-        </p:nvSpPr>
-        <p:spPr/>
-        <p:txBody>
-          <a:bodyPr/>
-          <a:p>
-            <a:pPr marL="457200" indent="-457200">
-              <a:buFont typeface="Arial" panose="020B0604020202020204" pitchFamily="34" charset="0"/>
-              <a:buChar char="•"/>
-            </a:pPr>
-            <a:r>
-              <a:rPr lang="ru-RU" altLang="en-US" sz="2400">
-                <a:solidFill>
-                  <a:schemeClr val="tx1"/>
-                </a:solidFill>
-                <a:latin typeface="Times New Roman" panose="02020603050405020304" charset="0"/>
-                <a:cs typeface="Times New Roman" panose="02020603050405020304" charset="0"/>
-              </a:rPr>
-              <a:t>ТЗ - 55</a:t>
-            </a:r>
-            <a:r>
-              <a:rPr lang="en-US" altLang="en-US" sz="2400">
-                <a:solidFill>
-                  <a:schemeClr val="tx1"/>
-                </a:solidFill>
-                <a:latin typeface="Times New Roman" panose="02020603050405020304" charset="0"/>
-                <a:cs typeface="Times New Roman" panose="02020603050405020304" charset="0"/>
-              </a:rPr>
-              <a:t>%</a:t>
-            </a:r>
-            <a:endParaRPr lang="en-US" altLang="en-US" sz="2400">
-              <a:solidFill>
-                <a:schemeClr val="tx1"/>
-              </a:solidFill>
-              <a:latin typeface="Times New Roman" panose="02020603050405020304" charset="0"/>
-              <a:cs typeface="Times New Roman" panose="02020603050405020304" charset="0"/>
-            </a:endParaRPr>
-          </a:p>
-          <a:p>
-            <a:pPr marL="457200" indent="-457200">
-              <a:buFont typeface="Arial" panose="020B0604020202020204" pitchFamily="34" charset="0"/>
-              <a:buChar char="•"/>
-            </a:pPr>
-            <a:r>
-              <a:rPr lang="ru-RU" altLang="en-US" sz="2400">
-                <a:solidFill>
-                  <a:schemeClr val="tx1"/>
-                </a:solidFill>
-                <a:latin typeface="Times New Roman" panose="02020603050405020304" charset="0"/>
-                <a:cs typeface="Times New Roman" panose="02020603050405020304" charset="0"/>
-              </a:rPr>
-              <a:t>ПЗ - 55</a:t>
-            </a:r>
-            <a:r>
-              <a:rPr lang="en-US" altLang="en-US" sz="2400">
-                <a:solidFill>
-                  <a:schemeClr val="tx1"/>
-                </a:solidFill>
-                <a:latin typeface="Times New Roman" panose="02020603050405020304" charset="0"/>
-                <a:cs typeface="Times New Roman" panose="02020603050405020304" charset="0"/>
-              </a:rPr>
-              <a:t>%</a:t>
-            </a:r>
-            <a:endParaRPr lang="en-US" altLang="en-US" sz="2400">
-              <a:solidFill>
-                <a:schemeClr val="tx1"/>
-              </a:solidFill>
-              <a:latin typeface="Times New Roman" panose="02020603050405020304" charset="0"/>
-              <a:cs typeface="Times New Roman" panose="02020603050405020304" charset="0"/>
-            </a:endParaRPr>
-          </a:p>
-          <a:p>
-            <a:pPr marL="457200" indent="-457200">
-              <a:buFont typeface="Arial" panose="020B0604020202020204" pitchFamily="34" charset="0"/>
-              <a:buChar char="•"/>
-            </a:pPr>
-            <a:r>
-              <a:rPr lang="ru-RU" altLang="en-US" sz="2400">
-                <a:solidFill>
-                  <a:schemeClr val="tx1"/>
-                </a:solidFill>
-                <a:latin typeface="Times New Roman" panose="02020603050405020304" charset="0"/>
-                <a:cs typeface="Times New Roman" panose="02020603050405020304" charset="0"/>
-              </a:rPr>
-              <a:t>Программа - 60</a:t>
-            </a:r>
-            <a:r>
-              <a:rPr lang="en-US" altLang="en-US" sz="2400">
-                <a:solidFill>
-                  <a:schemeClr val="tx1"/>
-                </a:solidFill>
-                <a:latin typeface="Times New Roman" panose="02020603050405020304" charset="0"/>
-                <a:cs typeface="Times New Roman" panose="02020603050405020304" charset="0"/>
-              </a:rPr>
-              <a:t>%</a:t>
-            </a:r>
-            <a:endParaRPr lang="en-US" altLang="en-US" sz="2400">
-              <a:solidFill>
-                <a:schemeClr val="tx1"/>
-              </a:solidFill>
-              <a:latin typeface="Times New Roman" panose="02020603050405020304" charset="0"/>
-              <a:cs typeface="Times New Roman" panose="02020603050405020304" charset="0"/>
-            </a:endParaRPr>
-          </a:p>
-        </p:txBody>
-      </p:sp>
-      <p:sp>
-        <p:nvSpPr>
-          <p:cNvPr id="5" name="Замещающий номер слайда 4"/>
-          <p:cNvSpPr>
-            <a:spLocks noGrp="1"/>
-          </p:cNvSpPr>
-          <p:nvPr>
-            <p:ph type="sldNum" sz="quarter" idx="12"/>
-          </p:nvPr>
-        </p:nvSpPr>
-        <p:spPr/>
-        <p:txBody>
-          <a:bodyPr>
-            <a:noAutofit/>
-          </a:bodyPr>
-          <a:p>
-            <a:fld id="{49AE70B2-8BF9-45C0-BB95-33D1B9D3A854}" type="slidenum">
-              <a:rPr lang="en-US" sz="3200" smtClean="0"/>
-            </a:fld>
-            <a:endParaRPr lang="en-US" sz="3200" smtClean="0"/>
-          </a:p>
-        </p:txBody>
-      </p:sp>
-    </p:spTree>
-  </p:cSld>
-  <p:clrMapOvr>
-    <a:masterClrMapping/>
-  </p:clrMapOvr>
-</p:sld>
-</file>
-
-<file path=ppt/slides/slide15.xml><?xml version="1.0" encoding="utf-8"?>
-<p:sld xmlns:a="http://schemas.openxmlformats.org/drawingml/2006/main" xmlns:r="http://schemas.openxmlformats.org/officeDocument/2006/relationships" xmlns:p="http://schemas.openxmlformats.org/presentationml/2006/main">
-  <p:cSld>
-    <p:spTree>
-      <p:nvGrpSpPr>
-        <p:cNvPr id="1" name=""/>
-        <p:cNvGrpSpPr/>
-        <p:nvPr/>
-      </p:nvGrpSpPr>
-      <p:grpSpPr/>
-      <p:sp>
-        <p:nvSpPr>
-          <p:cNvPr id="2" name="Заголовок 1"/>
-          <p:cNvSpPr>
-            <a:spLocks noGrp="1"/>
-          </p:cNvSpPr>
-          <p:nvPr>
-            <p:ph type="title"/>
-          </p:nvPr>
-        </p:nvSpPr>
-        <p:spPr>
-          <a:xfrm>
-            <a:off x="647700" y="2564765"/>
-            <a:ext cx="10515600" cy="1325563"/>
-          </a:xfrm>
-        </p:spPr>
-        <p:txBody>
-          <a:bodyPr/>
-          <a:p>
-            <a:pPr algn="ctr"/>
-            <a:r>
-              <a:rPr lang="ru-RU" altLang="en-US">
-                <a:latin typeface="Times New Roman" panose="02020603050405020304" charset="0"/>
-                <a:cs typeface="Times New Roman" panose="02020603050405020304" charset="0"/>
-              </a:rPr>
-              <a:t>Спасибо за внимание!</a:t>
-            </a:r>
-            <a:endParaRPr lang="ru-RU" altLang="en-US">
-              <a:latin typeface="Times New Roman" panose="02020603050405020304" charset="0"/>
-              <a:cs typeface="Times New Roman" panose="02020603050405020304" charset="0"/>
-            </a:endParaRPr>
-          </a:p>
-        </p:txBody>
-      </p:sp>
-      <p:sp>
-        <p:nvSpPr>
-          <p:cNvPr id="5" name="Замещающий номер слайда 4"/>
-          <p:cNvSpPr>
-            <a:spLocks noGrp="1"/>
-          </p:cNvSpPr>
-          <p:nvPr>
-            <p:ph type="sldNum" sz="quarter" idx="12"/>
-          </p:nvPr>
-        </p:nvSpPr>
-        <p:spPr/>
-        <p:txBody>
-          <a:bodyPr>
-            <a:noAutofit/>
-          </a:bodyPr>
-          <a:p>
-            <a:fld id="{49AE70B2-8BF9-45C0-BB95-33D1B9D3A854}" type="slidenum">
-              <a:rPr lang="en-US" sz="3200" smtClean="0"/>
-            </a:fld>
-            <a:endParaRPr lang="en-US" sz="3200" smtClean="0"/>
-          </a:p>
-        </p:txBody>
-      </p:sp>
-    </p:spTree>
-  </p:cSld>
-  <p:clrMapOvr>
-    <a:masterClrMapping/>
-  </p:clrMapOvr>
-</p:sld>
-</file>
-
-<file path=ppt/slides/slide2.xml><?xml version="1.0" encoding="utf-8"?>
-<p:sld xmlns:a="http://schemas.openxmlformats.org/drawingml/2006/main" xmlns:r="http://schemas.openxmlformats.org/officeDocument/2006/relationships" xmlns:p="http://schemas.openxmlformats.org/presentationml/2006/main">
-  <p:cSld>
-    <p:spTree>
-      <p:nvGrpSpPr>
-        <p:cNvPr id="1" name=""/>
-        <p:cNvGrpSpPr/>
-        <p:nvPr/>
-      </p:nvGrpSpPr>
-      <p:grpSpPr/>
-      <p:sp>
-        <p:nvSpPr>
-          <p:cNvPr id="3" name="Замещающее содержимое 2"/>
-          <p:cNvSpPr>
-            <a:spLocks noGrp="1"/>
-          </p:cNvSpPr>
-          <p:nvPr>
-            <p:ph idx="1"/>
-          </p:nvPr>
-        </p:nvSpPr>
-        <p:spPr>
-          <a:xfrm>
-            <a:off x="1741805" y="1825625"/>
-            <a:ext cx="9421495" cy="4351655"/>
-          </a:xfrm>
-        </p:spPr>
-        <p:txBody>
-          <a:bodyPr/>
-          <a:p>
-            <a:pPr marL="457200" indent="-457200">
-              <a:buFont typeface="Arial" panose="020B0604020202020204" pitchFamily="34" charset="0"/>
-              <a:buChar char="•"/>
-            </a:pPr>
-            <a:r>
-              <a:rPr lang="ru-RU" altLang="en-US" sz="3200">
-                <a:latin typeface="Times New Roman" panose="02020603050405020304" charset="0"/>
-                <a:cs typeface="Times New Roman" panose="02020603050405020304" charset="0"/>
-              </a:rPr>
-              <a:t>Актуальность</a:t>
-            </a:r>
-            <a:endParaRPr lang="ru-RU" altLang="en-US" sz="3200">
-              <a:latin typeface="Times New Roman" panose="02020603050405020304" charset="0"/>
-              <a:cs typeface="Times New Roman" panose="02020603050405020304" charset="0"/>
-            </a:endParaRPr>
-          </a:p>
-          <a:p>
-            <a:pPr marL="457200" indent="-457200">
-              <a:buFont typeface="Arial" panose="020B0604020202020204" pitchFamily="34" charset="0"/>
-              <a:buChar char="•"/>
-            </a:pPr>
-            <a:r>
-              <a:rPr lang="ru-RU" altLang="en-US" sz="3200">
-                <a:latin typeface="Times New Roman" panose="02020603050405020304" charset="0"/>
-                <a:cs typeface="Times New Roman" panose="02020603050405020304" charset="0"/>
-              </a:rPr>
-              <a:t>Цель работы и задачи исследования</a:t>
-            </a:r>
-            <a:endParaRPr lang="ru-RU" altLang="en-US" sz="3200">
-              <a:latin typeface="Times New Roman" panose="02020603050405020304" charset="0"/>
-              <a:cs typeface="Times New Roman" panose="02020603050405020304" charset="0"/>
-            </a:endParaRPr>
-          </a:p>
-          <a:p>
-            <a:pPr marL="457200" indent="-457200">
-              <a:buFont typeface="Arial" panose="020B0604020202020204" pitchFamily="34" charset="0"/>
-              <a:buChar char="•"/>
-            </a:pPr>
-            <a:r>
-              <a:rPr lang="ru-RU" altLang="en-US" sz="3200">
-                <a:latin typeface="Times New Roman" panose="02020603050405020304" charset="0"/>
-                <a:cs typeface="Times New Roman" panose="02020603050405020304" charset="0"/>
-              </a:rPr>
-              <a:t>Объект, предмет исследования</a:t>
-            </a:r>
-            <a:endParaRPr lang="ru-RU" altLang="en-US" sz="3200">
-              <a:latin typeface="Times New Roman" panose="02020603050405020304" charset="0"/>
-              <a:cs typeface="Times New Roman" panose="02020603050405020304" charset="0"/>
-            </a:endParaRPr>
-          </a:p>
-        </p:txBody>
-      </p:sp>
-      <p:sp>
-        <p:nvSpPr>
-          <p:cNvPr id="4" name="Замещающий номер слайда 3"/>
-          <p:cNvSpPr>
-            <a:spLocks noGrp="1"/>
-          </p:cNvSpPr>
-          <p:nvPr>
-            <p:ph type="sldNum" sz="quarter" idx="12"/>
-          </p:nvPr>
-        </p:nvSpPr>
-        <p:spPr/>
-        <p:txBody>
-          <a:bodyPr>
-            <a:noAutofit/>
-          </a:bodyPr>
-          <a:p>
-            <a:fld id="{49AE70B2-8BF9-45C0-BB95-33D1B9D3A854}" type="slidenum">
-              <a:rPr lang="en-US" sz="3200" smtClean="0"/>
-            </a:fld>
-            <a:endParaRPr lang="en-US" sz="3200" smtClean="0"/>
-          </a:p>
-        </p:txBody>
-      </p:sp>
-    </p:spTree>
-  </p:cSld>
-  <p:clrMapOvr>
-    <a:masterClrMapping/>
-  </p:clrMapOvr>
-</p:sld>
-</file>
-
-<file path=ppt/slides/slide3.xml><?xml version="1.0" encoding="utf-8"?>
-<p:sld xmlns:a="http://schemas.openxmlformats.org/drawingml/2006/main" xmlns:r="http://schemas.openxmlformats.org/officeDocument/2006/relationships" xmlns:p="http://schemas.openxmlformats.org/presentationml/2006/main">
-  <p:cSld>
-    <p:spTree>
-      <p:nvGrpSpPr>
-        <p:cNvPr id="1" name=""/>
-        <p:cNvGrpSpPr/>
-        <p:nvPr/>
-      </p:nvGrpSpPr>
-      <p:grpSpPr/>
-      <p:sp>
-        <p:nvSpPr>
-          <p:cNvPr id="2" name="Заголовок 1"/>
-          <p:cNvSpPr>
-            <a:spLocks noGrp="1"/>
-          </p:cNvSpPr>
-          <p:nvPr>
-            <p:ph type="title"/>
-          </p:nvPr>
-        </p:nvSpPr>
-        <p:spPr/>
-        <p:txBody>
-          <a:bodyPr>
-            <a:normAutofit/>
-          </a:bodyPr>
-          <a:p>
-            <a:r>
-              <a:rPr lang="ru-RU" altLang="en-US" sz="4000" b="0">
-                <a:latin typeface="Times New Roman" panose="02020603050405020304" charset="0"/>
-                <a:cs typeface="Times New Roman" panose="02020603050405020304" charset="0"/>
-              </a:rPr>
-              <a:t>Описание существующей проблемы в заданной предметной области</a:t>
-            </a:r>
-            <a:endParaRPr lang="ru-RU" altLang="en-US" sz="4000" b="0">
-              <a:latin typeface="Times New Roman" panose="02020603050405020304" charset="0"/>
-              <a:cs typeface="Times New Roman" panose="02020603050405020304" charset="0"/>
-            </a:endParaRPr>
-          </a:p>
-        </p:txBody>
-      </p:sp>
-      <p:sp>
-        <p:nvSpPr>
-          <p:cNvPr id="3" name="Замещающее содержимое 2"/>
-          <p:cNvSpPr>
-            <a:spLocks noGrp="1"/>
-          </p:cNvSpPr>
-          <p:nvPr>
-            <p:ph idx="1"/>
-          </p:nvPr>
-        </p:nvSpPr>
-        <p:spPr/>
-        <p:txBody>
-          <a:bodyPr/>
-          <a:p>
-            <a:pPr marL="457200" indent="-457200">
-              <a:buFont typeface="Arial" panose="020B0604020202020204" pitchFamily="34" charset="0"/>
-              <a:buChar char="•"/>
-            </a:pPr>
-            <a:r>
-              <a:rPr lang="ru-RU" altLang="en-US" sz="2400">
-                <a:latin typeface="Times New Roman" panose="02020603050405020304" charset="0"/>
-                <a:cs typeface="Times New Roman" panose="02020603050405020304" charset="0"/>
-              </a:rPr>
-              <a:t>Необходимо вести учет приема добавок для здоровья. </a:t>
-            </a:r>
-            <a:endParaRPr lang="ru-RU" altLang="en-US" sz="2400">
-              <a:latin typeface="Times New Roman" panose="02020603050405020304" charset="0"/>
-              <a:cs typeface="Times New Roman" panose="02020603050405020304" charset="0"/>
-            </a:endParaRPr>
-          </a:p>
-          <a:p>
-            <a:pPr marL="457200" indent="-457200">
-              <a:buFont typeface="Arial" panose="020B0604020202020204" pitchFamily="34" charset="0"/>
-              <a:buChar char="•"/>
-            </a:pPr>
-            <a:r>
-              <a:rPr lang="ru-RU" altLang="en-US" sz="2400">
-                <a:latin typeface="Times New Roman" panose="02020603050405020304" charset="0"/>
-                <a:cs typeface="Times New Roman" panose="02020603050405020304" charset="0"/>
-              </a:rPr>
-              <a:t>Использование смартфона с приложением может помочь упростить этот процесс, хотя многие существующие приложения имеют ограничения</a:t>
-            </a:r>
-            <a:r>
-              <a:rPr lang="en-US" altLang="ru-RU" sz="2400">
-                <a:latin typeface="Times New Roman" panose="02020603050405020304" charset="0"/>
-                <a:cs typeface="Times New Roman" panose="02020603050405020304" charset="0"/>
-              </a:rPr>
-              <a:t> </a:t>
-            </a:r>
-            <a:r>
-              <a:rPr lang="ru-RU" altLang="ru-RU" sz="2400">
-                <a:latin typeface="Times New Roman" panose="02020603050405020304" charset="0"/>
-                <a:cs typeface="Times New Roman" panose="02020603050405020304" charset="0"/>
-              </a:rPr>
-              <a:t>в виде таймеров, рекламы и отсутвие нужных настроек</a:t>
-            </a:r>
-            <a:r>
-              <a:rPr lang="ru-RU" altLang="en-US" sz="2400">
-                <a:latin typeface="Times New Roman" panose="02020603050405020304" charset="0"/>
-                <a:cs typeface="Times New Roman" panose="02020603050405020304" charset="0"/>
-              </a:rPr>
-              <a:t>. </a:t>
-            </a:r>
-            <a:endParaRPr lang="ru-RU" altLang="en-US" sz="2400">
-              <a:latin typeface="Times New Roman" panose="02020603050405020304" charset="0"/>
-              <a:cs typeface="Times New Roman" panose="02020603050405020304" charset="0"/>
-            </a:endParaRPr>
-          </a:p>
-          <a:p>
-            <a:pPr marL="457200" indent="-457200">
-              <a:buFont typeface="Arial" panose="020B0604020202020204" pitchFamily="34" charset="0"/>
-              <a:buChar char="•"/>
-            </a:pPr>
-            <a:r>
-              <a:rPr lang="ru-RU" altLang="en-US" sz="2400">
-                <a:latin typeface="Times New Roman" panose="02020603050405020304" charset="0"/>
-                <a:cs typeface="Times New Roman" panose="02020603050405020304" charset="0"/>
-              </a:rPr>
-              <a:t>Нет бесплатных приложений, которые бы одновременно предлагали персональные тренировочные планы и напоминания о приеме добавок.</a:t>
-            </a:r>
-            <a:endParaRPr lang="ru-RU" altLang="en-US" sz="2400">
-              <a:latin typeface="Times New Roman" panose="02020603050405020304" charset="0"/>
-              <a:cs typeface="Times New Roman" panose="02020603050405020304" charset="0"/>
-            </a:endParaRPr>
-          </a:p>
-        </p:txBody>
-      </p:sp>
-      <p:sp>
-        <p:nvSpPr>
-          <p:cNvPr id="4" name="Замещающий номер слайда 3"/>
-          <p:cNvSpPr>
-            <a:spLocks noGrp="1"/>
-          </p:cNvSpPr>
-          <p:nvPr>
-            <p:ph type="sldNum" sz="quarter" idx="12"/>
-          </p:nvPr>
-        </p:nvSpPr>
-        <p:spPr/>
-        <p:txBody>
-          <a:bodyPr>
-            <a:noAutofit/>
-          </a:bodyPr>
-          <a:p>
-            <a:fld id="{49AE70B2-8BF9-45C0-BB95-33D1B9D3A854}" type="slidenum">
-              <a:rPr lang="en-US" sz="3200" smtClean="0"/>
-            </a:fld>
-            <a:endParaRPr lang="en-US" sz="3200" smtClean="0"/>
-          </a:p>
-        </p:txBody>
-      </p:sp>
-    </p:spTree>
-  </p:cSld>
-  <p:clrMapOvr>
-    <a:masterClrMapping/>
-  </p:clrMapOvr>
-</p:sld>
-</file>
-
-<file path=ppt/slides/slide4.xml><?xml version="1.0" encoding="utf-8"?>
-<p:sld xmlns:a="http://schemas.openxmlformats.org/drawingml/2006/main" xmlns:r="http://schemas.openxmlformats.org/officeDocument/2006/relationships" xmlns:p="http://schemas.openxmlformats.org/presentationml/2006/main">
-  <p:cSld>
-    <p:spTree>
-      <p:nvGrpSpPr>
-        <p:cNvPr id="1" name=""/>
-        <p:cNvGrpSpPr/>
-        <p:nvPr/>
-      </p:nvGrpSpPr>
-      <p:grpSpPr/>
-      <p:sp>
-        <p:nvSpPr>
-          <p:cNvPr id="2" name="Заголовок 1"/>
-          <p:cNvSpPr>
-            <a:spLocks noGrp="1"/>
-          </p:cNvSpPr>
-          <p:nvPr>
-            <p:ph type="title"/>
-          </p:nvPr>
-        </p:nvSpPr>
-        <p:spPr/>
-        <p:txBody>
-          <a:bodyPr/>
-          <a:p>
-            <a:r>
-              <a:rPr lang="ru-RU" altLang="en-US" sz="3600" b="0">
-                <a:latin typeface="Times New Roman" panose="02020603050405020304" charset="0"/>
-                <a:cs typeface="Times New Roman" panose="02020603050405020304" charset="0"/>
-              </a:rPr>
-              <a:t>Обзор аналогов</a:t>
-            </a:r>
-            <a:endParaRPr lang="ru-RU" altLang="en-US" sz="3600" b="0">
-              <a:latin typeface="Times New Roman" panose="02020603050405020304" charset="0"/>
-              <a:cs typeface="Times New Roman" panose="02020603050405020304" charset="0"/>
-            </a:endParaRPr>
-          </a:p>
-        </p:txBody>
-      </p:sp>
-      <p:sp>
-        <p:nvSpPr>
-          <p:cNvPr id="3" name="Замещающее содержимое 2"/>
-          <p:cNvSpPr>
-            <a:spLocks noGrp="1"/>
-          </p:cNvSpPr>
-          <p:nvPr>
-            <p:ph idx="1"/>
-          </p:nvPr>
-        </p:nvSpPr>
-        <p:spPr/>
-        <p:txBody>
-          <a:bodyPr>
-            <a:normAutofit/>
-          </a:bodyPr>
-          <a:p>
-            <a:pPr marL="514350" indent="-514350">
-              <a:buAutoNum type="arabicPeriod"/>
-            </a:pPr>
-            <a:r>
-              <a:rPr lang="ru-RU" altLang="en-US" sz="2400">
-                <a:latin typeface="Times New Roman" panose="02020603050405020304" charset="0"/>
-                <a:cs typeface="Times New Roman" panose="02020603050405020304" charset="0"/>
-              </a:rPr>
-              <a:t>Тренировочный дневник и дневник приёма спортивного питания(бумажный)</a:t>
-            </a:r>
-            <a:endParaRPr lang="ru-RU" altLang="en-US" sz="2400">
-              <a:latin typeface="Times New Roman" panose="02020603050405020304" charset="0"/>
-              <a:cs typeface="Times New Roman" panose="02020603050405020304" charset="0"/>
-            </a:endParaRPr>
-          </a:p>
-          <a:p>
-            <a:pPr marL="514350" indent="-514350">
-              <a:buAutoNum type="arabicPeriod"/>
-            </a:pPr>
-            <a:r>
-              <a:rPr lang="ru-RU" altLang="en-US" sz="2400">
-                <a:latin typeface="Times New Roman" panose="02020603050405020304" charset="0"/>
-                <a:cs typeface="Times New Roman" panose="02020603050405020304" charset="0"/>
-              </a:rPr>
-              <a:t>Электронные документы(XLS)</a:t>
-            </a:r>
-            <a:endParaRPr lang="ru-RU" altLang="en-US" sz="2400">
-              <a:latin typeface="Times New Roman" panose="02020603050405020304" charset="0"/>
-              <a:cs typeface="Times New Roman" panose="02020603050405020304" charset="0"/>
-            </a:endParaRPr>
-          </a:p>
-          <a:p>
-            <a:pPr marL="514350" indent="-514350">
-              <a:buAutoNum type="arabicPeriod"/>
-            </a:pPr>
-            <a:r>
-              <a:rPr lang="ru-RU" altLang="en-US" sz="2400">
-                <a:latin typeface="Times New Roman" panose="02020603050405020304" charset="0"/>
-                <a:cs typeface="Times New Roman" panose="02020603050405020304" charset="0"/>
-              </a:rPr>
-              <a:t>FitProSport</a:t>
-            </a:r>
-            <a:endParaRPr lang="ru-RU" altLang="en-US" sz="2400">
-              <a:latin typeface="Times New Roman" panose="02020603050405020304" charset="0"/>
-              <a:cs typeface="Times New Roman" panose="02020603050405020304" charset="0"/>
-            </a:endParaRPr>
-          </a:p>
-          <a:p>
-            <a:pPr marL="514350" indent="-514350">
-              <a:buAutoNum type="arabicPeriod"/>
-            </a:pPr>
-            <a:r>
-              <a:rPr lang="ru-RU" altLang="en-US" sz="2400">
-                <a:latin typeface="Times New Roman" panose="02020603050405020304" charset="0"/>
-                <a:cs typeface="Times New Roman" panose="02020603050405020304" charset="0"/>
-              </a:rPr>
-              <a:t>GymUp</a:t>
-            </a:r>
-            <a:endParaRPr lang="ru-RU" altLang="en-US" sz="2400">
-              <a:latin typeface="Times New Roman" panose="02020603050405020304" charset="0"/>
-              <a:cs typeface="Times New Roman" panose="02020603050405020304" charset="0"/>
-            </a:endParaRPr>
-          </a:p>
-          <a:p>
-            <a:pPr marL="514350" indent="-514350">
-              <a:buAutoNum type="arabicPeriod"/>
-            </a:pPr>
-            <a:r>
-              <a:rPr lang="ru-RU" altLang="en-US" sz="2400">
-                <a:latin typeface="Times New Roman" panose="02020603050405020304" charset="0"/>
-                <a:cs typeface="Times New Roman" panose="02020603050405020304" charset="0"/>
-              </a:rPr>
-              <a:t>Strong</a:t>
-            </a:r>
-            <a:endParaRPr lang="ru-RU" altLang="en-US" sz="2400">
-              <a:latin typeface="Times New Roman" panose="02020603050405020304" charset="0"/>
-              <a:cs typeface="Times New Roman" panose="02020603050405020304" charset="0"/>
-            </a:endParaRPr>
-          </a:p>
-          <a:p>
-            <a:pPr marL="514350" indent="-514350">
-              <a:buAutoNum type="arabicPeriod"/>
-            </a:pPr>
-            <a:r>
-              <a:rPr lang="ru-RU" altLang="en-US" sz="2400">
-                <a:latin typeface="Times New Roman" panose="02020603050405020304" charset="0"/>
-                <a:cs typeface="Times New Roman" panose="02020603050405020304" charset="0"/>
-              </a:rPr>
-              <a:t>T Note</a:t>
-            </a:r>
-            <a:endParaRPr lang="ru-RU" altLang="en-US" sz="2400">
-              <a:latin typeface="Times New Roman" panose="02020603050405020304" charset="0"/>
-              <a:cs typeface="Times New Roman" panose="02020603050405020304" charset="0"/>
-            </a:endParaRPr>
-          </a:p>
-          <a:p>
-            <a:pPr marL="514350" indent="-514350">
-              <a:buAutoNum type="arabicPeriod"/>
-            </a:pPr>
-            <a:r>
-              <a:rPr lang="ru-RU" altLang="en-US" sz="2400">
-                <a:latin typeface="Times New Roman" panose="02020603050405020304" charset="0"/>
-                <a:cs typeface="Times New Roman" panose="02020603050405020304" charset="0"/>
-              </a:rPr>
-              <a:t>GymRun</a:t>
-            </a:r>
-            <a:endParaRPr lang="ru-RU" altLang="en-US" sz="2400">
-              <a:latin typeface="Times New Roman" panose="02020603050405020304" charset="0"/>
-              <a:cs typeface="Times New Roman" panose="02020603050405020304" charset="0"/>
-            </a:endParaRPr>
-          </a:p>
-        </p:txBody>
-      </p:sp>
-      <p:sp>
-        <p:nvSpPr>
-          <p:cNvPr id="4" name="Замещающий номер слайда 3"/>
-          <p:cNvSpPr>
-            <a:spLocks noGrp="1"/>
-          </p:cNvSpPr>
-          <p:nvPr>
-            <p:ph type="sldNum" sz="quarter" idx="12"/>
-          </p:nvPr>
-        </p:nvSpPr>
-        <p:spPr/>
-        <p:txBody>
-          <a:bodyPr>
-            <a:noAutofit/>
-          </a:bodyPr>
-          <a:p>
-            <a:fld id="{49AE70B2-8BF9-45C0-BB95-33D1B9D3A854}" type="slidenum">
-              <a:rPr lang="en-US" sz="3200" smtClean="0"/>
-            </a:fld>
-            <a:endParaRPr lang="en-US" sz="3200" smtClean="0"/>
-          </a:p>
-        </p:txBody>
-      </p:sp>
-    </p:spTree>
-  </p:cSld>
-  <p:clrMapOvr>
-    <a:masterClrMapping/>
-  </p:clrMapOvr>
-</p:sld>
-</file>
-
-<file path=ppt/slides/slide5.xml><?xml version="1.0" encoding="utf-8"?>
-<p:sld xmlns:a="http://schemas.openxmlformats.org/drawingml/2006/main" xmlns:r="http://schemas.openxmlformats.org/officeDocument/2006/relationships" xmlns:p="http://schemas.openxmlformats.org/presentationml/2006/main">
-  <p:cSld>
-    <p:spTree>
-      <p:nvGrpSpPr>
-        <p:cNvPr id="1" name=""/>
-        <p:cNvGrpSpPr/>
-        <p:nvPr/>
-      </p:nvGrpSpPr>
-      <p:grpSpPr/>
-      <p:sp>
-        <p:nvSpPr>
-          <p:cNvPr id="2" name="Заголовок 1"/>
-          <p:cNvSpPr>
-            <a:spLocks noGrp="1"/>
-          </p:cNvSpPr>
-          <p:nvPr>
-            <p:ph type="title"/>
-          </p:nvPr>
-        </p:nvSpPr>
-        <p:spPr>
-          <a:xfrm>
-            <a:off x="647700" y="0"/>
-            <a:ext cx="10515600" cy="676275"/>
-          </a:xfrm>
-        </p:spPr>
-        <p:txBody>
-          <a:bodyPr>
-            <a:normAutofit/>
-          </a:bodyPr>
-          <a:p>
-            <a:r>
-              <a:rPr lang="ru-RU" altLang="en-US" sz="2665"/>
-              <a:t>Таблица преймуществ и недостатков для аналогов</a:t>
-            </a:r>
-            <a:endParaRPr lang="ru-RU" altLang="en-US" sz="2665"/>
-          </a:p>
-        </p:txBody>
-      </p:sp>
-      <p:graphicFrame>
-        <p:nvGraphicFramePr>
-          <p:cNvPr id="5" name="Замещающее содержимое 4"/>
-          <p:cNvGraphicFramePr/>
-          <p:nvPr>
-            <p:ph idx="1"/>
-          </p:nvPr>
-        </p:nvGraphicFramePr>
-        <p:xfrm>
-          <a:off x="586740" y="566420"/>
-          <a:ext cx="10515600" cy="5597525"/>
-        </p:xfrm>
-        <a:graphic>
-          <a:graphicData uri="http://schemas.openxmlformats.org/drawingml/2006/table">
-            <a:tbl>
-              <a:tblPr firstRow="1" bandRow="1">
-                <a:tableStyleId>{5C22544A-7EE6-4342-B048-85BDC9FD1C3A}</a:tableStyleId>
-              </a:tblPr>
-              <a:tblGrid>
-                <a:gridCol w="1752600"/>
-                <a:gridCol w="1752600"/>
-                <a:gridCol w="1752600"/>
-                <a:gridCol w="1752600"/>
-                <a:gridCol w="1752600"/>
-                <a:gridCol w="1752600"/>
-              </a:tblGrid>
-              <a:tr h="1208405">
-                <a:tc>
-                  <a:txBody>
-                    <a:bodyPr/>
-                    <a:p>
-                      <a:pPr>
-                        <a:buNone/>
-                      </a:pPr>
-                      <a:endParaRPr lang="ru-RU" altLang="en-US">
-                        <a:solidFill>
-                          <a:schemeClr val="tx1"/>
-                        </a:solidFill>
-                        <a:latin typeface="Times New Roman" panose="02020603050405020304" charset="0"/>
-                        <a:cs typeface="Times New Roman" panose="02020603050405020304" charset="0"/>
-                      </a:endParaRPr>
-                    </a:p>
-                  </a:txBody>
-                  <a:tcPr>
-                    <a:solidFill>
-                      <a:schemeClr val="bg1">
-                        <a:lumMod val="75000"/>
-                      </a:schemeClr>
-                    </a:solidFill>
-                  </a:tcPr>
-                </a:tc>
-                <a:tc>
-                  <a:txBody>
-                    <a:bodyPr/>
-                    <a:p>
-                      <a:pPr>
-                        <a:buNone/>
-                      </a:pPr>
-                      <a:r>
-                        <a:rPr lang="ru-RU" altLang="en-US" sz="1800">
-                          <a:solidFill>
-                            <a:schemeClr val="tx1"/>
-                          </a:solidFill>
-                          <a:latin typeface="Times New Roman" panose="02020603050405020304" charset="0"/>
-                          <a:cs typeface="Times New Roman" panose="02020603050405020304" charset="0"/>
-                          <a:sym typeface="+mn-ea"/>
-                        </a:rPr>
-                        <a:t>FitProSport</a:t>
-                      </a:r>
-                      <a:endParaRPr lang="ru-RU" altLang="en-US" sz="1800">
-                        <a:solidFill>
-                          <a:schemeClr val="tx1"/>
-                        </a:solidFill>
-                        <a:latin typeface="Times New Roman" panose="02020603050405020304" charset="0"/>
-                        <a:cs typeface="Times New Roman" panose="02020603050405020304" charset="0"/>
-                        <a:sym typeface="+mn-ea"/>
-                      </a:endParaRPr>
-                    </a:p>
-                  </a:txBody>
-                  <a:tcPr>
-                    <a:solidFill>
-                      <a:schemeClr val="bg1">
-                        <a:lumMod val="75000"/>
-                      </a:schemeClr>
-                    </a:solidFill>
-                  </a:tcPr>
-                </a:tc>
-                <a:tc>
-                  <a:txBody>
-                    <a:bodyPr/>
-                    <a:p>
-                      <a:pPr>
-                        <a:buNone/>
-                      </a:pPr>
-                      <a:r>
-                        <a:rPr lang="ru-RU" altLang="en-US">
-                          <a:solidFill>
-                            <a:schemeClr val="tx1"/>
-                          </a:solidFill>
-                          <a:latin typeface="Times New Roman" panose="02020603050405020304" charset="0"/>
-                          <a:cs typeface="Times New Roman" panose="02020603050405020304" charset="0"/>
-                        </a:rPr>
-                        <a:t>GymUp</a:t>
-                      </a:r>
-                      <a:endParaRPr lang="ru-RU" altLang="en-US">
-                        <a:solidFill>
-                          <a:schemeClr val="tx1"/>
-                        </a:solidFill>
-                        <a:latin typeface="Times New Roman" panose="02020603050405020304" charset="0"/>
-                        <a:cs typeface="Times New Roman" panose="02020603050405020304" charset="0"/>
-                      </a:endParaRPr>
-                    </a:p>
-                  </a:txBody>
-                  <a:tcPr>
-                    <a:solidFill>
-                      <a:schemeClr val="bg1">
-                        <a:lumMod val="75000"/>
-                      </a:schemeClr>
-                    </a:solidFill>
-                  </a:tcPr>
-                </a:tc>
-                <a:tc>
-                  <a:txBody>
-                    <a:bodyPr/>
-                    <a:p>
-                      <a:pPr>
-                        <a:buNone/>
-                      </a:pPr>
-                      <a:r>
-                        <a:rPr lang="ru-RU" altLang="en-US">
-                          <a:solidFill>
-                            <a:schemeClr val="tx1"/>
-                          </a:solidFill>
-                          <a:latin typeface="Times New Roman" panose="02020603050405020304" charset="0"/>
-                          <a:cs typeface="Times New Roman" panose="02020603050405020304" charset="0"/>
-                        </a:rPr>
-                        <a:t>Strong</a:t>
-                      </a:r>
-                      <a:endParaRPr lang="ru-RU" altLang="en-US">
-                        <a:solidFill>
-                          <a:schemeClr val="tx1"/>
-                        </a:solidFill>
-                        <a:latin typeface="Times New Roman" panose="02020603050405020304" charset="0"/>
-                        <a:cs typeface="Times New Roman" panose="02020603050405020304" charset="0"/>
-                      </a:endParaRPr>
-                    </a:p>
-                  </a:txBody>
-                  <a:tcPr>
-                    <a:solidFill>
-                      <a:schemeClr val="bg1">
-                        <a:lumMod val="75000"/>
-                      </a:schemeClr>
-                    </a:solidFill>
-                  </a:tcPr>
-                </a:tc>
-                <a:tc>
-                  <a:txBody>
-                    <a:bodyPr/>
-                    <a:p>
-                      <a:pPr>
-                        <a:buNone/>
-                      </a:pPr>
-                      <a:r>
-                        <a:rPr lang="ru-RU" altLang="en-US">
-                          <a:solidFill>
-                            <a:schemeClr val="tx1"/>
-                          </a:solidFill>
-                          <a:latin typeface="Times New Roman" panose="02020603050405020304" charset="0"/>
-                          <a:cs typeface="Times New Roman" panose="02020603050405020304" charset="0"/>
-                        </a:rPr>
-                        <a:t>T Note</a:t>
-                      </a:r>
-                      <a:endParaRPr lang="ru-RU" altLang="en-US">
-                        <a:solidFill>
-                          <a:schemeClr val="tx1"/>
-                        </a:solidFill>
-                        <a:latin typeface="Times New Roman" panose="02020603050405020304" charset="0"/>
-                        <a:cs typeface="Times New Roman" panose="02020603050405020304" charset="0"/>
-                      </a:endParaRPr>
-                    </a:p>
-                  </a:txBody>
-                  <a:tcPr>
-                    <a:solidFill>
-                      <a:schemeClr val="bg1">
-                        <a:lumMod val="75000"/>
-                      </a:schemeClr>
-                    </a:solidFill>
-                  </a:tcPr>
-                </a:tc>
-                <a:tc>
-                  <a:txBody>
-                    <a:bodyPr/>
-                    <a:p>
-                      <a:pPr>
-                        <a:buNone/>
-                      </a:pPr>
-                      <a:r>
-                        <a:rPr lang="ru-RU" altLang="en-US" sz="1800">
-                          <a:solidFill>
-                            <a:schemeClr val="tx1"/>
-                          </a:solidFill>
-                          <a:latin typeface="Times New Roman" panose="02020603050405020304" charset="0"/>
-                          <a:cs typeface="Times New Roman" panose="02020603050405020304" charset="0"/>
-                          <a:sym typeface="+mn-ea"/>
-                        </a:rPr>
-                        <a:t>GymRun</a:t>
-                      </a:r>
-                      <a:endParaRPr lang="ru-RU" altLang="en-US" sz="1800">
-                        <a:solidFill>
-                          <a:schemeClr val="tx1"/>
-                        </a:solidFill>
-                        <a:latin typeface="Times New Roman" panose="02020603050405020304" charset="0"/>
-                        <a:cs typeface="Times New Roman" panose="02020603050405020304" charset="0"/>
-                        <a:sym typeface="+mn-ea"/>
-                      </a:endParaRPr>
-                    </a:p>
-                    <a:p>
-                      <a:pPr>
-                        <a:buNone/>
-                      </a:pPr>
-                      <a:endParaRPr lang="ru-RU" altLang="en-US" sz="1800">
-                        <a:solidFill>
-                          <a:schemeClr val="tx1"/>
-                        </a:solidFill>
-                        <a:latin typeface="Times New Roman" panose="02020603050405020304" charset="0"/>
-                        <a:cs typeface="Times New Roman" panose="02020603050405020304" charset="0"/>
-                        <a:sym typeface="+mn-ea"/>
-                      </a:endParaRPr>
-                    </a:p>
-                  </a:txBody>
-                  <a:tcPr>
-                    <a:solidFill>
-                      <a:schemeClr val="bg1">
-                        <a:lumMod val="75000"/>
-                      </a:schemeClr>
-                    </a:solidFill>
-                  </a:tcPr>
-                </a:tc>
-              </a:tr>
-              <a:tr h="381000">
-                <a:tc>
-                  <a:txBody>
-                    <a:bodyPr/>
-                    <a:p>
-                      <a:pPr>
-                        <a:buNone/>
-                      </a:pPr>
-                      <a:r>
-                        <a:rPr lang="ru-RU" altLang="en-US">
-                          <a:solidFill>
-                            <a:schemeClr val="tx1"/>
-                          </a:solidFill>
-                          <a:latin typeface="Times New Roman" panose="02020603050405020304" charset="0"/>
-                          <a:cs typeface="Times New Roman" panose="02020603050405020304" charset="0"/>
-                        </a:rPr>
-                        <a:t>Наличие функции добавления, редактирования, удаления  упражнений</a:t>
-                      </a:r>
-                      <a:endParaRPr lang="ru-RU" altLang="en-US">
-                        <a:solidFill>
-                          <a:schemeClr val="tx1"/>
-                        </a:solidFill>
-                        <a:latin typeface="Times New Roman" panose="02020603050405020304" charset="0"/>
-                        <a:cs typeface="Times New Roman" panose="02020603050405020304" charset="0"/>
-                      </a:endParaRPr>
-                    </a:p>
-                  </a:txBody>
-                  <a:tcPr>
-                    <a:solidFill>
-                      <a:schemeClr val="bg1">
-                        <a:lumMod val="75000"/>
-                      </a:schemeClr>
-                    </a:solidFill>
-                  </a:tcPr>
-                </a:tc>
-                <a:tc>
-                  <a:txBody>
-                    <a:bodyPr/>
-                    <a:p>
-                      <a:pPr>
-                        <a:buNone/>
-                      </a:pPr>
-                      <a:r>
-                        <a:rPr lang="ru-RU" altLang="en-US">
-                          <a:solidFill>
-                            <a:schemeClr val="tx1"/>
-                          </a:solidFill>
-                          <a:latin typeface="Times New Roman" panose="02020603050405020304" charset="0"/>
-                          <a:cs typeface="Times New Roman" panose="02020603050405020304" charset="0"/>
-                        </a:rPr>
-                        <a:t>+</a:t>
-                      </a:r>
-                      <a:endParaRPr lang="ru-RU" altLang="en-US">
-                        <a:solidFill>
-                          <a:schemeClr val="tx1"/>
-                        </a:solidFill>
-                        <a:latin typeface="Times New Roman" panose="02020603050405020304" charset="0"/>
-                        <a:cs typeface="Times New Roman" panose="02020603050405020304" charset="0"/>
-                      </a:endParaRPr>
-                    </a:p>
-                  </a:txBody>
-                  <a:tcPr>
-                    <a:solidFill>
-                      <a:schemeClr val="bg1">
-                        <a:lumMod val="75000"/>
-                      </a:schemeClr>
-                    </a:solidFill>
-                  </a:tcPr>
-                </a:tc>
-                <a:tc>
-                  <a:txBody>
-                    <a:bodyPr/>
-                    <a:p>
-                      <a:pPr>
-                        <a:buNone/>
-                      </a:pPr>
-                      <a:r>
-                        <a:rPr lang="ru-RU" altLang="en-US">
-                          <a:solidFill>
-                            <a:schemeClr val="tx1"/>
-                          </a:solidFill>
-                          <a:latin typeface="Times New Roman" panose="02020603050405020304" charset="0"/>
-                          <a:cs typeface="Times New Roman" panose="02020603050405020304" charset="0"/>
-                        </a:rPr>
-                        <a:t>+</a:t>
-                      </a:r>
-                      <a:endParaRPr lang="ru-RU" altLang="en-US">
-                        <a:solidFill>
-                          <a:schemeClr val="tx1"/>
-                        </a:solidFill>
-                        <a:latin typeface="Times New Roman" panose="02020603050405020304" charset="0"/>
-                        <a:cs typeface="Times New Roman" panose="02020603050405020304" charset="0"/>
-                      </a:endParaRPr>
-                    </a:p>
-                  </a:txBody>
-                  <a:tcPr>
-                    <a:solidFill>
-                      <a:schemeClr val="bg1">
-                        <a:lumMod val="75000"/>
-                      </a:schemeClr>
-                    </a:solidFill>
-                  </a:tcPr>
-                </a:tc>
-                <a:tc>
-                  <a:txBody>
-                    <a:bodyPr/>
-                    <a:p>
-                      <a:pPr>
-                        <a:buNone/>
-                      </a:pPr>
-                      <a:r>
-                        <a:rPr lang="ru-RU" altLang="en-US">
-                          <a:solidFill>
-                            <a:schemeClr val="tx1"/>
-                          </a:solidFill>
-                          <a:latin typeface="Times New Roman" panose="02020603050405020304" charset="0"/>
-                          <a:cs typeface="Times New Roman" panose="02020603050405020304" charset="0"/>
-                        </a:rPr>
-                        <a:t>+</a:t>
-                      </a:r>
-                      <a:endParaRPr lang="ru-RU" altLang="en-US">
-                        <a:solidFill>
-                          <a:schemeClr val="tx1"/>
-                        </a:solidFill>
-                        <a:latin typeface="Times New Roman" panose="02020603050405020304" charset="0"/>
-                        <a:cs typeface="Times New Roman" panose="02020603050405020304" charset="0"/>
-                      </a:endParaRPr>
-                    </a:p>
-                  </a:txBody>
-                  <a:tcPr>
-                    <a:solidFill>
-                      <a:schemeClr val="bg1">
-                        <a:lumMod val="75000"/>
-                      </a:schemeClr>
-                    </a:solidFill>
-                  </a:tcPr>
-                </a:tc>
-                <a:tc>
-                  <a:txBody>
-                    <a:bodyPr/>
-                    <a:p>
-                      <a:pPr>
-                        <a:buNone/>
-                      </a:pPr>
-                      <a:r>
-                        <a:rPr lang="ru-RU" altLang="en-US">
-                          <a:solidFill>
-                            <a:schemeClr val="tx1"/>
-                          </a:solidFill>
-                          <a:latin typeface="Times New Roman" panose="02020603050405020304" charset="0"/>
-                          <a:cs typeface="Times New Roman" panose="02020603050405020304" charset="0"/>
-                        </a:rPr>
-                        <a:t>+</a:t>
-                      </a:r>
-                      <a:endParaRPr lang="ru-RU" altLang="en-US">
-                        <a:solidFill>
-                          <a:schemeClr val="tx1"/>
-                        </a:solidFill>
-                        <a:latin typeface="Times New Roman" panose="02020603050405020304" charset="0"/>
-                        <a:cs typeface="Times New Roman" panose="02020603050405020304" charset="0"/>
-                      </a:endParaRPr>
-                    </a:p>
-                  </a:txBody>
-                  <a:tcPr>
-                    <a:solidFill>
-                      <a:schemeClr val="bg1">
-                        <a:lumMod val="75000"/>
-                      </a:schemeClr>
-                    </a:solidFill>
-                  </a:tcPr>
-                </a:tc>
-                <a:tc>
-                  <a:txBody>
-                    <a:bodyPr/>
-                    <a:p>
-                      <a:pPr>
-                        <a:buNone/>
-                      </a:pPr>
-                      <a:r>
-                        <a:rPr lang="ru-RU" altLang="en-US">
-                          <a:solidFill>
-                            <a:schemeClr val="tx1"/>
-                          </a:solidFill>
-                          <a:latin typeface="Times New Roman" panose="02020603050405020304" charset="0"/>
-                          <a:cs typeface="Times New Roman" panose="02020603050405020304" charset="0"/>
-                        </a:rPr>
-                        <a:t>+</a:t>
-                      </a:r>
-                      <a:endParaRPr lang="ru-RU" altLang="en-US">
-                        <a:solidFill>
-                          <a:schemeClr val="tx1"/>
-                        </a:solidFill>
-                        <a:latin typeface="Times New Roman" panose="02020603050405020304" charset="0"/>
-                        <a:cs typeface="Times New Roman" panose="02020603050405020304" charset="0"/>
-                      </a:endParaRPr>
-                    </a:p>
-                  </a:txBody>
-                  <a:tcPr>
-                    <a:solidFill>
-                      <a:schemeClr val="bg1">
-                        <a:lumMod val="75000"/>
-                      </a:schemeClr>
-                    </a:solidFill>
-                  </a:tcPr>
-                </a:tc>
-              </a:tr>
-              <a:tr h="1341120">
-                <a:tc>
-                  <a:txBody>
-                    <a:bodyPr/>
-                    <a:p>
-                      <a:pPr>
-                        <a:buNone/>
-                      </a:pPr>
-                      <a:r>
-                        <a:rPr lang="ru-RU" altLang="en-US">
-                          <a:solidFill>
-                            <a:schemeClr val="tx1"/>
-                          </a:solidFill>
-                          <a:latin typeface="Times New Roman" panose="02020603050405020304" charset="0"/>
-                          <a:cs typeface="Times New Roman" panose="02020603050405020304" charset="0"/>
-                        </a:rPr>
-                        <a:t>Наличие функции создания комплекса упражнений</a:t>
-                      </a:r>
-                      <a:endParaRPr lang="ru-RU" altLang="en-US">
-                        <a:solidFill>
-                          <a:schemeClr val="tx1"/>
-                        </a:solidFill>
-                        <a:latin typeface="Times New Roman" panose="02020603050405020304" charset="0"/>
-                        <a:cs typeface="Times New Roman" panose="02020603050405020304" charset="0"/>
-                      </a:endParaRPr>
-                    </a:p>
-                  </a:txBody>
-                  <a:tcPr>
-                    <a:solidFill>
-                      <a:schemeClr val="bg1">
-                        <a:lumMod val="75000"/>
-                      </a:schemeClr>
-                    </a:solidFill>
-                  </a:tcPr>
-                </a:tc>
-                <a:tc>
-                  <a:txBody>
-                    <a:bodyPr/>
-                    <a:p>
-                      <a:pPr>
-                        <a:buNone/>
-                      </a:pPr>
-                      <a:r>
-                        <a:rPr lang="ru-RU" altLang="en-US">
-                          <a:solidFill>
-                            <a:schemeClr val="tx1"/>
-                          </a:solidFill>
-                          <a:latin typeface="Times New Roman" panose="02020603050405020304" charset="0"/>
-                          <a:cs typeface="Times New Roman" panose="02020603050405020304" charset="0"/>
-                        </a:rPr>
-                        <a:t>+</a:t>
-                      </a:r>
-                      <a:endParaRPr lang="ru-RU" altLang="en-US">
-                        <a:solidFill>
-                          <a:schemeClr val="tx1"/>
-                        </a:solidFill>
-                        <a:latin typeface="Times New Roman" panose="02020603050405020304" charset="0"/>
-                        <a:cs typeface="Times New Roman" panose="02020603050405020304" charset="0"/>
-                      </a:endParaRPr>
-                    </a:p>
-                  </a:txBody>
-                  <a:tcPr>
-                    <a:solidFill>
-                      <a:schemeClr val="bg1">
-                        <a:lumMod val="75000"/>
-                      </a:schemeClr>
-                    </a:solidFill>
-                  </a:tcPr>
-                </a:tc>
-                <a:tc>
-                  <a:txBody>
-                    <a:bodyPr/>
-                    <a:p>
-                      <a:pPr>
-                        <a:buNone/>
-                      </a:pPr>
-                      <a:r>
-                        <a:rPr lang="ru-RU" altLang="en-US">
-                          <a:solidFill>
-                            <a:schemeClr val="tx1"/>
-                          </a:solidFill>
-                          <a:latin typeface="Times New Roman" panose="02020603050405020304" charset="0"/>
-                          <a:cs typeface="Times New Roman" panose="02020603050405020304" charset="0"/>
-                        </a:rPr>
-                        <a:t>+</a:t>
-                      </a:r>
-                      <a:endParaRPr lang="ru-RU" altLang="en-US">
-                        <a:solidFill>
-                          <a:schemeClr val="tx1"/>
-                        </a:solidFill>
-                        <a:latin typeface="Times New Roman" panose="02020603050405020304" charset="0"/>
-                        <a:cs typeface="Times New Roman" panose="02020603050405020304" charset="0"/>
-                      </a:endParaRPr>
-                    </a:p>
-                  </a:txBody>
-                  <a:tcPr>
-                    <a:solidFill>
-                      <a:schemeClr val="bg1">
-                        <a:lumMod val="75000"/>
-                      </a:schemeClr>
-                    </a:solidFill>
-                  </a:tcPr>
-                </a:tc>
-                <a:tc>
-                  <a:txBody>
-                    <a:bodyPr/>
-                    <a:p>
-                      <a:pPr>
-                        <a:buNone/>
-                      </a:pPr>
-                      <a:r>
-                        <a:rPr lang="ru-RU" altLang="en-US">
-                          <a:solidFill>
-                            <a:schemeClr val="tx1"/>
-                          </a:solidFill>
-                          <a:latin typeface="Times New Roman" panose="02020603050405020304" charset="0"/>
-                          <a:cs typeface="Times New Roman" panose="02020603050405020304" charset="0"/>
-                        </a:rPr>
-                        <a:t>+</a:t>
-                      </a:r>
-                      <a:endParaRPr lang="ru-RU" altLang="en-US">
-                        <a:solidFill>
-                          <a:schemeClr val="tx1"/>
-                        </a:solidFill>
-                        <a:latin typeface="Times New Roman" panose="02020603050405020304" charset="0"/>
-                        <a:cs typeface="Times New Roman" panose="02020603050405020304" charset="0"/>
-                      </a:endParaRPr>
-                    </a:p>
-                  </a:txBody>
-                  <a:tcPr>
-                    <a:solidFill>
-                      <a:schemeClr val="bg1">
-                        <a:lumMod val="75000"/>
-                      </a:schemeClr>
-                    </a:solidFill>
-                  </a:tcPr>
-                </a:tc>
-                <a:tc>
-                  <a:txBody>
-                    <a:bodyPr/>
-                    <a:p>
-                      <a:pPr>
-                        <a:buNone/>
-                      </a:pPr>
-                      <a:r>
-                        <a:rPr lang="ru-RU" altLang="en-US">
-                          <a:solidFill>
-                            <a:schemeClr val="tx1"/>
-                          </a:solidFill>
-                          <a:latin typeface="Times New Roman" panose="02020603050405020304" charset="0"/>
-                          <a:cs typeface="Times New Roman" panose="02020603050405020304" charset="0"/>
-                        </a:rPr>
-                        <a:t>+</a:t>
-                      </a:r>
-                      <a:endParaRPr lang="ru-RU" altLang="en-US">
-                        <a:solidFill>
-                          <a:schemeClr val="tx1"/>
-                        </a:solidFill>
-                        <a:latin typeface="Times New Roman" panose="02020603050405020304" charset="0"/>
-                        <a:cs typeface="Times New Roman" panose="02020603050405020304" charset="0"/>
-                      </a:endParaRPr>
-                    </a:p>
-                  </a:txBody>
-                  <a:tcPr>
-                    <a:solidFill>
-                      <a:schemeClr val="bg1">
-                        <a:lumMod val="75000"/>
-                      </a:schemeClr>
-                    </a:solidFill>
-                  </a:tcPr>
-                </a:tc>
-                <a:tc>
-                  <a:txBody>
-                    <a:bodyPr/>
-                    <a:p>
-                      <a:pPr>
-                        <a:buNone/>
-                      </a:pPr>
-                      <a:r>
-                        <a:rPr lang="ru-RU" altLang="en-US">
-                          <a:solidFill>
-                            <a:schemeClr val="tx1"/>
-                          </a:solidFill>
-                          <a:latin typeface="Times New Roman" panose="02020603050405020304" charset="0"/>
-                          <a:cs typeface="Times New Roman" panose="02020603050405020304" charset="0"/>
-                        </a:rPr>
-                        <a:t>+</a:t>
-                      </a:r>
-                      <a:endParaRPr lang="ru-RU" altLang="en-US">
-                        <a:solidFill>
-                          <a:schemeClr val="tx1"/>
-                        </a:solidFill>
-                        <a:latin typeface="Times New Roman" panose="02020603050405020304" charset="0"/>
-                        <a:cs typeface="Times New Roman" panose="02020603050405020304" charset="0"/>
-                      </a:endParaRPr>
-                    </a:p>
-                  </a:txBody>
-                  <a:tcPr>
-                    <a:solidFill>
-                      <a:schemeClr val="bg1">
-                        <a:lumMod val="75000"/>
-                      </a:schemeClr>
-                    </a:solidFill>
-                  </a:tcPr>
-                </a:tc>
-              </a:tr>
-              <a:tr h="381000">
-                <a:tc>
-                  <a:txBody>
-                    <a:bodyPr/>
-                    <a:p>
-                      <a:pPr>
-                        <a:buNone/>
-                      </a:pPr>
-                      <a:r>
-                        <a:rPr lang="ru-RU" altLang="en-US">
-                          <a:solidFill>
-                            <a:schemeClr val="tx1"/>
-                          </a:solidFill>
-                          <a:latin typeface="Times New Roman" panose="02020603050405020304" charset="0"/>
-                          <a:cs typeface="Times New Roman" panose="02020603050405020304" charset="0"/>
-                        </a:rPr>
-                        <a:t>Наличие таймера выполнения упражнения</a:t>
-                      </a:r>
-                      <a:endParaRPr lang="ru-RU" altLang="en-US">
-                        <a:solidFill>
-                          <a:schemeClr val="tx1"/>
-                        </a:solidFill>
-                        <a:latin typeface="Times New Roman" panose="02020603050405020304" charset="0"/>
-                        <a:cs typeface="Times New Roman" panose="02020603050405020304" charset="0"/>
-                      </a:endParaRPr>
-                    </a:p>
-                  </a:txBody>
-                  <a:tcPr>
-                    <a:solidFill>
-                      <a:schemeClr val="bg1">
-                        <a:lumMod val="75000"/>
-                      </a:schemeClr>
-                    </a:solidFill>
-                  </a:tcPr>
-                </a:tc>
-                <a:tc>
-                  <a:txBody>
-                    <a:bodyPr/>
-                    <a:p>
-                      <a:pPr>
-                        <a:buNone/>
-                      </a:pPr>
-                      <a:r>
-                        <a:rPr lang="ru-RU" altLang="en-US">
-                          <a:solidFill>
-                            <a:schemeClr val="tx1"/>
-                          </a:solidFill>
-                          <a:latin typeface="Times New Roman" panose="02020603050405020304" charset="0"/>
-                          <a:cs typeface="Times New Roman" panose="02020603050405020304" charset="0"/>
-                        </a:rPr>
-                        <a:t>-</a:t>
-                      </a:r>
-                      <a:endParaRPr lang="ru-RU" altLang="en-US">
-                        <a:solidFill>
-                          <a:schemeClr val="tx1"/>
-                        </a:solidFill>
-                        <a:latin typeface="Times New Roman" panose="02020603050405020304" charset="0"/>
-                        <a:cs typeface="Times New Roman" panose="02020603050405020304" charset="0"/>
-                      </a:endParaRPr>
-                    </a:p>
-                  </a:txBody>
-                  <a:tcPr>
-                    <a:solidFill>
-                      <a:schemeClr val="bg1">
-                        <a:lumMod val="75000"/>
-                      </a:schemeClr>
-                    </a:solidFill>
-                  </a:tcPr>
-                </a:tc>
-                <a:tc>
-                  <a:txBody>
-                    <a:bodyPr/>
-                    <a:p>
-                      <a:pPr>
-                        <a:buNone/>
-                      </a:pPr>
-                      <a:r>
-                        <a:rPr lang="ru-RU" altLang="en-US">
-                          <a:solidFill>
-                            <a:schemeClr val="tx1"/>
-                          </a:solidFill>
-                          <a:latin typeface="Times New Roman" panose="02020603050405020304" charset="0"/>
-                          <a:cs typeface="Times New Roman" panose="02020603050405020304" charset="0"/>
-                        </a:rPr>
-                        <a:t>-</a:t>
-                      </a:r>
-                      <a:endParaRPr lang="ru-RU" altLang="en-US">
-                        <a:solidFill>
-                          <a:schemeClr val="tx1"/>
-                        </a:solidFill>
-                        <a:latin typeface="Times New Roman" panose="02020603050405020304" charset="0"/>
-                        <a:cs typeface="Times New Roman" panose="02020603050405020304" charset="0"/>
-                      </a:endParaRPr>
-                    </a:p>
-                  </a:txBody>
-                  <a:tcPr>
-                    <a:solidFill>
-                      <a:schemeClr val="bg1">
-                        <a:lumMod val="75000"/>
-                      </a:schemeClr>
-                    </a:solidFill>
-                  </a:tcPr>
-                </a:tc>
-                <a:tc>
-                  <a:txBody>
-                    <a:bodyPr/>
-                    <a:p>
-                      <a:pPr>
-                        <a:buNone/>
-                      </a:pPr>
-                      <a:r>
-                        <a:rPr lang="ru-RU" altLang="en-US">
-                          <a:solidFill>
-                            <a:schemeClr val="tx1"/>
-                          </a:solidFill>
-                          <a:latin typeface="Times New Roman" panose="02020603050405020304" charset="0"/>
-                          <a:cs typeface="Times New Roman" panose="02020603050405020304" charset="0"/>
-                        </a:rPr>
-                        <a:t>-</a:t>
-                      </a:r>
-                      <a:endParaRPr lang="ru-RU" altLang="en-US">
-                        <a:solidFill>
-                          <a:schemeClr val="tx1"/>
-                        </a:solidFill>
-                        <a:latin typeface="Times New Roman" panose="02020603050405020304" charset="0"/>
-                        <a:cs typeface="Times New Roman" panose="02020603050405020304" charset="0"/>
-                      </a:endParaRPr>
-                    </a:p>
-                  </a:txBody>
-                  <a:tcPr>
-                    <a:solidFill>
-                      <a:schemeClr val="bg1">
-                        <a:lumMod val="75000"/>
-                      </a:schemeClr>
-                    </a:solidFill>
-                  </a:tcPr>
-                </a:tc>
-                <a:tc>
-                  <a:txBody>
-                    <a:bodyPr/>
-                    <a:p>
-                      <a:pPr>
-                        <a:buNone/>
-                      </a:pPr>
-                      <a:r>
-                        <a:rPr lang="ru-RU" altLang="en-US">
-                          <a:solidFill>
-                            <a:schemeClr val="tx1"/>
-                          </a:solidFill>
-                          <a:latin typeface="Times New Roman" panose="02020603050405020304" charset="0"/>
-                          <a:cs typeface="Times New Roman" panose="02020603050405020304" charset="0"/>
-                        </a:rPr>
-                        <a:t>+</a:t>
-                      </a:r>
-                      <a:endParaRPr lang="ru-RU" altLang="en-US">
-                        <a:solidFill>
-                          <a:schemeClr val="tx1"/>
-                        </a:solidFill>
-                        <a:latin typeface="Times New Roman" panose="02020603050405020304" charset="0"/>
-                        <a:cs typeface="Times New Roman" panose="02020603050405020304" charset="0"/>
-                      </a:endParaRPr>
-                    </a:p>
-                  </a:txBody>
-                  <a:tcPr>
-                    <a:solidFill>
-                      <a:schemeClr val="bg1">
-                        <a:lumMod val="75000"/>
-                      </a:schemeClr>
-                    </a:solidFill>
-                  </a:tcPr>
-                </a:tc>
-                <a:tc>
-                  <a:txBody>
-                    <a:bodyPr/>
-                    <a:p>
-                      <a:pPr>
-                        <a:buNone/>
-                      </a:pPr>
-                      <a:r>
-                        <a:rPr lang="ru-RU" altLang="en-US">
-                          <a:solidFill>
-                            <a:schemeClr val="tx1"/>
-                          </a:solidFill>
-                          <a:latin typeface="Times New Roman" panose="02020603050405020304" charset="0"/>
-                          <a:cs typeface="Times New Roman" panose="02020603050405020304" charset="0"/>
-                        </a:rPr>
-                        <a:t>-</a:t>
-                      </a:r>
-                      <a:endParaRPr lang="ru-RU" altLang="en-US">
-                        <a:solidFill>
-                          <a:schemeClr val="tx1"/>
-                        </a:solidFill>
-                        <a:latin typeface="Times New Roman" panose="02020603050405020304" charset="0"/>
-                        <a:cs typeface="Times New Roman" panose="02020603050405020304" charset="0"/>
-                      </a:endParaRPr>
-                    </a:p>
-                  </a:txBody>
-                  <a:tcPr>
-                    <a:solidFill>
-                      <a:schemeClr val="bg1">
-                        <a:lumMod val="75000"/>
-                      </a:schemeClr>
-                    </a:solidFill>
-                  </a:tcPr>
-                </a:tc>
-              </a:tr>
-            </a:tbl>
-          </a:graphicData>
-        </a:graphic>
-      </p:graphicFrame>
-      <p:sp>
-        <p:nvSpPr>
-          <p:cNvPr id="6" name="Текстовое поле 5"/>
-          <p:cNvSpPr txBox="1"/>
-          <p:nvPr/>
-        </p:nvSpPr>
-        <p:spPr>
-          <a:xfrm>
-            <a:off x="1229360" y="6273800"/>
-            <a:ext cx="4866640" cy="368300"/>
-          </a:xfrm>
-          <a:prstGeom prst="rect">
-            <a:avLst/>
-          </a:prstGeom>
-          <a:noFill/>
-        </p:spPr>
-        <p:txBody>
-          <a:bodyPr wrap="square" rtlCol="0">
-            <a:spAutoFit/>
-          </a:bodyPr>
-          <a:p>
-            <a:r>
-              <a:rPr lang="ru-RU" altLang="en-US">
-                <a:latin typeface="Times New Roman" panose="02020603050405020304" charset="0"/>
-                <a:cs typeface="Times New Roman" panose="02020603050405020304" charset="0"/>
-              </a:rPr>
-              <a:t>Таблица 1 - Таблица сравнения аналогов</a:t>
-            </a:r>
-            <a:endParaRPr lang="ru-RU" altLang="en-US">
-              <a:latin typeface="Times New Roman" panose="02020603050405020304" charset="0"/>
-              <a:cs typeface="Times New Roman" panose="02020603050405020304" charset="0"/>
-            </a:endParaRPr>
-          </a:p>
-        </p:txBody>
-      </p:sp>
-      <p:sp>
-        <p:nvSpPr>
-          <p:cNvPr id="7" name="Замещающий номер слайда 6"/>
-          <p:cNvSpPr>
-            <a:spLocks noGrp="1"/>
-          </p:cNvSpPr>
-          <p:nvPr>
-            <p:ph type="sldNum" sz="quarter" idx="12"/>
-          </p:nvPr>
-        </p:nvSpPr>
-        <p:spPr/>
-        <p:txBody>
-          <a:bodyPr>
-            <a:noAutofit/>
-          </a:bodyPr>
-          <a:p>
-            <a:fld id="{49AE70B2-8BF9-45C0-BB95-33D1B9D3A854}" type="slidenum">
-              <a:rPr lang="en-US" sz="3200" smtClean="0"/>
-            </a:fld>
-            <a:endParaRPr lang="en-US" sz="3200" smtClean="0"/>
-          </a:p>
-        </p:txBody>
-      </p:sp>
-    </p:spTree>
-  </p:cSld>
-  <p:clrMapOvr>
-    <a:masterClrMapping/>
-  </p:clrMapOvr>
-</p:sld>
-</file>
-
-<file path=ppt/slides/slide6.xml><?xml version="1.0" encoding="utf-8"?>
-<p:sld xmlns:a="http://schemas.openxmlformats.org/drawingml/2006/main" xmlns:r="http://schemas.openxmlformats.org/officeDocument/2006/relationships" xmlns:p="http://schemas.openxmlformats.org/presentationml/2006/main">
-  <p:cSld>
-    <p:spTree>
-      <p:nvGrpSpPr>
-        <p:cNvPr id="1" name=""/>
-        <p:cNvGrpSpPr/>
-        <p:nvPr/>
-      </p:nvGrpSpPr>
-      <p:grpSpPr/>
-      <p:graphicFrame>
-        <p:nvGraphicFramePr>
-          <p:cNvPr id="4" name="Замещающее содержимое 3"/>
-          <p:cNvGraphicFramePr/>
-          <p:nvPr>
-            <p:ph idx="1"/>
-          </p:nvPr>
-        </p:nvGraphicFramePr>
-        <p:xfrm>
-          <a:off x="647700" y="302260"/>
-          <a:ext cx="10515600" cy="4038600"/>
-        </p:xfrm>
-        <a:graphic>
-          <a:graphicData uri="http://schemas.openxmlformats.org/drawingml/2006/table">
-            <a:tbl>
-              <a:tblPr firstRow="1" bandRow="1">
-                <a:tableStyleId>{5C22544A-7EE6-4342-B048-85BDC9FD1C3A}</a:tableStyleId>
-              </a:tblPr>
-              <a:tblGrid>
-                <a:gridCol w="1752600"/>
-                <a:gridCol w="1752600"/>
-                <a:gridCol w="1752600"/>
-                <a:gridCol w="1752600"/>
-                <a:gridCol w="1752600"/>
-                <a:gridCol w="1752600"/>
-              </a:tblGrid>
-              <a:tr h="381000">
-                <a:tc>
-                  <a:txBody>
-                    <a:bodyPr/>
-                    <a:p>
-                      <a:pPr>
-                        <a:buNone/>
-                      </a:pPr>
-                      <a:endParaRPr lang="ru-RU" altLang="en-US">
-                        <a:latin typeface="Times New Roman" panose="02020603050405020304" charset="0"/>
-                        <a:cs typeface="Times New Roman" panose="02020603050405020304" charset="0"/>
-                      </a:endParaRPr>
-                    </a:p>
-                  </a:txBody>
-                  <a:tcPr>
-                    <a:solidFill>
-                      <a:schemeClr val="bg1">
-                        <a:lumMod val="75000"/>
-                      </a:schemeClr>
-                    </a:solidFill>
-                  </a:tcPr>
-                </a:tc>
-                <a:tc>
-                  <a:txBody>
-                    <a:bodyPr/>
-                    <a:p>
-                      <a:pPr>
-                        <a:buNone/>
-                      </a:pPr>
-                      <a:r>
-                        <a:rPr lang="ru-RU" altLang="en-US" sz="1800">
-                          <a:solidFill>
-                            <a:schemeClr val="tx1"/>
-                          </a:solidFill>
-                          <a:latin typeface="Times New Roman" panose="02020603050405020304" charset="0"/>
-                          <a:cs typeface="Times New Roman" panose="02020603050405020304" charset="0"/>
-                          <a:sym typeface="+mn-ea"/>
-                        </a:rPr>
-                        <a:t>FitProSport</a:t>
-                      </a:r>
-                      <a:endParaRPr lang="ru-RU" altLang="en-US" sz="1800">
-                        <a:solidFill>
-                          <a:schemeClr val="tx1"/>
-                        </a:solidFill>
-                        <a:latin typeface="Times New Roman" panose="02020603050405020304" charset="0"/>
-                        <a:cs typeface="Times New Roman" panose="02020603050405020304" charset="0"/>
-                        <a:sym typeface="+mn-ea"/>
-                      </a:endParaRPr>
-                    </a:p>
-                  </a:txBody>
-                  <a:tcPr>
-                    <a:solidFill>
-                      <a:schemeClr val="bg1">
-                        <a:lumMod val="75000"/>
-                      </a:schemeClr>
-                    </a:solidFill>
-                  </a:tcPr>
-                </a:tc>
-                <a:tc>
-                  <a:txBody>
-                    <a:bodyPr/>
-                    <a:p>
-                      <a:pPr>
-                        <a:buNone/>
-                      </a:pPr>
-                      <a:r>
-                        <a:rPr lang="ru-RU" altLang="en-US" sz="1800">
-                          <a:solidFill>
-                            <a:schemeClr val="tx1"/>
-                          </a:solidFill>
-                          <a:latin typeface="Times New Roman" panose="02020603050405020304" charset="0"/>
-                          <a:cs typeface="Times New Roman" panose="02020603050405020304" charset="0"/>
-                          <a:sym typeface="+mn-ea"/>
-                        </a:rPr>
-                        <a:t>GymUp</a:t>
-                      </a:r>
-                      <a:endParaRPr lang="ru-RU" altLang="en-US" sz="1800">
-                        <a:solidFill>
-                          <a:schemeClr val="tx1"/>
-                        </a:solidFill>
-                        <a:latin typeface="Times New Roman" panose="02020603050405020304" charset="0"/>
-                        <a:cs typeface="Times New Roman" panose="02020603050405020304" charset="0"/>
-                        <a:sym typeface="+mn-ea"/>
-                      </a:endParaRPr>
-                    </a:p>
-                  </a:txBody>
-                  <a:tcPr>
-                    <a:solidFill>
-                      <a:schemeClr val="bg1">
-                        <a:lumMod val="75000"/>
-                      </a:schemeClr>
-                    </a:solidFill>
-                  </a:tcPr>
-                </a:tc>
-                <a:tc>
-                  <a:txBody>
-                    <a:bodyPr/>
-                    <a:p>
-                      <a:pPr>
-                        <a:buNone/>
-                      </a:pPr>
-                      <a:r>
-                        <a:rPr lang="ru-RU" altLang="en-US" sz="1800">
-                          <a:solidFill>
-                            <a:schemeClr val="tx1"/>
-                          </a:solidFill>
-                          <a:latin typeface="Times New Roman" panose="02020603050405020304" charset="0"/>
-                          <a:cs typeface="Times New Roman" panose="02020603050405020304" charset="0"/>
-                          <a:sym typeface="+mn-ea"/>
-                        </a:rPr>
-                        <a:t>Strong</a:t>
-                      </a:r>
-                      <a:endParaRPr lang="ru-RU" altLang="en-US" sz="1800">
-                        <a:solidFill>
-                          <a:schemeClr val="tx1"/>
-                        </a:solidFill>
-                        <a:latin typeface="Times New Roman" panose="02020603050405020304" charset="0"/>
-                        <a:cs typeface="Times New Roman" panose="02020603050405020304" charset="0"/>
-                        <a:sym typeface="+mn-ea"/>
-                      </a:endParaRPr>
-                    </a:p>
-                  </a:txBody>
-                  <a:tcPr>
-                    <a:solidFill>
-                      <a:schemeClr val="bg1">
-                        <a:lumMod val="75000"/>
-                      </a:schemeClr>
-                    </a:solidFill>
-                  </a:tcPr>
-                </a:tc>
-                <a:tc>
-                  <a:txBody>
-                    <a:bodyPr/>
-                    <a:p>
-                      <a:pPr>
-                        <a:buNone/>
-                      </a:pPr>
-                      <a:r>
-                        <a:rPr lang="ru-RU" altLang="en-US" sz="1800">
-                          <a:solidFill>
-                            <a:schemeClr val="tx1"/>
-                          </a:solidFill>
-                          <a:latin typeface="Times New Roman" panose="02020603050405020304" charset="0"/>
-                          <a:cs typeface="Times New Roman" panose="02020603050405020304" charset="0"/>
-                          <a:sym typeface="+mn-ea"/>
-                        </a:rPr>
-                        <a:t>T Note</a:t>
-                      </a:r>
-                      <a:endParaRPr lang="ru-RU" altLang="en-US" sz="1800">
-                        <a:solidFill>
-                          <a:schemeClr val="tx1"/>
-                        </a:solidFill>
-                        <a:latin typeface="Times New Roman" panose="02020603050405020304" charset="0"/>
-                        <a:cs typeface="Times New Roman" panose="02020603050405020304" charset="0"/>
-                        <a:sym typeface="+mn-ea"/>
-                      </a:endParaRPr>
-                    </a:p>
-                  </a:txBody>
-                  <a:tcPr>
-                    <a:solidFill>
-                      <a:schemeClr val="bg1">
-                        <a:lumMod val="75000"/>
-                      </a:schemeClr>
-                    </a:solidFill>
-                  </a:tcPr>
-                </a:tc>
-                <a:tc>
-                  <a:txBody>
-                    <a:bodyPr/>
-                    <a:p>
-                      <a:pPr>
-                        <a:buNone/>
-                      </a:pPr>
-                      <a:r>
-                        <a:rPr lang="ru-RU" altLang="en-US" sz="1800">
-                          <a:solidFill>
-                            <a:schemeClr val="tx1"/>
-                          </a:solidFill>
-                          <a:latin typeface="Times New Roman" panose="02020603050405020304" charset="0"/>
-                          <a:cs typeface="Times New Roman" panose="02020603050405020304" charset="0"/>
-                          <a:sym typeface="+mn-ea"/>
-                        </a:rPr>
-                        <a:t>GymRun</a:t>
-                      </a:r>
-                      <a:endParaRPr lang="ru-RU" altLang="en-US" sz="1800">
-                        <a:solidFill>
-                          <a:schemeClr val="tx1"/>
-                        </a:solidFill>
-                        <a:latin typeface="Times New Roman" panose="02020603050405020304" charset="0"/>
-                        <a:cs typeface="Times New Roman" panose="02020603050405020304" charset="0"/>
-                        <a:sym typeface="+mn-ea"/>
-                      </a:endParaRPr>
-                    </a:p>
-                  </a:txBody>
-                  <a:tcPr>
-                    <a:solidFill>
-                      <a:schemeClr val="bg1">
-                        <a:lumMod val="75000"/>
-                      </a:schemeClr>
-                    </a:solidFill>
-                  </a:tcPr>
-                </a:tc>
-              </a:tr>
-              <a:tr h="381000">
-                <a:tc>
-                  <a:txBody>
-                    <a:bodyPr/>
-                    <a:p>
-                      <a:pPr>
-                        <a:buNone/>
-                      </a:pPr>
-                      <a:r>
-                        <a:rPr lang="ru-RU" altLang="en-US">
-                          <a:latin typeface="Times New Roman" panose="02020603050405020304" charset="0"/>
-                          <a:cs typeface="Times New Roman" panose="02020603050405020304" charset="0"/>
-                        </a:rPr>
-                        <a:t>Показывает общее время тренировки</a:t>
-                      </a:r>
-                      <a:endParaRPr lang="ru-RU" altLang="en-US">
-                        <a:latin typeface="Times New Roman" panose="02020603050405020304" charset="0"/>
-                        <a:cs typeface="Times New Roman" panose="02020603050405020304" charset="0"/>
-                      </a:endParaRPr>
-                    </a:p>
-                  </a:txBody>
-                  <a:tcPr>
-                    <a:solidFill>
-                      <a:schemeClr val="bg1">
-                        <a:lumMod val="75000"/>
-                      </a:schemeClr>
-                    </a:solidFill>
-                  </a:tcPr>
-                </a:tc>
-                <a:tc>
-                  <a:txBody>
-                    <a:bodyPr/>
-                    <a:p>
-                      <a:pPr>
-                        <a:buNone/>
-                      </a:pPr>
-                      <a:r>
-                        <a:rPr lang="en-US" altLang="ru-RU">
-                          <a:latin typeface="Times New Roman" panose="02020603050405020304" charset="0"/>
-                          <a:cs typeface="Times New Roman" panose="02020603050405020304" charset="0"/>
-                        </a:rPr>
-                        <a:t>-</a:t>
-                      </a:r>
-                      <a:endParaRPr lang="en-US" altLang="ru-RU">
-                        <a:latin typeface="Times New Roman" panose="02020603050405020304" charset="0"/>
-                        <a:cs typeface="Times New Roman" panose="02020603050405020304" charset="0"/>
-                      </a:endParaRPr>
-                    </a:p>
-                  </a:txBody>
-                  <a:tcPr>
-                    <a:solidFill>
-                      <a:schemeClr val="bg1">
-                        <a:lumMod val="75000"/>
-                      </a:schemeClr>
-                    </a:solidFill>
-                  </a:tcPr>
-                </a:tc>
-                <a:tc>
-                  <a:txBody>
-                    <a:bodyPr/>
-                    <a:p>
-                      <a:pPr>
-                        <a:buNone/>
-                      </a:pPr>
-                      <a:r>
-                        <a:rPr lang="en-US" altLang="ru-RU">
-                          <a:latin typeface="Times New Roman" panose="02020603050405020304" charset="0"/>
-                          <a:cs typeface="Times New Roman" panose="02020603050405020304" charset="0"/>
-                        </a:rPr>
-                        <a:t>+</a:t>
-                      </a:r>
-                      <a:endParaRPr lang="en-US" altLang="ru-RU">
-                        <a:latin typeface="Times New Roman" panose="02020603050405020304" charset="0"/>
-                        <a:cs typeface="Times New Roman" panose="02020603050405020304" charset="0"/>
-                      </a:endParaRPr>
-                    </a:p>
-                  </a:txBody>
-                  <a:tcPr>
-                    <a:solidFill>
-                      <a:schemeClr val="bg1">
-                        <a:lumMod val="75000"/>
-                      </a:schemeClr>
-                    </a:solidFill>
-                  </a:tcPr>
-                </a:tc>
-                <a:tc>
-                  <a:txBody>
-                    <a:bodyPr/>
-                    <a:p>
-                      <a:pPr>
-                        <a:buNone/>
-                      </a:pPr>
-                      <a:r>
-                        <a:rPr lang="en-US" altLang="ru-RU">
-                          <a:latin typeface="Times New Roman" panose="02020603050405020304" charset="0"/>
-                          <a:cs typeface="Times New Roman" panose="02020603050405020304" charset="0"/>
-                        </a:rPr>
-                        <a:t>+</a:t>
-                      </a:r>
-                      <a:endParaRPr lang="en-US" altLang="ru-RU">
-                        <a:latin typeface="Times New Roman" panose="02020603050405020304" charset="0"/>
-                        <a:cs typeface="Times New Roman" panose="02020603050405020304" charset="0"/>
-                      </a:endParaRPr>
-                    </a:p>
-                  </a:txBody>
-                  <a:tcPr>
-                    <a:solidFill>
-                      <a:schemeClr val="bg1">
-                        <a:lumMod val="75000"/>
-                      </a:schemeClr>
-                    </a:solidFill>
-                  </a:tcPr>
-                </a:tc>
-                <a:tc>
-                  <a:txBody>
-                    <a:bodyPr/>
-                    <a:p>
-                      <a:pPr>
-                        <a:buNone/>
-                      </a:pPr>
-                      <a:r>
-                        <a:rPr lang="en-US" altLang="ru-RU">
-                          <a:latin typeface="Times New Roman" panose="02020603050405020304" charset="0"/>
-                          <a:cs typeface="Times New Roman" panose="02020603050405020304" charset="0"/>
-                        </a:rPr>
-                        <a:t>-</a:t>
-                      </a:r>
-                      <a:endParaRPr lang="en-US" altLang="ru-RU">
-                        <a:latin typeface="Times New Roman" panose="02020603050405020304" charset="0"/>
-                        <a:cs typeface="Times New Roman" panose="02020603050405020304" charset="0"/>
-                      </a:endParaRPr>
-                    </a:p>
-                  </a:txBody>
-                  <a:tcPr>
-                    <a:solidFill>
-                      <a:schemeClr val="bg1">
-                        <a:lumMod val="75000"/>
-                      </a:schemeClr>
-                    </a:solidFill>
-                  </a:tcPr>
-                </a:tc>
-                <a:tc>
-                  <a:txBody>
-                    <a:bodyPr/>
-                    <a:p>
-                      <a:pPr>
-                        <a:buNone/>
-                      </a:pPr>
-                      <a:r>
-                        <a:rPr lang="en-US" altLang="ru-RU">
-                          <a:latin typeface="Times New Roman" panose="02020603050405020304" charset="0"/>
-                          <a:cs typeface="Times New Roman" panose="02020603050405020304" charset="0"/>
-                        </a:rPr>
-                        <a:t>-</a:t>
-                      </a:r>
-                      <a:endParaRPr lang="en-US" altLang="ru-RU">
-                        <a:latin typeface="Times New Roman" panose="02020603050405020304" charset="0"/>
-                        <a:cs typeface="Times New Roman" panose="02020603050405020304" charset="0"/>
-                      </a:endParaRPr>
-                    </a:p>
-                  </a:txBody>
-                  <a:tcPr>
-                    <a:solidFill>
-                      <a:schemeClr val="bg1">
-                        <a:lumMod val="75000"/>
-                      </a:schemeClr>
-                    </a:solidFill>
-                  </a:tcPr>
-                </a:tc>
-              </a:tr>
-              <a:tr h="381000">
-                <a:tc>
-                  <a:txBody>
-                    <a:bodyPr/>
-                    <a:p>
-                      <a:pPr>
-                        <a:buNone/>
-                      </a:pPr>
-                      <a:r>
-                        <a:rPr lang="ru-RU" altLang="en-US">
-                          <a:latin typeface="Times New Roman" panose="02020603050405020304" charset="0"/>
-                          <a:cs typeface="Times New Roman" panose="02020603050405020304" charset="0"/>
-                        </a:rPr>
-                        <a:t>Есть готовая база данных упражнений</a:t>
-                      </a:r>
-                      <a:endParaRPr lang="ru-RU" altLang="en-US">
-                        <a:latin typeface="Times New Roman" panose="02020603050405020304" charset="0"/>
-                        <a:cs typeface="Times New Roman" panose="02020603050405020304" charset="0"/>
-                      </a:endParaRPr>
-                    </a:p>
-                  </a:txBody>
-                  <a:tcPr>
-                    <a:solidFill>
-                      <a:schemeClr val="bg1">
-                        <a:lumMod val="75000"/>
-                      </a:schemeClr>
-                    </a:solidFill>
-                  </a:tcPr>
-                </a:tc>
-                <a:tc>
-                  <a:txBody>
-                    <a:bodyPr/>
-                    <a:p>
-                      <a:pPr>
-                        <a:buNone/>
-                      </a:pPr>
-                      <a:r>
-                        <a:rPr lang="en-US" altLang="ru-RU">
-                          <a:latin typeface="Times New Roman" panose="02020603050405020304" charset="0"/>
-                          <a:cs typeface="Times New Roman" panose="02020603050405020304" charset="0"/>
-                        </a:rPr>
-                        <a:t>+</a:t>
-                      </a:r>
-                      <a:endParaRPr lang="en-US" altLang="ru-RU">
-                        <a:latin typeface="Times New Roman" panose="02020603050405020304" charset="0"/>
-                        <a:cs typeface="Times New Roman" panose="02020603050405020304" charset="0"/>
-                      </a:endParaRPr>
-                    </a:p>
-                  </a:txBody>
-                  <a:tcPr>
-                    <a:solidFill>
-                      <a:schemeClr val="bg1">
-                        <a:lumMod val="75000"/>
-                      </a:schemeClr>
-                    </a:solidFill>
-                  </a:tcPr>
-                </a:tc>
-                <a:tc>
-                  <a:txBody>
-                    <a:bodyPr/>
-                    <a:p>
-                      <a:pPr>
-                        <a:buNone/>
-                      </a:pPr>
-                      <a:r>
-                        <a:rPr lang="en-US" altLang="ru-RU">
-                          <a:latin typeface="Times New Roman" panose="02020603050405020304" charset="0"/>
-                          <a:cs typeface="Times New Roman" panose="02020603050405020304" charset="0"/>
-                        </a:rPr>
-                        <a:t>+</a:t>
-                      </a:r>
-                      <a:endParaRPr lang="en-US" altLang="ru-RU">
-                        <a:latin typeface="Times New Roman" panose="02020603050405020304" charset="0"/>
-                        <a:cs typeface="Times New Roman" panose="02020603050405020304" charset="0"/>
-                      </a:endParaRPr>
-                    </a:p>
-                  </a:txBody>
-                  <a:tcPr>
-                    <a:solidFill>
-                      <a:schemeClr val="bg1">
-                        <a:lumMod val="75000"/>
-                      </a:schemeClr>
-                    </a:solidFill>
-                  </a:tcPr>
-                </a:tc>
-                <a:tc>
-                  <a:txBody>
-                    <a:bodyPr/>
-                    <a:p>
-                      <a:pPr>
-                        <a:buNone/>
-                      </a:pPr>
-                      <a:r>
-                        <a:rPr lang="en-US" altLang="ru-RU">
-                          <a:latin typeface="Times New Roman" panose="02020603050405020304" charset="0"/>
-                          <a:cs typeface="Times New Roman" panose="02020603050405020304" charset="0"/>
-                        </a:rPr>
-                        <a:t>+</a:t>
-                      </a:r>
-                      <a:endParaRPr lang="en-US" altLang="ru-RU">
-                        <a:latin typeface="Times New Roman" panose="02020603050405020304" charset="0"/>
-                        <a:cs typeface="Times New Roman" panose="02020603050405020304" charset="0"/>
-                      </a:endParaRPr>
-                    </a:p>
-                  </a:txBody>
-                  <a:tcPr>
-                    <a:solidFill>
-                      <a:schemeClr val="bg1">
-                        <a:lumMod val="75000"/>
-                      </a:schemeClr>
-                    </a:solidFill>
-                  </a:tcPr>
-                </a:tc>
-                <a:tc>
-                  <a:txBody>
-                    <a:bodyPr/>
-                    <a:p>
-                      <a:pPr>
-                        <a:buNone/>
-                      </a:pPr>
-                      <a:r>
-                        <a:rPr lang="en-US" altLang="ru-RU">
-                          <a:latin typeface="Times New Roman" panose="02020603050405020304" charset="0"/>
-                          <a:cs typeface="Times New Roman" panose="02020603050405020304" charset="0"/>
-                        </a:rPr>
-                        <a:t>+</a:t>
-                      </a:r>
-                      <a:endParaRPr lang="en-US" altLang="ru-RU">
-                        <a:latin typeface="Times New Roman" panose="02020603050405020304" charset="0"/>
-                        <a:cs typeface="Times New Roman" panose="02020603050405020304" charset="0"/>
-                      </a:endParaRPr>
-                    </a:p>
-                  </a:txBody>
-                  <a:tcPr>
-                    <a:solidFill>
-                      <a:schemeClr val="bg1">
-                        <a:lumMod val="75000"/>
-                      </a:schemeClr>
-                    </a:solidFill>
-                  </a:tcPr>
-                </a:tc>
-                <a:tc>
-                  <a:txBody>
-                    <a:bodyPr/>
-                    <a:p>
-                      <a:pPr>
-                        <a:buNone/>
-                      </a:pPr>
-                      <a:r>
-                        <a:rPr lang="en-US" altLang="ru-RU">
-                          <a:latin typeface="Times New Roman" panose="02020603050405020304" charset="0"/>
-                          <a:cs typeface="Times New Roman" panose="02020603050405020304" charset="0"/>
-                        </a:rPr>
-                        <a:t>+</a:t>
-                      </a:r>
-                      <a:endParaRPr lang="en-US" altLang="ru-RU">
-                        <a:latin typeface="Times New Roman" panose="02020603050405020304" charset="0"/>
-                        <a:cs typeface="Times New Roman" panose="02020603050405020304" charset="0"/>
-                      </a:endParaRPr>
-                    </a:p>
-                  </a:txBody>
-                  <a:tcPr>
-                    <a:solidFill>
-                      <a:schemeClr val="bg1">
-                        <a:lumMod val="75000"/>
-                      </a:schemeClr>
-                    </a:solidFill>
-                  </a:tcPr>
-                </a:tc>
-              </a:tr>
-              <a:tr h="381000">
-                <a:tc>
-                  <a:txBody>
-                    <a:bodyPr/>
-                    <a:p>
-                      <a:pPr>
-                        <a:buNone/>
-                      </a:pPr>
-                      <a:r>
-                        <a:rPr lang="ru-RU" altLang="en-US">
-                          <a:latin typeface="Times New Roman" panose="02020603050405020304" charset="0"/>
-                          <a:cs typeface="Times New Roman" panose="02020603050405020304" charset="0"/>
-                        </a:rPr>
-                        <a:t>Наличие рекламы</a:t>
-                      </a:r>
-                      <a:endParaRPr lang="ru-RU" altLang="en-US">
-                        <a:latin typeface="Times New Roman" panose="02020603050405020304" charset="0"/>
-                        <a:cs typeface="Times New Roman" panose="02020603050405020304" charset="0"/>
-                      </a:endParaRPr>
-                    </a:p>
-                  </a:txBody>
-                  <a:tcPr>
-                    <a:solidFill>
-                      <a:schemeClr val="bg1">
-                        <a:lumMod val="75000"/>
-                      </a:schemeClr>
-                    </a:solidFill>
-                  </a:tcPr>
-                </a:tc>
-                <a:tc>
-                  <a:txBody>
-                    <a:bodyPr/>
-                    <a:p>
-                      <a:pPr>
-                        <a:buNone/>
-                      </a:pPr>
-                      <a:r>
-                        <a:rPr lang="en-US" altLang="ru-RU">
-                          <a:latin typeface="Times New Roman" panose="02020603050405020304" charset="0"/>
-                          <a:cs typeface="Times New Roman" panose="02020603050405020304" charset="0"/>
-                        </a:rPr>
-                        <a:t>+</a:t>
-                      </a:r>
-                      <a:endParaRPr lang="en-US" altLang="ru-RU">
-                        <a:latin typeface="Times New Roman" panose="02020603050405020304" charset="0"/>
-                        <a:cs typeface="Times New Roman" panose="02020603050405020304" charset="0"/>
-                      </a:endParaRPr>
-                    </a:p>
-                  </a:txBody>
-                  <a:tcPr>
-                    <a:solidFill>
-                      <a:schemeClr val="bg1">
-                        <a:lumMod val="75000"/>
-                      </a:schemeClr>
-                    </a:solidFill>
-                  </a:tcPr>
-                </a:tc>
-                <a:tc>
-                  <a:txBody>
-                    <a:bodyPr/>
-                    <a:p>
-                      <a:pPr>
-                        <a:buNone/>
-                      </a:pPr>
-                      <a:r>
-                        <a:rPr lang="en-US" altLang="ru-RU">
-                          <a:latin typeface="Times New Roman" panose="02020603050405020304" charset="0"/>
-                          <a:cs typeface="Times New Roman" panose="02020603050405020304" charset="0"/>
-                        </a:rPr>
-                        <a:t>+</a:t>
-                      </a:r>
-                      <a:endParaRPr lang="en-US" altLang="ru-RU">
-                        <a:latin typeface="Times New Roman" panose="02020603050405020304" charset="0"/>
-                        <a:cs typeface="Times New Roman" panose="02020603050405020304" charset="0"/>
-                      </a:endParaRPr>
-                    </a:p>
-                  </a:txBody>
-                  <a:tcPr>
-                    <a:solidFill>
-                      <a:schemeClr val="bg1">
-                        <a:lumMod val="75000"/>
-                      </a:schemeClr>
-                    </a:solidFill>
-                  </a:tcPr>
-                </a:tc>
-                <a:tc>
-                  <a:txBody>
-                    <a:bodyPr/>
-                    <a:p>
-                      <a:pPr>
-                        <a:buNone/>
-                      </a:pPr>
-                      <a:r>
-                        <a:rPr lang="en-US" altLang="ru-RU">
-                          <a:latin typeface="Times New Roman" panose="02020603050405020304" charset="0"/>
-                          <a:cs typeface="Times New Roman" panose="02020603050405020304" charset="0"/>
-                        </a:rPr>
-                        <a:t>-</a:t>
-                      </a:r>
-                      <a:endParaRPr lang="en-US" altLang="ru-RU">
-                        <a:latin typeface="Times New Roman" panose="02020603050405020304" charset="0"/>
-                        <a:cs typeface="Times New Roman" panose="02020603050405020304" charset="0"/>
-                      </a:endParaRPr>
-                    </a:p>
-                  </a:txBody>
-                  <a:tcPr>
-                    <a:solidFill>
-                      <a:schemeClr val="bg1">
-                        <a:lumMod val="75000"/>
-                      </a:schemeClr>
-                    </a:solidFill>
-                  </a:tcPr>
-                </a:tc>
-                <a:tc>
-                  <a:txBody>
-                    <a:bodyPr/>
-                    <a:p>
-                      <a:pPr>
-                        <a:buNone/>
-                      </a:pPr>
-                      <a:r>
-                        <a:rPr lang="en-US" altLang="ru-RU">
-                          <a:latin typeface="Times New Roman" panose="02020603050405020304" charset="0"/>
-                          <a:cs typeface="Times New Roman" panose="02020603050405020304" charset="0"/>
-                        </a:rPr>
-                        <a:t>-</a:t>
-                      </a:r>
-                      <a:endParaRPr lang="en-US" altLang="ru-RU">
-                        <a:latin typeface="Times New Roman" panose="02020603050405020304" charset="0"/>
-                        <a:cs typeface="Times New Roman" panose="02020603050405020304" charset="0"/>
-                      </a:endParaRPr>
-                    </a:p>
-                  </a:txBody>
-                  <a:tcPr>
-                    <a:solidFill>
-                      <a:schemeClr val="bg1">
-                        <a:lumMod val="75000"/>
-                      </a:schemeClr>
-                    </a:solidFill>
-                  </a:tcPr>
-                </a:tc>
-                <a:tc>
-                  <a:txBody>
-                    <a:bodyPr/>
-                    <a:p>
-                      <a:pPr>
-                        <a:buNone/>
-                      </a:pPr>
-                      <a:r>
-                        <a:rPr lang="en-US" altLang="ru-RU">
-                          <a:latin typeface="Times New Roman" panose="02020603050405020304" charset="0"/>
-                          <a:cs typeface="Times New Roman" panose="02020603050405020304" charset="0"/>
-                        </a:rPr>
-                        <a:t>-</a:t>
-                      </a:r>
-                      <a:endParaRPr lang="en-US" altLang="ru-RU">
-                        <a:latin typeface="Times New Roman" panose="02020603050405020304" charset="0"/>
-                        <a:cs typeface="Times New Roman" panose="02020603050405020304" charset="0"/>
-                      </a:endParaRPr>
-                    </a:p>
-                  </a:txBody>
-                  <a:tcPr>
-                    <a:solidFill>
-                      <a:schemeClr val="bg1">
-                        <a:lumMod val="75000"/>
-                      </a:schemeClr>
-                    </a:solidFill>
-                  </a:tcPr>
-                </a:tc>
-              </a:tr>
-              <a:tr h="381000">
-                <a:tc>
-                  <a:txBody>
-                    <a:bodyPr/>
-                    <a:p>
-                      <a:pPr>
-                        <a:buNone/>
-                      </a:pPr>
-                      <a:r>
-                        <a:rPr lang="ru-RU" altLang="en-US">
-                          <a:latin typeface="Times New Roman" panose="02020603050405020304" charset="0"/>
-                          <a:cs typeface="Times New Roman" panose="02020603050405020304" charset="0"/>
-                        </a:rPr>
-                        <a:t>Возможность просмотра истории тренировок</a:t>
-                      </a:r>
-                      <a:endParaRPr lang="ru-RU" altLang="en-US">
-                        <a:latin typeface="Times New Roman" panose="02020603050405020304" charset="0"/>
-                        <a:cs typeface="Times New Roman" panose="02020603050405020304" charset="0"/>
-                      </a:endParaRPr>
-                    </a:p>
-                  </a:txBody>
-                  <a:tcPr>
-                    <a:solidFill>
-                      <a:schemeClr val="bg1">
-                        <a:lumMod val="75000"/>
-                      </a:schemeClr>
-                    </a:solidFill>
-                  </a:tcPr>
-                </a:tc>
-                <a:tc>
-                  <a:txBody>
-                    <a:bodyPr/>
-                    <a:p>
-                      <a:pPr>
-                        <a:buNone/>
-                      </a:pPr>
-                      <a:r>
-                        <a:rPr lang="en-US" altLang="ru-RU">
-                          <a:latin typeface="Times New Roman" panose="02020603050405020304" charset="0"/>
-                          <a:cs typeface="Times New Roman" panose="02020603050405020304" charset="0"/>
-                        </a:rPr>
-                        <a:t>+</a:t>
-                      </a:r>
-                      <a:endParaRPr lang="en-US" altLang="ru-RU">
-                        <a:latin typeface="Times New Roman" panose="02020603050405020304" charset="0"/>
-                        <a:cs typeface="Times New Roman" panose="02020603050405020304" charset="0"/>
-                      </a:endParaRPr>
-                    </a:p>
-                  </a:txBody>
-                  <a:tcPr>
-                    <a:solidFill>
-                      <a:schemeClr val="bg1">
-                        <a:lumMod val="75000"/>
-                      </a:schemeClr>
-                    </a:solidFill>
-                  </a:tcPr>
-                </a:tc>
-                <a:tc>
-                  <a:txBody>
-                    <a:bodyPr/>
-                    <a:p>
-                      <a:pPr>
-                        <a:buNone/>
-                      </a:pPr>
-                      <a:r>
-                        <a:rPr lang="en-US" altLang="ru-RU">
-                          <a:latin typeface="Times New Roman" panose="02020603050405020304" charset="0"/>
-                          <a:cs typeface="Times New Roman" panose="02020603050405020304" charset="0"/>
-                        </a:rPr>
-                        <a:t>+</a:t>
-                      </a:r>
-                      <a:endParaRPr lang="en-US" altLang="ru-RU">
-                        <a:latin typeface="Times New Roman" panose="02020603050405020304" charset="0"/>
-                        <a:cs typeface="Times New Roman" panose="02020603050405020304" charset="0"/>
-                      </a:endParaRPr>
-                    </a:p>
-                  </a:txBody>
-                  <a:tcPr>
-                    <a:solidFill>
-                      <a:schemeClr val="bg1">
-                        <a:lumMod val="75000"/>
-                      </a:schemeClr>
-                    </a:solidFill>
-                  </a:tcPr>
-                </a:tc>
-                <a:tc>
-                  <a:txBody>
-                    <a:bodyPr/>
-                    <a:p>
-                      <a:pPr>
-                        <a:buNone/>
-                      </a:pPr>
-                      <a:r>
-                        <a:rPr lang="en-US" altLang="ru-RU">
-                          <a:latin typeface="Times New Roman" panose="02020603050405020304" charset="0"/>
-                          <a:cs typeface="Times New Roman" panose="02020603050405020304" charset="0"/>
-                        </a:rPr>
-                        <a:t>+</a:t>
-                      </a:r>
-                      <a:endParaRPr lang="en-US" altLang="ru-RU">
-                        <a:latin typeface="Times New Roman" panose="02020603050405020304" charset="0"/>
-                        <a:cs typeface="Times New Roman" panose="02020603050405020304" charset="0"/>
-                      </a:endParaRPr>
-                    </a:p>
-                  </a:txBody>
-                  <a:tcPr>
-                    <a:solidFill>
-                      <a:schemeClr val="bg1">
-                        <a:lumMod val="75000"/>
-                      </a:schemeClr>
-                    </a:solidFill>
-                  </a:tcPr>
-                </a:tc>
-                <a:tc>
-                  <a:txBody>
-                    <a:bodyPr/>
-                    <a:p>
-                      <a:pPr>
-                        <a:buNone/>
-                      </a:pPr>
-                      <a:r>
-                        <a:rPr lang="en-US" altLang="ru-RU">
-                          <a:latin typeface="Times New Roman" panose="02020603050405020304" charset="0"/>
-                          <a:cs typeface="Times New Roman" panose="02020603050405020304" charset="0"/>
-                        </a:rPr>
-                        <a:t>+</a:t>
-                      </a:r>
-                      <a:endParaRPr lang="en-US" altLang="ru-RU">
-                        <a:latin typeface="Times New Roman" panose="02020603050405020304" charset="0"/>
-                        <a:cs typeface="Times New Roman" panose="02020603050405020304" charset="0"/>
-                      </a:endParaRPr>
-                    </a:p>
-                  </a:txBody>
-                  <a:tcPr>
-                    <a:solidFill>
-                      <a:schemeClr val="bg1">
-                        <a:lumMod val="75000"/>
-                      </a:schemeClr>
-                    </a:solidFill>
-                  </a:tcPr>
-                </a:tc>
-                <a:tc>
-                  <a:txBody>
-                    <a:bodyPr/>
-                    <a:p>
-                      <a:pPr>
-                        <a:buNone/>
-                      </a:pPr>
-                      <a:r>
-                        <a:rPr lang="en-US" altLang="ru-RU">
-                          <a:latin typeface="Times New Roman" panose="02020603050405020304" charset="0"/>
-                          <a:cs typeface="Times New Roman" panose="02020603050405020304" charset="0"/>
-                        </a:rPr>
-                        <a:t>-</a:t>
-                      </a:r>
-                      <a:endParaRPr lang="en-US" altLang="ru-RU">
-                        <a:latin typeface="Times New Roman" panose="02020603050405020304" charset="0"/>
-                        <a:cs typeface="Times New Roman" panose="02020603050405020304" charset="0"/>
-                      </a:endParaRPr>
-                    </a:p>
-                  </a:txBody>
-                  <a:tcPr>
-                    <a:solidFill>
-                      <a:schemeClr val="bg1">
-                        <a:lumMod val="75000"/>
-                      </a:schemeClr>
-                    </a:solidFill>
-                  </a:tcPr>
-                </a:tc>
-              </a:tr>
-            </a:tbl>
-          </a:graphicData>
-        </a:graphic>
-      </p:graphicFrame>
-      <p:sp>
-        <p:nvSpPr>
-          <p:cNvPr id="5" name="Текстовое поле 4"/>
-          <p:cNvSpPr txBox="1"/>
-          <p:nvPr/>
-        </p:nvSpPr>
-        <p:spPr>
-          <a:xfrm>
-            <a:off x="1076960" y="4718050"/>
-            <a:ext cx="6096000" cy="368300"/>
-          </a:xfrm>
-          <a:prstGeom prst="rect">
-            <a:avLst/>
-          </a:prstGeom>
-          <a:noFill/>
-        </p:spPr>
-        <p:txBody>
-          <a:bodyPr wrap="square" rtlCol="0" anchor="t">
-            <a:spAutoFit/>
-          </a:bodyPr>
-          <a:p>
-            <a:r>
-              <a:rPr lang="ru-RU" altLang="en-US">
-                <a:latin typeface="Times New Roman" panose="02020603050405020304" charset="0"/>
-                <a:cs typeface="Times New Roman" panose="02020603050405020304" charset="0"/>
-                <a:sym typeface="+mn-ea"/>
-              </a:rPr>
-              <a:t>Таблица 1 - Таблица сравнения аналогов</a:t>
-            </a:r>
-            <a:r>
-              <a:rPr lang="en-US" altLang="ru-RU">
-                <a:latin typeface="Times New Roman" panose="02020603050405020304" charset="0"/>
-                <a:cs typeface="Times New Roman" panose="02020603050405020304" charset="0"/>
-                <a:sym typeface="+mn-ea"/>
-              </a:rPr>
-              <a:t> (</a:t>
-            </a:r>
-            <a:r>
-              <a:rPr lang="ru-RU" altLang="ru-RU">
-                <a:latin typeface="Times New Roman" panose="02020603050405020304" charset="0"/>
-                <a:cs typeface="Times New Roman" panose="02020603050405020304" charset="0"/>
-                <a:sym typeface="+mn-ea"/>
-              </a:rPr>
-              <a:t>продолжение</a:t>
-            </a:r>
-            <a:r>
-              <a:rPr lang="en-US" altLang="ru-RU">
-                <a:latin typeface="Times New Roman" panose="02020603050405020304" charset="0"/>
-                <a:cs typeface="Times New Roman" panose="02020603050405020304" charset="0"/>
-                <a:sym typeface="+mn-ea"/>
-              </a:rPr>
-              <a:t>)</a:t>
-            </a:r>
-            <a:endParaRPr lang="en-US" altLang="ru-RU">
-              <a:latin typeface="Times New Roman" panose="02020603050405020304" charset="0"/>
-              <a:cs typeface="Times New Roman" panose="02020603050405020304" charset="0"/>
-              <a:sym typeface="+mn-ea"/>
-            </a:endParaRPr>
-          </a:p>
-        </p:txBody>
-      </p:sp>
-      <p:sp>
-        <p:nvSpPr>
-          <p:cNvPr id="6" name="Замещающий номер слайда 5"/>
-          <p:cNvSpPr>
-            <a:spLocks noGrp="1"/>
-          </p:cNvSpPr>
-          <p:nvPr>
-            <p:ph type="sldNum" sz="quarter" idx="12"/>
-          </p:nvPr>
-        </p:nvSpPr>
-        <p:spPr/>
-        <p:txBody>
-          <a:bodyPr>
-            <a:noAutofit/>
-          </a:bodyPr>
-          <a:p>
-            <a:fld id="{49AE70B2-8BF9-45C0-BB95-33D1B9D3A854}" type="slidenum">
-              <a:rPr lang="en-US" sz="3200" smtClean="0"/>
-            </a:fld>
-            <a:endParaRPr lang="en-US" sz="3200" smtClean="0"/>
-          </a:p>
-        </p:txBody>
-      </p:sp>
-    </p:spTree>
-  </p:cSld>
-  <p:clrMapOvr>
-    <a:masterClrMapping/>
-  </p:clrMapOvr>
-</p:sld>
-</file>
-
-<file path=ppt/slides/slide7.xml><?xml version="1.0" encoding="utf-8"?>
-<p:sld xmlns:a="http://schemas.openxmlformats.org/drawingml/2006/main" xmlns:r="http://schemas.openxmlformats.org/officeDocument/2006/relationships" xmlns:p="http://schemas.openxmlformats.org/presentationml/2006/main">
-  <p:cSld>
-    <p:spTree>
-      <p:nvGrpSpPr>
-        <p:cNvPr id="1" name=""/>
-        <p:cNvGrpSpPr/>
-        <p:nvPr/>
-      </p:nvGrpSpPr>
-      <p:grpSpPr/>
-      <p:sp>
-        <p:nvSpPr>
-          <p:cNvPr id="2" name="Заголовок 1"/>
-          <p:cNvSpPr>
-            <a:spLocks noGrp="1"/>
-          </p:cNvSpPr>
-          <p:nvPr>
-            <p:ph type="title"/>
-          </p:nvPr>
-        </p:nvSpPr>
-        <p:spPr/>
-        <p:txBody>
-          <a:bodyPr/>
-          <a:p>
-            <a:r>
-              <a:rPr lang="ru-RU" altLang="en-US" sz="3600" b="0">
-                <a:latin typeface="Times New Roman" panose="02020603050405020304" charset="0"/>
-                <a:cs typeface="Times New Roman" panose="02020603050405020304" charset="0"/>
-              </a:rPr>
-              <a:t>Функциональные требования</a:t>
-            </a:r>
-            <a:endParaRPr lang="ru-RU" altLang="en-US" sz="3600" b="0">
-              <a:latin typeface="Times New Roman" panose="02020603050405020304" charset="0"/>
-              <a:cs typeface="Times New Roman" panose="02020603050405020304" charset="0"/>
-            </a:endParaRPr>
-          </a:p>
-        </p:txBody>
-      </p:sp>
-      <p:sp>
-        <p:nvSpPr>
-          <p:cNvPr id="3" name="Замещающее содержимое 2"/>
-          <p:cNvSpPr>
-            <a:spLocks noGrp="1"/>
-          </p:cNvSpPr>
-          <p:nvPr>
-            <p:ph idx="1"/>
-          </p:nvPr>
-        </p:nvSpPr>
-        <p:spPr/>
-        <p:txBody>
-          <a:bodyPr/>
-          <a:p>
-            <a:pPr marL="457200" indent="-457200">
-              <a:buFont typeface="Arial" panose="020B0604020202020204" pitchFamily="34" charset="0"/>
-              <a:buChar char="•"/>
-            </a:pPr>
-            <a:r>
-              <a:rPr lang="ru-RU" altLang="en-US" sz="2400">
-                <a:latin typeface="Times New Roman" panose="02020603050405020304" charset="0"/>
-                <a:cs typeface="Times New Roman" panose="02020603050405020304" charset="0"/>
-              </a:rPr>
-              <a:t>Приложение должно позволять создавать учетные записи</a:t>
-            </a:r>
-            <a:endParaRPr lang="ru-RU" altLang="en-US" sz="2400">
-              <a:latin typeface="Times New Roman" panose="02020603050405020304" charset="0"/>
-              <a:cs typeface="Times New Roman" panose="02020603050405020304" charset="0"/>
-            </a:endParaRPr>
-          </a:p>
-          <a:p>
-            <a:pPr marL="457200" indent="-457200">
-              <a:buFont typeface="Arial" panose="020B0604020202020204" pitchFamily="34" charset="0"/>
-              <a:buChar char="•"/>
-            </a:pPr>
-            <a:r>
-              <a:rPr lang="ru-RU" altLang="en-US" sz="2400">
-                <a:latin typeface="Times New Roman" panose="02020603050405020304" charset="0"/>
-                <a:cs typeface="Times New Roman" panose="02020603050405020304" charset="0"/>
-              </a:rPr>
-              <a:t>Приложение должно предоставлять доступ к разнообразным тренировкам, а также возможность создавать и редактировать их</a:t>
-            </a:r>
-            <a:endParaRPr lang="ru-RU" altLang="en-US" sz="2400">
-              <a:latin typeface="Times New Roman" panose="02020603050405020304" charset="0"/>
-              <a:cs typeface="Times New Roman" panose="02020603050405020304" charset="0"/>
-            </a:endParaRPr>
-          </a:p>
-          <a:p>
-            <a:pPr marL="457200" indent="-457200">
-              <a:buFont typeface="Arial" panose="020B0604020202020204" pitchFamily="34" charset="0"/>
-              <a:buChar char="•"/>
-            </a:pPr>
-            <a:r>
-              <a:rPr lang="ru-RU" altLang="en-US" sz="2400">
-                <a:latin typeface="Times New Roman" panose="02020603050405020304" charset="0"/>
-                <a:cs typeface="Times New Roman" panose="02020603050405020304" charset="0"/>
-              </a:rPr>
-              <a:t>Приложение должно предоставлять возможность пользователям отслеживать свой прогресс</a:t>
-            </a:r>
-            <a:endParaRPr lang="ru-RU" altLang="en-US" sz="2400">
-              <a:latin typeface="Times New Roman" panose="02020603050405020304" charset="0"/>
-              <a:cs typeface="Times New Roman" panose="02020603050405020304" charset="0"/>
-            </a:endParaRPr>
-          </a:p>
-          <a:p>
-            <a:pPr marL="457200" indent="-457200">
-              <a:buFont typeface="Arial" panose="020B0604020202020204" pitchFamily="34" charset="0"/>
-              <a:buChar char="•"/>
-            </a:pPr>
-            <a:r>
-              <a:rPr lang="ru-RU" altLang="en-US" sz="2400">
-                <a:latin typeface="Times New Roman" panose="02020603050405020304" charset="0"/>
-                <a:cs typeface="Times New Roman" panose="02020603050405020304" charset="0"/>
-              </a:rPr>
-              <a:t>Приложение должно позволять гибко настраивать комплексы упражнений</a:t>
-            </a:r>
-            <a:endParaRPr lang="ru-RU" altLang="en-US" sz="2400">
-              <a:latin typeface="Times New Roman" panose="02020603050405020304" charset="0"/>
-              <a:cs typeface="Times New Roman" panose="02020603050405020304" charset="0"/>
-            </a:endParaRPr>
-          </a:p>
-        </p:txBody>
-      </p:sp>
-      <p:sp>
-        <p:nvSpPr>
-          <p:cNvPr id="4" name="Замещающий номер слайда 3"/>
-          <p:cNvSpPr>
-            <a:spLocks noGrp="1"/>
-          </p:cNvSpPr>
-          <p:nvPr>
-            <p:ph type="sldNum" sz="quarter" idx="12"/>
-          </p:nvPr>
-        </p:nvSpPr>
-        <p:spPr/>
-        <p:txBody>
-          <a:bodyPr>
-            <a:noAutofit/>
-          </a:bodyPr>
-          <a:p>
-            <a:fld id="{49AE70B2-8BF9-45C0-BB95-33D1B9D3A854}" type="slidenum">
-              <a:rPr lang="en-US" sz="3200" smtClean="0"/>
-            </a:fld>
-            <a:endParaRPr lang="en-US" sz="3200" smtClean="0"/>
-          </a:p>
-        </p:txBody>
-      </p:sp>
-    </p:spTree>
-  </p:cSld>
-  <p:clrMapOvr>
-    <a:masterClrMapping/>
-  </p:clrMapOvr>
-</p:sld>
-</file>
-
-<file path=ppt/slides/slide8.xml><?xml version="1.0" encoding="utf-8"?>
-<p:sld xmlns:a="http://schemas.openxmlformats.org/drawingml/2006/main" xmlns:r="http://schemas.openxmlformats.org/officeDocument/2006/relationships" xmlns:p="http://schemas.openxmlformats.org/presentationml/2006/main">
-  <p:cSld>
-    <p:spTree>
-      <p:nvGrpSpPr>
-        <p:cNvPr id="1" name=""/>
-        <p:cNvGrpSpPr/>
-        <p:nvPr/>
-      </p:nvGrpSpPr>
-      <p:grpSpPr/>
-      <p:pic>
-        <p:nvPicPr>
-          <p:cNvPr id="4" name="Замещающее содержимое 3"/>
-          <p:cNvPicPr>
-            <a:picLocks noChangeAspect="1"/>
-          </p:cNvPicPr>
-          <p:nvPr>
-            <p:ph sz="quarter" idx="13"/>
-          </p:nvPr>
-        </p:nvPicPr>
-        <p:blipFill>
-          <a:blip r:embed="rId1"/>
-          <a:stretch>
-            <a:fillRect/>
-          </a:stretch>
-        </p:blipFill>
-        <p:spPr>
-          <a:xfrm>
-            <a:off x="3262630" y="551815"/>
-            <a:ext cx="5666105" cy="5558790"/>
-          </a:xfrm>
-          <a:prstGeom prst="rect">
-            <a:avLst/>
-          </a:prstGeom>
-        </p:spPr>
-      </p:pic>
-      <p:sp>
-        <p:nvSpPr>
-          <p:cNvPr id="5" name="Текстовое поле 4"/>
-          <p:cNvSpPr txBox="1"/>
-          <p:nvPr/>
-        </p:nvSpPr>
-        <p:spPr>
-          <a:xfrm>
-            <a:off x="1148080" y="0"/>
-            <a:ext cx="8981440" cy="822960"/>
-          </a:xfrm>
-          <a:prstGeom prst="rect">
-            <a:avLst/>
-          </a:prstGeom>
-          <a:noFill/>
-        </p:spPr>
-        <p:txBody>
-          <a:bodyPr wrap="square" rtlCol="0">
-            <a:noAutofit/>
-          </a:bodyPr>
-          <a:p>
-            <a:r>
-              <a:rPr lang="ru-RU" altLang="en-US" sz="3600">
-                <a:latin typeface="Times New Roman" panose="02020603050405020304" charset="0"/>
-                <a:cs typeface="Times New Roman" panose="02020603050405020304" charset="0"/>
-              </a:rPr>
-              <a:t>Функциональные требования</a:t>
-            </a:r>
-            <a:endParaRPr lang="ru-RU" altLang="en-US" sz="3600">
-              <a:latin typeface="Times New Roman" panose="02020603050405020304" charset="0"/>
-              <a:cs typeface="Times New Roman" panose="02020603050405020304" charset="0"/>
-            </a:endParaRPr>
-          </a:p>
-        </p:txBody>
-      </p:sp>
-      <p:sp>
-        <p:nvSpPr>
-          <p:cNvPr id="6" name="Замещающий номер слайда 5"/>
-          <p:cNvSpPr>
-            <a:spLocks noGrp="1"/>
-          </p:cNvSpPr>
-          <p:nvPr>
-            <p:ph type="sldNum" sz="quarter" idx="12"/>
-          </p:nvPr>
-        </p:nvSpPr>
-        <p:spPr/>
-        <p:txBody>
-          <a:bodyPr>
-            <a:noAutofit/>
-          </a:bodyPr>
-          <a:p>
-            <a:fld id="{49AE70B2-8BF9-45C0-BB95-33D1B9D3A854}" type="slidenum">
-              <a:rPr lang="en-US" sz="3200" smtClean="0"/>
-            </a:fld>
-            <a:endParaRPr lang="en-US" sz="3200" smtClean="0"/>
-          </a:p>
-        </p:txBody>
-      </p:sp>
-      <p:sp>
-        <p:nvSpPr>
-          <p:cNvPr id="2" name="Текстовое поле 1"/>
-          <p:cNvSpPr txBox="1"/>
-          <p:nvPr/>
-        </p:nvSpPr>
-        <p:spPr>
-          <a:xfrm>
-            <a:off x="2295525" y="6136005"/>
-            <a:ext cx="7750175" cy="368300"/>
-          </a:xfrm>
-          <a:prstGeom prst="rect">
-            <a:avLst/>
-          </a:prstGeom>
-          <a:noFill/>
-        </p:spPr>
-        <p:txBody>
-          <a:bodyPr wrap="square" rtlCol="0">
-            <a:spAutoFit/>
-          </a:bodyPr>
-          <a:p>
-            <a:r>
-              <a:rPr lang="ru-RU" altLang="en-US">
-                <a:latin typeface="Times New Roman" panose="02020603050405020304" charset="0"/>
-                <a:cs typeface="Times New Roman" panose="02020603050405020304" charset="0"/>
-              </a:rPr>
-              <a:t>Схема 1. </a:t>
-            </a:r>
-            <a:r>
-              <a:rPr lang="en-US" altLang="en-US">
-                <a:latin typeface="Times New Roman" panose="02020603050405020304" charset="0"/>
-                <a:cs typeface="Times New Roman" panose="02020603050405020304" charset="0"/>
-              </a:rPr>
-              <a:t>Uml </a:t>
-            </a:r>
-            <a:r>
-              <a:rPr lang="ru-RU" altLang="en-US">
-                <a:latin typeface="Times New Roman" panose="02020603050405020304" charset="0"/>
-                <a:cs typeface="Times New Roman" panose="02020603050405020304" charset="0"/>
-              </a:rPr>
-              <a:t>диаграмма функциональных требований</a:t>
-            </a:r>
-            <a:endParaRPr lang="ru-RU" altLang="en-US">
-              <a:latin typeface="Times New Roman" panose="02020603050405020304" charset="0"/>
-              <a:cs typeface="Times New Roman" panose="02020603050405020304" charset="0"/>
-            </a:endParaRPr>
-          </a:p>
-        </p:txBody>
-      </p:sp>
-    </p:spTree>
-  </p:cSld>
-  <p:clrMapOvr>
-    <a:masterClrMapping/>
-  </p:clrMapOvr>
-</p:sld>
-</file>
-
-<file path=ppt/slides/slide9.xml><?xml version="1.0" encoding="utf-8"?>
-<p:sld xmlns:a="http://schemas.openxmlformats.org/drawingml/2006/main" xmlns:r="http://schemas.openxmlformats.org/officeDocument/2006/relationships" xmlns:p="http://schemas.openxmlformats.org/presentationml/2006/main">
-  <p:cSld>
-    <p:spTree>
-      <p:nvGrpSpPr>
-        <p:cNvPr id="1" name=""/>
-        <p:cNvGrpSpPr/>
-        <p:nvPr/>
-      </p:nvGrpSpPr>
-      <p:grpSpPr/>
-      <p:sp>
-        <p:nvSpPr>
           <p:cNvPr id="2" name="Замещающее содержимое 1"/>
           <p:cNvSpPr>
             <a:spLocks noGrp="1"/>
@@ -8817,16 +4876,132 @@
           </a:p>
         </p:txBody>
       </p:sp>
-      <p:sp>
-        <p:nvSpPr>
-          <p:cNvPr id="4" name="Текстовое поле 3"/>
+    </p:spTree>
+  </p:cSld>
+  <p:clrMapOvr>
+    <a:masterClrMapping/>
+  </p:clrMapOvr>
+</p:sld>
+</file>
+
+<file path=ppt/slides/slide11.xml><?xml version="1.0" encoding="utf-8"?>
+<p:sld xmlns:a="http://schemas.openxmlformats.org/drawingml/2006/main" xmlns:r="http://schemas.openxmlformats.org/officeDocument/2006/relationships" xmlns:p="http://schemas.openxmlformats.org/presentationml/2006/main">
+  <p:cSld>
+    <p:spTree>
+      <p:nvGrpSpPr>
+        <p:cNvPr id="1" name=""/>
+        <p:cNvGrpSpPr/>
+        <p:nvPr/>
+      </p:nvGrpSpPr>
+      <p:grpSpPr/>
+      <p:sp>
+        <p:nvSpPr>
+          <p:cNvPr id="2" name="Заголовок 1"/>
+          <p:cNvSpPr>
+            <a:spLocks noGrp="1"/>
+          </p:cNvSpPr>
+          <p:nvPr>
+            <p:ph type="title"/>
+          </p:nvPr>
+        </p:nvSpPr>
+        <p:spPr/>
+        <p:txBody>
+          <a:bodyPr>
+            <a:normAutofit/>
+          </a:bodyPr>
+          <a:p>
+            <a:r>
+              <a:rPr lang="ru-RU" altLang="en-US" sz="3600" b="0">
+                <a:latin typeface="Times New Roman" panose="02020603050405020304" charset="0"/>
+                <a:cs typeface="Times New Roman" panose="02020603050405020304" charset="0"/>
+                <a:sym typeface="+mn-ea"/>
+              </a:rPr>
+              <a:t>Предлагаемое решение</a:t>
+            </a:r>
+            <a:endParaRPr lang="ru-RU" altLang="en-US" sz="3600" b="0">
+              <a:latin typeface="Times New Roman" panose="02020603050405020304" charset="0"/>
+              <a:cs typeface="Times New Roman" panose="02020603050405020304" charset="0"/>
+            </a:endParaRPr>
+          </a:p>
+        </p:txBody>
+      </p:sp>
+      <p:pic>
+        <p:nvPicPr>
+          <p:cNvPr id="5" name="Замещающее содержимое 4"/>
+          <p:cNvPicPr>
+            <a:picLocks noChangeAspect="1"/>
+          </p:cNvPicPr>
+          <p:nvPr>
+            <p:ph idx="1"/>
+          </p:nvPr>
+        </p:nvPicPr>
+        <p:blipFill>
+          <a:blip r:embed="rId1"/>
+          <a:stretch>
+            <a:fillRect/>
+          </a:stretch>
+        </p:blipFill>
+        <p:spPr>
+          <a:xfrm>
+            <a:off x="133985" y="1717040"/>
+            <a:ext cx="11787505" cy="2617470"/>
+          </a:xfrm>
+          <a:prstGeom prst="rect">
+            <a:avLst/>
+          </a:prstGeom>
+        </p:spPr>
+      </p:pic>
+      <p:sp>
+        <p:nvSpPr>
+          <p:cNvPr id="6" name="Замещающий номер слайда 5"/>
+          <p:cNvSpPr>
+            <a:spLocks noGrp="1"/>
+          </p:cNvSpPr>
+          <p:nvPr>
+            <p:ph type="sldNum" sz="quarter" idx="12"/>
+          </p:nvPr>
+        </p:nvSpPr>
+        <p:spPr/>
+        <p:txBody>
+          <a:bodyPr>
+            <a:noAutofit/>
+          </a:bodyPr>
+          <a:p>
+            <a:fld id="{49AE70B2-8BF9-45C0-BB95-33D1B9D3A854}" type="slidenum">
+              <a:rPr lang="en-US" sz="3200" smtClean="0"/>
+            </a:fld>
+            <a:endParaRPr lang="en-US" sz="3200" smtClean="0"/>
+          </a:p>
+        </p:txBody>
+      </p:sp>
+    </p:spTree>
+  </p:cSld>
+  <p:clrMapOvr>
+    <a:masterClrMapping/>
+  </p:clrMapOvr>
+</p:sld>
+</file>
+
+<file path=ppt/slides/slide12.xml><?xml version="1.0" encoding="utf-8"?>
+<p:sld xmlns:a="http://schemas.openxmlformats.org/drawingml/2006/main" xmlns:r="http://schemas.openxmlformats.org/officeDocument/2006/relationships" xmlns:p="http://schemas.openxmlformats.org/presentationml/2006/main">
+  <p:cSld>
+    <p:spTree>
+      <p:nvGrpSpPr>
+        <p:cNvPr id="1" name=""/>
+        <p:cNvGrpSpPr/>
+        <p:nvPr/>
+      </p:nvGrpSpPr>
+      <p:grpSpPr/>
+      <p:sp>
+        <p:nvSpPr>
+          <p:cNvPr id="5" name="Текстовое поле 4"/>
           <p:cNvSpPr txBox="1"/>
           <p:nvPr/>
         </p:nvSpPr>
         <p:spPr>
           <a:xfrm>
-            <a:off x="1824355" y="6489700"/>
-            <a:ext cx="7359015" cy="368300"/>
+            <a:off x="1148080" y="0"/>
+            <a:ext cx="8981440" cy="822960"/>
           </a:xfrm>
           <a:prstGeom prst="rect">
             <a:avLst/>
@@ -8834,31 +5009,3191 @@
           <a:noFill/>
         </p:spPr>
         <p:txBody>
-          <a:bodyPr wrap="square" rtlCol="0" anchor="t">
-            <a:spAutoFit/>
+          <a:bodyPr wrap="square" rtlCol="0">
+            <a:noAutofit/>
           </a:bodyPr>
           <a:p>
+            <a:r>
+              <a:rPr lang="ru-RU" altLang="en-US" sz="3600">
+                <a:latin typeface="Times New Roman" panose="02020603050405020304" charset="0"/>
+                <a:cs typeface="Times New Roman" panose="02020603050405020304" charset="0"/>
+              </a:rPr>
+              <a:t>Функциональные требования</a:t>
+            </a:r>
+            <a:endParaRPr lang="ru-RU" altLang="en-US" sz="3600">
+              <a:latin typeface="Times New Roman" panose="02020603050405020304" charset="0"/>
+              <a:cs typeface="Times New Roman" panose="02020603050405020304" charset="0"/>
+            </a:endParaRPr>
+          </a:p>
+        </p:txBody>
+      </p:sp>
+      <p:sp>
+        <p:nvSpPr>
+          <p:cNvPr id="6" name="Замещающий номер слайда 5"/>
+          <p:cNvSpPr>
+            <a:spLocks noGrp="1"/>
+          </p:cNvSpPr>
+          <p:nvPr>
+            <p:ph type="sldNum" sz="quarter" idx="12"/>
+          </p:nvPr>
+        </p:nvSpPr>
+        <p:spPr/>
+        <p:txBody>
+          <a:bodyPr>
+            <a:noAutofit/>
+          </a:bodyPr>
+          <a:p>
+            <a:fld id="{49AE70B2-8BF9-45C0-BB95-33D1B9D3A854}" type="slidenum">
+              <a:rPr lang="en-US" sz="3200" smtClean="0"/>
+            </a:fld>
+            <a:endParaRPr lang="en-US" sz="3200" smtClean="0"/>
+          </a:p>
+        </p:txBody>
+      </p:sp>
+      <p:pic>
+        <p:nvPicPr>
+          <p:cNvPr id="9" name="Замещающее содержимое 8"/>
+          <p:cNvPicPr>
+            <a:picLocks noChangeAspect="1"/>
+          </p:cNvPicPr>
+          <p:nvPr>
+            <p:ph sz="quarter" idx="13"/>
+          </p:nvPr>
+        </p:nvPicPr>
+        <p:blipFill>
+          <a:blip r:embed="rId1"/>
+          <a:stretch>
+            <a:fillRect/>
+          </a:stretch>
+        </p:blipFill>
+        <p:spPr>
+          <a:xfrm>
+            <a:off x="3287395" y="551815"/>
+            <a:ext cx="5616575" cy="5558790"/>
+          </a:xfrm>
+          <a:prstGeom prst="rect">
+            <a:avLst/>
+          </a:prstGeom>
+        </p:spPr>
+      </p:pic>
+    </p:spTree>
+  </p:cSld>
+  <p:clrMapOvr>
+    <a:masterClrMapping/>
+  </p:clrMapOvr>
+</p:sld>
+</file>
+
+<file path=ppt/slides/slide13.xml><?xml version="1.0" encoding="utf-8"?>
+<p:sld xmlns:a="http://schemas.openxmlformats.org/drawingml/2006/main" xmlns:r="http://schemas.openxmlformats.org/officeDocument/2006/relationships" xmlns:p="http://schemas.openxmlformats.org/presentationml/2006/main">
+  <p:cSld>
+    <p:spTree>
+      <p:nvGrpSpPr>
+        <p:cNvPr id="1" name=""/>
+        <p:cNvGrpSpPr/>
+        <p:nvPr/>
+      </p:nvGrpSpPr>
+      <p:grpSpPr/>
+      <p:sp>
+        <p:nvSpPr>
+          <p:cNvPr id="2" name="Замещающее содержимое 1"/>
+          <p:cNvSpPr>
+            <a:spLocks noGrp="1"/>
+          </p:cNvSpPr>
+          <p:nvPr>
+            <p:ph sz="quarter" idx="13"/>
+          </p:nvPr>
+        </p:nvSpPr>
+        <p:spPr/>
+        <p:txBody>
+          <a:bodyPr>
+            <a:normAutofit lnSpcReduction="10000"/>
+          </a:bodyPr>
+          <a:p>
+            <a:pPr>
+              <a:buFont typeface="Arial" panose="020B0604020202020204" pitchFamily="34" charset="0"/>
+            </a:pPr>
+            <a:r>
+              <a:rPr lang="ru-RU" altLang="en-US" sz="3600" b="1">
+                <a:latin typeface="Times New Roman" panose="02020603050405020304" charset="0"/>
+                <a:cs typeface="Times New Roman" panose="02020603050405020304" charset="0"/>
+              </a:rPr>
+              <a:t>Входные данные</a:t>
+            </a:r>
+            <a:r>
+              <a:rPr lang="en-US" altLang="en-US" sz="3600" b="1">
+                <a:latin typeface="Times New Roman" panose="02020603050405020304" charset="0"/>
+                <a:cs typeface="Times New Roman" panose="02020603050405020304" charset="0"/>
+              </a:rPr>
+              <a:t>:</a:t>
+            </a:r>
+            <a:br>
+              <a:rPr lang="en-US" altLang="en-US"/>
+            </a:br>
+            <a:endParaRPr lang="en-US" altLang="en-US"/>
+          </a:p>
+          <a:p>
+            <a:pPr marL="457200" indent="-457200">
+              <a:buFont typeface="Arial" panose="020B0604020202020204" pitchFamily="34" charset="0"/>
+              <a:buChar char="•"/>
+            </a:pPr>
+            <a:r>
+              <a:rPr lang="en-US" altLang="en-US" sz="2400">
+                <a:latin typeface="Times New Roman" panose="02020603050405020304" charset="0"/>
+                <a:cs typeface="Times New Roman" panose="02020603050405020304" charset="0"/>
+              </a:rPr>
+              <a:t>Информация о тренировках: тип упражнений, длительность тренировки, интенсивность упражнений</a:t>
+            </a:r>
+            <a:r>
+              <a:rPr lang="ru-RU" altLang="en-US" sz="2400">
+                <a:latin typeface="Times New Roman" panose="02020603050405020304" charset="0"/>
+                <a:cs typeface="Times New Roman" panose="02020603050405020304" charset="0"/>
+              </a:rPr>
+              <a:t>, тип комплекса, данные о созданных упражнениях</a:t>
+            </a:r>
+            <a:r>
+              <a:rPr lang="en-US" altLang="en-US" sz="2400">
+                <a:latin typeface="Times New Roman" panose="02020603050405020304" charset="0"/>
+                <a:cs typeface="Times New Roman" panose="02020603050405020304" charset="0"/>
+              </a:rPr>
+              <a:t>.</a:t>
+            </a:r>
+            <a:endParaRPr lang="en-US" altLang="en-US" sz="2400">
+              <a:latin typeface="Times New Roman" panose="02020603050405020304" charset="0"/>
+              <a:cs typeface="Times New Roman" panose="02020603050405020304" charset="0"/>
+            </a:endParaRPr>
+          </a:p>
+          <a:p>
+            <a:pPr marL="457200" indent="-457200">
+              <a:buFont typeface="Arial" panose="020B0604020202020204" pitchFamily="34" charset="0"/>
+              <a:buChar char="•"/>
+            </a:pPr>
+            <a:r>
+              <a:rPr lang="ru-RU" altLang="en-US" sz="2400">
+                <a:latin typeface="Times New Roman" panose="02020603050405020304" charset="0"/>
+                <a:cs typeface="Times New Roman" panose="02020603050405020304" charset="0"/>
+              </a:rPr>
+              <a:t>Персональные данные пользователя (имя, </a:t>
+            </a:r>
+            <a:r>
+              <a:rPr lang="en-US" altLang="en-US" sz="2400">
+                <a:latin typeface="Times New Roman" panose="02020603050405020304" charset="0"/>
+                <a:cs typeface="Times New Roman" panose="02020603050405020304" charset="0"/>
+              </a:rPr>
+              <a:t>email, </a:t>
+            </a:r>
+            <a:r>
+              <a:rPr lang="ru-RU" altLang="en-US" sz="2400">
+                <a:latin typeface="Times New Roman" panose="02020603050405020304" charset="0"/>
+                <a:cs typeface="Times New Roman" panose="02020603050405020304" charset="0"/>
+              </a:rPr>
+              <a:t>пароль)</a:t>
+            </a:r>
+            <a:endParaRPr lang="ru-RU" altLang="en-US" sz="2400">
+              <a:latin typeface="Times New Roman" panose="02020603050405020304" charset="0"/>
+              <a:cs typeface="Times New Roman" panose="02020603050405020304" charset="0"/>
+            </a:endParaRPr>
+          </a:p>
+          <a:p>
+            <a:pPr>
+              <a:buFont typeface="Arial" panose="020B0604020202020204" pitchFamily="34" charset="0"/>
+            </a:pPr>
+            <a:r>
+              <a:rPr lang="ru-RU" altLang="en-US" sz="3200" b="1">
+                <a:latin typeface="Times New Roman" panose="02020603050405020304" charset="0"/>
+                <a:cs typeface="Times New Roman" panose="02020603050405020304" charset="0"/>
+              </a:rPr>
+              <a:t>Выходные данные</a:t>
+            </a:r>
+            <a:r>
+              <a:rPr lang="en-US" altLang="en-US" sz="3200" b="1">
+                <a:latin typeface="Times New Roman" panose="02020603050405020304" charset="0"/>
+                <a:cs typeface="Times New Roman" panose="02020603050405020304" charset="0"/>
+              </a:rPr>
+              <a:t>:</a:t>
+            </a:r>
+            <a:endParaRPr lang="en-US" altLang="en-US" sz="3200" b="1">
+              <a:latin typeface="Times New Roman" panose="02020603050405020304" charset="0"/>
+              <a:cs typeface="Times New Roman" panose="02020603050405020304" charset="0"/>
+            </a:endParaRPr>
+          </a:p>
+          <a:p>
+            <a:pPr>
+              <a:buFont typeface="Arial" panose="020B0604020202020204" pitchFamily="34" charset="0"/>
+            </a:pPr>
+            <a:endParaRPr lang="en-US" altLang="en-US" sz="3200" b="1">
+              <a:latin typeface="Times New Roman" panose="02020603050405020304" charset="0"/>
+              <a:cs typeface="Times New Roman" panose="02020603050405020304" charset="0"/>
+            </a:endParaRPr>
+          </a:p>
+          <a:p>
+            <a:pPr marL="457200" indent="-457200">
+              <a:buFont typeface="Arial" panose="020B0604020202020204" pitchFamily="34" charset="0"/>
+              <a:buChar char="•"/>
+            </a:pPr>
+            <a:r>
+              <a:rPr lang="en-US" altLang="en-US" sz="2400">
+                <a:latin typeface="Times New Roman" panose="02020603050405020304" charset="0"/>
+                <a:cs typeface="Times New Roman" panose="02020603050405020304" charset="0"/>
+              </a:rPr>
+              <a:t>Персонализированный тренировочный план: упражнения, количество повторений и подходов, длительность тренировок.</a:t>
+            </a:r>
+            <a:endParaRPr lang="en-US" altLang="en-US" sz="2400">
+              <a:latin typeface="Times New Roman" panose="02020603050405020304" charset="0"/>
+              <a:cs typeface="Times New Roman" panose="02020603050405020304" charset="0"/>
+            </a:endParaRPr>
+          </a:p>
+          <a:p>
+            <a:pPr marL="457200" indent="-457200">
+              <a:buFont typeface="Arial" panose="020B0604020202020204" pitchFamily="34" charset="0"/>
+              <a:buChar char="•"/>
+            </a:pPr>
+            <a:r>
+              <a:rPr lang="en-US" altLang="en-US" sz="2400">
+                <a:latin typeface="Times New Roman" panose="02020603050405020304" charset="0"/>
+                <a:cs typeface="Times New Roman" panose="02020603050405020304" charset="0"/>
+              </a:rPr>
+              <a:t>Статистика прогресса: </a:t>
+            </a:r>
+            <a:r>
+              <a:rPr lang="ru-RU" altLang="en-US" sz="2400">
+                <a:latin typeface="Times New Roman" panose="02020603050405020304" charset="0"/>
+                <a:cs typeface="Times New Roman" panose="02020603050405020304" charset="0"/>
+              </a:rPr>
+              <a:t>количество веса и повторений для упражнений.</a:t>
+            </a:r>
+            <a:endParaRPr lang="en-US" altLang="en-US" sz="2400">
+              <a:latin typeface="Times New Roman" panose="02020603050405020304" charset="0"/>
+              <a:cs typeface="Times New Roman" panose="02020603050405020304" charset="0"/>
+            </a:endParaRPr>
+          </a:p>
+          <a:p>
+            <a:pPr marL="457200" indent="-457200">
+              <a:buFont typeface="Arial" panose="020B0604020202020204" pitchFamily="34" charset="0"/>
+              <a:buChar char="•"/>
+            </a:pPr>
+            <a:r>
+              <a:rPr lang="ru-RU" altLang="en-US" sz="2400">
+                <a:latin typeface="Times New Roman" panose="02020603050405020304" charset="0"/>
+                <a:cs typeface="Times New Roman" panose="02020603050405020304" charset="0"/>
+              </a:rPr>
+              <a:t>История занятий, данные по выполненным подходам, комплексам упражнений и типам упражнений</a:t>
+            </a:r>
+            <a:endParaRPr lang="ru-RU" altLang="en-US" sz="2400">
+              <a:latin typeface="Times New Roman" panose="02020603050405020304" charset="0"/>
+              <a:cs typeface="Times New Roman" panose="02020603050405020304" charset="0"/>
+            </a:endParaRPr>
+          </a:p>
+        </p:txBody>
+      </p:sp>
+      <p:sp>
+        <p:nvSpPr>
+          <p:cNvPr id="3" name="Замещающий номер слайда 2"/>
+          <p:cNvSpPr>
+            <a:spLocks noGrp="1"/>
+          </p:cNvSpPr>
+          <p:nvPr>
+            <p:ph type="sldNum" sz="quarter" idx="12"/>
+          </p:nvPr>
+        </p:nvSpPr>
+        <p:spPr/>
+        <p:txBody>
+          <a:bodyPr>
+            <a:noAutofit/>
+          </a:bodyPr>
+          <a:p>
+            <a:fld id="{49AE70B2-8BF9-45C0-BB95-33D1B9D3A854}" type="slidenum">
+              <a:rPr lang="en-US" sz="3200" smtClean="0"/>
+            </a:fld>
+            <a:endParaRPr lang="en-US" sz="3200" smtClean="0"/>
+          </a:p>
+        </p:txBody>
+      </p:sp>
+    </p:spTree>
+  </p:cSld>
+  <p:clrMapOvr>
+    <a:masterClrMapping/>
+  </p:clrMapOvr>
+</p:sld>
+</file>
+
+<file path=ppt/slides/slide14.xml><?xml version="1.0" encoding="utf-8"?>
+<p:sld xmlns:a="http://schemas.openxmlformats.org/drawingml/2006/main" xmlns:r="http://schemas.openxmlformats.org/officeDocument/2006/relationships" xmlns:p="http://schemas.openxmlformats.org/presentationml/2006/main">
+  <p:cSld>
+    <p:spTree>
+      <p:nvGrpSpPr>
+        <p:cNvPr id="1" name=""/>
+        <p:cNvGrpSpPr/>
+        <p:nvPr/>
+      </p:nvGrpSpPr>
+      <p:grpSpPr/>
+      <p:sp>
+        <p:nvSpPr>
+          <p:cNvPr id="2" name="Замещающее содержимое 1"/>
+          <p:cNvSpPr>
+            <a:spLocks noGrp="1"/>
+          </p:cNvSpPr>
+          <p:nvPr>
+            <p:ph sz="quarter" idx="13"/>
+          </p:nvPr>
+        </p:nvSpPr>
+        <p:spPr/>
+        <p:txBody>
+          <a:bodyPr/>
+          <a:p>
+            <a:r>
+              <a:rPr lang="ru-RU" altLang="en-US" sz="3600">
+                <a:latin typeface="Times New Roman" panose="02020603050405020304" charset="0"/>
+                <a:cs typeface="Times New Roman" panose="02020603050405020304" charset="0"/>
+              </a:rPr>
+              <a:t>Инструментальные средства</a:t>
+            </a:r>
+            <a:endParaRPr lang="ru-RU" altLang="en-US" sz="3600">
+              <a:latin typeface="Times New Roman" panose="02020603050405020304" charset="0"/>
+              <a:cs typeface="Times New Roman" panose="02020603050405020304" charset="0"/>
+            </a:endParaRPr>
+          </a:p>
+          <a:p>
+            <a:pPr marL="457200" indent="-457200">
+              <a:buFont typeface="Arial" panose="020B0604020202020204" pitchFamily="34" charset="0"/>
+              <a:buChar char="•"/>
+            </a:pPr>
+            <a:r>
+              <a:rPr lang="en-US" altLang="en-US" sz="2400">
+                <a:latin typeface="Times New Roman" panose="02020603050405020304" charset="0"/>
+                <a:cs typeface="Times New Roman" panose="02020603050405020304" charset="0"/>
+              </a:rPr>
+              <a:t>Android Studio</a:t>
+            </a:r>
+            <a:endParaRPr lang="en-US" altLang="en-US" sz="2400">
+              <a:latin typeface="Times New Roman" panose="02020603050405020304" charset="0"/>
+              <a:cs typeface="Times New Roman" panose="02020603050405020304" charset="0"/>
+            </a:endParaRPr>
+          </a:p>
+          <a:p>
+            <a:pPr marL="457200" indent="-457200">
+              <a:buFont typeface="Arial" panose="020B0604020202020204" pitchFamily="34" charset="0"/>
+              <a:buChar char="•"/>
+            </a:pPr>
+            <a:r>
+              <a:rPr lang="en-US" altLang="en-US" sz="2400">
+                <a:latin typeface="Times New Roman" panose="02020603050405020304" charset="0"/>
+                <a:cs typeface="Times New Roman" panose="02020603050405020304" charset="0"/>
+              </a:rPr>
+              <a:t>Jetpack Compose</a:t>
+            </a:r>
+            <a:endParaRPr lang="en-US" altLang="en-US" sz="2400">
+              <a:latin typeface="Times New Roman" panose="02020603050405020304" charset="0"/>
+              <a:cs typeface="Times New Roman" panose="02020603050405020304" charset="0"/>
+            </a:endParaRPr>
+          </a:p>
+          <a:p>
+            <a:pPr marL="457200" indent="-457200">
+              <a:buFont typeface="Arial" panose="020B0604020202020204" pitchFamily="34" charset="0"/>
+              <a:buChar char="•"/>
+            </a:pPr>
+            <a:r>
+              <a:rPr lang="en-US" altLang="en-US" sz="2400">
+                <a:latin typeface="Times New Roman" panose="02020603050405020304" charset="0"/>
+                <a:cs typeface="Times New Roman" panose="02020603050405020304" charset="0"/>
+              </a:rPr>
+              <a:t>Kotlin</a:t>
+            </a:r>
+            <a:endParaRPr lang="en-US" altLang="en-US" sz="2400">
+              <a:latin typeface="Times New Roman" panose="02020603050405020304" charset="0"/>
+              <a:cs typeface="Times New Roman" panose="02020603050405020304" charset="0"/>
+            </a:endParaRPr>
+          </a:p>
+          <a:p>
+            <a:pPr marL="457200" indent="-457200">
+              <a:buFont typeface="Arial" panose="020B0604020202020204" pitchFamily="34" charset="0"/>
+              <a:buChar char="•"/>
+            </a:pPr>
+            <a:r>
+              <a:rPr lang="en-US" altLang="en-US" sz="2400">
+                <a:latin typeface="Times New Roman" panose="02020603050405020304" charset="0"/>
+                <a:cs typeface="Times New Roman" panose="02020603050405020304" charset="0"/>
+              </a:rPr>
+              <a:t>Retrofit</a:t>
+            </a:r>
+            <a:endParaRPr lang="en-US" altLang="en-US" sz="2400">
+              <a:latin typeface="Times New Roman" panose="02020603050405020304" charset="0"/>
+              <a:cs typeface="Times New Roman" panose="02020603050405020304" charset="0"/>
+            </a:endParaRPr>
+          </a:p>
+          <a:p>
+            <a:pPr marL="457200" indent="-457200">
+              <a:buFont typeface="Arial" panose="020B0604020202020204" pitchFamily="34" charset="0"/>
+              <a:buChar char="•"/>
+            </a:pPr>
+            <a:r>
+              <a:rPr lang="en-US" altLang="en-US" sz="2400">
+                <a:latin typeface="Times New Roman" panose="02020603050405020304" charset="0"/>
+                <a:cs typeface="Times New Roman" panose="02020603050405020304" charset="0"/>
+              </a:rPr>
+              <a:t>MVVC</a:t>
+            </a:r>
+            <a:endParaRPr lang="en-US" altLang="en-US" sz="2400">
+              <a:latin typeface="Times New Roman" panose="02020603050405020304" charset="0"/>
+              <a:cs typeface="Times New Roman" panose="02020603050405020304" charset="0"/>
+            </a:endParaRPr>
+          </a:p>
+        </p:txBody>
+      </p:sp>
+      <p:sp>
+        <p:nvSpPr>
+          <p:cNvPr id="3" name="Замещающий номер слайда 2"/>
+          <p:cNvSpPr>
+            <a:spLocks noGrp="1"/>
+          </p:cNvSpPr>
+          <p:nvPr>
+            <p:ph type="sldNum" sz="quarter" idx="12"/>
+          </p:nvPr>
+        </p:nvSpPr>
+        <p:spPr/>
+        <p:txBody>
+          <a:bodyPr>
+            <a:noAutofit/>
+          </a:bodyPr>
+          <a:p>
+            <a:fld id="{49AE70B2-8BF9-45C0-BB95-33D1B9D3A854}" type="slidenum">
+              <a:rPr lang="en-US" sz="3200" smtClean="0"/>
+            </a:fld>
+            <a:endParaRPr lang="en-US" sz="3200" smtClean="0"/>
+          </a:p>
+        </p:txBody>
+      </p:sp>
+    </p:spTree>
+  </p:cSld>
+  <p:clrMapOvr>
+    <a:masterClrMapping/>
+  </p:clrMapOvr>
+</p:sld>
+</file>
+
+<file path=ppt/slides/slide15.xml><?xml version="1.0" encoding="utf-8"?>
+<p:sld xmlns:a="http://schemas.openxmlformats.org/drawingml/2006/main" xmlns:r="http://schemas.openxmlformats.org/officeDocument/2006/relationships" xmlns:p="http://schemas.openxmlformats.org/presentationml/2006/main">
+  <p:cSld>
+    <p:spTree>
+      <p:nvGrpSpPr>
+        <p:cNvPr id="1" name=""/>
+        <p:cNvGrpSpPr/>
+        <p:nvPr/>
+      </p:nvGrpSpPr>
+      <p:grpSpPr/>
+      <p:sp>
+        <p:nvSpPr>
+          <p:cNvPr id="4" name="Заголовок 3"/>
+          <p:cNvSpPr>
+            <a:spLocks noGrp="1"/>
+          </p:cNvSpPr>
+          <p:nvPr>
+            <p:ph type="title"/>
+          </p:nvPr>
+        </p:nvSpPr>
+        <p:spPr>
+          <a:xfrm>
+            <a:off x="647700" y="191770"/>
+            <a:ext cx="10515600" cy="506095"/>
+          </a:xfrm>
+        </p:spPr>
+        <p:txBody>
+          <a:bodyPr/>
+          <a:p>
+            <a:pPr algn="ctr"/>
+            <a:r>
+              <a:rPr lang="ru-RU" altLang="en-US" sz="2800">
+                <a:latin typeface="Times New Roman" panose="02020603050405020304" charset="0"/>
+                <a:cs typeface="Times New Roman" panose="02020603050405020304" charset="0"/>
+                <a:sym typeface="+mn-ea"/>
+              </a:rPr>
+              <a:t>Абстрактная структура классов</a:t>
+            </a:r>
+            <a:endParaRPr lang="ru-RU" altLang="en-US" sz="2800">
+              <a:latin typeface="Times New Roman" panose="02020603050405020304" charset="0"/>
+              <a:cs typeface="Times New Roman" panose="02020603050405020304" charset="0"/>
+              <a:sym typeface="+mn-ea"/>
+            </a:endParaRPr>
+          </a:p>
+        </p:txBody>
+      </p:sp>
+      <p:sp>
+        <p:nvSpPr>
+          <p:cNvPr id="7" name="Замещающий номер слайда 6"/>
+          <p:cNvSpPr>
+            <a:spLocks noGrp="1"/>
+          </p:cNvSpPr>
+          <p:nvPr>
+            <p:ph type="sldNum" sz="quarter" idx="12"/>
+          </p:nvPr>
+        </p:nvSpPr>
+        <p:spPr/>
+        <p:txBody>
+          <a:bodyPr>
+            <a:noAutofit/>
+          </a:bodyPr>
+          <a:p>
+            <a:fld id="{49AE70B2-8BF9-45C0-BB95-33D1B9D3A854}" type="slidenum">
+              <a:rPr lang="en-US" sz="3200" smtClean="0"/>
+            </a:fld>
+            <a:endParaRPr lang="en-US" sz="3200" smtClean="0"/>
+          </a:p>
+        </p:txBody>
+      </p:sp>
+      <p:pic>
+        <p:nvPicPr>
+          <p:cNvPr id="10" name="Замещающее содержимое 9"/>
+          <p:cNvPicPr>
+            <a:picLocks noChangeAspect="1"/>
+          </p:cNvPicPr>
+          <p:nvPr>
+            <p:ph sz="half" idx="2"/>
+          </p:nvPr>
+        </p:nvPicPr>
+        <p:blipFill>
+          <a:blip r:embed="rId1"/>
+          <a:stretch>
+            <a:fillRect/>
+          </a:stretch>
+        </p:blipFill>
+        <p:spPr>
+          <a:xfrm>
+            <a:off x="2356485" y="734060"/>
+            <a:ext cx="7228840" cy="5690235"/>
+          </a:xfrm>
+          <a:prstGeom prst="rect">
+            <a:avLst/>
+          </a:prstGeom>
+        </p:spPr>
+      </p:pic>
+    </p:spTree>
+  </p:cSld>
+  <p:clrMapOvr>
+    <a:masterClrMapping/>
+  </p:clrMapOvr>
+</p:sld>
+</file>
+
+<file path=ppt/slides/slide16.xml><?xml version="1.0" encoding="utf-8"?>
+<p:sld xmlns:a="http://schemas.openxmlformats.org/drawingml/2006/main" xmlns:r="http://schemas.openxmlformats.org/officeDocument/2006/relationships" xmlns:p="http://schemas.openxmlformats.org/presentationml/2006/main">
+  <p:cSld>
+    <p:spTree>
+      <p:nvGrpSpPr>
+        <p:cNvPr id="1" name=""/>
+        <p:cNvGrpSpPr/>
+        <p:nvPr/>
+      </p:nvGrpSpPr>
+      <p:grpSpPr/>
+      <p:sp>
+        <p:nvSpPr>
+          <p:cNvPr id="2" name="Заголовок 1"/>
+          <p:cNvSpPr>
+            <a:spLocks noGrp="1"/>
+          </p:cNvSpPr>
+          <p:nvPr>
+            <p:ph type="title"/>
+          </p:nvPr>
+        </p:nvSpPr>
+        <p:spPr/>
+        <p:txBody>
+          <a:bodyPr/>
+          <a:p>
+            <a:r>
+              <a:rPr lang="ru-RU" altLang="en-US" sz="3600"/>
+              <a:t>Степень выполнения работ</a:t>
+            </a:r>
+            <a:endParaRPr lang="ru-RU" altLang="en-US" sz="3600"/>
+          </a:p>
+        </p:txBody>
+      </p:sp>
+      <p:sp>
+        <p:nvSpPr>
+          <p:cNvPr id="3" name="Замещающее содержимое 2"/>
+          <p:cNvSpPr>
+            <a:spLocks noGrp="1"/>
+          </p:cNvSpPr>
+          <p:nvPr>
+            <p:ph sz="half" idx="1"/>
+          </p:nvPr>
+        </p:nvSpPr>
+        <p:spPr/>
+        <p:txBody>
+          <a:bodyPr/>
+          <a:p>
+            <a:pPr marL="457200" indent="-457200">
+              <a:buFont typeface="Arial" panose="020B0604020202020204" pitchFamily="34" charset="0"/>
+              <a:buChar char="•"/>
+            </a:pPr>
+            <a:r>
+              <a:rPr lang="ru-RU" altLang="en-US" sz="2400">
+                <a:solidFill>
+                  <a:schemeClr val="tx1"/>
+                </a:solidFill>
+                <a:latin typeface="Times New Roman" panose="02020603050405020304" charset="0"/>
+                <a:cs typeface="Times New Roman" panose="02020603050405020304" charset="0"/>
+              </a:rPr>
+              <a:t>ТЗ - 100</a:t>
+            </a:r>
+            <a:r>
+              <a:rPr lang="en-US" altLang="en-US" sz="2400">
+                <a:solidFill>
+                  <a:schemeClr val="tx1"/>
+                </a:solidFill>
+                <a:latin typeface="Times New Roman" panose="02020603050405020304" charset="0"/>
+                <a:cs typeface="Times New Roman" panose="02020603050405020304" charset="0"/>
+              </a:rPr>
+              <a:t>%</a:t>
+            </a:r>
+            <a:endParaRPr lang="en-US" altLang="en-US" sz="2400">
+              <a:solidFill>
+                <a:schemeClr val="tx1"/>
+              </a:solidFill>
+              <a:latin typeface="Times New Roman" panose="02020603050405020304" charset="0"/>
+              <a:cs typeface="Times New Roman" panose="02020603050405020304" charset="0"/>
+            </a:endParaRPr>
+          </a:p>
+          <a:p>
+            <a:pPr marL="457200" indent="-457200">
+              <a:buFont typeface="Arial" panose="020B0604020202020204" pitchFamily="34" charset="0"/>
+              <a:buChar char="•"/>
+            </a:pPr>
+            <a:r>
+              <a:rPr lang="ru-RU" altLang="en-US" sz="2400">
+                <a:solidFill>
+                  <a:schemeClr val="tx1"/>
+                </a:solidFill>
+                <a:latin typeface="Times New Roman" panose="02020603050405020304" charset="0"/>
+                <a:cs typeface="Times New Roman" panose="02020603050405020304" charset="0"/>
+              </a:rPr>
+              <a:t>ПЗ - 55</a:t>
+            </a:r>
+            <a:r>
+              <a:rPr lang="en-US" altLang="en-US" sz="2400">
+                <a:solidFill>
+                  <a:schemeClr val="tx1"/>
+                </a:solidFill>
+                <a:latin typeface="Times New Roman" panose="02020603050405020304" charset="0"/>
+                <a:cs typeface="Times New Roman" panose="02020603050405020304" charset="0"/>
+              </a:rPr>
+              <a:t>%</a:t>
+            </a:r>
+            <a:endParaRPr lang="en-US" altLang="en-US" sz="2400">
+              <a:solidFill>
+                <a:schemeClr val="tx1"/>
+              </a:solidFill>
+              <a:latin typeface="Times New Roman" panose="02020603050405020304" charset="0"/>
+              <a:cs typeface="Times New Roman" panose="02020603050405020304" charset="0"/>
+            </a:endParaRPr>
+          </a:p>
+          <a:p>
+            <a:pPr marL="457200" indent="-457200">
+              <a:buFont typeface="Arial" panose="020B0604020202020204" pitchFamily="34" charset="0"/>
+              <a:buChar char="•"/>
+            </a:pPr>
+            <a:r>
+              <a:rPr lang="ru-RU" altLang="en-US" sz="2400">
+                <a:solidFill>
+                  <a:schemeClr val="tx1"/>
+                </a:solidFill>
+                <a:latin typeface="Times New Roman" panose="02020603050405020304" charset="0"/>
+                <a:cs typeface="Times New Roman" panose="02020603050405020304" charset="0"/>
+              </a:rPr>
+              <a:t>Программа - 60</a:t>
+            </a:r>
+            <a:r>
+              <a:rPr lang="en-US" altLang="en-US" sz="2400">
+                <a:solidFill>
+                  <a:schemeClr val="tx1"/>
+                </a:solidFill>
+                <a:latin typeface="Times New Roman" panose="02020603050405020304" charset="0"/>
+                <a:cs typeface="Times New Roman" panose="02020603050405020304" charset="0"/>
+              </a:rPr>
+              <a:t>%</a:t>
+            </a:r>
+            <a:endParaRPr lang="en-US" altLang="en-US" sz="2400">
+              <a:solidFill>
+                <a:schemeClr val="tx1"/>
+              </a:solidFill>
+              <a:latin typeface="Times New Roman" panose="02020603050405020304" charset="0"/>
+              <a:cs typeface="Times New Roman" panose="02020603050405020304" charset="0"/>
+            </a:endParaRPr>
+          </a:p>
+        </p:txBody>
+      </p:sp>
+      <p:sp>
+        <p:nvSpPr>
+          <p:cNvPr id="5" name="Замещающий номер слайда 4"/>
+          <p:cNvSpPr>
+            <a:spLocks noGrp="1"/>
+          </p:cNvSpPr>
+          <p:nvPr>
+            <p:ph type="sldNum" sz="quarter" idx="12"/>
+          </p:nvPr>
+        </p:nvSpPr>
+        <p:spPr/>
+        <p:txBody>
+          <a:bodyPr>
+            <a:noAutofit/>
+          </a:bodyPr>
+          <a:p>
+            <a:fld id="{49AE70B2-8BF9-45C0-BB95-33D1B9D3A854}" type="slidenum">
+              <a:rPr lang="en-US" sz="3200" smtClean="0"/>
+            </a:fld>
+            <a:endParaRPr lang="en-US" sz="3200" smtClean="0"/>
+          </a:p>
+        </p:txBody>
+      </p:sp>
+    </p:spTree>
+  </p:cSld>
+  <p:clrMapOvr>
+    <a:masterClrMapping/>
+  </p:clrMapOvr>
+</p:sld>
+</file>
+
+<file path=ppt/slides/slide17.xml><?xml version="1.0" encoding="utf-8"?>
+<p:sld xmlns:a="http://schemas.openxmlformats.org/drawingml/2006/main" xmlns:r="http://schemas.openxmlformats.org/officeDocument/2006/relationships" xmlns:p="http://schemas.openxmlformats.org/presentationml/2006/main">
+  <p:cSld>
+    <p:spTree>
+      <p:nvGrpSpPr>
+        <p:cNvPr id="1" name=""/>
+        <p:cNvGrpSpPr/>
+        <p:nvPr/>
+      </p:nvGrpSpPr>
+      <p:grpSpPr/>
+      <p:sp>
+        <p:nvSpPr>
+          <p:cNvPr id="2" name="Заголовок 1"/>
+          <p:cNvSpPr>
+            <a:spLocks noGrp="1"/>
+          </p:cNvSpPr>
+          <p:nvPr>
+            <p:ph type="title"/>
+          </p:nvPr>
+        </p:nvSpPr>
+        <p:spPr>
+          <a:xfrm>
+            <a:off x="647700" y="2564765"/>
+            <a:ext cx="10515600" cy="1325563"/>
+          </a:xfrm>
+        </p:spPr>
+        <p:txBody>
+          <a:bodyPr/>
+          <a:p>
+            <a:pPr algn="ctr"/>
             <a:r>
               <a:rPr lang="ru-RU" altLang="en-US">
                 <a:latin typeface="Times New Roman" panose="02020603050405020304" charset="0"/>
                 <a:cs typeface="Times New Roman" panose="02020603050405020304" charset="0"/>
               </a:rPr>
-              <a:t>Схема 2. </a:t>
-            </a:r>
-            <a:r>
-              <a:rPr lang="en-US" altLang="en-US">
+              <a:t>Спасибо за внимание!</a:t>
+            </a:r>
+            <a:endParaRPr lang="ru-RU" altLang="en-US">
+              <a:latin typeface="Times New Roman" panose="02020603050405020304" charset="0"/>
+              <a:cs typeface="Times New Roman" panose="02020603050405020304" charset="0"/>
+            </a:endParaRPr>
+          </a:p>
+        </p:txBody>
+      </p:sp>
+      <p:sp>
+        <p:nvSpPr>
+          <p:cNvPr id="5" name="Замещающий номер слайда 4"/>
+          <p:cNvSpPr>
+            <a:spLocks noGrp="1"/>
+          </p:cNvSpPr>
+          <p:nvPr>
+            <p:ph type="sldNum" sz="quarter" idx="12"/>
+          </p:nvPr>
+        </p:nvSpPr>
+        <p:spPr/>
+        <p:txBody>
+          <a:bodyPr>
+            <a:noAutofit/>
+          </a:bodyPr>
+          <a:p>
+            <a:fld id="{49AE70B2-8BF9-45C0-BB95-33D1B9D3A854}" type="slidenum">
+              <a:rPr lang="en-US" sz="3200" smtClean="0"/>
+            </a:fld>
+            <a:endParaRPr lang="en-US" sz="3200" smtClean="0"/>
+          </a:p>
+        </p:txBody>
+      </p:sp>
+    </p:spTree>
+  </p:cSld>
+  <p:clrMapOvr>
+    <a:masterClrMapping/>
+  </p:clrMapOvr>
+</p:sld>
+</file>
+
+<file path=ppt/slides/slide2.xml><?xml version="1.0" encoding="utf-8"?>
+<p:sld xmlns:a="http://schemas.openxmlformats.org/drawingml/2006/main" xmlns:r="http://schemas.openxmlformats.org/officeDocument/2006/relationships" xmlns:p="http://schemas.openxmlformats.org/presentationml/2006/main">
+  <p:cSld>
+    <p:spTree>
+      <p:nvGrpSpPr>
+        <p:cNvPr id="1" name=""/>
+        <p:cNvGrpSpPr/>
+        <p:nvPr/>
+      </p:nvGrpSpPr>
+      <p:grpSpPr/>
+      <p:sp>
+        <p:nvSpPr>
+          <p:cNvPr id="2" name="Заголовок 1"/>
+          <p:cNvSpPr>
+            <a:spLocks noGrp="1"/>
+          </p:cNvSpPr>
+          <p:nvPr>
+            <p:ph type="title"/>
+          </p:nvPr>
+        </p:nvSpPr>
+        <p:spPr/>
+        <p:txBody>
+          <a:bodyPr/>
+          <a:p>
+            <a:r>
+              <a:rPr lang="ru-RU" b="0">
                 <a:latin typeface="Times New Roman" panose="02020603050405020304" charset="0"/>
                 <a:cs typeface="Times New Roman" panose="02020603050405020304" charset="0"/>
-              </a:rPr>
-              <a:t>idef0 </a:t>
-            </a:r>
+                <a:sym typeface="+mn-ea"/>
+              </a:rPr>
+              <a:t>Актуальность</a:t>
+            </a:r>
+            <a:endParaRPr lang="ru-RU" altLang="en-US" b="0"/>
+          </a:p>
+        </p:txBody>
+      </p:sp>
+      <p:sp>
+        <p:nvSpPr>
+          <p:cNvPr id="3" name="Замещающее содержимое 2"/>
+          <p:cNvSpPr>
+            <a:spLocks noGrp="1"/>
+          </p:cNvSpPr>
+          <p:nvPr>
+            <p:ph idx="1"/>
+          </p:nvPr>
+        </p:nvSpPr>
+        <p:spPr/>
+        <p:txBody>
+          <a:bodyPr>
+            <a:normAutofit lnSpcReduction="20000"/>
+          </a:bodyPr>
+          <a:p>
+            <a:r>
+              <a:rPr lang="en-US" altLang="ru-RU">
+                <a:latin typeface="Times New Roman" panose="02020603050405020304" charset="0"/>
+                <a:cs typeface="Times New Roman" panose="02020603050405020304" charset="0"/>
+                <a:sym typeface="+mn-ea"/>
+              </a:rPr>
+              <a:t>Спортсмены постоянно стремятся улучшить свои результаты и достичь новых спортивных высот. Для достижения этих целей им необходимо не только качественно тренироваться, но и правильно питаться, учитывать индивидуальные особенности своего организма. Мобильное приложение для контроля тренировочного процесса предоставляет спортсменам возможность легко и удобно отслеживать свои тренировки, питание и режимы отдыха, что помогает им максимально эффективно использовать возможности своего тела и достигать высоких результатов.</a:t>
+            </a:r>
+            <a:endParaRPr lang="en-US" altLang="ru-RU">
+              <a:latin typeface="Times New Roman" panose="02020603050405020304" charset="0"/>
+              <a:cs typeface="Times New Roman" panose="02020603050405020304" charset="0"/>
+            </a:endParaRPr>
+          </a:p>
+          <a:p>
+            <a:endParaRPr lang="ru-RU" altLang="en-US"/>
+          </a:p>
+        </p:txBody>
+      </p:sp>
+      <p:sp>
+        <p:nvSpPr>
+          <p:cNvPr id="4" name="Замещающий номер слайда 3"/>
+          <p:cNvSpPr>
+            <a:spLocks noGrp="1"/>
+          </p:cNvSpPr>
+          <p:nvPr>
+            <p:ph type="sldNum" sz="quarter" idx="12"/>
+          </p:nvPr>
+        </p:nvSpPr>
+        <p:spPr/>
+        <p:txBody>
+          <a:bodyPr>
+            <a:noAutofit/>
+          </a:bodyPr>
+          <a:p>
+            <a:fld id="{49AE70B2-8BF9-45C0-BB95-33D1B9D3A854}" type="slidenum">
+              <a:rPr lang="en-US" sz="3200" smtClean="0"/>
+            </a:fld>
+            <a:endParaRPr lang="en-US" sz="3200" smtClean="0"/>
+          </a:p>
+        </p:txBody>
+      </p:sp>
+    </p:spTree>
+  </p:cSld>
+  <p:clrMapOvr>
+    <a:masterClrMapping/>
+  </p:clrMapOvr>
+</p:sld>
+</file>
+
+<file path=ppt/slides/slide3.xml><?xml version="1.0" encoding="utf-8"?>
+<p:sld xmlns:a="http://schemas.openxmlformats.org/drawingml/2006/main" xmlns:r="http://schemas.openxmlformats.org/officeDocument/2006/relationships" xmlns:p="http://schemas.openxmlformats.org/presentationml/2006/main">
+  <p:cSld>
+    <p:spTree>
+      <p:nvGrpSpPr>
+        <p:cNvPr id="1" name=""/>
+        <p:cNvGrpSpPr/>
+        <p:nvPr/>
+      </p:nvGrpSpPr>
+      <p:grpSpPr/>
+      <p:sp>
+        <p:nvSpPr>
+          <p:cNvPr id="2" name="Заголовок 1"/>
+          <p:cNvSpPr>
+            <a:spLocks noGrp="1"/>
+          </p:cNvSpPr>
+          <p:nvPr>
+            <p:ph type="title"/>
+          </p:nvPr>
+        </p:nvSpPr>
+        <p:spPr/>
+        <p:txBody>
+          <a:bodyPr/>
+          <a:p>
+            <a:r>
+              <a:rPr lang="ru-RU" altLang="en-US" b="0">
+                <a:latin typeface="Times New Roman" panose="02020603050405020304" charset="0"/>
+                <a:cs typeface="Times New Roman" panose="02020603050405020304" charset="0"/>
+              </a:rPr>
+              <a:t>Проблема</a:t>
+            </a:r>
+            <a:endParaRPr lang="ru-RU" altLang="en-US" b="0">
+              <a:latin typeface="Times New Roman" panose="02020603050405020304" charset="0"/>
+              <a:cs typeface="Times New Roman" panose="02020603050405020304" charset="0"/>
+            </a:endParaRPr>
+          </a:p>
+        </p:txBody>
+      </p:sp>
+      <p:sp>
+        <p:nvSpPr>
+          <p:cNvPr id="3" name="Замещающее содержимое 2"/>
+          <p:cNvSpPr>
+            <a:spLocks noGrp="1"/>
+          </p:cNvSpPr>
+          <p:nvPr>
+            <p:ph idx="1"/>
+          </p:nvPr>
+        </p:nvSpPr>
+        <p:spPr/>
+        <p:txBody>
+          <a:bodyPr/>
+          <a:p>
             <a:r>
               <a:rPr lang="ru-RU" altLang="en-US">
                 <a:latin typeface="Times New Roman" panose="02020603050405020304" charset="0"/>
                 <a:cs typeface="Times New Roman" panose="02020603050405020304" charset="0"/>
               </a:rPr>
-              <a:t>для решения поставленной задачи (основные случаи)</a:t>
-            </a:r>
+              <a:t>Важно исследовать индивидуализацию тренировок в мобильных приложениях для профессиональных спортсменов, чтобы улучшить функционал и адаптивность. Это поможет создавать персонализированные тренировочные планы, соответствующие уникальным потребностям спортсменов, повышая эффективность подготовки и снижая риски перетренированности и травматизма.</a:t>
+            </a:r>
+            <a:endParaRPr lang="ru-RU" altLang="en-US">
+              <a:latin typeface="Times New Roman" panose="02020603050405020304" charset="0"/>
+              <a:cs typeface="Times New Roman" panose="02020603050405020304" charset="0"/>
+            </a:endParaRPr>
+          </a:p>
+        </p:txBody>
+      </p:sp>
+      <p:sp>
+        <p:nvSpPr>
+          <p:cNvPr id="4" name="Замещающий номер слайда 3"/>
+          <p:cNvSpPr>
+            <a:spLocks noGrp="1"/>
+          </p:cNvSpPr>
+          <p:nvPr>
+            <p:ph type="sldNum" sz="quarter" idx="12"/>
+          </p:nvPr>
+        </p:nvSpPr>
+        <p:spPr/>
+        <p:txBody>
+          <a:bodyPr>
+            <a:noAutofit/>
+          </a:bodyPr>
+          <a:p>
+            <a:fld id="{49AE70B2-8BF9-45C0-BB95-33D1B9D3A854}" type="slidenum">
+              <a:rPr lang="en-US" sz="3200" smtClean="0"/>
+            </a:fld>
+            <a:endParaRPr lang="en-US" sz="3200" smtClean="0"/>
+          </a:p>
+        </p:txBody>
+      </p:sp>
+    </p:spTree>
+  </p:cSld>
+  <p:clrMapOvr>
+    <a:masterClrMapping/>
+  </p:clrMapOvr>
+</p:sld>
+</file>
+
+<file path=ppt/slides/slide4.xml><?xml version="1.0" encoding="utf-8"?>
+<p:sld xmlns:a="http://schemas.openxmlformats.org/drawingml/2006/main" xmlns:r="http://schemas.openxmlformats.org/officeDocument/2006/relationships" xmlns:p="http://schemas.openxmlformats.org/presentationml/2006/main">
+  <p:cSld>
+    <p:spTree>
+      <p:nvGrpSpPr>
+        <p:cNvPr id="1" name=""/>
+        <p:cNvGrpSpPr/>
+        <p:nvPr/>
+      </p:nvGrpSpPr>
+      <p:grpSpPr/>
+      <p:sp>
+        <p:nvSpPr>
+          <p:cNvPr id="3" name="Замещающее содержимое 2"/>
+          <p:cNvSpPr>
+            <a:spLocks noGrp="1"/>
+          </p:cNvSpPr>
+          <p:nvPr>
+            <p:ph idx="1"/>
+          </p:nvPr>
+        </p:nvSpPr>
+        <p:spPr>
+          <a:xfrm>
+            <a:off x="589915" y="466090"/>
+            <a:ext cx="10573385" cy="5711190"/>
+          </a:xfrm>
+        </p:spPr>
+        <p:txBody>
+          <a:bodyPr>
+            <a:normAutofit/>
+          </a:bodyPr>
+          <a:p>
+            <a:pPr>
+              <a:buFont typeface="Arial" panose="020B0604020202020204" pitchFamily="34" charset="0"/>
+            </a:pPr>
+            <a:r>
+              <a:rPr altLang="en-US">
+                <a:latin typeface="Times New Roman" panose="02020603050405020304" charset="0"/>
+                <a:cs typeface="Times New Roman" panose="02020603050405020304" charset="0"/>
+              </a:rPr>
+              <a:t>Цель разработки - </a:t>
+            </a:r>
+            <a:r>
+              <a:rPr lang="ru-RU">
+                <a:latin typeface="Times New Roman" panose="02020603050405020304" charset="0"/>
+                <a:cs typeface="Times New Roman" panose="02020603050405020304" charset="0"/>
+              </a:rPr>
+              <a:t>предоставить</a:t>
+            </a:r>
+            <a:r>
+              <a:rPr altLang="en-US">
+                <a:latin typeface="Times New Roman" panose="02020603050405020304" charset="0"/>
+                <a:cs typeface="Times New Roman" panose="02020603050405020304" charset="0"/>
+              </a:rPr>
+              <a:t> возможность</a:t>
+            </a:r>
+            <a:r>
+              <a:rPr lang="ru-RU">
+                <a:latin typeface="Times New Roman" panose="02020603050405020304" charset="0"/>
+                <a:cs typeface="Times New Roman" panose="02020603050405020304" charset="0"/>
+              </a:rPr>
+              <a:t> профессиональным</a:t>
+            </a:r>
+            <a:r>
+              <a:rPr altLang="en-US">
+                <a:latin typeface="Times New Roman" panose="02020603050405020304" charset="0"/>
+                <a:cs typeface="Times New Roman" panose="02020603050405020304" charset="0"/>
+              </a:rPr>
+              <a:t> спортсменам</a:t>
+            </a:r>
+            <a:r>
+              <a:rPr lang="ru-RU">
+                <a:latin typeface="Times New Roman" panose="02020603050405020304" charset="0"/>
+                <a:cs typeface="Times New Roman" panose="02020603050405020304" charset="0"/>
+              </a:rPr>
+              <a:t> возможность </a:t>
+            </a:r>
+            <a:r>
+              <a:rPr altLang="en-US">
+                <a:latin typeface="Times New Roman" panose="02020603050405020304" charset="0"/>
+                <a:cs typeface="Times New Roman" panose="02020603050405020304" charset="0"/>
+              </a:rPr>
+              <a:t> </a:t>
+            </a:r>
+            <a:r>
+              <a:rPr lang="ru-RU">
+                <a:latin typeface="Times New Roman" panose="02020603050405020304" charset="0"/>
+                <a:cs typeface="Times New Roman" panose="02020603050405020304" charset="0"/>
+              </a:rPr>
+              <a:t>самостоятельно контролировать </a:t>
+            </a:r>
+            <a:r>
+              <a:rPr altLang="en-US">
+                <a:latin typeface="Times New Roman" panose="02020603050405020304" charset="0"/>
+                <a:cs typeface="Times New Roman" panose="02020603050405020304" charset="0"/>
+              </a:rPr>
+              <a:t>процесс тренировок за счет </a:t>
+            </a:r>
+            <a:r>
+              <a:rPr lang="ru-RU">
+                <a:latin typeface="Times New Roman" panose="02020603050405020304" charset="0"/>
+                <a:cs typeface="Times New Roman" panose="02020603050405020304" charset="0"/>
+              </a:rPr>
+              <a:t>разработки </a:t>
+            </a:r>
+            <a:r>
+              <a:rPr altLang="en-US">
+                <a:latin typeface="Times New Roman" panose="02020603050405020304" charset="0"/>
+                <a:cs typeface="Times New Roman" panose="02020603050405020304" charset="0"/>
+              </a:rPr>
+              <a:t>мобильного приложения, позволяющего контролировать ход тренировок и напоминать о приеме </a:t>
+            </a:r>
+            <a:r>
+              <a:rPr lang="ru-RU">
+                <a:latin typeface="Times New Roman" panose="02020603050405020304" charset="0"/>
+                <a:cs typeface="Times New Roman" panose="02020603050405020304" charset="0"/>
+              </a:rPr>
+              <a:t>БАДов</a:t>
+            </a:r>
+            <a:r>
+              <a:rPr altLang="en-US">
+                <a:latin typeface="Times New Roman" panose="02020603050405020304" charset="0"/>
+                <a:cs typeface="Times New Roman" panose="02020603050405020304" charset="0"/>
+              </a:rPr>
+              <a:t>.</a:t>
+            </a:r>
+            <a:endParaRPr altLang="en-US">
+              <a:latin typeface="Times New Roman" panose="02020603050405020304" charset="0"/>
+              <a:cs typeface="Times New Roman" panose="02020603050405020304" charset="0"/>
+            </a:endParaRPr>
+          </a:p>
+          <a:p>
+            <a:pPr>
+              <a:buFont typeface="Arial" panose="020B0604020202020204" pitchFamily="34" charset="0"/>
+            </a:pPr>
+            <a:endParaRPr lang="en-US" altLang="ru-RU" sz="3200">
+              <a:latin typeface="Times New Roman" panose="02020603050405020304" charset="0"/>
+              <a:cs typeface="Times New Roman" panose="02020603050405020304" charset="0"/>
+            </a:endParaRPr>
+          </a:p>
+          <a:p>
+            <a:pPr>
+              <a:buFont typeface="Arial" panose="020B0604020202020204" pitchFamily="34" charset="0"/>
+            </a:pPr>
+            <a:endParaRPr lang="en-US" altLang="ru-RU" sz="3200">
+              <a:latin typeface="Times New Roman" panose="02020603050405020304" charset="0"/>
+              <a:cs typeface="Times New Roman" panose="02020603050405020304" charset="0"/>
+            </a:endParaRPr>
+          </a:p>
+        </p:txBody>
+      </p:sp>
+      <p:sp>
+        <p:nvSpPr>
+          <p:cNvPr id="4" name="Замещающий номер слайда 3"/>
+          <p:cNvSpPr>
+            <a:spLocks noGrp="1"/>
+          </p:cNvSpPr>
+          <p:nvPr>
+            <p:ph type="sldNum" sz="quarter" idx="12"/>
+          </p:nvPr>
+        </p:nvSpPr>
+        <p:spPr/>
+        <p:txBody>
+          <a:bodyPr>
+            <a:noAutofit/>
+          </a:bodyPr>
+          <a:p>
+            <a:fld id="{49AE70B2-8BF9-45C0-BB95-33D1B9D3A854}" type="slidenum">
+              <a:rPr lang="en-US" sz="3200" smtClean="0"/>
+            </a:fld>
+            <a:endParaRPr lang="en-US" sz="3200" smtClean="0"/>
+          </a:p>
+        </p:txBody>
+      </p:sp>
+    </p:spTree>
+  </p:cSld>
+  <p:clrMapOvr>
+    <a:masterClrMapping/>
+  </p:clrMapOvr>
+</p:sld>
+</file>
+
+<file path=ppt/slides/slide5.xml><?xml version="1.0" encoding="utf-8"?>
+<p:sld xmlns:a="http://schemas.openxmlformats.org/drawingml/2006/main" xmlns:r="http://schemas.openxmlformats.org/officeDocument/2006/relationships" xmlns:p="http://schemas.openxmlformats.org/presentationml/2006/main">
+  <p:cSld>
+    <p:spTree>
+      <p:nvGrpSpPr>
+        <p:cNvPr id="1" name=""/>
+        <p:cNvGrpSpPr/>
+        <p:nvPr/>
+      </p:nvGrpSpPr>
+      <p:grpSpPr/>
+      <p:sp>
+        <p:nvSpPr>
+          <p:cNvPr id="2" name="Заголовок 1"/>
+          <p:cNvSpPr>
+            <a:spLocks noGrp="1"/>
+          </p:cNvSpPr>
+          <p:nvPr>
+            <p:ph type="title"/>
+          </p:nvPr>
+        </p:nvSpPr>
+        <p:spPr/>
+        <p:txBody>
+          <a:bodyPr/>
+          <a:p>
+            <a:r>
+              <a:rPr lang="ru-RU" altLang="en-US" b="0">
+                <a:latin typeface="Times New Roman" panose="02020603050405020304" charset="0"/>
+                <a:cs typeface="Times New Roman" panose="02020603050405020304" charset="0"/>
+              </a:rPr>
+              <a:t>Задачи</a:t>
+            </a:r>
+            <a:endParaRPr lang="ru-RU" altLang="en-US" b="0">
+              <a:latin typeface="Times New Roman" panose="02020603050405020304" charset="0"/>
+              <a:cs typeface="Times New Roman" panose="02020603050405020304" charset="0"/>
+            </a:endParaRPr>
+          </a:p>
+        </p:txBody>
+      </p:sp>
+      <p:sp>
+        <p:nvSpPr>
+          <p:cNvPr id="3" name="Замещающее содержимое 2"/>
+          <p:cNvSpPr>
+            <a:spLocks noGrp="1"/>
+          </p:cNvSpPr>
+          <p:nvPr>
+            <p:ph idx="1"/>
+          </p:nvPr>
+        </p:nvSpPr>
+        <p:spPr/>
+        <p:txBody>
+          <a:bodyPr>
+            <a:normAutofit lnSpcReduction="10000"/>
+          </a:bodyPr>
+          <a:p>
+            <a:r>
+              <a:rPr lang="ru-RU" altLang="en-US">
+                <a:latin typeface="Times New Roman" panose="02020603050405020304" charset="0"/>
+                <a:cs typeface="Times New Roman" panose="02020603050405020304" charset="0"/>
+              </a:rPr>
+              <a:t>Для достижения данной цели были поставлены задачи:</a:t>
+            </a:r>
+            <a:endParaRPr lang="ru-RU" altLang="en-US">
+              <a:latin typeface="Times New Roman" panose="02020603050405020304" charset="0"/>
+              <a:cs typeface="Times New Roman" panose="02020603050405020304" charset="0"/>
+            </a:endParaRPr>
+          </a:p>
+          <a:p>
+            <a:pPr marL="457200" indent="-457200">
+              <a:buFont typeface="Arial" panose="020B0604020202020204" pitchFamily="34" charset="0"/>
+              <a:buChar char="•"/>
+            </a:pPr>
+            <a:r>
+              <a:rPr lang="ru-RU" altLang="en-US">
+                <a:latin typeface="Times New Roman" panose="02020603050405020304" charset="0"/>
+                <a:cs typeface="Times New Roman" panose="02020603050405020304" charset="0"/>
+              </a:rPr>
+              <a:t>произвести анализ предметной области;</a:t>
+            </a:r>
+            <a:endParaRPr lang="ru-RU" altLang="en-US">
+              <a:latin typeface="Times New Roman" panose="02020603050405020304" charset="0"/>
+              <a:cs typeface="Times New Roman" panose="02020603050405020304" charset="0"/>
+            </a:endParaRPr>
+          </a:p>
+          <a:p>
+            <a:pPr marL="457200" indent="-457200">
+              <a:buFont typeface="Arial" panose="020B0604020202020204" pitchFamily="34" charset="0"/>
+              <a:buChar char="•"/>
+            </a:pPr>
+            <a:r>
+              <a:rPr lang="ru-RU" altLang="en-US">
+                <a:latin typeface="Times New Roman" panose="02020603050405020304" charset="0"/>
+                <a:cs typeface="Times New Roman" panose="02020603050405020304" charset="0"/>
+              </a:rPr>
+              <a:t>произвести обзор существующих аналогов и выявить их преимущества и недостатки;</a:t>
+            </a:r>
+            <a:endParaRPr lang="ru-RU" altLang="en-US">
+              <a:latin typeface="Times New Roman" panose="02020603050405020304" charset="0"/>
+              <a:cs typeface="Times New Roman" panose="02020603050405020304" charset="0"/>
+            </a:endParaRPr>
+          </a:p>
+          <a:p>
+            <a:pPr marL="457200" indent="-457200">
+              <a:buFont typeface="Arial" panose="020B0604020202020204" pitchFamily="34" charset="0"/>
+              <a:buChar char="•"/>
+            </a:pPr>
+            <a:r>
+              <a:rPr lang="ru-RU" altLang="en-US">
+                <a:latin typeface="Times New Roman" panose="02020603050405020304" charset="0"/>
+                <a:cs typeface="Times New Roman" panose="02020603050405020304" charset="0"/>
+              </a:rPr>
+              <a:t>определить требования к разрабатываемому мобильному приложению;</a:t>
+            </a:r>
+            <a:endParaRPr lang="ru-RU" altLang="en-US">
+              <a:latin typeface="Times New Roman" panose="02020603050405020304" charset="0"/>
+              <a:cs typeface="Times New Roman" panose="02020603050405020304" charset="0"/>
+            </a:endParaRPr>
+          </a:p>
+          <a:p>
+            <a:pPr marL="457200" indent="-457200">
+              <a:buFont typeface="Arial" panose="020B0604020202020204" pitchFamily="34" charset="0"/>
+              <a:buChar char="•"/>
+            </a:pPr>
+            <a:r>
+              <a:rPr lang="ru-RU" altLang="en-US">
+                <a:latin typeface="Times New Roman" panose="02020603050405020304" charset="0"/>
+                <a:cs typeface="Times New Roman" panose="02020603050405020304" charset="0"/>
+              </a:rPr>
+              <a:t>разработка мобильного приложения для улучшение эффективности процесса тренировок;</a:t>
+            </a:r>
+            <a:endParaRPr lang="ru-RU" altLang="en-US">
+              <a:latin typeface="Times New Roman" panose="02020603050405020304" charset="0"/>
+              <a:cs typeface="Times New Roman" panose="02020603050405020304" charset="0"/>
+            </a:endParaRPr>
+          </a:p>
+          <a:p>
+            <a:pPr marL="457200" indent="-457200">
+              <a:buFont typeface="Arial" panose="020B0604020202020204" pitchFamily="34" charset="0"/>
+              <a:buChar char="•"/>
+            </a:pPr>
+            <a:r>
+              <a:rPr lang="ru-RU" altLang="en-US">
+                <a:latin typeface="Times New Roman" panose="02020603050405020304" charset="0"/>
+                <a:cs typeface="Times New Roman" panose="02020603050405020304" charset="0"/>
+              </a:rPr>
+              <a:t>протестировать разработанное программное средство и доказать его работоспособность.</a:t>
+            </a:r>
+            <a:endParaRPr lang="ru-RU" altLang="en-US">
+              <a:latin typeface="Times New Roman" panose="02020603050405020304" charset="0"/>
+              <a:cs typeface="Times New Roman" panose="02020603050405020304" charset="0"/>
+            </a:endParaRPr>
+          </a:p>
+        </p:txBody>
+      </p:sp>
+      <p:sp>
+        <p:nvSpPr>
+          <p:cNvPr id="4" name="Замещающий номер слайда 3"/>
+          <p:cNvSpPr>
+            <a:spLocks noGrp="1"/>
+          </p:cNvSpPr>
+          <p:nvPr>
+            <p:ph type="sldNum" sz="quarter" idx="12"/>
+          </p:nvPr>
+        </p:nvSpPr>
+        <p:spPr/>
+        <p:txBody>
+          <a:bodyPr>
+            <a:noAutofit/>
+          </a:bodyPr>
+          <a:p>
+            <a:fld id="{49AE70B2-8BF9-45C0-BB95-33D1B9D3A854}" type="slidenum">
+              <a:rPr lang="en-US" sz="3200" smtClean="0"/>
+            </a:fld>
+            <a:endParaRPr lang="en-US" sz="3200" smtClean="0"/>
+          </a:p>
+        </p:txBody>
+      </p:sp>
+    </p:spTree>
+  </p:cSld>
+  <p:clrMapOvr>
+    <a:masterClrMapping/>
+  </p:clrMapOvr>
+</p:sld>
+</file>
+
+<file path=ppt/slides/slide6.xml><?xml version="1.0" encoding="utf-8"?>
+<p:sld xmlns:a="http://schemas.openxmlformats.org/drawingml/2006/main" xmlns:r="http://schemas.openxmlformats.org/officeDocument/2006/relationships" xmlns:p="http://schemas.openxmlformats.org/presentationml/2006/main">
+  <p:cSld>
+    <p:spTree>
+      <p:nvGrpSpPr>
+        <p:cNvPr id="1" name=""/>
+        <p:cNvGrpSpPr/>
+        <p:nvPr/>
+      </p:nvGrpSpPr>
+      <p:grpSpPr/>
+      <p:sp>
+        <p:nvSpPr>
+          <p:cNvPr id="2" name="Заголовок 1"/>
+          <p:cNvSpPr>
+            <a:spLocks noGrp="1"/>
+          </p:cNvSpPr>
+          <p:nvPr>
+            <p:ph type="title"/>
+          </p:nvPr>
+        </p:nvSpPr>
+        <p:spPr/>
+        <p:txBody>
+          <a:bodyPr/>
+          <a:p>
+            <a:r>
+              <a:rPr lang="ru-RU" altLang="en-US" b="0">
+                <a:latin typeface="Times New Roman" panose="02020603050405020304" charset="0"/>
+                <a:cs typeface="Times New Roman" panose="02020603050405020304" charset="0"/>
+              </a:rPr>
+              <a:t>Объект и предмет</a:t>
+            </a:r>
+            <a:endParaRPr lang="ru-RU" altLang="en-US" b="0">
+              <a:latin typeface="Times New Roman" panose="02020603050405020304" charset="0"/>
+              <a:cs typeface="Times New Roman" panose="02020603050405020304" charset="0"/>
+            </a:endParaRPr>
+          </a:p>
+        </p:txBody>
+      </p:sp>
+      <p:sp>
+        <p:nvSpPr>
+          <p:cNvPr id="3" name="Замещающее содержимое 2"/>
+          <p:cNvSpPr>
+            <a:spLocks noGrp="1"/>
+          </p:cNvSpPr>
+          <p:nvPr>
+            <p:ph idx="1"/>
+          </p:nvPr>
+        </p:nvSpPr>
+        <p:spPr/>
+        <p:txBody>
+          <a:bodyPr/>
+          <a:p>
+            <a:r>
+              <a:rPr lang="ru-RU" altLang="en-US">
+                <a:latin typeface="Times New Roman" panose="02020603050405020304" charset="0"/>
+                <a:cs typeface="Times New Roman" panose="02020603050405020304" charset="0"/>
+              </a:rPr>
+              <a:t>Объект исследования: мобильные приложения для контроля и планирования тренировочного процесса в профессиональном спорте.</a:t>
+            </a:r>
+            <a:endParaRPr lang="ru-RU" altLang="en-US">
+              <a:latin typeface="Times New Roman" panose="02020603050405020304" charset="0"/>
+              <a:cs typeface="Times New Roman" panose="02020603050405020304" charset="0"/>
+            </a:endParaRPr>
+          </a:p>
+          <a:p>
+            <a:endParaRPr lang="ru-RU" altLang="en-US">
+              <a:latin typeface="Times New Roman" panose="02020603050405020304" charset="0"/>
+              <a:cs typeface="Times New Roman" panose="02020603050405020304" charset="0"/>
+            </a:endParaRPr>
+          </a:p>
+          <a:p>
+            <a:r>
+              <a:rPr lang="ru-RU" altLang="en-US">
+                <a:latin typeface="Times New Roman" panose="02020603050405020304" charset="0"/>
+                <a:cs typeface="Times New Roman" panose="02020603050405020304" charset="0"/>
+              </a:rPr>
+              <a:t>Предмет исследования: возможности модификации и индивидуализации тренировочных комплексов в мобильных приложениях для спорта, в том числе создание и добавление собственных упражнений профессиональными спортсменами.</a:t>
+            </a:r>
+            <a:endParaRPr lang="ru-RU" altLang="en-US">
+              <a:latin typeface="Times New Roman" panose="02020603050405020304" charset="0"/>
+              <a:cs typeface="Times New Roman" panose="02020603050405020304" charset="0"/>
+            </a:endParaRPr>
+          </a:p>
+        </p:txBody>
+      </p:sp>
+      <p:sp>
+        <p:nvSpPr>
+          <p:cNvPr id="4" name="Замещающий номер слайда 3"/>
+          <p:cNvSpPr>
+            <a:spLocks noGrp="1"/>
+          </p:cNvSpPr>
+          <p:nvPr>
+            <p:ph type="sldNum" sz="quarter" idx="12"/>
+          </p:nvPr>
+        </p:nvSpPr>
+        <p:spPr/>
+        <p:txBody>
+          <a:bodyPr>
+            <a:noAutofit/>
+          </a:bodyPr>
+          <a:p>
+            <a:fld id="{49AE70B2-8BF9-45C0-BB95-33D1B9D3A854}" type="slidenum">
+              <a:rPr lang="en-US" sz="3200" smtClean="0"/>
+            </a:fld>
+            <a:endParaRPr lang="en-US" sz="3200" smtClean="0"/>
+          </a:p>
+        </p:txBody>
+      </p:sp>
+    </p:spTree>
+  </p:cSld>
+  <p:clrMapOvr>
+    <a:masterClrMapping/>
+  </p:clrMapOvr>
+</p:sld>
+</file>
+
+<file path=ppt/slides/slide7.xml><?xml version="1.0" encoding="utf-8"?>
+<p:sld xmlns:a="http://schemas.openxmlformats.org/drawingml/2006/main" xmlns:r="http://schemas.openxmlformats.org/officeDocument/2006/relationships" xmlns:p="http://schemas.openxmlformats.org/presentationml/2006/main">
+  <p:cSld>
+    <p:spTree>
+      <p:nvGrpSpPr>
+        <p:cNvPr id="1" name=""/>
+        <p:cNvGrpSpPr/>
+        <p:nvPr/>
+      </p:nvGrpSpPr>
+      <p:grpSpPr/>
+      <p:sp>
+        <p:nvSpPr>
+          <p:cNvPr id="2" name="Заголовок 1"/>
+          <p:cNvSpPr>
+            <a:spLocks noGrp="1"/>
+          </p:cNvSpPr>
+          <p:nvPr>
+            <p:ph type="title"/>
+          </p:nvPr>
+        </p:nvSpPr>
+        <p:spPr/>
+        <p:txBody>
+          <a:bodyPr/>
+          <a:p>
+            <a:r>
+              <a:rPr lang="ru-RU" altLang="en-US" b="0">
+                <a:latin typeface="Times New Roman" panose="02020603050405020304" charset="0"/>
+                <a:cs typeface="Times New Roman" panose="02020603050405020304" charset="0"/>
+              </a:rPr>
+              <a:t>Практическая значимость</a:t>
+            </a:r>
+            <a:endParaRPr lang="ru-RU" altLang="en-US" b="0">
+              <a:latin typeface="Times New Roman" panose="02020603050405020304" charset="0"/>
+              <a:cs typeface="Times New Roman" panose="02020603050405020304" charset="0"/>
+            </a:endParaRPr>
+          </a:p>
+        </p:txBody>
+      </p:sp>
+      <p:sp>
+        <p:nvSpPr>
+          <p:cNvPr id="3" name="Замещающее содержимое 2"/>
+          <p:cNvSpPr>
+            <a:spLocks noGrp="1"/>
+          </p:cNvSpPr>
+          <p:nvPr>
+            <p:ph idx="1"/>
+          </p:nvPr>
+        </p:nvSpPr>
+        <p:spPr/>
+        <p:txBody>
+          <a:bodyPr>
+            <a:normAutofit lnSpcReduction="20000"/>
+          </a:bodyPr>
+          <a:p>
+            <a:r>
+              <a:rPr lang="ru-RU" altLang="en-US">
+                <a:latin typeface="Times New Roman" panose="02020603050405020304" charset="0"/>
+                <a:cs typeface="Times New Roman" panose="02020603050405020304" charset="0"/>
+              </a:rPr>
+              <a:t>Исследование индивидуализации тренировок в мобильных приложениях для профессиональных спортсменов важно для улучшения функционала и адаптивности, позволяет создавать тренировочные планы с учетом уникальных потребностей спортсменов. Это повысит эффективность подготовки, оптимизирует восстановление и снизит риски перетренированности и травматизма, что критически важно для достижения высоких результатов.</a:t>
+            </a:r>
+            <a:endParaRPr lang="ru-RU" altLang="en-US">
+              <a:latin typeface="Times New Roman" panose="02020603050405020304" charset="0"/>
+              <a:cs typeface="Times New Roman" panose="02020603050405020304" charset="0"/>
+            </a:endParaRPr>
+          </a:p>
+        </p:txBody>
+      </p:sp>
+      <p:sp>
+        <p:nvSpPr>
+          <p:cNvPr id="4" name="Замещающий номер слайда 3"/>
+          <p:cNvSpPr>
+            <a:spLocks noGrp="1"/>
+          </p:cNvSpPr>
+          <p:nvPr>
+            <p:ph type="sldNum" sz="quarter" idx="12"/>
+          </p:nvPr>
+        </p:nvSpPr>
+        <p:spPr/>
+        <p:txBody>
+          <a:bodyPr>
+            <a:noAutofit/>
+          </a:bodyPr>
+          <a:p>
+            <a:fld id="{49AE70B2-8BF9-45C0-BB95-33D1B9D3A854}" type="slidenum">
+              <a:rPr lang="en-US" sz="3200" smtClean="0"/>
+            </a:fld>
+            <a:endParaRPr lang="en-US" sz="3200" smtClean="0"/>
+          </a:p>
+        </p:txBody>
+      </p:sp>
+    </p:spTree>
+  </p:cSld>
+  <p:clrMapOvr>
+    <a:masterClrMapping/>
+  </p:clrMapOvr>
+</p:sld>
+</file>
+
+<file path=ppt/slides/slide8.xml><?xml version="1.0" encoding="utf-8"?>
+<p:sld xmlns:a="http://schemas.openxmlformats.org/drawingml/2006/main" xmlns:r="http://schemas.openxmlformats.org/officeDocument/2006/relationships" xmlns:p="http://schemas.openxmlformats.org/presentationml/2006/main">
+  <p:cSld>
+    <p:spTree>
+      <p:nvGrpSpPr>
+        <p:cNvPr id="1" name=""/>
+        <p:cNvGrpSpPr/>
+        <p:nvPr/>
+      </p:nvGrpSpPr>
+      <p:grpSpPr/>
+      <p:sp>
+        <p:nvSpPr>
+          <p:cNvPr id="2" name="Заголовок 1"/>
+          <p:cNvSpPr>
+            <a:spLocks noGrp="1"/>
+          </p:cNvSpPr>
+          <p:nvPr>
+            <p:ph type="title"/>
+          </p:nvPr>
+        </p:nvSpPr>
+        <p:spPr>
+          <a:xfrm>
+            <a:off x="647700" y="0"/>
+            <a:ext cx="10515600" cy="676275"/>
+          </a:xfrm>
+        </p:spPr>
+        <p:txBody>
+          <a:bodyPr>
+            <a:normAutofit/>
+          </a:bodyPr>
+          <a:p>
+            <a:r>
+              <a:rPr lang="ru-RU" altLang="en-US" sz="2800">
+                <a:latin typeface="Times New Roman" panose="02020603050405020304" charset="0"/>
+                <a:cs typeface="Times New Roman" panose="02020603050405020304" charset="0"/>
+              </a:rPr>
+              <a:t>Таблица преймуществ и недостатков для аналогов</a:t>
+            </a:r>
+            <a:endParaRPr lang="ru-RU" altLang="en-US" sz="2800">
+              <a:latin typeface="Times New Roman" panose="02020603050405020304" charset="0"/>
+              <a:cs typeface="Times New Roman" panose="02020603050405020304" charset="0"/>
+            </a:endParaRPr>
+          </a:p>
+        </p:txBody>
+      </p:sp>
+      <p:graphicFrame>
+        <p:nvGraphicFramePr>
+          <p:cNvPr id="5" name="Замещающее содержимое 4"/>
+          <p:cNvGraphicFramePr/>
+          <p:nvPr>
+            <p:ph idx="1"/>
+          </p:nvPr>
+        </p:nvGraphicFramePr>
+        <p:xfrm>
+          <a:off x="586740" y="566420"/>
+          <a:ext cx="10515600" cy="5888990"/>
+        </p:xfrm>
+        <a:graphic>
+          <a:graphicData uri="http://schemas.openxmlformats.org/drawingml/2006/table">
+            <a:tbl>
+              <a:tblPr firstRow="1" bandRow="1">
+                <a:tableStyleId>{5C22544A-7EE6-4342-B048-85BDC9FD1C3A}</a:tableStyleId>
+              </a:tblPr>
+              <a:tblGrid>
+                <a:gridCol w="1752600"/>
+                <a:gridCol w="1752600"/>
+                <a:gridCol w="1752600"/>
+                <a:gridCol w="1752600"/>
+                <a:gridCol w="1752600"/>
+                <a:gridCol w="1752600"/>
+              </a:tblGrid>
+              <a:tr h="0">
+                <a:tc>
+                  <a:txBody>
+                    <a:bodyPr/>
+                    <a:p>
+                      <a:pPr>
+                        <a:buNone/>
+                      </a:pPr>
+                      <a:endParaRPr lang="ru-RU" altLang="en-US" sz="1600">
+                        <a:solidFill>
+                          <a:schemeClr val="tx1"/>
+                        </a:solidFill>
+                        <a:latin typeface="Times New Roman" panose="02020603050405020304" charset="0"/>
+                        <a:cs typeface="Times New Roman" panose="02020603050405020304" charset="0"/>
+                      </a:endParaRPr>
+                    </a:p>
+                  </a:txBody>
+                  <a:tcPr>
+                    <a:solidFill>
+                      <a:schemeClr val="bg1">
+                        <a:lumMod val="75000"/>
+                      </a:schemeClr>
+                    </a:solidFill>
+                  </a:tcPr>
+                </a:tc>
+                <a:tc>
+                  <a:txBody>
+                    <a:bodyPr/>
+                    <a:p>
+                      <a:pPr>
+                        <a:buNone/>
+                      </a:pPr>
+                      <a:r>
+                        <a:rPr lang="ru-RU" altLang="en-US" sz="1600">
+                          <a:solidFill>
+                            <a:schemeClr val="tx1"/>
+                          </a:solidFill>
+                          <a:latin typeface="Times New Roman" panose="02020603050405020304" charset="0"/>
+                          <a:cs typeface="Times New Roman" panose="02020603050405020304" charset="0"/>
+                          <a:sym typeface="+mn-ea"/>
+                        </a:rPr>
+                        <a:t>FitProSport</a:t>
+                      </a:r>
+                      <a:endParaRPr lang="ru-RU" altLang="en-US" sz="1600">
+                        <a:solidFill>
+                          <a:schemeClr val="tx1"/>
+                        </a:solidFill>
+                        <a:latin typeface="Times New Roman" panose="02020603050405020304" charset="0"/>
+                        <a:cs typeface="Times New Roman" panose="02020603050405020304" charset="0"/>
+                        <a:sym typeface="+mn-ea"/>
+                      </a:endParaRPr>
+                    </a:p>
+                  </a:txBody>
+                  <a:tcPr>
+                    <a:solidFill>
+                      <a:schemeClr val="bg1">
+                        <a:lumMod val="75000"/>
+                      </a:schemeClr>
+                    </a:solidFill>
+                  </a:tcPr>
+                </a:tc>
+                <a:tc>
+                  <a:txBody>
+                    <a:bodyPr/>
+                    <a:p>
+                      <a:pPr>
+                        <a:buNone/>
+                      </a:pPr>
+                      <a:r>
+                        <a:rPr lang="ru-RU" altLang="en-US" sz="1600">
+                          <a:solidFill>
+                            <a:schemeClr val="tx1"/>
+                          </a:solidFill>
+                          <a:latin typeface="Times New Roman" panose="02020603050405020304" charset="0"/>
+                          <a:cs typeface="Times New Roman" panose="02020603050405020304" charset="0"/>
+                        </a:rPr>
+                        <a:t>GymUp</a:t>
+                      </a:r>
+                      <a:endParaRPr lang="ru-RU" altLang="en-US" sz="1600">
+                        <a:solidFill>
+                          <a:schemeClr val="tx1"/>
+                        </a:solidFill>
+                        <a:latin typeface="Times New Roman" panose="02020603050405020304" charset="0"/>
+                        <a:cs typeface="Times New Roman" panose="02020603050405020304" charset="0"/>
+                      </a:endParaRPr>
+                    </a:p>
+                  </a:txBody>
+                  <a:tcPr>
+                    <a:solidFill>
+                      <a:schemeClr val="bg1">
+                        <a:lumMod val="75000"/>
+                      </a:schemeClr>
+                    </a:solidFill>
+                  </a:tcPr>
+                </a:tc>
+                <a:tc>
+                  <a:txBody>
+                    <a:bodyPr/>
+                    <a:p>
+                      <a:pPr>
+                        <a:buNone/>
+                      </a:pPr>
+                      <a:r>
+                        <a:rPr lang="ru-RU" altLang="en-US" sz="1600">
+                          <a:solidFill>
+                            <a:schemeClr val="tx1"/>
+                          </a:solidFill>
+                          <a:latin typeface="Times New Roman" panose="02020603050405020304" charset="0"/>
+                          <a:cs typeface="Times New Roman" panose="02020603050405020304" charset="0"/>
+                        </a:rPr>
+                        <a:t>Strong</a:t>
+                      </a:r>
+                      <a:endParaRPr lang="ru-RU" altLang="en-US" sz="1600">
+                        <a:solidFill>
+                          <a:schemeClr val="tx1"/>
+                        </a:solidFill>
+                        <a:latin typeface="Times New Roman" panose="02020603050405020304" charset="0"/>
+                        <a:cs typeface="Times New Roman" panose="02020603050405020304" charset="0"/>
+                      </a:endParaRPr>
+                    </a:p>
+                  </a:txBody>
+                  <a:tcPr>
+                    <a:solidFill>
+                      <a:schemeClr val="bg1">
+                        <a:lumMod val="75000"/>
+                      </a:schemeClr>
+                    </a:solidFill>
+                  </a:tcPr>
+                </a:tc>
+                <a:tc>
+                  <a:txBody>
+                    <a:bodyPr/>
+                    <a:p>
+                      <a:pPr>
+                        <a:buNone/>
+                      </a:pPr>
+                      <a:r>
+                        <a:rPr lang="ru-RU" altLang="en-US" sz="1600">
+                          <a:solidFill>
+                            <a:schemeClr val="tx1"/>
+                          </a:solidFill>
+                          <a:latin typeface="Times New Roman" panose="02020603050405020304" charset="0"/>
+                          <a:cs typeface="Times New Roman" panose="02020603050405020304" charset="0"/>
+                        </a:rPr>
+                        <a:t>T Note</a:t>
+                      </a:r>
+                      <a:endParaRPr lang="ru-RU" altLang="en-US" sz="1600">
+                        <a:solidFill>
+                          <a:schemeClr val="tx1"/>
+                        </a:solidFill>
+                        <a:latin typeface="Times New Roman" panose="02020603050405020304" charset="0"/>
+                        <a:cs typeface="Times New Roman" panose="02020603050405020304" charset="0"/>
+                      </a:endParaRPr>
+                    </a:p>
+                  </a:txBody>
+                  <a:tcPr>
+                    <a:solidFill>
+                      <a:schemeClr val="bg1">
+                        <a:lumMod val="75000"/>
+                      </a:schemeClr>
+                    </a:solidFill>
+                  </a:tcPr>
+                </a:tc>
+                <a:tc>
+                  <a:txBody>
+                    <a:bodyPr/>
+                    <a:p>
+                      <a:pPr>
+                        <a:buNone/>
+                      </a:pPr>
+                      <a:r>
+                        <a:rPr lang="ru-RU" altLang="en-US" sz="1600">
+                          <a:solidFill>
+                            <a:schemeClr val="tx1"/>
+                          </a:solidFill>
+                          <a:latin typeface="Times New Roman" panose="02020603050405020304" charset="0"/>
+                          <a:cs typeface="Times New Roman" panose="02020603050405020304" charset="0"/>
+                          <a:sym typeface="+mn-ea"/>
+                        </a:rPr>
+                        <a:t>GymRun</a:t>
+                      </a:r>
+                      <a:endParaRPr lang="ru-RU" altLang="en-US" sz="1600">
+                        <a:solidFill>
+                          <a:schemeClr val="tx1"/>
+                        </a:solidFill>
+                        <a:latin typeface="Times New Roman" panose="02020603050405020304" charset="0"/>
+                        <a:cs typeface="Times New Roman" panose="02020603050405020304" charset="0"/>
+                        <a:sym typeface="+mn-ea"/>
+                      </a:endParaRPr>
+                    </a:p>
+                    <a:p>
+                      <a:pPr>
+                        <a:buNone/>
+                      </a:pPr>
+                      <a:endParaRPr lang="ru-RU" altLang="en-US" sz="1600">
+                        <a:solidFill>
+                          <a:schemeClr val="tx1"/>
+                        </a:solidFill>
+                        <a:latin typeface="Times New Roman" panose="02020603050405020304" charset="0"/>
+                        <a:cs typeface="Times New Roman" panose="02020603050405020304" charset="0"/>
+                        <a:sym typeface="+mn-ea"/>
+                      </a:endParaRPr>
+                    </a:p>
+                  </a:txBody>
+                  <a:tcPr>
+                    <a:solidFill>
+                      <a:schemeClr val="bg1">
+                        <a:lumMod val="75000"/>
+                      </a:schemeClr>
+                    </a:solidFill>
+                  </a:tcPr>
+                </a:tc>
+              </a:tr>
+              <a:tr h="381000">
+                <a:tc>
+                  <a:txBody>
+                    <a:bodyPr/>
+                    <a:p>
+                      <a:pPr>
+                        <a:buNone/>
+                      </a:pPr>
+                      <a:r>
+                        <a:rPr lang="ru-RU" altLang="en-US" sz="1600">
+                          <a:solidFill>
+                            <a:schemeClr val="tx1"/>
+                          </a:solidFill>
+                          <a:latin typeface="Times New Roman" panose="02020603050405020304" charset="0"/>
+                          <a:cs typeface="Times New Roman" panose="02020603050405020304" charset="0"/>
+                        </a:rPr>
+                        <a:t>добавления, редактирования, удаления  упражнений</a:t>
+                      </a:r>
+                      <a:endParaRPr lang="ru-RU" altLang="en-US" sz="1600">
+                        <a:solidFill>
+                          <a:schemeClr val="tx1"/>
+                        </a:solidFill>
+                        <a:latin typeface="Times New Roman" panose="02020603050405020304" charset="0"/>
+                        <a:cs typeface="Times New Roman" panose="02020603050405020304" charset="0"/>
+                      </a:endParaRPr>
+                    </a:p>
+                  </a:txBody>
+                  <a:tcPr>
+                    <a:solidFill>
+                      <a:schemeClr val="bg1">
+                        <a:lumMod val="75000"/>
+                      </a:schemeClr>
+                    </a:solidFill>
+                  </a:tcPr>
+                </a:tc>
+                <a:tc>
+                  <a:txBody>
+                    <a:bodyPr/>
+                    <a:p>
+                      <a:pPr>
+                        <a:buNone/>
+                      </a:pPr>
+                      <a:r>
+                        <a:rPr lang="ru-RU" altLang="en-US" sz="1600">
+                          <a:solidFill>
+                            <a:schemeClr val="tx1"/>
+                          </a:solidFill>
+                          <a:latin typeface="Times New Roman" panose="02020603050405020304" charset="0"/>
+                          <a:cs typeface="Times New Roman" panose="02020603050405020304" charset="0"/>
+                        </a:rPr>
+                        <a:t>-</a:t>
+                      </a:r>
+                      <a:endParaRPr lang="ru-RU" altLang="en-US" sz="1600">
+                        <a:solidFill>
+                          <a:schemeClr val="tx1"/>
+                        </a:solidFill>
+                        <a:latin typeface="Times New Roman" panose="02020603050405020304" charset="0"/>
+                        <a:cs typeface="Times New Roman" panose="02020603050405020304" charset="0"/>
+                      </a:endParaRPr>
+                    </a:p>
+                  </a:txBody>
+                  <a:tcPr>
+                    <a:solidFill>
+                      <a:schemeClr val="bg1">
+                        <a:lumMod val="75000"/>
+                      </a:schemeClr>
+                    </a:solidFill>
+                  </a:tcPr>
+                </a:tc>
+                <a:tc>
+                  <a:txBody>
+                    <a:bodyPr/>
+                    <a:p>
+                      <a:pPr>
+                        <a:buNone/>
+                      </a:pPr>
+                      <a:r>
+                        <a:rPr lang="ru-RU" altLang="en-US" sz="1600">
+                          <a:solidFill>
+                            <a:schemeClr val="tx1"/>
+                          </a:solidFill>
+                          <a:latin typeface="Times New Roman" panose="02020603050405020304" charset="0"/>
+                          <a:cs typeface="Times New Roman" panose="02020603050405020304" charset="0"/>
+                        </a:rPr>
+                        <a:t>-</a:t>
+                      </a:r>
+                      <a:endParaRPr lang="ru-RU" altLang="en-US" sz="1600">
+                        <a:solidFill>
+                          <a:schemeClr val="tx1"/>
+                        </a:solidFill>
+                        <a:latin typeface="Times New Roman" panose="02020603050405020304" charset="0"/>
+                        <a:cs typeface="Times New Roman" panose="02020603050405020304" charset="0"/>
+                      </a:endParaRPr>
+                    </a:p>
+                  </a:txBody>
+                  <a:tcPr>
+                    <a:solidFill>
+                      <a:schemeClr val="bg1">
+                        <a:lumMod val="75000"/>
+                      </a:schemeClr>
+                    </a:solidFill>
+                  </a:tcPr>
+                </a:tc>
+                <a:tc>
+                  <a:txBody>
+                    <a:bodyPr/>
+                    <a:p>
+                      <a:pPr>
+                        <a:buNone/>
+                      </a:pPr>
+                      <a:r>
+                        <a:rPr lang="ru-RU" altLang="en-US" sz="1600">
+                          <a:solidFill>
+                            <a:schemeClr val="tx1"/>
+                          </a:solidFill>
+                          <a:latin typeface="Times New Roman" panose="02020603050405020304" charset="0"/>
+                          <a:cs typeface="Times New Roman" panose="02020603050405020304" charset="0"/>
+                        </a:rPr>
+                        <a:t>-</a:t>
+                      </a:r>
+                      <a:endParaRPr lang="ru-RU" altLang="en-US" sz="1600">
+                        <a:solidFill>
+                          <a:schemeClr val="tx1"/>
+                        </a:solidFill>
+                        <a:latin typeface="Times New Roman" panose="02020603050405020304" charset="0"/>
+                        <a:cs typeface="Times New Roman" panose="02020603050405020304" charset="0"/>
+                      </a:endParaRPr>
+                    </a:p>
+                  </a:txBody>
+                  <a:tcPr>
+                    <a:solidFill>
+                      <a:schemeClr val="bg1">
+                        <a:lumMod val="75000"/>
+                      </a:schemeClr>
+                    </a:solidFill>
+                  </a:tcPr>
+                </a:tc>
+                <a:tc>
+                  <a:txBody>
+                    <a:bodyPr/>
+                    <a:p>
+                      <a:pPr>
+                        <a:buNone/>
+                      </a:pPr>
+                      <a:r>
+                        <a:rPr lang="ru-RU" altLang="en-US" sz="1600">
+                          <a:solidFill>
+                            <a:schemeClr val="tx1"/>
+                          </a:solidFill>
+                          <a:latin typeface="Times New Roman" panose="02020603050405020304" charset="0"/>
+                          <a:cs typeface="Times New Roman" panose="02020603050405020304" charset="0"/>
+                        </a:rPr>
+                        <a:t>-</a:t>
+                      </a:r>
+                      <a:endParaRPr lang="ru-RU" altLang="en-US" sz="1600">
+                        <a:solidFill>
+                          <a:schemeClr val="tx1"/>
+                        </a:solidFill>
+                        <a:latin typeface="Times New Roman" panose="02020603050405020304" charset="0"/>
+                        <a:cs typeface="Times New Roman" panose="02020603050405020304" charset="0"/>
+                      </a:endParaRPr>
+                    </a:p>
+                  </a:txBody>
+                  <a:tcPr>
+                    <a:solidFill>
+                      <a:schemeClr val="bg1">
+                        <a:lumMod val="75000"/>
+                      </a:schemeClr>
+                    </a:solidFill>
+                  </a:tcPr>
+                </a:tc>
+                <a:tc>
+                  <a:txBody>
+                    <a:bodyPr/>
+                    <a:p>
+                      <a:pPr>
+                        <a:buNone/>
+                      </a:pPr>
+                      <a:r>
+                        <a:rPr lang="ru-RU" altLang="en-US" sz="1600">
+                          <a:solidFill>
+                            <a:schemeClr val="tx1"/>
+                          </a:solidFill>
+                          <a:latin typeface="Times New Roman" panose="02020603050405020304" charset="0"/>
+                          <a:cs typeface="Times New Roman" panose="02020603050405020304" charset="0"/>
+                        </a:rPr>
+                        <a:t>-</a:t>
+                      </a:r>
+                      <a:endParaRPr lang="ru-RU" altLang="en-US" sz="1600">
+                        <a:solidFill>
+                          <a:schemeClr val="tx1"/>
+                        </a:solidFill>
+                        <a:latin typeface="Times New Roman" panose="02020603050405020304" charset="0"/>
+                        <a:cs typeface="Times New Roman" panose="02020603050405020304" charset="0"/>
+                      </a:endParaRPr>
+                    </a:p>
+                  </a:txBody>
+                  <a:tcPr>
+                    <a:solidFill>
+                      <a:schemeClr val="bg1">
+                        <a:lumMod val="75000"/>
+                      </a:schemeClr>
+                    </a:solidFill>
+                  </a:tcPr>
+                </a:tc>
+              </a:tr>
+              <a:tr h="951230">
+                <a:tc>
+                  <a:txBody>
+                    <a:bodyPr/>
+                    <a:p>
+                      <a:pPr>
+                        <a:buNone/>
+                      </a:pPr>
+                      <a:r>
+                        <a:rPr lang="ru-RU" altLang="en-US" sz="1600">
+                          <a:solidFill>
+                            <a:schemeClr val="tx1"/>
+                          </a:solidFill>
+                          <a:latin typeface="Times New Roman" panose="02020603050405020304" charset="0"/>
+                          <a:cs typeface="Times New Roman" panose="02020603050405020304" charset="0"/>
+                        </a:rPr>
+                        <a:t>создания комплекса упражнений</a:t>
+                      </a:r>
+                      <a:endParaRPr lang="ru-RU" altLang="en-US" sz="1600">
+                        <a:solidFill>
+                          <a:schemeClr val="tx1"/>
+                        </a:solidFill>
+                        <a:latin typeface="Times New Roman" panose="02020603050405020304" charset="0"/>
+                        <a:cs typeface="Times New Roman" panose="02020603050405020304" charset="0"/>
+                      </a:endParaRPr>
+                    </a:p>
+                  </a:txBody>
+                  <a:tcPr>
+                    <a:solidFill>
+                      <a:schemeClr val="bg1">
+                        <a:lumMod val="75000"/>
+                      </a:schemeClr>
+                    </a:solidFill>
+                  </a:tcPr>
+                </a:tc>
+                <a:tc>
+                  <a:txBody>
+                    <a:bodyPr/>
+                    <a:p>
+                      <a:pPr>
+                        <a:buNone/>
+                      </a:pPr>
+                      <a:r>
+                        <a:rPr lang="ru-RU" altLang="en-US" sz="1600">
+                          <a:solidFill>
+                            <a:schemeClr val="tx1"/>
+                          </a:solidFill>
+                          <a:latin typeface="Times New Roman" panose="02020603050405020304" charset="0"/>
+                          <a:cs typeface="Times New Roman" panose="02020603050405020304" charset="0"/>
+                        </a:rPr>
+                        <a:t>+</a:t>
+                      </a:r>
+                      <a:endParaRPr lang="ru-RU" altLang="en-US" sz="1600">
+                        <a:solidFill>
+                          <a:schemeClr val="tx1"/>
+                        </a:solidFill>
+                        <a:latin typeface="Times New Roman" panose="02020603050405020304" charset="0"/>
+                        <a:cs typeface="Times New Roman" panose="02020603050405020304" charset="0"/>
+                      </a:endParaRPr>
+                    </a:p>
+                  </a:txBody>
+                  <a:tcPr>
+                    <a:solidFill>
+                      <a:schemeClr val="bg1">
+                        <a:lumMod val="75000"/>
+                      </a:schemeClr>
+                    </a:solidFill>
+                  </a:tcPr>
+                </a:tc>
+                <a:tc>
+                  <a:txBody>
+                    <a:bodyPr/>
+                    <a:p>
+                      <a:pPr>
+                        <a:buNone/>
+                      </a:pPr>
+                      <a:r>
+                        <a:rPr lang="ru-RU" altLang="en-US" sz="1600">
+                          <a:solidFill>
+                            <a:schemeClr val="tx1"/>
+                          </a:solidFill>
+                          <a:latin typeface="Times New Roman" panose="02020603050405020304" charset="0"/>
+                          <a:cs typeface="Times New Roman" panose="02020603050405020304" charset="0"/>
+                        </a:rPr>
+                        <a:t>+</a:t>
+                      </a:r>
+                      <a:endParaRPr lang="ru-RU" altLang="en-US" sz="1600">
+                        <a:solidFill>
+                          <a:schemeClr val="tx1"/>
+                        </a:solidFill>
+                        <a:latin typeface="Times New Roman" panose="02020603050405020304" charset="0"/>
+                        <a:cs typeface="Times New Roman" panose="02020603050405020304" charset="0"/>
+                      </a:endParaRPr>
+                    </a:p>
+                  </a:txBody>
+                  <a:tcPr>
+                    <a:solidFill>
+                      <a:schemeClr val="bg1">
+                        <a:lumMod val="75000"/>
+                      </a:schemeClr>
+                    </a:solidFill>
+                  </a:tcPr>
+                </a:tc>
+                <a:tc>
+                  <a:txBody>
+                    <a:bodyPr/>
+                    <a:p>
+                      <a:pPr>
+                        <a:buNone/>
+                      </a:pPr>
+                      <a:r>
+                        <a:rPr lang="ru-RU" altLang="en-US" sz="1600">
+                          <a:solidFill>
+                            <a:schemeClr val="tx1"/>
+                          </a:solidFill>
+                          <a:latin typeface="Times New Roman" panose="02020603050405020304" charset="0"/>
+                          <a:cs typeface="Times New Roman" panose="02020603050405020304" charset="0"/>
+                        </a:rPr>
+                        <a:t>+</a:t>
+                      </a:r>
+                      <a:endParaRPr lang="ru-RU" altLang="en-US" sz="1600">
+                        <a:solidFill>
+                          <a:schemeClr val="tx1"/>
+                        </a:solidFill>
+                        <a:latin typeface="Times New Roman" panose="02020603050405020304" charset="0"/>
+                        <a:cs typeface="Times New Roman" panose="02020603050405020304" charset="0"/>
+                      </a:endParaRPr>
+                    </a:p>
+                  </a:txBody>
+                  <a:tcPr>
+                    <a:solidFill>
+                      <a:schemeClr val="bg1">
+                        <a:lumMod val="75000"/>
+                      </a:schemeClr>
+                    </a:solidFill>
+                  </a:tcPr>
+                </a:tc>
+                <a:tc>
+                  <a:txBody>
+                    <a:bodyPr/>
+                    <a:p>
+                      <a:pPr>
+                        <a:buNone/>
+                      </a:pPr>
+                      <a:r>
+                        <a:rPr lang="ru-RU" altLang="en-US" sz="1600">
+                          <a:solidFill>
+                            <a:schemeClr val="tx1"/>
+                          </a:solidFill>
+                          <a:latin typeface="Times New Roman" panose="02020603050405020304" charset="0"/>
+                          <a:cs typeface="Times New Roman" panose="02020603050405020304" charset="0"/>
+                        </a:rPr>
+                        <a:t>+</a:t>
+                      </a:r>
+                      <a:endParaRPr lang="ru-RU" altLang="en-US" sz="1600">
+                        <a:solidFill>
+                          <a:schemeClr val="tx1"/>
+                        </a:solidFill>
+                        <a:latin typeface="Times New Roman" panose="02020603050405020304" charset="0"/>
+                        <a:cs typeface="Times New Roman" panose="02020603050405020304" charset="0"/>
+                      </a:endParaRPr>
+                    </a:p>
+                  </a:txBody>
+                  <a:tcPr>
+                    <a:solidFill>
+                      <a:schemeClr val="bg1">
+                        <a:lumMod val="75000"/>
+                      </a:schemeClr>
+                    </a:solidFill>
+                  </a:tcPr>
+                </a:tc>
+                <a:tc>
+                  <a:txBody>
+                    <a:bodyPr/>
+                    <a:p>
+                      <a:pPr>
+                        <a:buNone/>
+                      </a:pPr>
+                      <a:r>
+                        <a:rPr lang="ru-RU" altLang="en-US" sz="1600">
+                          <a:solidFill>
+                            <a:schemeClr val="tx1"/>
+                          </a:solidFill>
+                          <a:latin typeface="Times New Roman" panose="02020603050405020304" charset="0"/>
+                          <a:cs typeface="Times New Roman" panose="02020603050405020304" charset="0"/>
+                        </a:rPr>
+                        <a:t>+</a:t>
+                      </a:r>
+                      <a:endParaRPr lang="ru-RU" altLang="en-US" sz="1600">
+                        <a:solidFill>
+                          <a:schemeClr val="tx1"/>
+                        </a:solidFill>
+                        <a:latin typeface="Times New Roman" panose="02020603050405020304" charset="0"/>
+                        <a:cs typeface="Times New Roman" panose="02020603050405020304" charset="0"/>
+                      </a:endParaRPr>
+                    </a:p>
+                  </a:txBody>
+                  <a:tcPr>
+                    <a:solidFill>
+                      <a:schemeClr val="bg1">
+                        <a:lumMod val="75000"/>
+                      </a:schemeClr>
+                    </a:solidFill>
+                  </a:tcPr>
+                </a:tc>
+              </a:tr>
+              <a:tr h="381000">
+                <a:tc>
+                  <a:txBody>
+                    <a:bodyPr/>
+                    <a:p>
+                      <a:pPr>
+                        <a:buNone/>
+                      </a:pPr>
+                      <a:r>
+                        <a:rPr lang="ru-RU" altLang="en-US" sz="1600">
+                          <a:solidFill>
+                            <a:schemeClr val="tx1"/>
+                          </a:solidFill>
+                          <a:latin typeface="Times New Roman" panose="02020603050405020304" charset="0"/>
+                          <a:cs typeface="Times New Roman" panose="02020603050405020304" charset="0"/>
+                        </a:rPr>
+                        <a:t>таймер выполнения упражнения</a:t>
+                      </a:r>
+                      <a:endParaRPr lang="ru-RU" altLang="en-US" sz="1600">
+                        <a:solidFill>
+                          <a:schemeClr val="tx1"/>
+                        </a:solidFill>
+                        <a:latin typeface="Times New Roman" panose="02020603050405020304" charset="0"/>
+                        <a:cs typeface="Times New Roman" panose="02020603050405020304" charset="0"/>
+                      </a:endParaRPr>
+                    </a:p>
+                  </a:txBody>
+                  <a:tcPr>
+                    <a:solidFill>
+                      <a:schemeClr val="bg1">
+                        <a:lumMod val="75000"/>
+                      </a:schemeClr>
+                    </a:solidFill>
+                  </a:tcPr>
+                </a:tc>
+                <a:tc>
+                  <a:txBody>
+                    <a:bodyPr/>
+                    <a:p>
+                      <a:pPr>
+                        <a:buNone/>
+                      </a:pPr>
+                      <a:r>
+                        <a:rPr lang="ru-RU" altLang="en-US" sz="1600">
+                          <a:solidFill>
+                            <a:schemeClr val="tx1"/>
+                          </a:solidFill>
+                          <a:latin typeface="Times New Roman" panose="02020603050405020304" charset="0"/>
+                          <a:cs typeface="Times New Roman" panose="02020603050405020304" charset="0"/>
+                        </a:rPr>
+                        <a:t>-</a:t>
+                      </a:r>
+                      <a:endParaRPr lang="ru-RU" altLang="en-US" sz="1600">
+                        <a:solidFill>
+                          <a:schemeClr val="tx1"/>
+                        </a:solidFill>
+                        <a:latin typeface="Times New Roman" panose="02020603050405020304" charset="0"/>
+                        <a:cs typeface="Times New Roman" panose="02020603050405020304" charset="0"/>
+                      </a:endParaRPr>
+                    </a:p>
+                  </a:txBody>
+                  <a:tcPr>
+                    <a:solidFill>
+                      <a:schemeClr val="bg1">
+                        <a:lumMod val="75000"/>
+                      </a:schemeClr>
+                    </a:solidFill>
+                  </a:tcPr>
+                </a:tc>
+                <a:tc>
+                  <a:txBody>
+                    <a:bodyPr/>
+                    <a:p>
+                      <a:pPr>
+                        <a:buNone/>
+                      </a:pPr>
+                      <a:r>
+                        <a:rPr lang="ru-RU" altLang="en-US" sz="1600">
+                          <a:solidFill>
+                            <a:schemeClr val="tx1"/>
+                          </a:solidFill>
+                          <a:latin typeface="Times New Roman" panose="02020603050405020304" charset="0"/>
+                          <a:cs typeface="Times New Roman" panose="02020603050405020304" charset="0"/>
+                        </a:rPr>
+                        <a:t>-</a:t>
+                      </a:r>
+                      <a:endParaRPr lang="ru-RU" altLang="en-US" sz="1600">
+                        <a:solidFill>
+                          <a:schemeClr val="tx1"/>
+                        </a:solidFill>
+                        <a:latin typeface="Times New Roman" panose="02020603050405020304" charset="0"/>
+                        <a:cs typeface="Times New Roman" panose="02020603050405020304" charset="0"/>
+                      </a:endParaRPr>
+                    </a:p>
+                  </a:txBody>
+                  <a:tcPr>
+                    <a:solidFill>
+                      <a:schemeClr val="bg1">
+                        <a:lumMod val="75000"/>
+                      </a:schemeClr>
+                    </a:solidFill>
+                  </a:tcPr>
+                </a:tc>
+                <a:tc>
+                  <a:txBody>
+                    <a:bodyPr/>
+                    <a:p>
+                      <a:pPr>
+                        <a:buNone/>
+                      </a:pPr>
+                      <a:r>
+                        <a:rPr lang="ru-RU" altLang="en-US" sz="1600">
+                          <a:solidFill>
+                            <a:schemeClr val="tx1"/>
+                          </a:solidFill>
+                          <a:latin typeface="Times New Roman" panose="02020603050405020304" charset="0"/>
+                          <a:cs typeface="Times New Roman" panose="02020603050405020304" charset="0"/>
+                        </a:rPr>
+                        <a:t>-</a:t>
+                      </a:r>
+                      <a:endParaRPr lang="ru-RU" altLang="en-US" sz="1600">
+                        <a:solidFill>
+                          <a:schemeClr val="tx1"/>
+                        </a:solidFill>
+                        <a:latin typeface="Times New Roman" panose="02020603050405020304" charset="0"/>
+                        <a:cs typeface="Times New Roman" panose="02020603050405020304" charset="0"/>
+                      </a:endParaRPr>
+                    </a:p>
+                  </a:txBody>
+                  <a:tcPr>
+                    <a:solidFill>
+                      <a:schemeClr val="bg1">
+                        <a:lumMod val="75000"/>
+                      </a:schemeClr>
+                    </a:solidFill>
+                  </a:tcPr>
+                </a:tc>
+                <a:tc>
+                  <a:txBody>
+                    <a:bodyPr/>
+                    <a:p>
+                      <a:pPr>
+                        <a:buNone/>
+                      </a:pPr>
+                      <a:r>
+                        <a:rPr lang="ru-RU" altLang="en-US" sz="1600">
+                          <a:solidFill>
+                            <a:schemeClr val="tx1"/>
+                          </a:solidFill>
+                          <a:latin typeface="Times New Roman" panose="02020603050405020304" charset="0"/>
+                          <a:cs typeface="Times New Roman" panose="02020603050405020304" charset="0"/>
+                        </a:rPr>
+                        <a:t>+</a:t>
+                      </a:r>
+                      <a:endParaRPr lang="ru-RU" altLang="en-US" sz="1600">
+                        <a:solidFill>
+                          <a:schemeClr val="tx1"/>
+                        </a:solidFill>
+                        <a:latin typeface="Times New Roman" panose="02020603050405020304" charset="0"/>
+                        <a:cs typeface="Times New Roman" panose="02020603050405020304" charset="0"/>
+                      </a:endParaRPr>
+                    </a:p>
+                  </a:txBody>
+                  <a:tcPr>
+                    <a:solidFill>
+                      <a:schemeClr val="bg1">
+                        <a:lumMod val="75000"/>
+                      </a:schemeClr>
+                    </a:solidFill>
+                  </a:tcPr>
+                </a:tc>
+                <a:tc>
+                  <a:txBody>
+                    <a:bodyPr/>
+                    <a:p>
+                      <a:pPr>
+                        <a:buNone/>
+                      </a:pPr>
+                      <a:r>
+                        <a:rPr lang="ru-RU" altLang="en-US" sz="1600">
+                          <a:solidFill>
+                            <a:schemeClr val="tx1"/>
+                          </a:solidFill>
+                          <a:latin typeface="Times New Roman" panose="02020603050405020304" charset="0"/>
+                          <a:cs typeface="Times New Roman" panose="02020603050405020304" charset="0"/>
+                        </a:rPr>
+                        <a:t>-</a:t>
+                      </a:r>
+                      <a:endParaRPr lang="ru-RU" altLang="en-US" sz="1600">
+                        <a:solidFill>
+                          <a:schemeClr val="tx1"/>
+                        </a:solidFill>
+                        <a:latin typeface="Times New Roman" panose="02020603050405020304" charset="0"/>
+                        <a:cs typeface="Times New Roman" panose="02020603050405020304" charset="0"/>
+                      </a:endParaRPr>
+                    </a:p>
+                  </a:txBody>
+                  <a:tcPr>
+                    <a:solidFill>
+                      <a:schemeClr val="bg1">
+                        <a:lumMod val="75000"/>
+                      </a:schemeClr>
+                    </a:solidFill>
+                  </a:tcPr>
+                </a:tc>
+              </a:tr>
+              <a:tr h="381000">
+                <a:tc>
+                  <a:txBody>
+                    <a:bodyPr/>
+                    <a:p>
+                      <a:pPr>
+                        <a:buNone/>
+                      </a:pPr>
+                      <a:r>
+                        <a:rPr lang="ru-RU" altLang="en-US" sz="1600">
+                          <a:latin typeface="Times New Roman" panose="02020603050405020304" charset="0"/>
+                          <a:cs typeface="Times New Roman" panose="02020603050405020304" charset="0"/>
+                        </a:rPr>
+                        <a:t>Показывает общее время тренировки</a:t>
+                      </a:r>
+                      <a:endParaRPr lang="ru-RU" altLang="en-US" sz="1600">
+                        <a:latin typeface="Times New Roman" panose="02020603050405020304" charset="0"/>
+                        <a:cs typeface="Times New Roman" panose="02020603050405020304" charset="0"/>
+                      </a:endParaRPr>
+                    </a:p>
+                  </a:txBody>
+                  <a:tcPr>
+                    <a:solidFill>
+                      <a:schemeClr val="bg1">
+                        <a:lumMod val="75000"/>
+                      </a:schemeClr>
+                    </a:solidFill>
+                  </a:tcPr>
+                </a:tc>
+                <a:tc>
+                  <a:txBody>
+                    <a:bodyPr/>
+                    <a:p>
+                      <a:pPr>
+                        <a:buNone/>
+                      </a:pPr>
+                      <a:r>
+                        <a:rPr lang="en-US" altLang="ru-RU" sz="1600">
+                          <a:latin typeface="Times New Roman" panose="02020603050405020304" charset="0"/>
+                          <a:cs typeface="Times New Roman" panose="02020603050405020304" charset="0"/>
+                        </a:rPr>
+                        <a:t>-</a:t>
+                      </a:r>
+                      <a:endParaRPr lang="en-US" altLang="ru-RU" sz="1600">
+                        <a:latin typeface="Times New Roman" panose="02020603050405020304" charset="0"/>
+                        <a:cs typeface="Times New Roman" panose="02020603050405020304" charset="0"/>
+                      </a:endParaRPr>
+                    </a:p>
+                  </a:txBody>
+                  <a:tcPr>
+                    <a:solidFill>
+                      <a:schemeClr val="bg1">
+                        <a:lumMod val="75000"/>
+                      </a:schemeClr>
+                    </a:solidFill>
+                  </a:tcPr>
+                </a:tc>
+                <a:tc>
+                  <a:txBody>
+                    <a:bodyPr/>
+                    <a:p>
+                      <a:pPr>
+                        <a:buNone/>
+                      </a:pPr>
+                      <a:r>
+                        <a:rPr lang="en-US" altLang="ru-RU" sz="1600">
+                          <a:latin typeface="Times New Roman" panose="02020603050405020304" charset="0"/>
+                          <a:cs typeface="Times New Roman" panose="02020603050405020304" charset="0"/>
+                        </a:rPr>
+                        <a:t>+</a:t>
+                      </a:r>
+                      <a:endParaRPr lang="en-US" altLang="ru-RU" sz="1600">
+                        <a:latin typeface="Times New Roman" panose="02020603050405020304" charset="0"/>
+                        <a:cs typeface="Times New Roman" panose="02020603050405020304" charset="0"/>
+                      </a:endParaRPr>
+                    </a:p>
+                  </a:txBody>
+                  <a:tcPr>
+                    <a:solidFill>
+                      <a:schemeClr val="bg1">
+                        <a:lumMod val="75000"/>
+                      </a:schemeClr>
+                    </a:solidFill>
+                  </a:tcPr>
+                </a:tc>
+                <a:tc>
+                  <a:txBody>
+                    <a:bodyPr/>
+                    <a:p>
+                      <a:pPr>
+                        <a:buNone/>
+                      </a:pPr>
+                      <a:r>
+                        <a:rPr lang="en-US" altLang="ru-RU" sz="1600">
+                          <a:latin typeface="Times New Roman" panose="02020603050405020304" charset="0"/>
+                          <a:cs typeface="Times New Roman" panose="02020603050405020304" charset="0"/>
+                        </a:rPr>
+                        <a:t>+</a:t>
+                      </a:r>
+                      <a:endParaRPr lang="en-US" altLang="ru-RU" sz="1600">
+                        <a:latin typeface="Times New Roman" panose="02020603050405020304" charset="0"/>
+                        <a:cs typeface="Times New Roman" panose="02020603050405020304" charset="0"/>
+                      </a:endParaRPr>
+                    </a:p>
+                  </a:txBody>
+                  <a:tcPr>
+                    <a:solidFill>
+                      <a:schemeClr val="bg1">
+                        <a:lumMod val="75000"/>
+                      </a:schemeClr>
+                    </a:solidFill>
+                  </a:tcPr>
+                </a:tc>
+                <a:tc>
+                  <a:txBody>
+                    <a:bodyPr/>
+                    <a:p>
+                      <a:pPr>
+                        <a:buNone/>
+                      </a:pPr>
+                      <a:r>
+                        <a:rPr lang="en-US" altLang="ru-RU" sz="1600">
+                          <a:latin typeface="Times New Roman" panose="02020603050405020304" charset="0"/>
+                          <a:cs typeface="Times New Roman" panose="02020603050405020304" charset="0"/>
+                        </a:rPr>
+                        <a:t>-</a:t>
+                      </a:r>
+                      <a:endParaRPr lang="en-US" altLang="ru-RU" sz="1600">
+                        <a:latin typeface="Times New Roman" panose="02020603050405020304" charset="0"/>
+                        <a:cs typeface="Times New Roman" panose="02020603050405020304" charset="0"/>
+                      </a:endParaRPr>
+                    </a:p>
+                  </a:txBody>
+                  <a:tcPr>
+                    <a:solidFill>
+                      <a:schemeClr val="bg1">
+                        <a:lumMod val="75000"/>
+                      </a:schemeClr>
+                    </a:solidFill>
+                  </a:tcPr>
+                </a:tc>
+                <a:tc>
+                  <a:txBody>
+                    <a:bodyPr/>
+                    <a:p>
+                      <a:pPr>
+                        <a:buNone/>
+                      </a:pPr>
+                      <a:r>
+                        <a:rPr lang="en-US" altLang="ru-RU" sz="1600">
+                          <a:latin typeface="Times New Roman" panose="02020603050405020304" charset="0"/>
+                          <a:cs typeface="Times New Roman" panose="02020603050405020304" charset="0"/>
+                        </a:rPr>
+                        <a:t>-</a:t>
+                      </a:r>
+                      <a:endParaRPr lang="en-US" altLang="ru-RU" sz="1600">
+                        <a:latin typeface="Times New Roman" panose="02020603050405020304" charset="0"/>
+                        <a:cs typeface="Times New Roman" panose="02020603050405020304" charset="0"/>
+                      </a:endParaRPr>
+                    </a:p>
+                  </a:txBody>
+                  <a:tcPr>
+                    <a:solidFill>
+                      <a:schemeClr val="bg1">
+                        <a:lumMod val="75000"/>
+                      </a:schemeClr>
+                    </a:solidFill>
+                  </a:tcPr>
+                </a:tc>
+              </a:tr>
+              <a:tr h="676910">
+                <a:tc>
+                  <a:txBody>
+                    <a:bodyPr/>
+                    <a:p>
+                      <a:pPr>
+                        <a:buNone/>
+                      </a:pPr>
+                      <a:r>
+                        <a:rPr lang="ru-RU" altLang="en-US" sz="1600">
+                          <a:latin typeface="Times New Roman" panose="02020603050405020304" charset="0"/>
+                          <a:cs typeface="Times New Roman" panose="02020603050405020304" charset="0"/>
+                        </a:rPr>
+                        <a:t>Есть готовая база данных упражнений</a:t>
+                      </a:r>
+                      <a:endParaRPr lang="ru-RU" altLang="en-US" sz="1600">
+                        <a:latin typeface="Times New Roman" panose="02020603050405020304" charset="0"/>
+                        <a:cs typeface="Times New Roman" panose="02020603050405020304" charset="0"/>
+                      </a:endParaRPr>
+                    </a:p>
+                  </a:txBody>
+                  <a:tcPr>
+                    <a:solidFill>
+                      <a:schemeClr val="bg1">
+                        <a:lumMod val="75000"/>
+                      </a:schemeClr>
+                    </a:solidFill>
+                  </a:tcPr>
+                </a:tc>
+                <a:tc>
+                  <a:txBody>
+                    <a:bodyPr/>
+                    <a:p>
+                      <a:pPr>
+                        <a:buNone/>
+                      </a:pPr>
+                      <a:r>
+                        <a:rPr lang="en-US" altLang="ru-RU" sz="1600">
+                          <a:latin typeface="Times New Roman" panose="02020603050405020304" charset="0"/>
+                          <a:cs typeface="Times New Roman" panose="02020603050405020304" charset="0"/>
+                        </a:rPr>
+                        <a:t>+</a:t>
+                      </a:r>
+                      <a:endParaRPr lang="en-US" altLang="ru-RU" sz="1600">
+                        <a:latin typeface="Times New Roman" panose="02020603050405020304" charset="0"/>
+                        <a:cs typeface="Times New Roman" panose="02020603050405020304" charset="0"/>
+                      </a:endParaRPr>
+                    </a:p>
+                  </a:txBody>
+                  <a:tcPr>
+                    <a:solidFill>
+                      <a:schemeClr val="bg1">
+                        <a:lumMod val="75000"/>
+                      </a:schemeClr>
+                    </a:solidFill>
+                  </a:tcPr>
+                </a:tc>
+                <a:tc>
+                  <a:txBody>
+                    <a:bodyPr/>
+                    <a:p>
+                      <a:pPr>
+                        <a:buNone/>
+                      </a:pPr>
+                      <a:r>
+                        <a:rPr lang="en-US" altLang="ru-RU" sz="1600">
+                          <a:latin typeface="Times New Roman" panose="02020603050405020304" charset="0"/>
+                          <a:cs typeface="Times New Roman" panose="02020603050405020304" charset="0"/>
+                        </a:rPr>
+                        <a:t>+</a:t>
+                      </a:r>
+                      <a:endParaRPr lang="en-US" altLang="ru-RU" sz="1600">
+                        <a:latin typeface="Times New Roman" panose="02020603050405020304" charset="0"/>
+                        <a:cs typeface="Times New Roman" panose="02020603050405020304" charset="0"/>
+                      </a:endParaRPr>
+                    </a:p>
+                  </a:txBody>
+                  <a:tcPr>
+                    <a:solidFill>
+                      <a:schemeClr val="bg1">
+                        <a:lumMod val="75000"/>
+                      </a:schemeClr>
+                    </a:solidFill>
+                  </a:tcPr>
+                </a:tc>
+                <a:tc>
+                  <a:txBody>
+                    <a:bodyPr/>
+                    <a:p>
+                      <a:pPr>
+                        <a:buNone/>
+                      </a:pPr>
+                      <a:r>
+                        <a:rPr lang="en-US" altLang="ru-RU" sz="1600">
+                          <a:latin typeface="Times New Roman" panose="02020603050405020304" charset="0"/>
+                          <a:cs typeface="Times New Roman" panose="02020603050405020304" charset="0"/>
+                        </a:rPr>
+                        <a:t>+</a:t>
+                      </a:r>
+                      <a:endParaRPr lang="en-US" altLang="ru-RU" sz="1600">
+                        <a:latin typeface="Times New Roman" panose="02020603050405020304" charset="0"/>
+                        <a:cs typeface="Times New Roman" panose="02020603050405020304" charset="0"/>
+                      </a:endParaRPr>
+                    </a:p>
+                  </a:txBody>
+                  <a:tcPr>
+                    <a:solidFill>
+                      <a:schemeClr val="bg1">
+                        <a:lumMod val="75000"/>
+                      </a:schemeClr>
+                    </a:solidFill>
+                  </a:tcPr>
+                </a:tc>
+                <a:tc>
+                  <a:txBody>
+                    <a:bodyPr/>
+                    <a:p>
+                      <a:pPr>
+                        <a:buNone/>
+                      </a:pPr>
+                      <a:r>
+                        <a:rPr lang="en-US" altLang="ru-RU" sz="1600">
+                          <a:latin typeface="Times New Roman" panose="02020603050405020304" charset="0"/>
+                          <a:cs typeface="Times New Roman" panose="02020603050405020304" charset="0"/>
+                        </a:rPr>
+                        <a:t>+</a:t>
+                      </a:r>
+                      <a:endParaRPr lang="en-US" altLang="ru-RU" sz="1600">
+                        <a:latin typeface="Times New Roman" panose="02020603050405020304" charset="0"/>
+                        <a:cs typeface="Times New Roman" panose="02020603050405020304" charset="0"/>
+                      </a:endParaRPr>
+                    </a:p>
+                  </a:txBody>
+                  <a:tcPr>
+                    <a:solidFill>
+                      <a:schemeClr val="bg1">
+                        <a:lumMod val="75000"/>
+                      </a:schemeClr>
+                    </a:solidFill>
+                  </a:tcPr>
+                </a:tc>
+                <a:tc>
+                  <a:txBody>
+                    <a:bodyPr/>
+                    <a:p>
+                      <a:pPr>
+                        <a:buNone/>
+                      </a:pPr>
+                      <a:r>
+                        <a:rPr lang="en-US" altLang="ru-RU" sz="1600">
+                          <a:latin typeface="Times New Roman" panose="02020603050405020304" charset="0"/>
+                          <a:cs typeface="Times New Roman" panose="02020603050405020304" charset="0"/>
+                        </a:rPr>
+                        <a:t>+</a:t>
+                      </a:r>
+                      <a:endParaRPr lang="en-US" altLang="ru-RU" sz="1600">
+                        <a:latin typeface="Times New Roman" panose="02020603050405020304" charset="0"/>
+                        <a:cs typeface="Times New Roman" panose="02020603050405020304" charset="0"/>
+                      </a:endParaRPr>
+                    </a:p>
+                  </a:txBody>
+                  <a:tcPr>
+                    <a:solidFill>
+                      <a:schemeClr val="bg1">
+                        <a:lumMod val="75000"/>
+                      </a:schemeClr>
+                    </a:solidFill>
+                  </a:tcPr>
+                </a:tc>
+              </a:tr>
+              <a:tr h="619760">
+                <a:tc>
+                  <a:txBody>
+                    <a:bodyPr/>
+                    <a:p>
+                      <a:pPr>
+                        <a:buNone/>
+                      </a:pPr>
+                      <a:r>
+                        <a:rPr lang="ru-RU" altLang="en-US" sz="1600">
+                          <a:latin typeface="Times New Roman" panose="02020603050405020304" charset="0"/>
+                          <a:cs typeface="Times New Roman" panose="02020603050405020304" charset="0"/>
+                        </a:rPr>
+                        <a:t>просмотр истории тренировок</a:t>
+                      </a:r>
+                      <a:endParaRPr lang="ru-RU" altLang="en-US" sz="1600">
+                        <a:latin typeface="Times New Roman" panose="02020603050405020304" charset="0"/>
+                        <a:cs typeface="Times New Roman" panose="02020603050405020304" charset="0"/>
+                      </a:endParaRPr>
+                    </a:p>
+                  </a:txBody>
+                  <a:tcPr>
+                    <a:solidFill>
+                      <a:schemeClr val="bg1">
+                        <a:lumMod val="75000"/>
+                      </a:schemeClr>
+                    </a:solidFill>
+                  </a:tcPr>
+                </a:tc>
+                <a:tc>
+                  <a:txBody>
+                    <a:bodyPr/>
+                    <a:p>
+                      <a:pPr>
+                        <a:buNone/>
+                      </a:pPr>
+                      <a:r>
+                        <a:rPr lang="en-US" altLang="ru-RU" sz="1600">
+                          <a:latin typeface="Times New Roman" panose="02020603050405020304" charset="0"/>
+                          <a:cs typeface="Times New Roman" panose="02020603050405020304" charset="0"/>
+                        </a:rPr>
+                        <a:t>+</a:t>
+                      </a:r>
+                      <a:endParaRPr lang="en-US" altLang="ru-RU" sz="1600">
+                        <a:latin typeface="Times New Roman" panose="02020603050405020304" charset="0"/>
+                        <a:cs typeface="Times New Roman" panose="02020603050405020304" charset="0"/>
+                      </a:endParaRPr>
+                    </a:p>
+                  </a:txBody>
+                  <a:tcPr>
+                    <a:solidFill>
+                      <a:schemeClr val="bg1">
+                        <a:lumMod val="75000"/>
+                      </a:schemeClr>
+                    </a:solidFill>
+                  </a:tcPr>
+                </a:tc>
+                <a:tc>
+                  <a:txBody>
+                    <a:bodyPr/>
+                    <a:p>
+                      <a:pPr>
+                        <a:buNone/>
+                      </a:pPr>
+                      <a:r>
+                        <a:rPr lang="en-US" altLang="ru-RU" sz="1600">
+                          <a:latin typeface="Times New Roman" panose="02020603050405020304" charset="0"/>
+                          <a:cs typeface="Times New Roman" panose="02020603050405020304" charset="0"/>
+                        </a:rPr>
+                        <a:t>+</a:t>
+                      </a:r>
+                      <a:endParaRPr lang="en-US" altLang="ru-RU" sz="1600">
+                        <a:latin typeface="Times New Roman" panose="02020603050405020304" charset="0"/>
+                        <a:cs typeface="Times New Roman" panose="02020603050405020304" charset="0"/>
+                      </a:endParaRPr>
+                    </a:p>
+                  </a:txBody>
+                  <a:tcPr>
+                    <a:solidFill>
+                      <a:schemeClr val="bg1">
+                        <a:lumMod val="75000"/>
+                      </a:schemeClr>
+                    </a:solidFill>
+                  </a:tcPr>
+                </a:tc>
+                <a:tc>
+                  <a:txBody>
+                    <a:bodyPr/>
+                    <a:p>
+                      <a:pPr>
+                        <a:buNone/>
+                      </a:pPr>
+                      <a:r>
+                        <a:rPr lang="en-US" altLang="ru-RU" sz="1600">
+                          <a:latin typeface="Times New Roman" panose="02020603050405020304" charset="0"/>
+                          <a:cs typeface="Times New Roman" panose="02020603050405020304" charset="0"/>
+                        </a:rPr>
+                        <a:t>+</a:t>
+                      </a:r>
+                      <a:endParaRPr lang="en-US" altLang="ru-RU" sz="1600">
+                        <a:latin typeface="Times New Roman" panose="02020603050405020304" charset="0"/>
+                        <a:cs typeface="Times New Roman" panose="02020603050405020304" charset="0"/>
+                      </a:endParaRPr>
+                    </a:p>
+                  </a:txBody>
+                  <a:tcPr>
+                    <a:solidFill>
+                      <a:schemeClr val="bg1">
+                        <a:lumMod val="75000"/>
+                      </a:schemeClr>
+                    </a:solidFill>
+                  </a:tcPr>
+                </a:tc>
+                <a:tc>
+                  <a:txBody>
+                    <a:bodyPr/>
+                    <a:p>
+                      <a:pPr>
+                        <a:buNone/>
+                      </a:pPr>
+                      <a:r>
+                        <a:rPr lang="en-US" altLang="ru-RU" sz="1600">
+                          <a:latin typeface="Times New Roman" panose="02020603050405020304" charset="0"/>
+                          <a:cs typeface="Times New Roman" panose="02020603050405020304" charset="0"/>
+                        </a:rPr>
+                        <a:t>+</a:t>
+                      </a:r>
+                      <a:endParaRPr lang="en-US" altLang="ru-RU" sz="1600">
+                        <a:latin typeface="Times New Roman" panose="02020603050405020304" charset="0"/>
+                        <a:cs typeface="Times New Roman" panose="02020603050405020304" charset="0"/>
+                      </a:endParaRPr>
+                    </a:p>
+                  </a:txBody>
+                  <a:tcPr>
+                    <a:solidFill>
+                      <a:schemeClr val="bg1">
+                        <a:lumMod val="75000"/>
+                      </a:schemeClr>
+                    </a:solidFill>
+                  </a:tcPr>
+                </a:tc>
+                <a:tc>
+                  <a:txBody>
+                    <a:bodyPr/>
+                    <a:p>
+                      <a:pPr>
+                        <a:buNone/>
+                      </a:pPr>
+                      <a:r>
+                        <a:rPr lang="en-US" altLang="ru-RU" sz="1600">
+                          <a:latin typeface="Times New Roman" panose="02020603050405020304" charset="0"/>
+                          <a:cs typeface="Times New Roman" panose="02020603050405020304" charset="0"/>
+                        </a:rPr>
+                        <a:t>-</a:t>
+                      </a:r>
+                      <a:endParaRPr lang="en-US" altLang="ru-RU" sz="1600">
+                        <a:latin typeface="Times New Roman" panose="02020603050405020304" charset="0"/>
+                        <a:cs typeface="Times New Roman" panose="02020603050405020304" charset="0"/>
+                      </a:endParaRPr>
+                    </a:p>
+                  </a:txBody>
+                  <a:tcPr>
+                    <a:solidFill>
+                      <a:schemeClr val="bg1">
+                        <a:lumMod val="75000"/>
+                      </a:schemeClr>
+                    </a:solidFill>
+                  </a:tcPr>
+                </a:tc>
+              </a:tr>
+            </a:tbl>
+          </a:graphicData>
+        </a:graphic>
+      </p:graphicFrame>
+      <p:sp>
+        <p:nvSpPr>
+          <p:cNvPr id="6" name="Текстовое поле 5"/>
+          <p:cNvSpPr txBox="1"/>
+          <p:nvPr/>
+        </p:nvSpPr>
+        <p:spPr>
+          <a:xfrm>
+            <a:off x="1229360" y="6455410"/>
+            <a:ext cx="4866640" cy="368300"/>
+          </a:xfrm>
+          <a:prstGeom prst="rect">
+            <a:avLst/>
+          </a:prstGeom>
+          <a:noFill/>
+        </p:spPr>
+        <p:txBody>
+          <a:bodyPr wrap="square" rtlCol="0">
+            <a:spAutoFit/>
+          </a:bodyPr>
+          <a:p>
+            <a:r>
+              <a:rPr lang="ru-RU" altLang="en-US">
+                <a:latin typeface="Times New Roman" panose="02020603050405020304" charset="0"/>
+                <a:cs typeface="Times New Roman" panose="02020603050405020304" charset="0"/>
+              </a:rPr>
+              <a:t>Таблица 1 - Таблица сравнения аналогов</a:t>
+            </a:r>
+            <a:endParaRPr lang="ru-RU" altLang="en-US">
+              <a:latin typeface="Times New Roman" panose="02020603050405020304" charset="0"/>
+              <a:cs typeface="Times New Roman" panose="02020603050405020304" charset="0"/>
+            </a:endParaRPr>
+          </a:p>
+        </p:txBody>
+      </p:sp>
+      <p:sp>
+        <p:nvSpPr>
+          <p:cNvPr id="7" name="Замещающий номер слайда 6"/>
+          <p:cNvSpPr>
+            <a:spLocks noGrp="1"/>
+          </p:cNvSpPr>
+          <p:nvPr>
+            <p:ph type="sldNum" sz="quarter" idx="12"/>
+          </p:nvPr>
+        </p:nvSpPr>
+        <p:spPr/>
+        <p:txBody>
+          <a:bodyPr>
+            <a:noAutofit/>
+          </a:bodyPr>
+          <a:p>
+            <a:fld id="{49AE70B2-8BF9-45C0-BB95-33D1B9D3A854}" type="slidenum">
+              <a:rPr lang="en-US" sz="3200" smtClean="0"/>
+            </a:fld>
+            <a:endParaRPr lang="en-US" sz="3200" smtClean="0"/>
+          </a:p>
+        </p:txBody>
+      </p:sp>
+    </p:spTree>
+  </p:cSld>
+  <p:clrMapOvr>
+    <a:masterClrMapping/>
+  </p:clrMapOvr>
+</p:sld>
+</file>
+
+<file path=ppt/slides/slide9.xml><?xml version="1.0" encoding="utf-8"?>
+<p:sld xmlns:a="http://schemas.openxmlformats.org/drawingml/2006/main" xmlns:r="http://schemas.openxmlformats.org/officeDocument/2006/relationships" xmlns:p="http://schemas.openxmlformats.org/presentationml/2006/main">
+  <p:cSld>
+    <p:spTree>
+      <p:nvGrpSpPr>
+        <p:cNvPr id="1" name=""/>
+        <p:cNvGrpSpPr/>
+        <p:nvPr/>
+      </p:nvGrpSpPr>
+      <p:grpSpPr/>
+      <p:sp>
+        <p:nvSpPr>
+          <p:cNvPr id="2" name="Заголовок 1"/>
+          <p:cNvSpPr>
+            <a:spLocks noGrp="1"/>
+          </p:cNvSpPr>
+          <p:nvPr>
+            <p:ph type="title"/>
+          </p:nvPr>
+        </p:nvSpPr>
+        <p:spPr/>
+        <p:txBody>
+          <a:bodyPr/>
+          <a:p>
+            <a:r>
+              <a:rPr lang="ru-RU" altLang="en-US" b="0">
+                <a:latin typeface="Times New Roman" panose="02020603050405020304" charset="0"/>
+                <a:cs typeface="Times New Roman" panose="02020603050405020304" charset="0"/>
+              </a:rPr>
+              <a:t>Как решалась проблема до</a:t>
+            </a:r>
+            <a:endParaRPr lang="ru-RU" altLang="en-US" b="0">
+              <a:latin typeface="Times New Roman" panose="02020603050405020304" charset="0"/>
+              <a:cs typeface="Times New Roman" panose="02020603050405020304" charset="0"/>
+            </a:endParaRPr>
+          </a:p>
+        </p:txBody>
+      </p:sp>
+      <p:sp>
+        <p:nvSpPr>
+          <p:cNvPr id="4" name="Замещающий номер слайда 3"/>
+          <p:cNvSpPr>
+            <a:spLocks noGrp="1"/>
+          </p:cNvSpPr>
+          <p:nvPr>
+            <p:ph type="sldNum" sz="quarter" idx="12"/>
+          </p:nvPr>
+        </p:nvSpPr>
+        <p:spPr/>
+        <p:txBody>
+          <a:bodyPr>
+            <a:noAutofit/>
+          </a:bodyPr>
+          <a:p>
+            <a:fld id="{49AE70B2-8BF9-45C0-BB95-33D1B9D3A854}" type="slidenum">
+              <a:rPr lang="en-US" sz="3200" smtClean="0"/>
+            </a:fld>
+            <a:endParaRPr lang="en-US" sz="3200" smtClean="0"/>
+          </a:p>
+        </p:txBody>
+      </p:sp>
+      <p:pic>
+        <p:nvPicPr>
+          <p:cNvPr id="9" name="Замещающее содержимое 8"/>
+          <p:cNvPicPr>
+            <a:picLocks noChangeAspect="1"/>
+          </p:cNvPicPr>
+          <p:nvPr>
+            <p:ph idx="1"/>
+          </p:nvPr>
+        </p:nvPicPr>
+        <p:blipFill>
+          <a:blip r:embed="rId1"/>
+          <a:stretch>
+            <a:fillRect/>
+          </a:stretch>
+        </p:blipFill>
+        <p:spPr>
+          <a:xfrm>
+            <a:off x="2820035" y="1825625"/>
+            <a:ext cx="6169660" cy="4351655"/>
+          </a:xfrm>
+          <a:prstGeom prst="rect">
+            <a:avLst/>
+          </a:prstGeom>
+        </p:spPr>
+      </p:pic>
+      <p:sp>
+        <p:nvSpPr>
+          <p:cNvPr id="10" name="Текстовое поле 9"/>
+          <p:cNvSpPr txBox="1"/>
+          <p:nvPr/>
+        </p:nvSpPr>
+        <p:spPr>
+          <a:xfrm>
+            <a:off x="1719580" y="6210300"/>
+            <a:ext cx="7162800" cy="368300"/>
+          </a:xfrm>
+          <a:prstGeom prst="rect">
+            <a:avLst/>
+          </a:prstGeom>
+          <a:noFill/>
+        </p:spPr>
+        <p:txBody>
+          <a:bodyPr wrap="square" rtlCol="0">
+            <a:spAutoFit/>
+          </a:bodyPr>
+          <a:p>
             <a:endParaRPr lang="ru-RU" altLang="en-US">
               <a:latin typeface="Times New Roman" panose="02020603050405020304" charset="0"/>
               <a:cs typeface="Times New Roman" panose="02020603050405020304" charset="0"/>

--- a/Documentation/Documentation Frontend/предзащита.pptx
+++ b/Documentation/Documentation Frontend/предзащита.pptx
@@ -8,7 +8,7 @@
     <p:notesMasterId r:id="rId4"/>
   </p:notesMasterIdLst>
   <p:handoutMasterIdLst>
-    <p:handoutMasterId r:id="rId22"/>
+    <p:handoutMasterId r:id="rId24"/>
   </p:handoutMasterIdLst>
   <p:sldIdLst>
     <p:sldId id="256" r:id="rId3"/>
@@ -26,9 +26,11 @@
     <p:sldId id="264" r:id="rId16"/>
     <p:sldId id="267" r:id="rId17"/>
     <p:sldId id="268" r:id="rId18"/>
-    <p:sldId id="290" r:id="rId19"/>
-    <p:sldId id="269" r:id="rId20"/>
-    <p:sldId id="270" r:id="rId21"/>
+    <p:sldId id="294" r:id="rId19"/>
+    <p:sldId id="290" r:id="rId20"/>
+    <p:sldId id="293" r:id="rId21"/>
+    <p:sldId id="269" r:id="rId22"/>
+    <p:sldId id="270" r:id="rId23"/>
   </p:sldIdLst>
   <p:sldSz cx="12192000" cy="6858000"/>
   <p:notesSz cx="7103745" cy="10234295"/>
@@ -130,7 +132,7 @@
   <p:extLst>
     <p:ext uri="{EFAFB233-063F-42B5-8137-9DF3F51BA10A}">
       <p15:sldGuideLst xmlns:p15="http://schemas.microsoft.com/office/powerpoint/2012/main">
-        <p15:guide id="1" orient="horz" pos="2159" userDrawn="1">
+        <p15:guide id="1" orient="horz" pos="2160" userDrawn="1">
           <p15:clr>
             <a:srgbClr val="A4A3A4"/>
           </p15:clr>
@@ -144,6 +146,1694 @@
     </p:ext>
   </p:extLst>
 </p:presentation>
+</file>
+
+<file path=ppt/charts/chart1.xml><?xml version="1.0" encoding="utf-8"?>
+<c:chartSpace xmlns:c="http://schemas.openxmlformats.org/drawingml/2006/chart" xmlns:a="http://schemas.openxmlformats.org/drawingml/2006/main" xmlns:r="http://schemas.openxmlformats.org/officeDocument/2006/relationships">
+  <c:date1904 val="0"/>
+  <c:lang val="zh-CN"/>
+  <c:roundedCorners val="0"/>
+  <mc:AlternateContent xmlns:mc="http://schemas.openxmlformats.org/markup-compatibility/2006">
+    <mc:Choice xmlns:c14="http://schemas.microsoft.com/office/drawing/2007/8/2/chart" Requires="c14">
+      <c14:style val="102"/>
+    </mc:Choice>
+    <mc:Fallback>
+      <c:style val="2"/>
+    </mc:Fallback>
+  </mc:AlternateContent>
+  <c:chart>
+    <c:title>
+      <c:tx>
+        <c:rich>
+          <a:bodyPr rot="0" spcFirstLastPara="0" vertOverflow="ellipsis" vert="horz" wrap="square" anchor="ctr" anchorCtr="1"/>
+          <a:lstStyle/>
+          <a:p>
+            <a:pPr defTabSz="914400">
+              <a:defRPr lang="ru-RU" sz="1400" b="1" i="0" u="none" strike="noStrike" kern="1200" baseline="0">
+                <a:solidFill>
+                  <a:schemeClr val="tx1">
+                    <a:lumMod val="75000"/>
+                    <a:lumOff val="25000"/>
+                  </a:schemeClr>
+                </a:solidFill>
+                <a:latin typeface="+mn-lt"/>
+                <a:ea typeface="+mn-ea"/>
+                <a:cs typeface="+mn-cs"/>
+              </a:defRPr>
+            </a:pPr>
+            <a:r>
+              <a:t>Согласны ли вы с тем что данное приложение удобнее для ведения дневника тренировок, чем аналоги</a:t>
+            </a:r>
+            <a:r>
+              <a:rPr lang="en-US"/>
+              <a:t>?</a:t>
+            </a:r>
+            <a:endParaRPr lang="en-US"/>
+          </a:p>
+        </c:rich>
+      </c:tx>
+      <c:layout>
+        <c:manualLayout>
+          <c:xMode val="edge"/>
+          <c:yMode val="edge"/>
+          <c:x val="0.171323529411765"/>
+          <c:y val="0.00658974145990528"/>
+        </c:manualLayout>
+      </c:layout>
+      <c:overlay val="0"/>
+      <c:spPr>
+        <a:noFill/>
+        <a:ln>
+          <a:noFill/>
+        </a:ln>
+        <a:effectLst/>
+      </c:spPr>
+    </c:title>
+    <c:autoTitleDeleted val="0"/>
+    <c:plotArea>
+      <c:layout/>
+      <c:pieChart>
+        <c:varyColors val="1"/>
+        <c:ser>
+          <c:idx val="0"/>
+          <c:order val="0"/>
+          <c:tx>
+            <c:strRef>
+              <c:f>Sheet1!$B$1</c:f>
+              <c:strCache>
+                <c:ptCount val="1"/>
+                <c:pt idx="0">
+                  <c:v>Продажи</c:v>
+                </c:pt>
+              </c:strCache>
+            </c:strRef>
+          </c:tx>
+          <c:spPr/>
+          <c:explosion val="0"/>
+          <c:dPt>
+            <c:idx val="0"/>
+            <c:bubble3D val="0"/>
+            <c:spPr>
+              <a:solidFill>
+                <a:schemeClr val="accent1"/>
+              </a:solidFill>
+              <a:ln>
+                <a:solidFill>
+                  <a:schemeClr val="bg1"/>
+                </a:solidFill>
+              </a:ln>
+              <a:effectLst/>
+            </c:spPr>
+          </c:dPt>
+          <c:dPt>
+            <c:idx val="1"/>
+            <c:bubble3D val="0"/>
+            <c:spPr>
+              <a:solidFill>
+                <a:schemeClr val="accent2"/>
+              </a:solidFill>
+              <a:ln>
+                <a:solidFill>
+                  <a:schemeClr val="bg1"/>
+                </a:solidFill>
+              </a:ln>
+              <a:effectLst/>
+            </c:spPr>
+          </c:dPt>
+          <c:dPt>
+            <c:idx val="2"/>
+            <c:bubble3D val="0"/>
+            <c:spPr>
+              <a:solidFill>
+                <a:schemeClr val="accent3"/>
+              </a:solidFill>
+              <a:ln>
+                <a:solidFill>
+                  <a:schemeClr val="bg1"/>
+                </a:solidFill>
+              </a:ln>
+              <a:effectLst/>
+            </c:spPr>
+          </c:dPt>
+          <c:dLbls>
+            <c:delete val="1"/>
+          </c:dLbls>
+          <c:cat>
+            <c:strRef>
+              <c:f>Sheet1!$A$2:$A$4</c:f>
+              <c:strCache>
+                <c:ptCount val="3"/>
+                <c:pt idx="0">
+                  <c:v>согласен</c:v>
+                </c:pt>
+                <c:pt idx="1">
+                  <c:v>не согласен</c:v>
+                </c:pt>
+                <c:pt idx="2">
+                  <c:v>затрудняюсь ответить</c:v>
+                </c:pt>
+              </c:strCache>
+            </c:strRef>
+          </c:cat>
+          <c:val>
+            <c:numRef>
+              <c:f>Sheet1!$B$2:$B$4</c:f>
+              <c:numCache>
+                <c:formatCode>General</c:formatCode>
+                <c:ptCount val="3"/>
+                <c:pt idx="0">
+                  <c:v>6</c:v>
+                </c:pt>
+                <c:pt idx="1">
+                  <c:v>3</c:v>
+                </c:pt>
+                <c:pt idx="2">
+                  <c:v>1</c:v>
+                </c:pt>
+              </c:numCache>
+            </c:numRef>
+          </c:val>
+        </c:ser>
+        <c:dLbls>
+          <c:showLegendKey val="0"/>
+          <c:showVal val="0"/>
+          <c:showCatName val="0"/>
+          <c:showSerName val="0"/>
+          <c:showPercent val="0"/>
+          <c:showBubbleSize val="0"/>
+          <c:showLeaderLines val="1"/>
+        </c:dLbls>
+        <c:firstSliceAng val="0"/>
+      </c:pieChart>
+      <c:spPr>
+        <a:noFill/>
+        <a:ln>
+          <a:noFill/>
+        </a:ln>
+        <a:effectLst/>
+      </c:spPr>
+    </c:plotArea>
+    <c:legend>
+      <c:legendPos val="t"/>
+      <c:layout>
+        <c:manualLayout>
+          <c:xMode val="edge"/>
+          <c:yMode val="edge"/>
+          <c:x val="0.245649509803922"/>
+          <c:y val="0.182681400916929"/>
+        </c:manualLayout>
+      </c:layout>
+      <c:overlay val="0"/>
+      <c:spPr>
+        <a:noFill/>
+        <a:ln>
+          <a:noFill/>
+        </a:ln>
+        <a:effectLst/>
+      </c:spPr>
+      <c:txPr>
+        <a:bodyPr rot="0" spcFirstLastPara="0" vertOverflow="ellipsis" vert="horz" wrap="square" anchor="ctr" anchorCtr="1"/>
+        <a:lstStyle/>
+        <a:p>
+          <a:pPr>
+            <a:defRPr lang="ru-RU" sz="900" b="0" i="0" u="none" strike="noStrike" kern="1200" baseline="0">
+              <a:solidFill>
+                <a:schemeClr val="tx1">
+                  <a:lumMod val="65000"/>
+                  <a:lumOff val="35000"/>
+                </a:schemeClr>
+              </a:solidFill>
+              <a:latin typeface="+mn-lt"/>
+              <a:ea typeface="+mn-ea"/>
+              <a:cs typeface="+mn-cs"/>
+            </a:defRPr>
+          </a:pPr>
+        </a:p>
+      </c:txPr>
+    </c:legend>
+    <c:plotVisOnly val="1"/>
+    <c:dispBlanksAs val="gap"/>
+    <c:showDLblsOverMax val="0"/>
+  </c:chart>
+  <c:spPr>
+    <a:noFill/>
+    <a:ln>
+      <a:noFill/>
+    </a:ln>
+    <a:effectLst/>
+  </c:spPr>
+  <c:txPr>
+    <a:bodyPr/>
+    <a:lstStyle/>
+    <a:p>
+      <a:pPr>
+        <a:defRPr lang="ru-RU"/>
+      </a:pPr>
+    </a:p>
+  </c:txPr>
+  <c:externalData r:id="rId1">
+    <c:autoUpdate val="0"/>
+  </c:externalData>
+</c:chartSpace>
+</file>
+
+<file path=ppt/charts/chart2.xml><?xml version="1.0" encoding="utf-8"?>
+<c:chartSpace xmlns:c="http://schemas.openxmlformats.org/drawingml/2006/chart" xmlns:a="http://schemas.openxmlformats.org/drawingml/2006/main" xmlns:r="http://schemas.openxmlformats.org/officeDocument/2006/relationships">
+  <c:date1904 val="0"/>
+  <c:lang val="zh-CN"/>
+  <c:roundedCorners val="0"/>
+  <mc:AlternateContent xmlns:mc="http://schemas.openxmlformats.org/markup-compatibility/2006">
+    <mc:Choice xmlns:c14="http://schemas.microsoft.com/office/drawing/2007/8/2/chart" Requires="c14">
+      <c14:style val="102"/>
+    </mc:Choice>
+    <mc:Fallback>
+      <c:style val="2"/>
+    </mc:Fallback>
+  </mc:AlternateContent>
+  <c:chart>
+    <c:title>
+      <c:tx>
+        <c:rich>
+          <a:bodyPr rot="0" spcFirstLastPara="0" vertOverflow="ellipsis" vert="horz" wrap="square" anchor="ctr" anchorCtr="1"/>
+          <a:lstStyle/>
+          <a:p>
+            <a:pPr defTabSz="914400">
+              <a:defRPr lang="ru-RU" sz="1400" b="1" i="0" u="none" strike="noStrike" kern="1200" baseline="0">
+                <a:solidFill>
+                  <a:schemeClr val="tx1">
+                    <a:lumMod val="75000"/>
+                    <a:lumOff val="25000"/>
+                  </a:schemeClr>
+                </a:solidFill>
+                <a:latin typeface="+mn-lt"/>
+                <a:ea typeface="+mn-ea"/>
+                <a:cs typeface="+mn-cs"/>
+              </a:defRPr>
+            </a:pPr>
+            <a:r>
+              <a:t>Были ли у вас трудности в освоении функционала приложения</a:t>
+            </a:r>
+            <a:r>
+              <a:rPr lang="en-US"/>
+              <a:t>?</a:t>
+            </a:r>
+            <a:endParaRPr lang="en-US"/>
+          </a:p>
+        </c:rich>
+      </c:tx>
+      <c:layout/>
+      <c:overlay val="0"/>
+      <c:spPr>
+        <a:noFill/>
+        <a:ln>
+          <a:noFill/>
+        </a:ln>
+        <a:effectLst/>
+      </c:spPr>
+    </c:title>
+    <c:autoTitleDeleted val="0"/>
+    <c:plotArea>
+      <c:layout/>
+      <c:pieChart>
+        <c:varyColors val="1"/>
+        <c:ser>
+          <c:idx val="0"/>
+          <c:order val="0"/>
+          <c:tx>
+            <c:strRef>
+              <c:f>Sheet1!$B$1</c:f>
+              <c:strCache>
+                <c:ptCount val="1"/>
+                <c:pt idx="0">
+                  <c:v>Продажи</c:v>
+                </c:pt>
+              </c:strCache>
+            </c:strRef>
+          </c:tx>
+          <c:spPr/>
+          <c:explosion val="0"/>
+          <c:dPt>
+            <c:idx val="0"/>
+            <c:bubble3D val="0"/>
+            <c:spPr>
+              <a:solidFill>
+                <a:schemeClr val="accent1"/>
+              </a:solidFill>
+              <a:ln>
+                <a:solidFill>
+                  <a:schemeClr val="bg1"/>
+                </a:solidFill>
+              </a:ln>
+              <a:effectLst/>
+            </c:spPr>
+          </c:dPt>
+          <c:dPt>
+            <c:idx val="1"/>
+            <c:bubble3D val="0"/>
+            <c:spPr>
+              <a:solidFill>
+                <a:schemeClr val="accent2"/>
+              </a:solidFill>
+              <a:ln>
+                <a:solidFill>
+                  <a:schemeClr val="bg1"/>
+                </a:solidFill>
+              </a:ln>
+              <a:effectLst/>
+            </c:spPr>
+          </c:dPt>
+          <c:dLbls>
+            <c:delete val="1"/>
+          </c:dLbls>
+          <c:cat>
+            <c:strRef>
+              <c:f>Sheet1!$A$2:$A$3</c:f>
+              <c:strCache>
+                <c:ptCount val="2"/>
+                <c:pt idx="0">
+                  <c:v>трудностей не было</c:v>
+                </c:pt>
+                <c:pt idx="1">
+                  <c:v>были трудности</c:v>
+                </c:pt>
+              </c:strCache>
+            </c:strRef>
+          </c:cat>
+          <c:val>
+            <c:numRef>
+              <c:f>Sheet1!$B$2:$B$3</c:f>
+              <c:numCache>
+                <c:formatCode>General</c:formatCode>
+                <c:ptCount val="2"/>
+                <c:pt idx="0">
+                  <c:v>9</c:v>
+                </c:pt>
+                <c:pt idx="1">
+                  <c:v>1</c:v>
+                </c:pt>
+              </c:numCache>
+            </c:numRef>
+          </c:val>
+        </c:ser>
+        <c:ser>
+          <c:idx val="1"/>
+          <c:order val="1"/>
+          <c:tx>
+            <c:strRef>
+              <c:f>Sheet1!$C$1</c:f>
+              <c:strCache>
+                <c:ptCount val="1"/>
+                <c:pt idx="0">
+                  <c:v/>
+                </c:pt>
+              </c:strCache>
+            </c:strRef>
+          </c:tx>
+          <c:spPr/>
+          <c:explosion val="0"/>
+          <c:dPt>
+            <c:idx val="0"/>
+            <c:bubble3D val="0"/>
+            <c:spPr>
+              <a:solidFill>
+                <a:schemeClr val="accent1"/>
+              </a:solidFill>
+              <a:ln>
+                <a:solidFill>
+                  <a:schemeClr val="bg1"/>
+                </a:solidFill>
+              </a:ln>
+              <a:effectLst/>
+            </c:spPr>
+          </c:dPt>
+          <c:dPt>
+            <c:idx val="1"/>
+            <c:bubble3D val="0"/>
+            <c:spPr>
+              <a:solidFill>
+                <a:schemeClr val="accent2"/>
+              </a:solidFill>
+              <a:ln>
+                <a:solidFill>
+                  <a:schemeClr val="bg1"/>
+                </a:solidFill>
+              </a:ln>
+              <a:effectLst/>
+            </c:spPr>
+          </c:dPt>
+          <c:dPt>
+            <c:idx val="2"/>
+            <c:bubble3D val="0"/>
+            <c:spPr>
+              <a:solidFill>
+                <a:schemeClr val="accent3"/>
+              </a:solidFill>
+              <a:ln>
+                <a:solidFill>
+                  <a:schemeClr val="bg1"/>
+                </a:solidFill>
+              </a:ln>
+              <a:effectLst/>
+            </c:spPr>
+          </c:dPt>
+          <c:dPt>
+            <c:idx val="3"/>
+            <c:bubble3D val="0"/>
+            <c:spPr>
+              <a:solidFill>
+                <a:schemeClr val="accent4"/>
+              </a:solidFill>
+              <a:ln>
+                <a:solidFill>
+                  <a:schemeClr val="bg1"/>
+                </a:solidFill>
+              </a:ln>
+              <a:effectLst/>
+            </c:spPr>
+          </c:dPt>
+          <c:dLbls>
+            <c:delete val="1"/>
+          </c:dLbls>
+          <c:cat>
+            <c:strRef>
+              <c:f>Sheet1!$A$2:$A$3</c:f>
+              <c:strCache>
+                <c:ptCount val="2"/>
+                <c:pt idx="0">
+                  <c:v>трудностей не было</c:v>
+                </c:pt>
+                <c:pt idx="1">
+                  <c:v>были трудности</c:v>
+                </c:pt>
+              </c:strCache>
+            </c:strRef>
+          </c:cat>
+          <c:val>
+            <c:numRef>
+              <c:f>Sheet1!$C$2:$C$5</c:f>
+              <c:numCache>
+                <c:formatCode>General</c:formatCode>
+                <c:ptCount val="4"/>
+              </c:numCache>
+            </c:numRef>
+          </c:val>
+        </c:ser>
+        <c:dLbls>
+          <c:showLegendKey val="0"/>
+          <c:showVal val="0"/>
+          <c:showCatName val="0"/>
+          <c:showSerName val="0"/>
+          <c:showPercent val="0"/>
+          <c:showBubbleSize val="0"/>
+          <c:showLeaderLines val="1"/>
+        </c:dLbls>
+        <c:firstSliceAng val="0"/>
+      </c:pieChart>
+      <c:spPr>
+        <a:noFill/>
+        <a:ln>
+          <a:noFill/>
+        </a:ln>
+        <a:effectLst/>
+      </c:spPr>
+    </c:plotArea>
+    <c:legend>
+      <c:legendPos val="t"/>
+      <c:layout/>
+      <c:overlay val="0"/>
+      <c:spPr>
+        <a:noFill/>
+        <a:ln>
+          <a:noFill/>
+        </a:ln>
+        <a:effectLst/>
+      </c:spPr>
+      <c:txPr>
+        <a:bodyPr rot="0" spcFirstLastPara="0" vertOverflow="ellipsis" vert="horz" wrap="square" anchor="ctr" anchorCtr="1"/>
+        <a:lstStyle/>
+        <a:p>
+          <a:pPr>
+            <a:defRPr lang="ru-RU" sz="900" b="0" i="0" u="none" strike="noStrike" kern="1200" baseline="0">
+              <a:solidFill>
+                <a:schemeClr val="tx1">
+                  <a:lumMod val="65000"/>
+                  <a:lumOff val="35000"/>
+                </a:schemeClr>
+              </a:solidFill>
+              <a:latin typeface="+mn-lt"/>
+              <a:ea typeface="+mn-ea"/>
+              <a:cs typeface="+mn-cs"/>
+            </a:defRPr>
+          </a:pPr>
+        </a:p>
+      </c:txPr>
+    </c:legend>
+    <c:plotVisOnly val="1"/>
+    <c:dispBlanksAs val="gap"/>
+    <c:showDLblsOverMax val="0"/>
+  </c:chart>
+  <c:spPr>
+    <a:noFill/>
+    <a:ln>
+      <a:noFill/>
+    </a:ln>
+    <a:effectLst/>
+  </c:spPr>
+  <c:txPr>
+    <a:bodyPr/>
+    <a:lstStyle/>
+    <a:p>
+      <a:pPr>
+        <a:defRPr lang="ru-RU"/>
+      </a:pPr>
+    </a:p>
+  </c:txPr>
+  <c:externalData r:id="rId1">
+    <c:autoUpdate val="0"/>
+  </c:externalData>
+</c:chartSpace>
+</file>
+
+<file path=ppt/charts/colors1.xml><?xml version="1.0" encoding="utf-8"?>
+<cs:colorStyle xmlns:cs="http://schemas.microsoft.com/office/drawing/2012/chartStyle" xmlns:a="http://schemas.openxmlformats.org/drawingml/2006/main" meth="cycle" id="10">
+  <a:schemeClr val="accent1"/>
+  <a:schemeClr val="accent2"/>
+  <a:schemeClr val="accent3"/>
+  <a:schemeClr val="accent4"/>
+  <a:schemeClr val="accent5"/>
+  <a:schemeClr val="accent6"/>
+  <cs:variation/>
+  <cs:variation>
+    <a:lumMod val="60000"/>
+  </cs:variation>
+  <cs:variation>
+    <a:lumMod val="80000"/>
+    <a:lumOff val="20000"/>
+  </cs:variation>
+  <cs:variation>
+    <a:lumMod val="80000"/>
+  </cs:variation>
+  <cs:variation>
+    <a:lumMod val="60000"/>
+    <a:lumOff val="40000"/>
+  </cs:variation>
+  <cs:variation>
+    <a:lumMod val="50000"/>
+  </cs:variation>
+  <cs:variation>
+    <a:lumMod val="70000"/>
+    <a:lumOff val="30000"/>
+  </cs:variation>
+  <cs:variation>
+    <a:lumMod val="70000"/>
+  </cs:variation>
+  <cs:variation>
+    <a:lumMod val="50000"/>
+    <a:lumOff val="50000"/>
+  </cs:variation>
+</cs:colorStyle>
+</file>
+
+<file path=ppt/charts/colors2.xml><?xml version="1.0" encoding="utf-8"?>
+<cs:colorStyle xmlns:cs="http://schemas.microsoft.com/office/drawing/2012/chartStyle" xmlns:a="http://schemas.openxmlformats.org/drawingml/2006/main" meth="cycle" id="10">
+  <a:schemeClr val="accent1"/>
+  <a:schemeClr val="accent2"/>
+  <a:schemeClr val="accent3"/>
+  <a:schemeClr val="accent4"/>
+  <a:schemeClr val="accent5"/>
+  <a:schemeClr val="accent6"/>
+  <cs:variation/>
+  <cs:variation>
+    <a:lumMod val="60000"/>
+  </cs:variation>
+  <cs:variation>
+    <a:lumMod val="80000"/>
+    <a:lumOff val="20000"/>
+  </cs:variation>
+  <cs:variation>
+    <a:lumMod val="80000"/>
+  </cs:variation>
+  <cs:variation>
+    <a:lumMod val="60000"/>
+    <a:lumOff val="40000"/>
+  </cs:variation>
+  <cs:variation>
+    <a:lumMod val="50000"/>
+  </cs:variation>
+  <cs:variation>
+    <a:lumMod val="70000"/>
+    <a:lumOff val="30000"/>
+  </cs:variation>
+  <cs:variation>
+    <a:lumMod val="70000"/>
+  </cs:variation>
+  <cs:variation>
+    <a:lumMod val="50000"/>
+    <a:lumOff val="50000"/>
+  </cs:variation>
+</cs:colorStyle>
+</file>
+
+<file path=ppt/charts/style1.xml><?xml version="1.0" encoding="utf-8"?>
+<cs:chartStyle xmlns:cs="http://schemas.microsoft.com/office/drawing/2012/chartStyle" xmlns:a="http://schemas.openxmlformats.org/drawingml/2006/main" id="10082">
+  <cs:axisTitle>
+    <cs:lnRef idx="0"/>
+    <cs:fillRef idx="0"/>
+    <cs:effectRef idx="0"/>
+    <cs:fontRef idx="minor">
+      <a:schemeClr val="tx1">
+        <a:lumMod val="65000"/>
+        <a:lumOff val="35000"/>
+      </a:schemeClr>
+    </cs:fontRef>
+    <cs:defRPr sz="1000" kern="1200"/>
+  </cs:axisTitle>
+  <cs:categoryAxis>
+    <cs:lnRef idx="0"/>
+    <cs:fillRef idx="0"/>
+    <cs:effectRef idx="0"/>
+    <cs:fontRef idx="minor">
+      <a:schemeClr val="tx1">
+        <a:lumMod val="65000"/>
+        <a:lumOff val="35000"/>
+      </a:schemeClr>
+    </cs:fontRef>
+    <cs:spPr>
+      <a:ln w="9525" cap="flat" cmpd="sng" algn="ctr">
+        <a:solidFill>
+          <a:schemeClr val="tx1">
+            <a:lumMod val="15000"/>
+            <a:lumOff val="85000"/>
+          </a:schemeClr>
+        </a:solidFill>
+        <a:round/>
+      </a:ln>
+    </cs:spPr>
+    <cs:defRPr sz="900" kern="1200"/>
+  </cs:categoryAxis>
+  <cs:chartArea mods="allowNoFillOverride allowNoLineOverride">
+    <cs:lnRef idx="0"/>
+    <cs:fillRef idx="0"/>
+    <cs:effectRef idx="0"/>
+    <cs:fontRef idx="minor">
+      <a:schemeClr val="tx1"/>
+    </cs:fontRef>
+    <cs:spPr>
+      <a:solidFill>
+        <a:schemeClr val="bg1"/>
+      </a:solidFill>
+      <a:ln w="9525" cap="flat" cmpd="sng" algn="ctr">
+        <a:solidFill>
+          <a:schemeClr val="tx1">
+            <a:lumMod val="15000"/>
+            <a:lumOff val="85000"/>
+          </a:schemeClr>
+        </a:solidFill>
+        <a:round/>
+      </a:ln>
+    </cs:spPr>
+    <cs:defRPr sz="900" kern="1200"/>
+  </cs:chartArea>
+  <cs:dataLabel>
+    <cs:lnRef idx="0"/>
+    <cs:fillRef idx="0"/>
+    <cs:effectRef idx="0"/>
+    <cs:fontRef idx="minor">
+      <a:schemeClr val="tx1">
+        <a:lumMod val="75000"/>
+        <a:lumOff val="25000"/>
+      </a:schemeClr>
+    </cs:fontRef>
+    <cs:defRPr sz="1000" kern="1200"/>
+  </cs:dataLabel>
+  <cs:dataLabelCallout>
+    <cs:lnRef idx="0"/>
+    <cs:fillRef idx="0"/>
+    <cs:effectRef idx="0"/>
+    <cs:fontRef idx="minor">
+      <a:schemeClr val="dk1">
+        <a:lumMod val="65000"/>
+        <a:lumOff val="35000"/>
+      </a:schemeClr>
+    </cs:fontRef>
+    <cs:spPr>
+      <a:solidFill>
+        <a:schemeClr val="lt1"/>
+      </a:solidFill>
+      <a:ln>
+        <a:solidFill>
+          <a:schemeClr val="dk1">
+            <a:lumMod val="25000"/>
+            <a:lumOff val="75000"/>
+          </a:schemeClr>
+        </a:solidFill>
+      </a:ln>
+    </cs:spPr>
+    <cs:defRPr sz="1000" kern="1200"/>
+    <cs:bodyPr rot="0" spcFirstLastPara="1" vertOverflow="clip" horzOverflow="clip" vert="horz" wrap="square" lIns="36576" tIns="18288" rIns="36576" bIns="18288" anchor="ctr" anchorCtr="1">
+      <a:spAutoFit/>
+    </cs:bodyPr>
+  </cs:dataLabelCallout>
+  <cs:dataPoint>
+    <cs:lnRef idx="0">
+      <cs:styleClr val="auto"/>
+    </cs:lnRef>
+    <cs:fillRef idx="1">
+      <cs:styleClr val="auto"/>
+    </cs:fillRef>
+    <cs:effectRef idx="0"/>
+    <cs:fontRef idx="minor">
+      <a:schemeClr val="dk1"/>
+    </cs:fontRef>
+    <cs:spPr>
+      <a:ln>
+        <a:solidFill>
+          <a:schemeClr val="bg1"/>
+        </a:solidFill>
+      </a:ln>
+      <a:effectLst/>
+    </cs:spPr>
+  </cs:dataPoint>
+  <cs:dataPoint3D>
+    <cs:lnRef idx="0"/>
+    <cs:fillRef idx="1">
+      <cs:styleClr val="auto"/>
+    </cs:fillRef>
+    <cs:effectRef idx="0"/>
+    <cs:fontRef idx="minor">
+      <a:schemeClr val="tx1"/>
+    </cs:fontRef>
+    <cs:spPr>
+      <a:ln w="25400">
+        <a:solidFill>
+          <a:schemeClr val="lt1"/>
+        </a:solidFill>
+      </a:ln>
+    </cs:spPr>
+  </cs:dataPoint3D>
+  <cs:dataPointLine>
+    <cs:lnRef idx="0">
+      <cs:styleClr val="auto"/>
+    </cs:lnRef>
+    <cs:fillRef idx="0"/>
+    <cs:effectRef idx="0"/>
+    <cs:fontRef idx="minor">
+      <a:schemeClr val="tx1"/>
+    </cs:fontRef>
+    <cs:spPr>
+      <a:ln w="28575" cap="rnd">
+        <a:solidFill>
+          <a:schemeClr val="phClr"/>
+        </a:solidFill>
+        <a:round/>
+      </a:ln>
+    </cs:spPr>
+  </cs:dataPointLine>
+  <cs:dataPointMarker>
+    <cs:lnRef idx="0">
+      <cs:styleClr val="auto"/>
+    </cs:lnRef>
+    <cs:fillRef idx="1">
+      <cs:styleClr val="auto"/>
+    </cs:fillRef>
+    <cs:effectRef idx="0"/>
+    <cs:fontRef idx="minor">
+      <a:schemeClr val="tx1"/>
+    </cs:fontRef>
+    <cs:spPr>
+      <a:ln w="9525">
+        <a:solidFill>
+          <a:schemeClr val="phClr"/>
+        </a:solidFill>
+      </a:ln>
+    </cs:spPr>
+  </cs:dataPointMarker>
+  <cs:dataPointMarkerLayout symbol="circle" size="5"/>
+  <cs:dataPointWireframe>
+    <cs:lnRef idx="0">
+      <cs:styleClr val="auto"/>
+    </cs:lnRef>
+    <cs:fillRef idx="0"/>
+    <cs:effectRef idx="0"/>
+    <cs:fontRef idx="minor">
+      <a:schemeClr val="tx1"/>
+    </cs:fontRef>
+    <cs:spPr>
+      <a:ln w="9525" cap="rnd">
+        <a:solidFill>
+          <a:schemeClr val="phClr"/>
+        </a:solidFill>
+        <a:round/>
+      </a:ln>
+    </cs:spPr>
+  </cs:dataPointWireframe>
+  <cs:dataTable>
+    <cs:lnRef idx="0"/>
+    <cs:fillRef idx="0"/>
+    <cs:effectRef idx="0"/>
+    <cs:fontRef idx="minor">
+      <a:schemeClr val="tx1">
+        <a:lumMod val="65000"/>
+        <a:lumOff val="35000"/>
+      </a:schemeClr>
+    </cs:fontRef>
+    <cs:spPr>
+      <a:noFill/>
+      <a:ln w="9525" cap="flat" cmpd="sng" algn="ctr">
+        <a:solidFill>
+          <a:schemeClr val="tx1">
+            <a:lumMod val="15000"/>
+            <a:lumOff val="85000"/>
+          </a:schemeClr>
+        </a:solidFill>
+        <a:round/>
+      </a:ln>
+    </cs:spPr>
+    <cs:defRPr sz="900" kern="1200"/>
+  </cs:dataTable>
+  <cs:downBar>
+    <cs:lnRef idx="0"/>
+    <cs:fillRef idx="0"/>
+    <cs:effectRef idx="0"/>
+    <cs:fontRef idx="minor">
+      <a:schemeClr val="tx1"/>
+    </cs:fontRef>
+    <cs:spPr>
+      <a:solidFill>
+        <a:schemeClr val="dk1">
+          <a:lumMod val="75000"/>
+          <a:lumOff val="25000"/>
+        </a:schemeClr>
+      </a:solidFill>
+      <a:ln w="9525" cap="flat" cmpd="sng" algn="ctr">
+        <a:solidFill>
+          <a:schemeClr val="tx1">
+            <a:lumMod val="65000"/>
+            <a:lumOff val="35000"/>
+          </a:schemeClr>
+        </a:solidFill>
+        <a:round/>
+      </a:ln>
+    </cs:spPr>
+  </cs:downBar>
+  <cs:dropLine>
+    <cs:lnRef idx="0"/>
+    <cs:fillRef idx="0"/>
+    <cs:effectRef idx="0"/>
+    <cs:fontRef idx="minor">
+      <a:schemeClr val="tx1"/>
+    </cs:fontRef>
+    <cs:spPr>
+      <a:ln w="9525" cap="flat" cmpd="sng" algn="ctr">
+        <a:solidFill>
+          <a:schemeClr val="tx1">
+            <a:lumMod val="35000"/>
+            <a:lumOff val="65000"/>
+          </a:schemeClr>
+        </a:solidFill>
+        <a:round/>
+      </a:ln>
+    </cs:spPr>
+  </cs:dropLine>
+  <cs:errorBar>
+    <cs:lnRef idx="0"/>
+    <cs:fillRef idx="0"/>
+    <cs:effectRef idx="0"/>
+    <cs:fontRef idx="minor">
+      <a:schemeClr val="tx1"/>
+    </cs:fontRef>
+    <cs:spPr>
+      <a:ln w="9525" cap="flat" cmpd="sng" algn="ctr">
+        <a:solidFill>
+          <a:schemeClr val="tx1">
+            <a:lumMod val="65000"/>
+            <a:lumOff val="35000"/>
+          </a:schemeClr>
+        </a:solidFill>
+        <a:round/>
+      </a:ln>
+    </cs:spPr>
+  </cs:errorBar>
+  <cs:floor>
+    <cs:lnRef idx="0"/>
+    <cs:fillRef idx="0"/>
+    <cs:effectRef idx="0"/>
+    <cs:fontRef idx="minor">
+      <a:schemeClr val="tx1"/>
+    </cs:fontRef>
+    <cs:spPr>
+      <a:noFill/>
+      <a:ln>
+        <a:noFill/>
+      </a:ln>
+    </cs:spPr>
+  </cs:floor>
+  <cs:gridlineMajor>
+    <cs:lnRef idx="0"/>
+    <cs:fillRef idx="0"/>
+    <cs:effectRef idx="0"/>
+    <cs:fontRef idx="minor">
+      <a:schemeClr val="tx1"/>
+    </cs:fontRef>
+    <cs:spPr>
+      <a:ln w="9525" cap="flat" cmpd="sng" algn="ctr">
+        <a:solidFill>
+          <a:schemeClr val="lt1">
+            <a:lumMod val="90200"/>
+          </a:schemeClr>
+        </a:solidFill>
+        <a:round/>
+      </a:ln>
+    </cs:spPr>
+  </cs:gridlineMajor>
+  <cs:gridlineMinor>
+    <cs:lnRef idx="0"/>
+    <cs:fillRef idx="0"/>
+    <cs:effectRef idx="0"/>
+    <cs:fontRef idx="minor">
+      <a:schemeClr val="tx1"/>
+    </cs:fontRef>
+    <cs:spPr>
+      <a:ln w="9525" cap="flat" cmpd="sng" algn="ctr">
+        <a:solidFill>
+          <a:schemeClr val="tx1">
+            <a:lumMod val="5000"/>
+            <a:lumOff val="95000"/>
+          </a:schemeClr>
+        </a:solidFill>
+        <a:round/>
+      </a:ln>
+    </cs:spPr>
+  </cs:gridlineMinor>
+  <cs:hiLoLine>
+    <cs:lnRef idx="0"/>
+    <cs:fillRef idx="0"/>
+    <cs:effectRef idx="0"/>
+    <cs:fontRef idx="minor">
+      <a:schemeClr val="tx1"/>
+    </cs:fontRef>
+    <cs:spPr>
+      <a:ln w="9525" cap="flat" cmpd="sng" algn="ctr">
+        <a:solidFill>
+          <a:schemeClr val="tx1">
+            <a:lumMod val="50000"/>
+            <a:lumOff val="50000"/>
+          </a:schemeClr>
+        </a:solidFill>
+        <a:round/>
+      </a:ln>
+    </cs:spPr>
+  </cs:hiLoLine>
+  <cs:leaderLine>
+    <cs:lnRef idx="0"/>
+    <cs:fillRef idx="0"/>
+    <cs:effectRef idx="0"/>
+    <cs:fontRef idx="minor">
+      <a:schemeClr val="tx1"/>
+    </cs:fontRef>
+    <cs:spPr>
+      <a:ln w="9525" cap="flat" cmpd="sng" algn="ctr">
+        <a:solidFill>
+          <a:schemeClr val="tx1">
+            <a:lumMod val="35000"/>
+            <a:lumOff val="65000"/>
+          </a:schemeClr>
+        </a:solidFill>
+        <a:round/>
+      </a:ln>
+    </cs:spPr>
+  </cs:leaderLine>
+  <cs:legend>
+    <cs:lnRef idx="0"/>
+    <cs:fillRef idx="0"/>
+    <cs:effectRef idx="0"/>
+    <cs:fontRef idx="minor">
+      <a:schemeClr val="tx1">
+        <a:lumMod val="65000"/>
+        <a:lumOff val="35000"/>
+      </a:schemeClr>
+    </cs:fontRef>
+    <cs:defRPr sz="900" kern="1200"/>
+  </cs:legend>
+  <cs:plotArea mods="allowNoFillOverride allowNoLineOverride">
+    <cs:lnRef idx="0"/>
+    <cs:fillRef idx="0"/>
+    <cs:effectRef idx="0"/>
+    <cs:fontRef idx="minor">
+      <a:schemeClr val="tx1"/>
+    </cs:fontRef>
+  </cs:plotArea>
+  <cs:plotArea3D mods="allowNoFillOverride allowNoLineOverride">
+    <cs:lnRef idx="0"/>
+    <cs:fillRef idx="0"/>
+    <cs:effectRef idx="0"/>
+    <cs:fontRef idx="minor">
+      <a:schemeClr val="tx1"/>
+    </cs:fontRef>
+  </cs:plotArea3D>
+  <cs:seriesAxis>
+    <cs:lnRef idx="0"/>
+    <cs:fillRef idx="0"/>
+    <cs:effectRef idx="0"/>
+    <cs:fontRef idx="minor">
+      <a:schemeClr val="tx1">
+        <a:lumMod val="65000"/>
+        <a:lumOff val="35000"/>
+      </a:schemeClr>
+    </cs:fontRef>
+    <cs:defRPr sz="900" kern="1200"/>
+  </cs:seriesAxis>
+  <cs:seriesLine>
+    <cs:lnRef idx="0"/>
+    <cs:fillRef idx="0"/>
+    <cs:effectRef idx="0"/>
+    <cs:fontRef idx="minor">
+      <a:schemeClr val="tx1"/>
+    </cs:fontRef>
+    <cs:spPr>
+      <a:ln w="9525" cap="flat" cmpd="sng" algn="ctr">
+        <a:solidFill>
+          <a:schemeClr val="tx1">
+            <a:lumMod val="35000"/>
+            <a:lumOff val="65000"/>
+          </a:schemeClr>
+        </a:solidFill>
+        <a:round/>
+      </a:ln>
+    </cs:spPr>
+  </cs:seriesLine>
+  <cs:title>
+    <cs:lnRef idx="0"/>
+    <cs:fillRef idx="0"/>
+    <cs:effectRef idx="0"/>
+    <cs:fontRef idx="minor">
+      <a:schemeClr val="tx1">
+        <a:lumMod val="75000"/>
+        <a:lumOff val="25000"/>
+      </a:schemeClr>
+    </cs:fontRef>
+    <cs:defRPr sz="1400" b="1" kern="1200" baseline="0"/>
+  </cs:title>
+  <cs:trendline>
+    <cs:lnRef idx="0">
+      <cs:styleClr val="auto"/>
+    </cs:lnRef>
+    <cs:fillRef idx="0"/>
+    <cs:effectRef idx="0"/>
+    <cs:fontRef idx="minor">
+      <a:schemeClr val="tx1"/>
+    </cs:fontRef>
+    <cs:spPr>
+      <a:ln w="19050" cap="rnd">
+        <a:solidFill>
+          <a:schemeClr val="phClr"/>
+        </a:solidFill>
+        <a:prstDash val="sysDot"/>
+      </a:ln>
+    </cs:spPr>
+  </cs:trendline>
+  <cs:trendlineLabel>
+    <cs:lnRef idx="0"/>
+    <cs:fillRef idx="0"/>
+    <cs:effectRef idx="0"/>
+    <cs:fontRef idx="minor">
+      <a:schemeClr val="tx1">
+        <a:lumMod val="65000"/>
+        <a:lumOff val="35000"/>
+      </a:schemeClr>
+    </cs:fontRef>
+    <cs:defRPr sz="900" kern="1200"/>
+  </cs:trendlineLabel>
+  <cs:upBar>
+    <cs:lnRef idx="0"/>
+    <cs:fillRef idx="0"/>
+    <cs:effectRef idx="0"/>
+    <cs:fontRef idx="minor">
+      <a:schemeClr val="tx1"/>
+    </cs:fontRef>
+    <cs:spPr>
+      <a:solidFill>
+        <a:schemeClr val="lt1"/>
+      </a:solidFill>
+      <a:ln w="9525" cap="flat" cmpd="sng" algn="ctr">
+        <a:solidFill>
+          <a:schemeClr val="tx1">
+            <a:lumMod val="65000"/>
+            <a:lumOff val="35000"/>
+          </a:schemeClr>
+        </a:solidFill>
+        <a:round/>
+      </a:ln>
+    </cs:spPr>
+  </cs:upBar>
+  <cs:valueAxis>
+    <cs:lnRef idx="0"/>
+    <cs:fillRef idx="0"/>
+    <cs:effectRef idx="0"/>
+    <cs:fontRef idx="minor">
+      <a:schemeClr val="tx1">
+        <a:lumMod val="65000"/>
+        <a:lumOff val="35000"/>
+      </a:schemeClr>
+    </cs:fontRef>
+    <cs:defRPr sz="900" kern="1200"/>
+  </cs:valueAxis>
+  <cs:wall>
+    <cs:lnRef idx="0"/>
+    <cs:fillRef idx="0"/>
+    <cs:effectRef idx="0"/>
+    <cs:fontRef idx="minor">
+      <a:schemeClr val="tx1"/>
+    </cs:fontRef>
+    <cs:spPr>
+      <a:noFill/>
+      <a:ln>
+        <a:noFill/>
+      </a:ln>
+    </cs:spPr>
+  </cs:wall>
+</cs:chartStyle>
+</file>
+
+<file path=ppt/charts/style2.xml><?xml version="1.0" encoding="utf-8"?>
+<cs:chartStyle xmlns:cs="http://schemas.microsoft.com/office/drawing/2012/chartStyle" xmlns:a="http://schemas.openxmlformats.org/drawingml/2006/main" id="10082">
+  <cs:axisTitle>
+    <cs:lnRef idx="0"/>
+    <cs:fillRef idx="0"/>
+    <cs:effectRef idx="0"/>
+    <cs:fontRef idx="minor">
+      <a:schemeClr val="tx1">
+        <a:lumMod val="65000"/>
+        <a:lumOff val="35000"/>
+      </a:schemeClr>
+    </cs:fontRef>
+    <cs:defRPr sz="1000" kern="1200"/>
+  </cs:axisTitle>
+  <cs:categoryAxis>
+    <cs:lnRef idx="0"/>
+    <cs:fillRef idx="0"/>
+    <cs:effectRef idx="0"/>
+    <cs:fontRef idx="minor">
+      <a:schemeClr val="tx1">
+        <a:lumMod val="65000"/>
+        <a:lumOff val="35000"/>
+      </a:schemeClr>
+    </cs:fontRef>
+    <cs:spPr>
+      <a:ln w="9525" cap="flat" cmpd="sng" algn="ctr">
+        <a:solidFill>
+          <a:schemeClr val="tx1">
+            <a:lumMod val="15000"/>
+            <a:lumOff val="85000"/>
+          </a:schemeClr>
+        </a:solidFill>
+        <a:round/>
+      </a:ln>
+    </cs:spPr>
+    <cs:defRPr sz="900" kern="1200"/>
+  </cs:categoryAxis>
+  <cs:chartArea mods="allowNoFillOverride allowNoLineOverride">
+    <cs:lnRef idx="0"/>
+    <cs:fillRef idx="0"/>
+    <cs:effectRef idx="0"/>
+    <cs:fontRef idx="minor">
+      <a:schemeClr val="tx1"/>
+    </cs:fontRef>
+    <cs:spPr>
+      <a:solidFill>
+        <a:schemeClr val="bg1"/>
+      </a:solidFill>
+      <a:ln w="9525" cap="flat" cmpd="sng" algn="ctr">
+        <a:solidFill>
+          <a:schemeClr val="tx1">
+            <a:lumMod val="15000"/>
+            <a:lumOff val="85000"/>
+          </a:schemeClr>
+        </a:solidFill>
+        <a:round/>
+      </a:ln>
+    </cs:spPr>
+    <cs:defRPr sz="900" kern="1200"/>
+  </cs:chartArea>
+  <cs:dataLabel>
+    <cs:lnRef idx="0"/>
+    <cs:fillRef idx="0"/>
+    <cs:effectRef idx="0"/>
+    <cs:fontRef idx="minor">
+      <a:schemeClr val="tx1">
+        <a:lumMod val="75000"/>
+        <a:lumOff val="25000"/>
+      </a:schemeClr>
+    </cs:fontRef>
+    <cs:defRPr sz="1000" kern="1200"/>
+  </cs:dataLabel>
+  <cs:dataLabelCallout>
+    <cs:lnRef idx="0"/>
+    <cs:fillRef idx="0"/>
+    <cs:effectRef idx="0"/>
+    <cs:fontRef idx="minor">
+      <a:schemeClr val="dk1">
+        <a:lumMod val="65000"/>
+        <a:lumOff val="35000"/>
+      </a:schemeClr>
+    </cs:fontRef>
+    <cs:spPr>
+      <a:solidFill>
+        <a:schemeClr val="lt1"/>
+      </a:solidFill>
+      <a:ln>
+        <a:solidFill>
+          <a:schemeClr val="dk1">
+            <a:lumMod val="25000"/>
+            <a:lumOff val="75000"/>
+          </a:schemeClr>
+        </a:solidFill>
+      </a:ln>
+    </cs:spPr>
+    <cs:defRPr sz="1000" kern="1200"/>
+    <cs:bodyPr rot="0" spcFirstLastPara="1" vertOverflow="clip" horzOverflow="clip" vert="horz" wrap="square" lIns="36576" tIns="18288" rIns="36576" bIns="18288" anchor="ctr" anchorCtr="1">
+      <a:spAutoFit/>
+    </cs:bodyPr>
+  </cs:dataLabelCallout>
+  <cs:dataPoint>
+    <cs:lnRef idx="0">
+      <cs:styleClr val="auto"/>
+    </cs:lnRef>
+    <cs:fillRef idx="1">
+      <cs:styleClr val="auto"/>
+    </cs:fillRef>
+    <cs:effectRef idx="0"/>
+    <cs:fontRef idx="minor">
+      <a:schemeClr val="dk1"/>
+    </cs:fontRef>
+    <cs:spPr>
+      <a:ln>
+        <a:solidFill>
+          <a:schemeClr val="bg1"/>
+        </a:solidFill>
+      </a:ln>
+      <a:effectLst/>
+    </cs:spPr>
+  </cs:dataPoint>
+  <cs:dataPoint3D>
+    <cs:lnRef idx="0"/>
+    <cs:fillRef idx="1">
+      <cs:styleClr val="auto"/>
+    </cs:fillRef>
+    <cs:effectRef idx="0"/>
+    <cs:fontRef idx="minor">
+      <a:schemeClr val="tx1"/>
+    </cs:fontRef>
+    <cs:spPr>
+      <a:ln w="25400">
+        <a:solidFill>
+          <a:schemeClr val="lt1"/>
+        </a:solidFill>
+      </a:ln>
+    </cs:spPr>
+  </cs:dataPoint3D>
+  <cs:dataPointLine>
+    <cs:lnRef idx="0">
+      <cs:styleClr val="auto"/>
+    </cs:lnRef>
+    <cs:fillRef idx="0"/>
+    <cs:effectRef idx="0"/>
+    <cs:fontRef idx="minor">
+      <a:schemeClr val="tx1"/>
+    </cs:fontRef>
+    <cs:spPr>
+      <a:ln w="28575" cap="rnd">
+        <a:solidFill>
+          <a:schemeClr val="phClr"/>
+        </a:solidFill>
+        <a:round/>
+      </a:ln>
+    </cs:spPr>
+  </cs:dataPointLine>
+  <cs:dataPointMarker>
+    <cs:lnRef idx="0">
+      <cs:styleClr val="auto"/>
+    </cs:lnRef>
+    <cs:fillRef idx="1">
+      <cs:styleClr val="auto"/>
+    </cs:fillRef>
+    <cs:effectRef idx="0"/>
+    <cs:fontRef idx="minor">
+      <a:schemeClr val="tx1"/>
+    </cs:fontRef>
+    <cs:spPr>
+      <a:ln w="9525">
+        <a:solidFill>
+          <a:schemeClr val="phClr"/>
+        </a:solidFill>
+      </a:ln>
+    </cs:spPr>
+  </cs:dataPointMarker>
+  <cs:dataPointMarkerLayout symbol="circle" size="5"/>
+  <cs:dataPointWireframe>
+    <cs:lnRef idx="0">
+      <cs:styleClr val="auto"/>
+    </cs:lnRef>
+    <cs:fillRef idx="0"/>
+    <cs:effectRef idx="0"/>
+    <cs:fontRef idx="minor">
+      <a:schemeClr val="tx1"/>
+    </cs:fontRef>
+    <cs:spPr>
+      <a:ln w="9525" cap="rnd">
+        <a:solidFill>
+          <a:schemeClr val="phClr"/>
+        </a:solidFill>
+        <a:round/>
+      </a:ln>
+    </cs:spPr>
+  </cs:dataPointWireframe>
+  <cs:dataTable>
+    <cs:lnRef idx="0"/>
+    <cs:fillRef idx="0"/>
+    <cs:effectRef idx="0"/>
+    <cs:fontRef idx="minor">
+      <a:schemeClr val="tx1">
+        <a:lumMod val="65000"/>
+        <a:lumOff val="35000"/>
+      </a:schemeClr>
+    </cs:fontRef>
+    <cs:spPr>
+      <a:noFill/>
+      <a:ln w="9525" cap="flat" cmpd="sng" algn="ctr">
+        <a:solidFill>
+          <a:schemeClr val="tx1">
+            <a:lumMod val="15000"/>
+            <a:lumOff val="85000"/>
+          </a:schemeClr>
+        </a:solidFill>
+        <a:round/>
+      </a:ln>
+    </cs:spPr>
+    <cs:defRPr sz="900" kern="1200"/>
+  </cs:dataTable>
+  <cs:downBar>
+    <cs:lnRef idx="0"/>
+    <cs:fillRef idx="0"/>
+    <cs:effectRef idx="0"/>
+    <cs:fontRef idx="minor">
+      <a:schemeClr val="tx1"/>
+    </cs:fontRef>
+    <cs:spPr>
+      <a:solidFill>
+        <a:schemeClr val="dk1">
+          <a:lumMod val="75000"/>
+          <a:lumOff val="25000"/>
+        </a:schemeClr>
+      </a:solidFill>
+      <a:ln w="9525" cap="flat" cmpd="sng" algn="ctr">
+        <a:solidFill>
+          <a:schemeClr val="tx1">
+            <a:lumMod val="65000"/>
+            <a:lumOff val="35000"/>
+          </a:schemeClr>
+        </a:solidFill>
+        <a:round/>
+      </a:ln>
+    </cs:spPr>
+  </cs:downBar>
+  <cs:dropLine>
+    <cs:lnRef idx="0"/>
+    <cs:fillRef idx="0"/>
+    <cs:effectRef idx="0"/>
+    <cs:fontRef idx="minor">
+      <a:schemeClr val="tx1"/>
+    </cs:fontRef>
+    <cs:spPr>
+      <a:ln w="9525" cap="flat" cmpd="sng" algn="ctr">
+        <a:solidFill>
+          <a:schemeClr val="tx1">
+            <a:lumMod val="35000"/>
+            <a:lumOff val="65000"/>
+          </a:schemeClr>
+        </a:solidFill>
+        <a:round/>
+      </a:ln>
+    </cs:spPr>
+  </cs:dropLine>
+  <cs:errorBar>
+    <cs:lnRef idx="0"/>
+    <cs:fillRef idx="0"/>
+    <cs:effectRef idx="0"/>
+    <cs:fontRef idx="minor">
+      <a:schemeClr val="tx1"/>
+    </cs:fontRef>
+    <cs:spPr>
+      <a:ln w="9525" cap="flat" cmpd="sng" algn="ctr">
+        <a:solidFill>
+          <a:schemeClr val="tx1">
+            <a:lumMod val="65000"/>
+            <a:lumOff val="35000"/>
+          </a:schemeClr>
+        </a:solidFill>
+        <a:round/>
+      </a:ln>
+    </cs:spPr>
+  </cs:errorBar>
+  <cs:floor>
+    <cs:lnRef idx="0"/>
+    <cs:fillRef idx="0"/>
+    <cs:effectRef idx="0"/>
+    <cs:fontRef idx="minor">
+      <a:schemeClr val="tx1"/>
+    </cs:fontRef>
+    <cs:spPr>
+      <a:noFill/>
+      <a:ln>
+        <a:noFill/>
+      </a:ln>
+    </cs:spPr>
+  </cs:floor>
+  <cs:gridlineMajor>
+    <cs:lnRef idx="0"/>
+    <cs:fillRef idx="0"/>
+    <cs:effectRef idx="0"/>
+    <cs:fontRef idx="minor">
+      <a:schemeClr val="tx1"/>
+    </cs:fontRef>
+    <cs:spPr>
+      <a:ln w="9525" cap="flat" cmpd="sng" algn="ctr">
+        <a:solidFill>
+          <a:schemeClr val="lt1">
+            <a:lumMod val="90200"/>
+          </a:schemeClr>
+        </a:solidFill>
+        <a:round/>
+      </a:ln>
+    </cs:spPr>
+  </cs:gridlineMajor>
+  <cs:gridlineMinor>
+    <cs:lnRef idx="0"/>
+    <cs:fillRef idx="0"/>
+    <cs:effectRef idx="0"/>
+    <cs:fontRef idx="minor">
+      <a:schemeClr val="tx1"/>
+    </cs:fontRef>
+    <cs:spPr>
+      <a:ln w="9525" cap="flat" cmpd="sng" algn="ctr">
+        <a:solidFill>
+          <a:schemeClr val="tx1">
+            <a:lumMod val="5000"/>
+            <a:lumOff val="95000"/>
+          </a:schemeClr>
+        </a:solidFill>
+        <a:round/>
+      </a:ln>
+    </cs:spPr>
+  </cs:gridlineMinor>
+  <cs:hiLoLine>
+    <cs:lnRef idx="0"/>
+    <cs:fillRef idx="0"/>
+    <cs:effectRef idx="0"/>
+    <cs:fontRef idx="minor">
+      <a:schemeClr val="tx1"/>
+    </cs:fontRef>
+    <cs:spPr>
+      <a:ln w="9525" cap="flat" cmpd="sng" algn="ctr">
+        <a:solidFill>
+          <a:schemeClr val="tx1">
+            <a:lumMod val="50000"/>
+            <a:lumOff val="50000"/>
+          </a:schemeClr>
+        </a:solidFill>
+        <a:round/>
+      </a:ln>
+    </cs:spPr>
+  </cs:hiLoLine>
+  <cs:leaderLine>
+    <cs:lnRef idx="0"/>
+    <cs:fillRef idx="0"/>
+    <cs:effectRef idx="0"/>
+    <cs:fontRef idx="minor">
+      <a:schemeClr val="tx1"/>
+    </cs:fontRef>
+    <cs:spPr>
+      <a:ln w="9525" cap="flat" cmpd="sng" algn="ctr">
+        <a:solidFill>
+          <a:schemeClr val="tx1">
+            <a:lumMod val="35000"/>
+            <a:lumOff val="65000"/>
+          </a:schemeClr>
+        </a:solidFill>
+        <a:round/>
+      </a:ln>
+    </cs:spPr>
+  </cs:leaderLine>
+  <cs:legend>
+    <cs:lnRef idx="0"/>
+    <cs:fillRef idx="0"/>
+    <cs:effectRef idx="0"/>
+    <cs:fontRef idx="minor">
+      <a:schemeClr val="tx1">
+        <a:lumMod val="65000"/>
+        <a:lumOff val="35000"/>
+      </a:schemeClr>
+    </cs:fontRef>
+    <cs:defRPr sz="900" kern="1200"/>
+  </cs:legend>
+  <cs:plotArea mods="allowNoFillOverride allowNoLineOverride">
+    <cs:lnRef idx="0"/>
+    <cs:fillRef idx="0"/>
+    <cs:effectRef idx="0"/>
+    <cs:fontRef idx="minor">
+      <a:schemeClr val="tx1"/>
+    </cs:fontRef>
+  </cs:plotArea>
+  <cs:plotArea3D mods="allowNoFillOverride allowNoLineOverride">
+    <cs:lnRef idx="0"/>
+    <cs:fillRef idx="0"/>
+    <cs:effectRef idx="0"/>
+    <cs:fontRef idx="minor">
+      <a:schemeClr val="tx1"/>
+    </cs:fontRef>
+  </cs:plotArea3D>
+  <cs:seriesAxis>
+    <cs:lnRef idx="0"/>
+    <cs:fillRef idx="0"/>
+    <cs:effectRef idx="0"/>
+    <cs:fontRef idx="minor">
+      <a:schemeClr val="tx1">
+        <a:lumMod val="65000"/>
+        <a:lumOff val="35000"/>
+      </a:schemeClr>
+    </cs:fontRef>
+    <cs:defRPr sz="900" kern="1200"/>
+  </cs:seriesAxis>
+  <cs:seriesLine>
+    <cs:lnRef idx="0"/>
+    <cs:fillRef idx="0"/>
+    <cs:effectRef idx="0"/>
+    <cs:fontRef idx="minor">
+      <a:schemeClr val="tx1"/>
+    </cs:fontRef>
+    <cs:spPr>
+      <a:ln w="9525" cap="flat" cmpd="sng" algn="ctr">
+        <a:solidFill>
+          <a:schemeClr val="tx1">
+            <a:lumMod val="35000"/>
+            <a:lumOff val="65000"/>
+          </a:schemeClr>
+        </a:solidFill>
+        <a:round/>
+      </a:ln>
+    </cs:spPr>
+  </cs:seriesLine>
+  <cs:title>
+    <cs:lnRef idx="0"/>
+    <cs:fillRef idx="0"/>
+    <cs:effectRef idx="0"/>
+    <cs:fontRef idx="minor">
+      <a:schemeClr val="tx1">
+        <a:lumMod val="75000"/>
+        <a:lumOff val="25000"/>
+      </a:schemeClr>
+    </cs:fontRef>
+    <cs:defRPr sz="1400" b="1" kern="1200" baseline="0"/>
+  </cs:title>
+  <cs:trendline>
+    <cs:lnRef idx="0">
+      <cs:styleClr val="auto"/>
+    </cs:lnRef>
+    <cs:fillRef idx="0"/>
+    <cs:effectRef idx="0"/>
+    <cs:fontRef idx="minor">
+      <a:schemeClr val="tx1"/>
+    </cs:fontRef>
+    <cs:spPr>
+      <a:ln w="19050" cap="rnd">
+        <a:solidFill>
+          <a:schemeClr val="phClr"/>
+        </a:solidFill>
+        <a:prstDash val="sysDot"/>
+      </a:ln>
+    </cs:spPr>
+  </cs:trendline>
+  <cs:trendlineLabel>
+    <cs:lnRef idx="0"/>
+    <cs:fillRef idx="0"/>
+    <cs:effectRef idx="0"/>
+    <cs:fontRef idx="minor">
+      <a:schemeClr val="tx1">
+        <a:lumMod val="65000"/>
+        <a:lumOff val="35000"/>
+      </a:schemeClr>
+    </cs:fontRef>
+    <cs:defRPr sz="900" kern="1200"/>
+  </cs:trendlineLabel>
+  <cs:upBar>
+    <cs:lnRef idx="0"/>
+    <cs:fillRef idx="0"/>
+    <cs:effectRef idx="0"/>
+    <cs:fontRef idx="minor">
+      <a:schemeClr val="tx1"/>
+    </cs:fontRef>
+    <cs:spPr>
+      <a:solidFill>
+        <a:schemeClr val="lt1"/>
+      </a:solidFill>
+      <a:ln w="9525" cap="flat" cmpd="sng" algn="ctr">
+        <a:solidFill>
+          <a:schemeClr val="tx1">
+            <a:lumMod val="65000"/>
+            <a:lumOff val="35000"/>
+          </a:schemeClr>
+        </a:solidFill>
+        <a:round/>
+      </a:ln>
+    </cs:spPr>
+  </cs:upBar>
+  <cs:valueAxis>
+    <cs:lnRef idx="0"/>
+    <cs:fillRef idx="0"/>
+    <cs:effectRef idx="0"/>
+    <cs:fontRef idx="minor">
+      <a:schemeClr val="tx1">
+        <a:lumMod val="65000"/>
+        <a:lumOff val="35000"/>
+      </a:schemeClr>
+    </cs:fontRef>
+    <cs:defRPr sz="900" kern="1200"/>
+  </cs:valueAxis>
+  <cs:wall>
+    <cs:lnRef idx="0"/>
+    <cs:fillRef idx="0"/>
+    <cs:effectRef idx="0"/>
+    <cs:fontRef idx="minor">
+      <a:schemeClr val="tx1"/>
+    </cs:fontRef>
+    <cs:spPr>
+      <a:noFill/>
+      <a:ln>
+        <a:noFill/>
+      </a:ln>
+    </cs:spPr>
+  </cs:wall>
+</cs:chartStyle>
 </file>
 
 <file path=ppt/handoutMasters/handoutMaster1.xml><?xml version="1.0" encoding="utf-8"?>
@@ -5587,7 +7277,7 @@
       <p:grpSpPr/>
       <p:sp>
         <p:nvSpPr>
-          <p:cNvPr id="2" name="Заголовок 1"/>
+          <p:cNvPr id="12" name="Заголовок 11"/>
           <p:cNvSpPr>
             <a:spLocks noGrp="1"/>
           </p:cNvSpPr>
@@ -5595,289 +7285,171 @@
             <p:ph type="title"/>
           </p:nvPr>
         </p:nvSpPr>
+        <p:spPr/>
+        <p:txBody>
+          <a:bodyPr/>
+          <a:p>
+            <a:r>
+              <a:rPr lang="ru-RU" altLang="en-US" sz="2800">
+                <a:latin typeface="Times New Roman" panose="02020603050405020304" charset="0"/>
+                <a:cs typeface="Times New Roman" panose="02020603050405020304" charset="0"/>
+              </a:rPr>
+              <a:t>Примеры экранных форм</a:t>
+            </a:r>
+            <a:endParaRPr lang="ru-RU" altLang="en-US" sz="2800">
+              <a:latin typeface="Times New Roman" panose="02020603050405020304" charset="0"/>
+              <a:cs typeface="Times New Roman" panose="02020603050405020304" charset="0"/>
+            </a:endParaRPr>
+          </a:p>
+        </p:txBody>
+      </p:sp>
+      <p:sp>
+        <p:nvSpPr>
+          <p:cNvPr id="5" name="Замещающий номер слайда 4"/>
+          <p:cNvSpPr>
+            <a:spLocks noGrp="1"/>
+          </p:cNvSpPr>
+          <p:nvPr>
+            <p:ph type="sldNum" sz="quarter" idx="12"/>
+          </p:nvPr>
+        </p:nvSpPr>
+        <p:spPr/>
+        <p:txBody>
+          <a:bodyPr>
+            <a:noAutofit/>
+          </a:bodyPr>
+          <a:p>
+            <a:fld id="{49AE70B2-8BF9-45C0-BB95-33D1B9D3A854}" type="slidenum">
+              <a:rPr lang="en-US" sz="3200" smtClean="0"/>
+            </a:fld>
+            <a:endParaRPr lang="en-US" sz="3200" smtClean="0"/>
+          </a:p>
+        </p:txBody>
+      </p:sp>
+      <p:pic>
+        <p:nvPicPr>
+          <p:cNvPr id="8" name="Замещающее содержимое 7"/>
+          <p:cNvPicPr>
+            <a:picLocks noChangeAspect="1"/>
+          </p:cNvPicPr>
+          <p:nvPr>
+            <p:ph sz="half" idx="1"/>
+          </p:nvPr>
+        </p:nvPicPr>
+        <p:blipFill>
+          <a:blip r:embed="rId1"/>
+          <a:stretch>
+            <a:fillRect/>
+          </a:stretch>
+        </p:blipFill>
         <p:spPr>
           <a:xfrm>
-            <a:off x="647700" y="258445"/>
-            <a:ext cx="10515600" cy="731520"/>
+            <a:off x="2852420" y="1814830"/>
+            <a:ext cx="1957705" cy="4351655"/>
           </a:xfrm>
+          <a:prstGeom prst="rect">
+            <a:avLst/>
+          </a:prstGeom>
         </p:spPr>
-        <p:txBody>
-          <a:bodyPr>
-            <a:normAutofit fontScale="90000"/>
-          </a:bodyPr>
-          <a:p>
-            <a:r>
-              <a:rPr lang="ru-RU" altLang="en-US"/>
-              <a:t>Ручное тестирование приложения</a:t>
-            </a:r>
-            <a:endParaRPr lang="ru-RU" altLang="en-US"/>
-          </a:p>
-        </p:txBody>
-      </p:sp>
-      <p:sp>
-        <p:nvSpPr>
-          <p:cNvPr id="3" name="Замещающее содержимое 2"/>
-          <p:cNvSpPr>
-            <a:spLocks noGrp="1"/>
-          </p:cNvSpPr>
-          <p:nvPr>
-            <p:ph sz="half" idx="1"/>
-          </p:nvPr>
-        </p:nvSpPr>
+      </p:pic>
+      <p:pic>
+        <p:nvPicPr>
+          <p:cNvPr id="11" name="Замещающее содержимое 10"/>
+          <p:cNvPicPr>
+            <a:picLocks noChangeAspect="1"/>
+          </p:cNvPicPr>
+          <p:nvPr>
+            <p:ph sz="half" idx="2"/>
+          </p:nvPr>
+        </p:nvPicPr>
+        <p:blipFill>
+          <a:blip r:embed="rId2"/>
+          <a:stretch>
+            <a:fillRect/>
+          </a:stretch>
+        </p:blipFill>
         <p:spPr>
           <a:xfrm>
-            <a:off x="647700" y="990600"/>
-            <a:ext cx="5181600" cy="5497830"/>
+            <a:off x="5107940" y="1814830"/>
+            <a:ext cx="1957705" cy="4351655"/>
           </a:xfrm>
+          <a:prstGeom prst="rect">
+            <a:avLst/>
+          </a:prstGeom>
         </p:spPr>
-        <p:txBody>
-          <a:bodyPr>
-            <a:normAutofit fontScale="60000"/>
-          </a:bodyPr>
-          <a:p>
-            <a:r>
-              <a:rPr lang="ru-RU" altLang="en-US" sz="3000">
-                <a:solidFill>
-                  <a:schemeClr val="tx1"/>
-                </a:solidFill>
-              </a:rPr>
-              <a:t>Список пройденных тест-кейсов</a:t>
-            </a:r>
-            <a:r>
-              <a:rPr lang="en-US" altLang="en-US" sz="3000">
-                <a:solidFill>
-                  <a:schemeClr val="tx1"/>
-                </a:solidFill>
-              </a:rPr>
-              <a:t>:</a:t>
-            </a:r>
-            <a:endParaRPr lang="en-US" altLang="en-US" sz="3000">
-              <a:solidFill>
-                <a:schemeClr val="tx1"/>
-              </a:solidFill>
-            </a:endParaRPr>
-          </a:p>
-          <a:p>
-            <a:pPr marL="514350" indent="-514350">
-              <a:buFont typeface="Arial" panose="020B0604020202020204" pitchFamily="34" charset="0"/>
-              <a:buAutoNum type="arabicPeriod"/>
-            </a:pPr>
-            <a:r>
-              <a:rPr lang="en-US" altLang="en-US" sz="3000">
-                <a:solidFill>
-                  <a:schemeClr val="tx1"/>
-                </a:solidFill>
-              </a:rPr>
-              <a:t>Регистрация в приложении </a:t>
-            </a:r>
-            <a:endParaRPr lang="en-US" altLang="en-US" sz="3000">
-              <a:solidFill>
-                <a:schemeClr val="tx1"/>
-              </a:solidFill>
-            </a:endParaRPr>
-          </a:p>
-          <a:p>
-            <a:pPr marL="514350" indent="-514350">
-              <a:buFont typeface="Arial" panose="020B0604020202020204" pitchFamily="34" charset="0"/>
-              <a:buAutoNum type="arabicPeriod"/>
-            </a:pPr>
-            <a:r>
-              <a:rPr lang="en-US" altLang="en-US" sz="3000">
-                <a:solidFill>
-                  <a:schemeClr val="tx1"/>
-                </a:solidFill>
-              </a:rPr>
-              <a:t>Вход в приложение</a:t>
-            </a:r>
-            <a:endParaRPr lang="en-US" altLang="en-US" sz="3000">
-              <a:solidFill>
-                <a:schemeClr val="tx1"/>
-              </a:solidFill>
-            </a:endParaRPr>
-          </a:p>
-          <a:p>
-            <a:pPr marL="514350" indent="-514350">
-              <a:buFont typeface="Arial" panose="020B0604020202020204" pitchFamily="34" charset="0"/>
-              <a:buAutoNum type="arabicPeriod"/>
-            </a:pPr>
-            <a:r>
-              <a:rPr lang="en-US" altLang="en-US" sz="3000">
-                <a:solidFill>
-                  <a:schemeClr val="tx1"/>
-                </a:solidFill>
-              </a:rPr>
-              <a:t>Создание упражнения</a:t>
-            </a:r>
-            <a:endParaRPr lang="en-US" altLang="en-US" sz="3000">
-              <a:solidFill>
-                <a:schemeClr val="tx1"/>
-              </a:solidFill>
-            </a:endParaRPr>
-          </a:p>
-          <a:p>
-            <a:pPr marL="514350" indent="-514350">
-              <a:buFont typeface="Arial" panose="020B0604020202020204" pitchFamily="34" charset="0"/>
-              <a:buAutoNum type="arabicPeriod"/>
-            </a:pPr>
-            <a:r>
-              <a:rPr lang="en-US" altLang="en-US" sz="3000">
-                <a:solidFill>
-                  <a:schemeClr val="tx1"/>
-                </a:solidFill>
-              </a:rPr>
-              <a:t>Создание комплекса упражнений</a:t>
-            </a:r>
-            <a:endParaRPr lang="en-US" altLang="en-US" sz="3000">
-              <a:solidFill>
-                <a:schemeClr val="tx1"/>
-              </a:solidFill>
-            </a:endParaRPr>
-          </a:p>
-          <a:p>
-            <a:pPr marL="514350" indent="-514350">
-              <a:buFont typeface="Arial" panose="020B0604020202020204" pitchFamily="34" charset="0"/>
-              <a:buAutoNum type="arabicPeriod"/>
-            </a:pPr>
-            <a:r>
-              <a:rPr lang="en-US" altLang="en-US" sz="3000">
-                <a:solidFill>
-                  <a:schemeClr val="tx1"/>
-                </a:solidFill>
-              </a:rPr>
-              <a:t>Редактирование комплекса упражнений </a:t>
-            </a:r>
-            <a:endParaRPr lang="en-US" altLang="en-US" sz="3000">
-              <a:solidFill>
-                <a:schemeClr val="tx1"/>
-              </a:solidFill>
-            </a:endParaRPr>
-          </a:p>
-          <a:p>
-            <a:pPr marL="514350" indent="-514350">
-              <a:buFont typeface="Arial" panose="020B0604020202020204" pitchFamily="34" charset="0"/>
-              <a:buAutoNum type="arabicPeriod"/>
-            </a:pPr>
-            <a:r>
-              <a:rPr lang="en-US" altLang="en-US" sz="3000">
-                <a:solidFill>
-                  <a:schemeClr val="tx1"/>
-                </a:solidFill>
-              </a:rPr>
-              <a:t>Редактирование упражнения</a:t>
-            </a:r>
-            <a:endParaRPr lang="en-US" altLang="en-US" sz="3000">
-              <a:solidFill>
-                <a:schemeClr val="tx1"/>
-              </a:solidFill>
-            </a:endParaRPr>
-          </a:p>
-          <a:p>
-            <a:pPr marL="514350" indent="-514350">
-              <a:buFont typeface="Arial" panose="020B0604020202020204" pitchFamily="34" charset="0"/>
-              <a:buAutoNum type="arabicPeriod"/>
-            </a:pPr>
-            <a:r>
-              <a:rPr lang="en-US" altLang="en-US" sz="3000">
-                <a:solidFill>
-                  <a:schemeClr val="tx1"/>
-                </a:solidFill>
-              </a:rPr>
-              <a:t>Проведение тренировки</a:t>
-            </a:r>
-            <a:endParaRPr lang="en-US" altLang="en-US" sz="3000">
-              <a:solidFill>
-                <a:schemeClr val="tx1"/>
-              </a:solidFill>
-            </a:endParaRPr>
-          </a:p>
-          <a:p>
-            <a:pPr marL="514350" indent="-514350">
-              <a:buFont typeface="Arial" panose="020B0604020202020204" pitchFamily="34" charset="0"/>
-              <a:buAutoNum type="arabicPeriod"/>
-            </a:pPr>
-            <a:r>
-              <a:rPr lang="en-US" altLang="en-US" sz="3000">
-                <a:solidFill>
-                  <a:schemeClr val="tx1"/>
-                </a:solidFill>
-              </a:rPr>
-              <a:t>Получение списка комплексов упражнений </a:t>
-            </a:r>
-            <a:endParaRPr lang="en-US" altLang="en-US" sz="3000">
-              <a:solidFill>
-                <a:schemeClr val="tx1"/>
-              </a:solidFill>
-            </a:endParaRPr>
-          </a:p>
-          <a:p>
-            <a:pPr marL="514350" indent="-514350">
-              <a:buFont typeface="Arial" panose="020B0604020202020204" pitchFamily="34" charset="0"/>
-              <a:buAutoNum type="arabicPeriod"/>
-            </a:pPr>
-            <a:r>
-              <a:rPr lang="en-US" altLang="en-US" sz="3000">
-                <a:solidFill>
-                  <a:schemeClr val="tx1"/>
-                </a:solidFill>
-              </a:rPr>
-              <a:t>Получение списка упражнений </a:t>
-            </a:r>
-            <a:endParaRPr lang="en-US" altLang="en-US" sz="3000">
-              <a:solidFill>
-                <a:schemeClr val="tx1"/>
-              </a:solidFill>
-            </a:endParaRPr>
-          </a:p>
-        </p:txBody>
-      </p:sp>
-      <p:sp>
-        <p:nvSpPr>
-          <p:cNvPr id="4" name="Замещающее содержимое 3"/>
-          <p:cNvSpPr>
-            <a:spLocks noGrp="1"/>
-          </p:cNvSpPr>
-          <p:nvPr>
-            <p:ph sz="half" idx="2"/>
-          </p:nvPr>
-        </p:nvSpPr>
+      </p:pic>
+      <p:pic>
+        <p:nvPicPr>
+          <p:cNvPr id="14" name="Изображение 13"/>
+          <p:cNvPicPr>
+            <a:picLocks noChangeAspect="1"/>
+          </p:cNvPicPr>
+          <p:nvPr/>
+        </p:nvPicPr>
+        <p:blipFill>
+          <a:blip r:embed="rId3"/>
+          <a:stretch>
+            <a:fillRect/>
+          </a:stretch>
+        </p:blipFill>
         <p:spPr>
           <a:xfrm>
-            <a:off x="5981700" y="1148080"/>
-            <a:ext cx="5181600" cy="5029200"/>
+            <a:off x="7363460" y="1814830"/>
+            <a:ext cx="1951355" cy="4339590"/>
           </a:xfrm>
+          <a:prstGeom prst="rect">
+            <a:avLst/>
+          </a:prstGeom>
         </p:spPr>
-        <p:txBody>
-          <a:bodyPr/>
-          <a:p>
-            <a:r>
-              <a:rPr lang="ru-RU" altLang="en-US" sz="2400"/>
-              <a:t>В результате проведенного ручного тестирования все тест-кейсы указанные выше были пройдены успешно, не возникло каких-либо ошибок при выполнении.</a:t>
-            </a:r>
-            <a:endParaRPr lang="ru-RU" altLang="en-US" sz="2400"/>
-          </a:p>
-        </p:txBody>
-      </p:sp>
-      <p:sp>
-        <p:nvSpPr>
-          <p:cNvPr id="5" name="Замещающий номер слайда 4"/>
-          <p:cNvSpPr>
-            <a:spLocks noGrp="1"/>
-          </p:cNvSpPr>
-          <p:nvPr>
-            <p:ph type="sldNum" sz="quarter" idx="12"/>
-          </p:nvPr>
-        </p:nvSpPr>
-        <p:spPr/>
-        <p:txBody>
-          <a:bodyPr/>
-          <a:p>
-            <a:fld id="{49AE70B2-8BF9-45C0-BB95-33D1B9D3A854}" type="slidenum">
-              <a:rPr lang="en-US" smtClean="0"/>
-            </a:fld>
-            <a:endParaRPr lang="en-US"/>
-          </a:p>
-        </p:txBody>
-      </p:sp>
+      </p:pic>
+      <p:pic>
+        <p:nvPicPr>
+          <p:cNvPr id="15" name="Изображение 14"/>
+          <p:cNvPicPr>
+            <a:picLocks noChangeAspect="1"/>
+          </p:cNvPicPr>
+          <p:nvPr/>
+        </p:nvPicPr>
+        <p:blipFill>
+          <a:blip r:embed="rId4"/>
+          <a:stretch>
+            <a:fillRect/>
+          </a:stretch>
+        </p:blipFill>
+        <p:spPr>
+          <a:xfrm>
+            <a:off x="9618980" y="1811655"/>
+            <a:ext cx="1958340" cy="4353560"/>
+          </a:xfrm>
+          <a:prstGeom prst="rect">
+            <a:avLst/>
+          </a:prstGeom>
+        </p:spPr>
+      </p:pic>
+      <p:pic>
+        <p:nvPicPr>
+          <p:cNvPr id="16" name="Изображение 15"/>
+          <p:cNvPicPr>
+            <a:picLocks noChangeAspect="1"/>
+          </p:cNvPicPr>
+          <p:nvPr/>
+        </p:nvPicPr>
+        <p:blipFill>
+          <a:blip r:embed="rId5"/>
+          <a:stretch>
+            <a:fillRect/>
+          </a:stretch>
+        </p:blipFill>
+        <p:spPr>
+          <a:xfrm>
+            <a:off x="580390" y="1814830"/>
+            <a:ext cx="1974215" cy="4387850"/>
+          </a:xfrm>
+          <a:prstGeom prst="rect">
+            <a:avLst/>
+          </a:prstGeom>
+        </p:spPr>
+      </p:pic>
     </p:spTree>
   </p:cSld>
   <p:clrMapOvr>
@@ -5906,36 +7478,308 @@
             <p:ph type="title"/>
           </p:nvPr>
         </p:nvSpPr>
-        <p:spPr/>
+        <p:spPr>
+          <a:xfrm>
+            <a:off x="647700" y="258445"/>
+            <a:ext cx="10515600" cy="731520"/>
+          </a:xfrm>
+        </p:spPr>
+        <p:txBody>
+          <a:bodyPr>
+            <a:normAutofit/>
+          </a:bodyPr>
+          <a:p>
+            <a:r>
+              <a:rPr lang="ru-RU" altLang="en-US" sz="2800">
+                <a:latin typeface="Times New Roman" panose="02020603050405020304" charset="0"/>
+                <a:cs typeface="Times New Roman" panose="02020603050405020304" charset="0"/>
+              </a:rPr>
+              <a:t>Ручное тестирование приложения</a:t>
+            </a:r>
+            <a:endParaRPr lang="ru-RU" altLang="en-US" sz="2800">
+              <a:latin typeface="Times New Roman" panose="02020603050405020304" charset="0"/>
+              <a:cs typeface="Times New Roman" panose="02020603050405020304" charset="0"/>
+            </a:endParaRPr>
+          </a:p>
+        </p:txBody>
+      </p:sp>
+      <p:sp>
+        <p:nvSpPr>
+          <p:cNvPr id="3" name="Замещающее содержимое 2"/>
+          <p:cNvSpPr>
+            <a:spLocks noGrp="1"/>
+          </p:cNvSpPr>
+          <p:nvPr>
+            <p:ph sz="half" idx="1"/>
+          </p:nvPr>
+        </p:nvSpPr>
+        <p:spPr>
+          <a:xfrm>
+            <a:off x="647700" y="990600"/>
+            <a:ext cx="5181600" cy="5497830"/>
+          </a:xfrm>
+        </p:spPr>
+        <p:txBody>
+          <a:bodyPr>
+            <a:normAutofit fontScale="60000"/>
+          </a:bodyPr>
+          <a:p>
+            <a:r>
+              <a:rPr lang="ru-RU" altLang="en-US" sz="3000">
+                <a:solidFill>
+                  <a:schemeClr val="tx1"/>
+                </a:solidFill>
+                <a:latin typeface="Times New Roman" panose="02020603050405020304" charset="0"/>
+                <a:cs typeface="Times New Roman" panose="02020603050405020304" charset="0"/>
+              </a:rPr>
+              <a:t>Список пройденных тест-кейсов</a:t>
+            </a:r>
+            <a:r>
+              <a:rPr lang="en-US" altLang="en-US" sz="3000">
+                <a:solidFill>
+                  <a:schemeClr val="tx1"/>
+                </a:solidFill>
+                <a:latin typeface="Times New Roman" panose="02020603050405020304" charset="0"/>
+                <a:cs typeface="Times New Roman" panose="02020603050405020304" charset="0"/>
+              </a:rPr>
+              <a:t>:</a:t>
+            </a:r>
+            <a:endParaRPr lang="en-US" altLang="en-US" sz="3000">
+              <a:solidFill>
+                <a:schemeClr val="tx1"/>
+              </a:solidFill>
+              <a:latin typeface="Times New Roman" panose="02020603050405020304" charset="0"/>
+              <a:cs typeface="Times New Roman" panose="02020603050405020304" charset="0"/>
+            </a:endParaRPr>
+          </a:p>
+          <a:p>
+            <a:pPr marL="514350" indent="-514350">
+              <a:buFont typeface="Arial" panose="020B0604020202020204" pitchFamily="34" charset="0"/>
+              <a:buAutoNum type="arabicPeriod"/>
+            </a:pPr>
+            <a:r>
+              <a:rPr lang="en-US" altLang="en-US" sz="3000">
+                <a:solidFill>
+                  <a:schemeClr val="tx1"/>
+                </a:solidFill>
+                <a:latin typeface="Times New Roman" panose="02020603050405020304" charset="0"/>
+                <a:cs typeface="Times New Roman" panose="02020603050405020304" charset="0"/>
+              </a:rPr>
+              <a:t>Регистрация в приложении </a:t>
+            </a:r>
+            <a:endParaRPr lang="en-US" altLang="en-US" sz="3000">
+              <a:solidFill>
+                <a:schemeClr val="tx1"/>
+              </a:solidFill>
+              <a:latin typeface="Times New Roman" panose="02020603050405020304" charset="0"/>
+              <a:cs typeface="Times New Roman" panose="02020603050405020304" charset="0"/>
+            </a:endParaRPr>
+          </a:p>
+          <a:p>
+            <a:pPr marL="514350" indent="-514350">
+              <a:buFont typeface="Arial" panose="020B0604020202020204" pitchFamily="34" charset="0"/>
+              <a:buAutoNum type="arabicPeriod"/>
+            </a:pPr>
+            <a:r>
+              <a:rPr lang="en-US" altLang="en-US" sz="3000">
+                <a:solidFill>
+                  <a:schemeClr val="tx1"/>
+                </a:solidFill>
+                <a:latin typeface="Times New Roman" panose="02020603050405020304" charset="0"/>
+                <a:cs typeface="Times New Roman" panose="02020603050405020304" charset="0"/>
+              </a:rPr>
+              <a:t>Вход в приложение</a:t>
+            </a:r>
+            <a:endParaRPr lang="en-US" altLang="en-US" sz="3000">
+              <a:solidFill>
+                <a:schemeClr val="tx1"/>
+              </a:solidFill>
+              <a:latin typeface="Times New Roman" panose="02020603050405020304" charset="0"/>
+              <a:cs typeface="Times New Roman" panose="02020603050405020304" charset="0"/>
+            </a:endParaRPr>
+          </a:p>
+          <a:p>
+            <a:pPr marL="514350" indent="-514350">
+              <a:buFont typeface="Arial" panose="020B0604020202020204" pitchFamily="34" charset="0"/>
+              <a:buAutoNum type="arabicPeriod"/>
+            </a:pPr>
+            <a:r>
+              <a:rPr lang="en-US" altLang="en-US" sz="3000">
+                <a:solidFill>
+                  <a:schemeClr val="tx1"/>
+                </a:solidFill>
+                <a:latin typeface="Times New Roman" panose="02020603050405020304" charset="0"/>
+                <a:cs typeface="Times New Roman" panose="02020603050405020304" charset="0"/>
+              </a:rPr>
+              <a:t>Создание упражнения</a:t>
+            </a:r>
+            <a:endParaRPr lang="en-US" altLang="en-US" sz="3000">
+              <a:solidFill>
+                <a:schemeClr val="tx1"/>
+              </a:solidFill>
+              <a:latin typeface="Times New Roman" panose="02020603050405020304" charset="0"/>
+              <a:cs typeface="Times New Roman" panose="02020603050405020304" charset="0"/>
+            </a:endParaRPr>
+          </a:p>
+          <a:p>
+            <a:pPr marL="514350" indent="-514350">
+              <a:buFont typeface="Arial" panose="020B0604020202020204" pitchFamily="34" charset="0"/>
+              <a:buAutoNum type="arabicPeriod"/>
+            </a:pPr>
+            <a:r>
+              <a:rPr lang="en-US" altLang="en-US" sz="3000">
+                <a:solidFill>
+                  <a:schemeClr val="tx1"/>
+                </a:solidFill>
+                <a:latin typeface="Times New Roman" panose="02020603050405020304" charset="0"/>
+                <a:cs typeface="Times New Roman" panose="02020603050405020304" charset="0"/>
+              </a:rPr>
+              <a:t>Создание комплекса упражнений</a:t>
+            </a:r>
+            <a:endParaRPr lang="en-US" altLang="en-US" sz="3000">
+              <a:solidFill>
+                <a:schemeClr val="tx1"/>
+              </a:solidFill>
+              <a:latin typeface="Times New Roman" panose="02020603050405020304" charset="0"/>
+              <a:cs typeface="Times New Roman" panose="02020603050405020304" charset="0"/>
+            </a:endParaRPr>
+          </a:p>
+          <a:p>
+            <a:pPr marL="514350" indent="-514350">
+              <a:buFont typeface="Arial" panose="020B0604020202020204" pitchFamily="34" charset="0"/>
+              <a:buAutoNum type="arabicPeriod"/>
+            </a:pPr>
+            <a:r>
+              <a:rPr lang="en-US" altLang="en-US" sz="3000">
+                <a:solidFill>
+                  <a:schemeClr val="tx1"/>
+                </a:solidFill>
+                <a:latin typeface="Times New Roman" panose="02020603050405020304" charset="0"/>
+                <a:cs typeface="Times New Roman" panose="02020603050405020304" charset="0"/>
+              </a:rPr>
+              <a:t>Редактирование комплекса упражнений </a:t>
+            </a:r>
+            <a:endParaRPr lang="en-US" altLang="en-US" sz="3000">
+              <a:solidFill>
+                <a:schemeClr val="tx1"/>
+              </a:solidFill>
+              <a:latin typeface="Times New Roman" panose="02020603050405020304" charset="0"/>
+              <a:cs typeface="Times New Roman" panose="02020603050405020304" charset="0"/>
+            </a:endParaRPr>
+          </a:p>
+          <a:p>
+            <a:pPr marL="514350" indent="-514350">
+              <a:buFont typeface="Arial" panose="020B0604020202020204" pitchFamily="34" charset="0"/>
+              <a:buAutoNum type="arabicPeriod"/>
+            </a:pPr>
+            <a:r>
+              <a:rPr lang="en-US" altLang="en-US" sz="3000">
+                <a:solidFill>
+                  <a:schemeClr val="tx1"/>
+                </a:solidFill>
+                <a:latin typeface="Times New Roman" panose="02020603050405020304" charset="0"/>
+                <a:cs typeface="Times New Roman" panose="02020603050405020304" charset="0"/>
+              </a:rPr>
+              <a:t>Редактирование упражнения</a:t>
+            </a:r>
+            <a:endParaRPr lang="en-US" altLang="en-US" sz="3000">
+              <a:solidFill>
+                <a:schemeClr val="tx1"/>
+              </a:solidFill>
+              <a:latin typeface="Times New Roman" panose="02020603050405020304" charset="0"/>
+              <a:cs typeface="Times New Roman" panose="02020603050405020304" charset="0"/>
+            </a:endParaRPr>
+          </a:p>
+          <a:p>
+            <a:pPr marL="514350" indent="-514350">
+              <a:buFont typeface="Arial" panose="020B0604020202020204" pitchFamily="34" charset="0"/>
+              <a:buAutoNum type="arabicPeriod"/>
+            </a:pPr>
+            <a:r>
+              <a:rPr lang="en-US" altLang="en-US" sz="3000">
+                <a:solidFill>
+                  <a:schemeClr val="tx1"/>
+                </a:solidFill>
+                <a:latin typeface="Times New Roman" panose="02020603050405020304" charset="0"/>
+                <a:cs typeface="Times New Roman" panose="02020603050405020304" charset="0"/>
+              </a:rPr>
+              <a:t>Проведение тренировки</a:t>
+            </a:r>
+            <a:endParaRPr lang="en-US" altLang="en-US" sz="3000">
+              <a:solidFill>
+                <a:schemeClr val="tx1"/>
+              </a:solidFill>
+              <a:latin typeface="Times New Roman" panose="02020603050405020304" charset="0"/>
+              <a:cs typeface="Times New Roman" panose="02020603050405020304" charset="0"/>
+            </a:endParaRPr>
+          </a:p>
+          <a:p>
+            <a:pPr marL="514350" indent="-514350">
+              <a:buFont typeface="Arial" panose="020B0604020202020204" pitchFamily="34" charset="0"/>
+              <a:buAutoNum type="arabicPeriod"/>
+            </a:pPr>
+            <a:r>
+              <a:rPr lang="en-US" altLang="en-US" sz="3000">
+                <a:solidFill>
+                  <a:schemeClr val="tx1"/>
+                </a:solidFill>
+                <a:latin typeface="Times New Roman" panose="02020603050405020304" charset="0"/>
+                <a:cs typeface="Times New Roman" panose="02020603050405020304" charset="0"/>
+              </a:rPr>
+              <a:t>Получение списка комплексов упражнений </a:t>
+            </a:r>
+            <a:endParaRPr lang="en-US" altLang="en-US" sz="3000">
+              <a:solidFill>
+                <a:schemeClr val="tx1"/>
+              </a:solidFill>
+              <a:latin typeface="Times New Roman" panose="02020603050405020304" charset="0"/>
+              <a:cs typeface="Times New Roman" panose="02020603050405020304" charset="0"/>
+            </a:endParaRPr>
+          </a:p>
+          <a:p>
+            <a:pPr marL="514350" indent="-514350">
+              <a:buFont typeface="Arial" panose="020B0604020202020204" pitchFamily="34" charset="0"/>
+              <a:buAutoNum type="arabicPeriod"/>
+            </a:pPr>
+            <a:r>
+              <a:rPr lang="en-US" altLang="en-US" sz="3000">
+                <a:solidFill>
+                  <a:schemeClr val="tx1"/>
+                </a:solidFill>
+                <a:latin typeface="Times New Roman" panose="02020603050405020304" charset="0"/>
+                <a:cs typeface="Times New Roman" panose="02020603050405020304" charset="0"/>
+              </a:rPr>
+              <a:t>Получение списка упражнений </a:t>
+            </a:r>
+            <a:endParaRPr lang="en-US" altLang="en-US" sz="3000">
+              <a:solidFill>
+                <a:schemeClr val="tx1"/>
+              </a:solidFill>
+              <a:latin typeface="Times New Roman" panose="02020603050405020304" charset="0"/>
+              <a:cs typeface="Times New Roman" panose="02020603050405020304" charset="0"/>
+            </a:endParaRPr>
+          </a:p>
+        </p:txBody>
+      </p:sp>
+      <p:sp>
+        <p:nvSpPr>
+          <p:cNvPr id="4" name="Замещающее содержимое 3"/>
+          <p:cNvSpPr>
+            <a:spLocks noGrp="1"/>
+          </p:cNvSpPr>
+          <p:nvPr>
+            <p:ph sz="half" idx="2"/>
+          </p:nvPr>
+        </p:nvSpPr>
+        <p:spPr>
+          <a:xfrm>
+            <a:off x="5981700" y="1148080"/>
+            <a:ext cx="5181600" cy="5029200"/>
+          </a:xfrm>
+        </p:spPr>
         <p:txBody>
           <a:bodyPr/>
           <a:p>
-            <a:r>
-              <a:rPr lang="ru-RU" altLang="en-US" sz="3600"/>
-              <a:t>Степень выполнения работ</a:t>
-            </a:r>
-            <a:endParaRPr lang="ru-RU" altLang="en-US" sz="3600"/>
-          </a:p>
-        </p:txBody>
-      </p:sp>
-      <p:sp>
-        <p:nvSpPr>
-          <p:cNvPr id="3" name="Замещающее содержимое 2"/>
-          <p:cNvSpPr>
-            <a:spLocks noGrp="1"/>
-          </p:cNvSpPr>
-          <p:nvPr>
-            <p:ph sz="half" idx="1"/>
-          </p:nvPr>
-        </p:nvSpPr>
-        <p:spPr/>
-        <p:txBody>
-          <a:bodyPr/>
-          <a:p>
-            <a:pPr marL="457200" indent="-457200">
-              <a:buFont typeface="Arial" panose="020B0604020202020204" pitchFamily="34" charset="0"/>
-              <a:buChar char="•"/>
-            </a:pPr>
             <a:r>
               <a:rPr lang="ru-RU" altLang="en-US" sz="2400">
                 <a:solidFill>
@@ -5944,125 +7788,9 @@
                 <a:latin typeface="Times New Roman" panose="02020603050405020304" charset="0"/>
                 <a:cs typeface="Times New Roman" panose="02020603050405020304" charset="0"/>
               </a:rPr>
-              <a:t>ТЗ - 100</a:t>
-            </a:r>
-            <a:r>
-              <a:rPr lang="en-US" altLang="en-US" sz="2400">
-                <a:solidFill>
-                  <a:schemeClr val="tx1"/>
-                </a:solidFill>
-                <a:latin typeface="Times New Roman" panose="02020603050405020304" charset="0"/>
-                <a:cs typeface="Times New Roman" panose="02020603050405020304" charset="0"/>
-              </a:rPr>
-              <a:t>%</a:t>
-            </a:r>
-            <a:endParaRPr lang="en-US" altLang="en-US" sz="2400">
-              <a:solidFill>
-                <a:schemeClr val="tx1"/>
-              </a:solidFill>
-              <a:latin typeface="Times New Roman" panose="02020603050405020304" charset="0"/>
-              <a:cs typeface="Times New Roman" panose="02020603050405020304" charset="0"/>
-            </a:endParaRPr>
-          </a:p>
-          <a:p>
-            <a:pPr marL="457200" indent="-457200">
-              <a:buFont typeface="Arial" panose="020B0604020202020204" pitchFamily="34" charset="0"/>
-              <a:buChar char="•"/>
-            </a:pPr>
-            <a:r>
-              <a:rPr lang="ru-RU" altLang="en-US" sz="2400">
-                <a:solidFill>
-                  <a:schemeClr val="tx1"/>
-                </a:solidFill>
-                <a:latin typeface="Times New Roman" panose="02020603050405020304" charset="0"/>
-                <a:cs typeface="Times New Roman" panose="02020603050405020304" charset="0"/>
-              </a:rPr>
-              <a:t>ПЗ - </a:t>
-            </a:r>
-            <a:r>
-              <a:rPr lang="en-US" altLang="ru-RU" sz="2400">
-                <a:solidFill>
-                  <a:schemeClr val="tx1"/>
-                </a:solidFill>
-                <a:latin typeface="Times New Roman" panose="02020603050405020304" charset="0"/>
-                <a:cs typeface="Times New Roman" panose="02020603050405020304" charset="0"/>
-              </a:rPr>
-              <a:t>8</a:t>
-            </a:r>
-            <a:r>
-              <a:rPr lang="ru-RU" altLang="en-US" sz="2400">
-                <a:solidFill>
-                  <a:schemeClr val="tx1"/>
-                </a:solidFill>
-                <a:latin typeface="Times New Roman" panose="02020603050405020304" charset="0"/>
-                <a:cs typeface="Times New Roman" panose="02020603050405020304" charset="0"/>
-              </a:rPr>
-              <a:t>5</a:t>
-            </a:r>
-            <a:r>
-              <a:rPr lang="en-US" altLang="en-US" sz="2400">
-                <a:solidFill>
-                  <a:schemeClr val="tx1"/>
-                </a:solidFill>
-                <a:latin typeface="Times New Roman" panose="02020603050405020304" charset="0"/>
-                <a:cs typeface="Times New Roman" panose="02020603050405020304" charset="0"/>
-              </a:rPr>
-              <a:t>%</a:t>
-            </a:r>
-            <a:endParaRPr lang="en-US" altLang="en-US" sz="2400">
-              <a:solidFill>
-                <a:schemeClr val="tx1"/>
-              </a:solidFill>
-              <a:latin typeface="Times New Roman" panose="02020603050405020304" charset="0"/>
-              <a:cs typeface="Times New Roman" panose="02020603050405020304" charset="0"/>
-            </a:endParaRPr>
-          </a:p>
-          <a:p>
-            <a:pPr marL="457200" indent="-457200">
-              <a:buFont typeface="Arial" panose="020B0604020202020204" pitchFamily="34" charset="0"/>
-              <a:buChar char="•"/>
-            </a:pPr>
-            <a:r>
-              <a:rPr lang="ru-RU" altLang="en-US" sz="2400">
-                <a:solidFill>
-                  <a:schemeClr val="tx1"/>
-                </a:solidFill>
-                <a:latin typeface="Times New Roman" panose="02020603050405020304" charset="0"/>
-                <a:cs typeface="Times New Roman" panose="02020603050405020304" charset="0"/>
-              </a:rPr>
-              <a:t>Программа - </a:t>
-            </a:r>
-            <a:r>
-              <a:rPr lang="en-US" altLang="ru-RU" sz="2400">
-                <a:solidFill>
-                  <a:schemeClr val="tx1"/>
-                </a:solidFill>
-                <a:latin typeface="Times New Roman" panose="02020603050405020304" charset="0"/>
-                <a:cs typeface="Times New Roman" panose="02020603050405020304" charset="0"/>
-              </a:rPr>
-              <a:t>9</a:t>
-            </a:r>
-            <a:r>
-              <a:rPr lang="ru-RU" altLang="en-US" sz="2400">
-                <a:solidFill>
-                  <a:schemeClr val="tx1"/>
-                </a:solidFill>
-                <a:latin typeface="Times New Roman" panose="02020603050405020304" charset="0"/>
-                <a:cs typeface="Times New Roman" panose="02020603050405020304" charset="0"/>
-              </a:rPr>
-              <a:t>0</a:t>
-            </a:r>
-            <a:r>
-              <a:rPr lang="en-US" altLang="en-US" sz="2400">
-                <a:solidFill>
-                  <a:schemeClr val="tx1"/>
-                </a:solidFill>
-                <a:latin typeface="Times New Roman" panose="02020603050405020304" charset="0"/>
-                <a:cs typeface="Times New Roman" panose="02020603050405020304" charset="0"/>
-              </a:rPr>
-              <a:t>%</a:t>
-            </a:r>
-            <a:endParaRPr lang="en-US" altLang="en-US" sz="2400">
+              <a:t>В результате проведенного ручного тестирования все тест-кейсы указанные выше были пройдены успешно, не возникло каких-либо ошибок при выполнении.</a:t>
+            </a:r>
+            <a:endParaRPr lang="ru-RU" altLang="en-US" sz="2400">
               <a:solidFill>
                 <a:schemeClr val="tx1"/>
               </a:solidFill>
@@ -6123,24 +7851,298 @@
             <p:ph type="title"/>
           </p:nvPr>
         </p:nvSpPr>
-        <p:spPr>
-          <a:xfrm>
-            <a:off x="647700" y="2564765"/>
-            <a:ext cx="10515600" cy="1325563"/>
-          </a:xfrm>
-        </p:spPr>
-        <p:txBody>
-          <a:bodyPr/>
-          <a:p>
-            <a:pPr algn="ctr"/>
-            <a:r>
-              <a:rPr lang="ru-RU" altLang="en-US">
+        <p:spPr/>
+        <p:txBody>
+          <a:bodyPr>
+            <a:normAutofit/>
+          </a:bodyPr>
+          <a:p>
+            <a:r>
+              <a:rPr lang="ru-RU" altLang="en-US" sz="3110">
                 <a:latin typeface="Times New Roman" panose="02020603050405020304" charset="0"/>
                 <a:cs typeface="Times New Roman" panose="02020603050405020304" charset="0"/>
               </a:rPr>
-              <a:t>Спасибо за внимание!</a:t>
-            </a:r>
-            <a:endParaRPr lang="ru-RU" altLang="en-US">
+              <a:t>Результаты опросов независимых пользователей</a:t>
+            </a:r>
+            <a:endParaRPr lang="ru-RU" altLang="en-US" sz="3110">
+              <a:latin typeface="Times New Roman" panose="02020603050405020304" charset="0"/>
+              <a:cs typeface="Times New Roman" panose="02020603050405020304" charset="0"/>
+            </a:endParaRPr>
+          </a:p>
+        </p:txBody>
+      </p:sp>
+      <p:graphicFrame>
+        <p:nvGraphicFramePr>
+          <p:cNvPr id="6" name="Замещающее содержимое 5"/>
+          <p:cNvGraphicFramePr/>
+          <p:nvPr>
+            <p:ph sz="half" idx="1"/>
+          </p:nvPr>
+        </p:nvGraphicFramePr>
+        <p:xfrm>
+          <a:off x="647700" y="1583690"/>
+          <a:ext cx="5181600" cy="4593590"/>
+        </p:xfrm>
+        <a:graphic>
+          <a:graphicData uri="http://schemas.openxmlformats.org/drawingml/2006/chart">
+            <c:chart xmlns:c="http://schemas.openxmlformats.org/drawingml/2006/chart" xmlns:r="http://schemas.openxmlformats.org/officeDocument/2006/relationships" r:id="rId1"/>
+          </a:graphicData>
+        </a:graphic>
+      </p:graphicFrame>
+      <p:graphicFrame>
+        <p:nvGraphicFramePr>
+          <p:cNvPr id="7" name="Замещающее содержимое 6"/>
+          <p:cNvGraphicFramePr/>
+          <p:nvPr>
+            <p:ph sz="half" idx="2"/>
+          </p:nvPr>
+        </p:nvGraphicFramePr>
+        <p:xfrm>
+          <a:off x="5981700" y="1825625"/>
+          <a:ext cx="5181600" cy="4351338"/>
+        </p:xfrm>
+        <a:graphic>
+          <a:graphicData uri="http://schemas.openxmlformats.org/drawingml/2006/chart">
+            <c:chart xmlns:c="http://schemas.openxmlformats.org/drawingml/2006/chart" xmlns:r="http://schemas.openxmlformats.org/officeDocument/2006/relationships" r:id="rId2"/>
+          </a:graphicData>
+        </a:graphic>
+      </p:graphicFrame>
+      <p:sp>
+        <p:nvSpPr>
+          <p:cNvPr id="5" name="Замещающий номер слайда 4"/>
+          <p:cNvSpPr>
+            <a:spLocks noGrp="1"/>
+          </p:cNvSpPr>
+          <p:nvPr>
+            <p:ph type="sldNum" sz="quarter" idx="12"/>
+          </p:nvPr>
+        </p:nvSpPr>
+        <p:spPr/>
+        <p:txBody>
+          <a:bodyPr>
+            <a:noAutofit/>
+          </a:bodyPr>
+          <a:p>
+            <a:fld id="{49AE70B2-8BF9-45C0-BB95-33D1B9D3A854}" type="slidenum">
+              <a:rPr lang="en-US" sz="3200" smtClean="0"/>
+            </a:fld>
+            <a:endParaRPr lang="en-US" sz="3200" smtClean="0"/>
+          </a:p>
+        </p:txBody>
+      </p:sp>
+      <p:sp>
+        <p:nvSpPr>
+          <p:cNvPr id="8" name="Текстовое поле 7"/>
+          <p:cNvSpPr txBox="1"/>
+          <p:nvPr/>
+        </p:nvSpPr>
+        <p:spPr>
+          <a:xfrm>
+            <a:off x="10015855" y="-274320"/>
+            <a:ext cx="4064000" cy="368300"/>
+          </a:xfrm>
+          <a:prstGeom prst="rect">
+            <a:avLst/>
+          </a:prstGeom>
+          <a:noFill/>
+        </p:spPr>
+        <p:txBody>
+          <a:bodyPr wrap="square" rtlCol="0">
+            <a:spAutoFit/>
+          </a:bodyPr>
+          <a:p>
+            <a:endParaRPr lang="ru-RU" altLang="en-US"/>
+          </a:p>
+        </p:txBody>
+      </p:sp>
+    </p:spTree>
+  </p:cSld>
+  <p:clrMapOvr>
+    <a:masterClrMapping/>
+  </p:clrMapOvr>
+</p:sld>
+</file>
+
+<file path=ppt/slides/slide19.xml><?xml version="1.0" encoding="utf-8"?>
+<p:sld xmlns:a="http://schemas.openxmlformats.org/drawingml/2006/main" xmlns:r="http://schemas.openxmlformats.org/officeDocument/2006/relationships" xmlns:p="http://schemas.openxmlformats.org/presentationml/2006/main">
+  <p:cSld>
+    <p:spTree>
+      <p:nvGrpSpPr>
+        <p:cNvPr id="1" name=""/>
+        <p:cNvGrpSpPr/>
+        <p:nvPr/>
+      </p:nvGrpSpPr>
+      <p:grpSpPr/>
+      <p:sp>
+        <p:nvSpPr>
+          <p:cNvPr id="2" name="Заголовок 1"/>
+          <p:cNvSpPr>
+            <a:spLocks noGrp="1"/>
+          </p:cNvSpPr>
+          <p:nvPr>
+            <p:ph type="title"/>
+          </p:nvPr>
+        </p:nvSpPr>
+        <p:spPr/>
+        <p:txBody>
+          <a:bodyPr/>
+          <a:p>
+            <a:r>
+              <a:rPr lang="ru-RU" altLang="en-US" sz="3600"/>
+              <a:t>Степень выполнения работ</a:t>
+            </a:r>
+            <a:endParaRPr lang="ru-RU" altLang="en-US" sz="3600"/>
+          </a:p>
+        </p:txBody>
+      </p:sp>
+      <p:sp>
+        <p:nvSpPr>
+          <p:cNvPr id="3" name="Замещающее содержимое 2"/>
+          <p:cNvSpPr>
+            <a:spLocks noGrp="1"/>
+          </p:cNvSpPr>
+          <p:nvPr>
+            <p:ph sz="half" idx="1"/>
+          </p:nvPr>
+        </p:nvSpPr>
+        <p:spPr/>
+        <p:txBody>
+          <a:bodyPr/>
+          <a:p>
+            <a:pPr marL="457200" indent="-457200">
+              <a:buFont typeface="Arial" panose="020B0604020202020204" pitchFamily="34" charset="0"/>
+              <a:buChar char="•"/>
+            </a:pPr>
+            <a:r>
+              <a:rPr lang="ru-RU" altLang="en-US" sz="2400">
+                <a:solidFill>
+                  <a:schemeClr val="tx1"/>
+                </a:solidFill>
+                <a:latin typeface="Times New Roman" panose="02020603050405020304" charset="0"/>
+                <a:cs typeface="Times New Roman" panose="02020603050405020304" charset="0"/>
+              </a:rPr>
+              <a:t>ТЗ - 100</a:t>
+            </a:r>
+            <a:r>
+              <a:rPr lang="en-US" altLang="en-US" sz="2400">
+                <a:solidFill>
+                  <a:schemeClr val="tx1"/>
+                </a:solidFill>
+                <a:latin typeface="Times New Roman" panose="02020603050405020304" charset="0"/>
+                <a:cs typeface="Times New Roman" panose="02020603050405020304" charset="0"/>
+              </a:rPr>
+              <a:t>%</a:t>
+            </a:r>
+            <a:endParaRPr lang="en-US" altLang="en-US" sz="2400">
+              <a:solidFill>
+                <a:schemeClr val="tx1"/>
+              </a:solidFill>
+              <a:latin typeface="Times New Roman" panose="02020603050405020304" charset="0"/>
+              <a:cs typeface="Times New Roman" panose="02020603050405020304" charset="0"/>
+            </a:endParaRPr>
+          </a:p>
+          <a:p>
+            <a:pPr marL="457200" indent="-457200">
+              <a:buFont typeface="Arial" panose="020B0604020202020204" pitchFamily="34" charset="0"/>
+              <a:buChar char="•"/>
+            </a:pPr>
+            <a:r>
+              <a:rPr lang="ru-RU" altLang="en-US" sz="2400">
+                <a:solidFill>
+                  <a:schemeClr val="tx1"/>
+                </a:solidFill>
+                <a:latin typeface="Times New Roman" panose="02020603050405020304" charset="0"/>
+                <a:cs typeface="Times New Roman" panose="02020603050405020304" charset="0"/>
+              </a:rPr>
+              <a:t>ПЗ - </a:t>
+            </a:r>
+            <a:r>
+              <a:rPr lang="en-US" altLang="ru-RU" sz="2400">
+                <a:solidFill>
+                  <a:schemeClr val="tx1"/>
+                </a:solidFill>
+                <a:latin typeface="Times New Roman" panose="02020603050405020304" charset="0"/>
+                <a:cs typeface="Times New Roman" panose="02020603050405020304" charset="0"/>
+              </a:rPr>
+              <a:t>8</a:t>
+            </a:r>
+            <a:r>
+              <a:rPr lang="ru-RU" altLang="en-US" sz="2400">
+                <a:solidFill>
+                  <a:schemeClr val="tx1"/>
+                </a:solidFill>
+                <a:latin typeface="Times New Roman" panose="02020603050405020304" charset="0"/>
+                <a:cs typeface="Times New Roman" panose="02020603050405020304" charset="0"/>
+              </a:rPr>
+              <a:t>5</a:t>
+            </a:r>
+            <a:r>
+              <a:rPr lang="en-US" altLang="en-US" sz="2400">
+                <a:solidFill>
+                  <a:schemeClr val="tx1"/>
+                </a:solidFill>
+                <a:latin typeface="Times New Roman" panose="02020603050405020304" charset="0"/>
+                <a:cs typeface="Times New Roman" panose="02020603050405020304" charset="0"/>
+              </a:rPr>
+              <a:t>%</a:t>
+            </a:r>
+            <a:endParaRPr lang="en-US" altLang="en-US" sz="2400">
+              <a:solidFill>
+                <a:schemeClr val="tx1"/>
+              </a:solidFill>
+              <a:latin typeface="Times New Roman" panose="02020603050405020304" charset="0"/>
+              <a:cs typeface="Times New Roman" panose="02020603050405020304" charset="0"/>
+            </a:endParaRPr>
+          </a:p>
+          <a:p>
+            <a:pPr marL="457200" indent="-457200">
+              <a:buFont typeface="Arial" panose="020B0604020202020204" pitchFamily="34" charset="0"/>
+              <a:buChar char="•"/>
+            </a:pPr>
+            <a:r>
+              <a:rPr lang="ru-RU" altLang="en-US" sz="2400">
+                <a:solidFill>
+                  <a:schemeClr val="tx1"/>
+                </a:solidFill>
+                <a:latin typeface="Times New Roman" panose="02020603050405020304" charset="0"/>
+                <a:cs typeface="Times New Roman" panose="02020603050405020304" charset="0"/>
+              </a:rPr>
+              <a:t>Программа - </a:t>
+            </a:r>
+            <a:r>
+              <a:rPr lang="en-US" altLang="ru-RU" sz="2400">
+                <a:solidFill>
+                  <a:schemeClr val="tx1"/>
+                </a:solidFill>
+                <a:latin typeface="Times New Roman" panose="02020603050405020304" charset="0"/>
+                <a:cs typeface="Times New Roman" panose="02020603050405020304" charset="0"/>
+              </a:rPr>
+              <a:t>9</a:t>
+            </a:r>
+            <a:r>
+              <a:rPr lang="ru-RU" altLang="en-US" sz="2400">
+                <a:solidFill>
+                  <a:schemeClr val="tx1"/>
+                </a:solidFill>
+                <a:latin typeface="Times New Roman" panose="02020603050405020304" charset="0"/>
+                <a:cs typeface="Times New Roman" panose="02020603050405020304" charset="0"/>
+              </a:rPr>
+              <a:t>0</a:t>
+            </a:r>
+            <a:r>
+              <a:rPr lang="en-US" altLang="en-US" sz="2400">
+                <a:solidFill>
+                  <a:schemeClr val="tx1"/>
+                </a:solidFill>
+                <a:latin typeface="Times New Roman" panose="02020603050405020304" charset="0"/>
+                <a:cs typeface="Times New Roman" panose="02020603050405020304" charset="0"/>
+              </a:rPr>
+              <a:t>%</a:t>
+            </a:r>
+            <a:endParaRPr lang="en-US" altLang="en-US" sz="2400">
+              <a:solidFill>
+                <a:schemeClr val="tx1"/>
+              </a:solidFill>
               <a:latin typeface="Times New Roman" panose="02020603050405020304" charset="0"/>
               <a:cs typeface="Times New Roman" panose="02020603050405020304" charset="0"/>
             </a:endParaRPr>
@@ -6251,6 +8253,81 @@
       <p:sp>
         <p:nvSpPr>
           <p:cNvPr id="4" name="Замещающий номер слайда 3"/>
+          <p:cNvSpPr>
+            <a:spLocks noGrp="1"/>
+          </p:cNvSpPr>
+          <p:nvPr>
+            <p:ph type="sldNum" sz="quarter" idx="12"/>
+          </p:nvPr>
+        </p:nvSpPr>
+        <p:spPr/>
+        <p:txBody>
+          <a:bodyPr>
+            <a:noAutofit/>
+          </a:bodyPr>
+          <a:p>
+            <a:fld id="{49AE70B2-8BF9-45C0-BB95-33D1B9D3A854}" type="slidenum">
+              <a:rPr lang="en-US" sz="3200" smtClean="0"/>
+            </a:fld>
+            <a:endParaRPr lang="en-US" sz="3200" smtClean="0"/>
+          </a:p>
+        </p:txBody>
+      </p:sp>
+    </p:spTree>
+  </p:cSld>
+  <p:clrMapOvr>
+    <a:masterClrMapping/>
+  </p:clrMapOvr>
+</p:sld>
+</file>
+
+<file path=ppt/slides/slide20.xml><?xml version="1.0" encoding="utf-8"?>
+<p:sld xmlns:a="http://schemas.openxmlformats.org/drawingml/2006/main" xmlns:r="http://schemas.openxmlformats.org/officeDocument/2006/relationships" xmlns:p="http://schemas.openxmlformats.org/presentationml/2006/main">
+  <p:cSld>
+    <p:spTree>
+      <p:nvGrpSpPr>
+        <p:cNvPr id="1" name=""/>
+        <p:cNvGrpSpPr/>
+        <p:nvPr/>
+      </p:nvGrpSpPr>
+      <p:grpSpPr/>
+      <p:sp>
+        <p:nvSpPr>
+          <p:cNvPr id="2" name="Заголовок 1"/>
+          <p:cNvSpPr>
+            <a:spLocks noGrp="1"/>
+          </p:cNvSpPr>
+          <p:nvPr>
+            <p:ph type="title"/>
+          </p:nvPr>
+        </p:nvSpPr>
+        <p:spPr>
+          <a:xfrm>
+            <a:off x="647700" y="2564765"/>
+            <a:ext cx="10515600" cy="1325563"/>
+          </a:xfrm>
+        </p:spPr>
+        <p:txBody>
+          <a:bodyPr/>
+          <a:p>
+            <a:pPr algn="ctr"/>
+            <a:r>
+              <a:rPr lang="ru-RU" altLang="en-US">
+                <a:latin typeface="Times New Roman" panose="02020603050405020304" charset="0"/>
+                <a:cs typeface="Times New Roman" panose="02020603050405020304" charset="0"/>
+              </a:rPr>
+              <a:t>Спасибо за внимание!</a:t>
+            </a:r>
+            <a:endParaRPr lang="ru-RU" altLang="en-US">
+              <a:latin typeface="Times New Roman" panose="02020603050405020304" charset="0"/>
+              <a:cs typeface="Times New Roman" panose="02020603050405020304" charset="0"/>
+            </a:endParaRPr>
+          </a:p>
+        </p:txBody>
+      </p:sp>
+      <p:sp>
+        <p:nvSpPr>
+          <p:cNvPr id="5" name="Замещающий номер слайда 4"/>
           <p:cNvSpPr>
             <a:spLocks noGrp="1"/>
           </p:cNvSpPr>
